--- a/presentations/Flexbox.pptx
+++ b/presentations/Flexbox.pptx
@@ -5,7 +5,7 @@
     <p:sldMasterId id="2147483656" r:id="rId4"/>
   </p:sldMasterIdLst>
   <p:notesMasterIdLst>
-    <p:notesMasterId r:id="rId43"/>
+    <p:notesMasterId r:id="rId44"/>
   </p:notesMasterIdLst>
   <p:sldIdLst>
     <p:sldId id="258" r:id="rId5"/>
@@ -31,42 +31,43 @@
     <p:sldId id="288" r:id="rId25"/>
     <p:sldId id="279" r:id="rId26"/>
     <p:sldId id="280" r:id="rId27"/>
-    <p:sldId id="293" r:id="rId28"/>
-    <p:sldId id="292" r:id="rId29"/>
-    <p:sldId id="294" r:id="rId30"/>
-    <p:sldId id="295" r:id="rId31"/>
+    <p:sldId id="298" r:id="rId28"/>
+    <p:sldId id="291" r:id="rId29"/>
+    <p:sldId id="293" r:id="rId30"/>
+    <p:sldId id="292" r:id="rId31"/>
     <p:sldId id="296" r:id="rId32"/>
-    <p:sldId id="297" r:id="rId33"/>
-    <p:sldId id="291" r:id="rId34"/>
-    <p:sldId id="281" r:id="rId35"/>
-    <p:sldId id="282" r:id="rId36"/>
-    <p:sldId id="283" r:id="rId37"/>
-    <p:sldId id="284" r:id="rId38"/>
-    <p:sldId id="287" r:id="rId39"/>
-    <p:sldId id="289" r:id="rId40"/>
-    <p:sldId id="290" r:id="rId41"/>
-    <p:sldId id="285" r:id="rId42"/>
+    <p:sldId id="294" r:id="rId33"/>
+    <p:sldId id="295" r:id="rId34"/>
+    <p:sldId id="297" r:id="rId35"/>
+    <p:sldId id="281" r:id="rId36"/>
+    <p:sldId id="282" r:id="rId37"/>
+    <p:sldId id="283" r:id="rId38"/>
+    <p:sldId id="284" r:id="rId39"/>
+    <p:sldId id="287" r:id="rId40"/>
+    <p:sldId id="289" r:id="rId41"/>
+    <p:sldId id="290" r:id="rId42"/>
+    <p:sldId id="285" r:id="rId43"/>
   </p:sldIdLst>
   <p:sldSz cx="12192000" cy="6858000"/>
   <p:notesSz cx="6858000" cy="9144000"/>
   <p:embeddedFontLst>
     <p:embeddedFont>
       <p:font typeface="Calibri" panose="020F0502020204030204" pitchFamily="34" charset="0"/>
-      <p:regular r:id="rId44"/>
-      <p:bold r:id="rId45"/>
-      <p:italic r:id="rId46"/>
-      <p:boldItalic r:id="rId47"/>
+      <p:regular r:id="rId45"/>
+      <p:bold r:id="rId46"/>
+      <p:italic r:id="rId47"/>
+      <p:boldItalic r:id="rId48"/>
     </p:embeddedFont>
     <p:embeddedFont>
       <p:font typeface="Open Sans" panose="020B0604020202020204" charset="0"/>
-      <p:regular r:id="rId48"/>
-      <p:bold r:id="rId49"/>
-      <p:italic r:id="rId50"/>
-      <p:boldItalic r:id="rId51"/>
+      <p:regular r:id="rId49"/>
+      <p:bold r:id="rId50"/>
+      <p:italic r:id="rId51"/>
+      <p:boldItalic r:id="rId52"/>
     </p:embeddedFont>
     <p:embeddedFont>
       <p:font typeface="Proxima Nova Black" panose="020B0604020202020204" charset="0"/>
-      <p:bold r:id="rId52"/>
+      <p:bold r:id="rId53"/>
     </p:embeddedFont>
   </p:embeddedFontLst>
   <p:defaultTextStyle>
@@ -192,13 +193,14 @@
             <p14:sldId id="288"/>
             <p14:sldId id="279"/>
             <p14:sldId id="280"/>
+            <p14:sldId id="298"/>
+            <p14:sldId id="291"/>
             <p14:sldId id="293"/>
             <p14:sldId id="292"/>
+            <p14:sldId id="296"/>
             <p14:sldId id="294"/>
             <p14:sldId id="295"/>
-            <p14:sldId id="296"/>
             <p14:sldId id="297"/>
-            <p14:sldId id="291"/>
             <p14:sldId id="281"/>
             <p14:sldId id="282"/>
             <p14:sldId id="283"/>
@@ -696,6 +698,18 @@
           <a:bodyPr/>
           <a:lstStyle/>
           <a:p>
+            <a:r>
+              <a:rPr lang="en-US" sz="1200" b="0" i="0" kern="1200" dirty="0">
+                <a:solidFill>
+                  <a:schemeClr val="tx1"/>
+                </a:solidFill>
+                <a:effectLst/>
+                <a:latin typeface="+mn-lt"/>
+                <a:ea typeface="+mn-ea"/>
+                <a:cs typeface="+mn-cs"/>
+              </a:rPr>
+              <a:t>We now have multiple rows — as many flexbox children are fitted onto each row as makes sense, and any overflow is moved down to the next line. </a:t>
+            </a:r>
             <a:endParaRPr lang="uk-UA" dirty="0"/>
           </a:p>
         </p:txBody>
@@ -717,7 +731,7 @@
           <a:p>
             <a:fld id="{22EF5D64-70F2-4A3C-9214-8664E4464032}" type="slidenum">
               <a:rPr lang="uk-UA" smtClean="0"/>
-              <a:t>24</a:t>
+              <a:t>23</a:t>
             </a:fld>
             <a:endParaRPr lang="uk-UA"/>
           </a:p>
@@ -726,7 +740,7 @@
     </p:spTree>
     <p:extLst>
       <p:ext uri="{BB962C8B-B14F-4D97-AF65-F5344CB8AC3E}">
-        <p14:creationId xmlns:p14="http://schemas.microsoft.com/office/powerpoint/2010/main" val="2487950327"/>
+        <p14:creationId xmlns:p14="http://schemas.microsoft.com/office/powerpoint/2010/main" val="2033081418"/>
       </p:ext>
     </p:extLst>
   </p:cSld>
@@ -801,7 +815,7 @@
           <a:p>
             <a:fld id="{22EF5D64-70F2-4A3C-9214-8664E4464032}" type="slidenum">
               <a:rPr lang="uk-UA" smtClean="0"/>
-              <a:t>26</a:t>
+              <a:t>24</a:t>
             </a:fld>
             <a:endParaRPr lang="uk-UA"/>
           </a:p>
@@ -810,7 +824,7 @@
     </p:spTree>
     <p:extLst>
       <p:ext uri="{BB962C8B-B14F-4D97-AF65-F5344CB8AC3E}">
-        <p14:creationId xmlns:p14="http://schemas.microsoft.com/office/powerpoint/2010/main" val="2581949734"/>
+        <p14:creationId xmlns:p14="http://schemas.microsoft.com/office/powerpoint/2010/main" val="1953081034"/>
       </p:ext>
     </p:extLst>
   </p:cSld>
@@ -885,7 +899,175 @@
           <a:p>
             <a:fld id="{22EF5D64-70F2-4A3C-9214-8664E4464032}" type="slidenum">
               <a:rPr lang="uk-UA" smtClean="0"/>
-              <a:t>35</a:t>
+              <a:t>26</a:t>
+            </a:fld>
+            <a:endParaRPr lang="uk-UA"/>
+          </a:p>
+        </p:txBody>
+      </p:sp>
+    </p:spTree>
+    <p:extLst>
+      <p:ext uri="{BB962C8B-B14F-4D97-AF65-F5344CB8AC3E}">
+        <p14:creationId xmlns:p14="http://schemas.microsoft.com/office/powerpoint/2010/main" val="2487950327"/>
+      </p:ext>
+    </p:extLst>
+  </p:cSld>
+  <p:clrMapOvr>
+    <a:masterClrMapping/>
+  </p:clrMapOvr>
+</p:notes>
+</file>
+
+<file path=ppt/notesSlides/notesSlide13.xml><?xml version="1.0" encoding="utf-8"?>
+<p:notes xmlns:a="http://schemas.openxmlformats.org/drawingml/2006/main" xmlns:r="http://schemas.openxmlformats.org/officeDocument/2006/relationships" xmlns:p="http://schemas.openxmlformats.org/presentationml/2006/main">
+  <p:cSld>
+    <p:spTree>
+      <p:nvGrpSpPr>
+        <p:cNvPr id="1" name=""/>
+        <p:cNvGrpSpPr/>
+        <p:nvPr/>
+      </p:nvGrpSpPr>
+      <p:grpSpPr>
+        <a:xfrm>
+          <a:off x="0" y="0"/>
+          <a:ext cx="0" cy="0"/>
+          <a:chOff x="0" y="0"/>
+          <a:chExt cx="0" cy="0"/>
+        </a:xfrm>
+      </p:grpSpPr>
+      <p:sp>
+        <p:nvSpPr>
+          <p:cNvPr id="2" name="Образ слайда 1"/>
+          <p:cNvSpPr>
+            <a:spLocks noGrp="1" noRot="1" noChangeAspect="1"/>
+          </p:cNvSpPr>
+          <p:nvPr>
+            <p:ph type="sldImg"/>
+          </p:nvPr>
+        </p:nvSpPr>
+        <p:spPr/>
+      </p:sp>
+      <p:sp>
+        <p:nvSpPr>
+          <p:cNvPr id="3" name="Заметки 2"/>
+          <p:cNvSpPr>
+            <a:spLocks noGrp="1"/>
+          </p:cNvSpPr>
+          <p:nvPr>
+            <p:ph type="body" idx="1"/>
+          </p:nvPr>
+        </p:nvSpPr>
+        <p:spPr/>
+        <p:txBody>
+          <a:bodyPr/>
+          <a:lstStyle/>
+          <a:p>
+            <a:endParaRPr lang="uk-UA" dirty="0"/>
+          </a:p>
+        </p:txBody>
+      </p:sp>
+      <p:sp>
+        <p:nvSpPr>
+          <p:cNvPr id="4" name="Номер слайда 3"/>
+          <p:cNvSpPr>
+            <a:spLocks noGrp="1"/>
+          </p:cNvSpPr>
+          <p:nvPr>
+            <p:ph type="sldNum" sz="quarter" idx="5"/>
+          </p:nvPr>
+        </p:nvSpPr>
+        <p:spPr/>
+        <p:txBody>
+          <a:bodyPr/>
+          <a:lstStyle/>
+          <a:p>
+            <a:fld id="{22EF5D64-70F2-4A3C-9214-8664E4464032}" type="slidenum">
+              <a:rPr lang="uk-UA" smtClean="0"/>
+              <a:t>29</a:t>
+            </a:fld>
+            <a:endParaRPr lang="uk-UA"/>
+          </a:p>
+        </p:txBody>
+      </p:sp>
+    </p:spTree>
+    <p:extLst>
+      <p:ext uri="{BB962C8B-B14F-4D97-AF65-F5344CB8AC3E}">
+        <p14:creationId xmlns:p14="http://schemas.microsoft.com/office/powerpoint/2010/main" val="2581949734"/>
+      </p:ext>
+    </p:extLst>
+  </p:cSld>
+  <p:clrMapOvr>
+    <a:masterClrMapping/>
+  </p:clrMapOvr>
+</p:notes>
+</file>
+
+<file path=ppt/notesSlides/notesSlide14.xml><?xml version="1.0" encoding="utf-8"?>
+<p:notes xmlns:a="http://schemas.openxmlformats.org/drawingml/2006/main" xmlns:r="http://schemas.openxmlformats.org/officeDocument/2006/relationships" xmlns:p="http://schemas.openxmlformats.org/presentationml/2006/main">
+  <p:cSld>
+    <p:spTree>
+      <p:nvGrpSpPr>
+        <p:cNvPr id="1" name=""/>
+        <p:cNvGrpSpPr/>
+        <p:nvPr/>
+      </p:nvGrpSpPr>
+      <p:grpSpPr>
+        <a:xfrm>
+          <a:off x="0" y="0"/>
+          <a:ext cx="0" cy="0"/>
+          <a:chOff x="0" y="0"/>
+          <a:chExt cx="0" cy="0"/>
+        </a:xfrm>
+      </p:grpSpPr>
+      <p:sp>
+        <p:nvSpPr>
+          <p:cNvPr id="2" name="Образ слайда 1"/>
+          <p:cNvSpPr>
+            <a:spLocks noGrp="1" noRot="1" noChangeAspect="1"/>
+          </p:cNvSpPr>
+          <p:nvPr>
+            <p:ph type="sldImg"/>
+          </p:nvPr>
+        </p:nvSpPr>
+        <p:spPr/>
+      </p:sp>
+      <p:sp>
+        <p:nvSpPr>
+          <p:cNvPr id="3" name="Заметки 2"/>
+          <p:cNvSpPr>
+            <a:spLocks noGrp="1"/>
+          </p:cNvSpPr>
+          <p:nvPr>
+            <p:ph type="body" idx="1"/>
+          </p:nvPr>
+        </p:nvSpPr>
+        <p:spPr/>
+        <p:txBody>
+          <a:bodyPr/>
+          <a:lstStyle/>
+          <a:p>
+            <a:endParaRPr lang="uk-UA" dirty="0"/>
+          </a:p>
+        </p:txBody>
+      </p:sp>
+      <p:sp>
+        <p:nvSpPr>
+          <p:cNvPr id="4" name="Номер слайда 3"/>
+          <p:cNvSpPr>
+            <a:spLocks noGrp="1"/>
+          </p:cNvSpPr>
+          <p:nvPr>
+            <p:ph type="sldNum" sz="quarter" idx="5"/>
+          </p:nvPr>
+        </p:nvSpPr>
+        <p:spPr/>
+        <p:txBody>
+          <a:bodyPr/>
+          <a:lstStyle/>
+          <a:p>
+            <a:fld id="{22EF5D64-70F2-4A3C-9214-8664E4464032}" type="slidenum">
+              <a:rPr lang="uk-UA" smtClean="0"/>
+              <a:t>36</a:t>
             </a:fld>
             <a:endParaRPr lang="uk-UA"/>
           </a:p>
@@ -1166,43 +1348,6 @@
           <a:bodyPr/>
           <a:lstStyle/>
           <a:p>
-            <a:r>
-              <a:rPr lang="en-US" sz="1200" b="0" i="0" kern="1200" dirty="0">
-                <a:solidFill>
-                  <a:schemeClr val="tx1"/>
-                </a:solidFill>
-                <a:effectLst/>
-                <a:latin typeface="+mn-lt"/>
-                <a:ea typeface="+mn-ea"/>
-                <a:cs typeface="+mn-cs"/>
-              </a:rPr>
-              <a:t>To start with, we need to select which elements are to be laid out as flexible boxes. To do this, we set a special value of </a:t>
-            </a:r>
-            <a:r>
-              <a:rPr lang="en-US" sz="1200" b="0" i="0" u="none" strike="noStrike" kern="1200" dirty="0">
-                <a:solidFill>
-                  <a:schemeClr val="tx1"/>
-                </a:solidFill>
-                <a:effectLst/>
-                <a:latin typeface="+mn-lt"/>
-                <a:ea typeface="+mn-ea"/>
-                <a:cs typeface="+mn-cs"/>
-                <a:hlinkClick r:id="rId3" tooltip="The display CSS property sets whether an element is treated as a block or inline element and the layout used for its children, such as flow layout, grid or flex."/>
-              </a:rPr>
-              <a:t>display</a:t>
-            </a:r>
-            <a:r>
-              <a:rPr lang="en-US" sz="1200" b="0" i="0" kern="1200" dirty="0">
-                <a:solidFill>
-                  <a:schemeClr val="tx1"/>
-                </a:solidFill>
-                <a:effectLst/>
-                <a:latin typeface="+mn-lt"/>
-                <a:ea typeface="+mn-ea"/>
-                <a:cs typeface="+mn-cs"/>
-              </a:rPr>
-              <a:t> on the parent element of the elements you want to affect.</a:t>
-            </a:r>
             <a:endParaRPr lang="uk-UA" dirty="0"/>
           </a:p>
         </p:txBody>
@@ -1764,74 +1909,6 @@
           <a:bodyPr/>
           <a:lstStyle/>
           <a:p>
-            <a:r>
-              <a:rPr lang="en-US" sz="1200" b="0" i="0" kern="1200" dirty="0">
-                <a:solidFill>
-                  <a:schemeClr val="tx1"/>
-                </a:solidFill>
-                <a:effectLst/>
-                <a:latin typeface="+mn-lt"/>
-                <a:ea typeface="+mn-ea"/>
-                <a:cs typeface="+mn-cs"/>
-              </a:rPr>
-              <a:t>Set both the </a:t>
-            </a:r>
-            <a:r>
-              <a:rPr lang="en-US" dirty="0"/>
-              <a:t>justify-content</a:t>
-            </a:r>
-            <a:r>
-              <a:rPr lang="en-US" sz="1200" b="0" i="0" kern="1200" dirty="0">
-                <a:solidFill>
-                  <a:schemeClr val="tx1"/>
-                </a:solidFill>
-                <a:effectLst/>
-                <a:latin typeface="+mn-lt"/>
-                <a:ea typeface="+mn-ea"/>
-                <a:cs typeface="+mn-cs"/>
-              </a:rPr>
-              <a:t> and </a:t>
-            </a:r>
-            <a:r>
-              <a:rPr lang="en-US" dirty="0"/>
-              <a:t>align-items</a:t>
-            </a:r>
-            <a:r>
-              <a:rPr lang="en-US" sz="1200" b="0" i="0" kern="1200" dirty="0">
-                <a:solidFill>
-                  <a:schemeClr val="tx1"/>
-                </a:solidFill>
-                <a:effectLst/>
-                <a:latin typeface="+mn-lt"/>
-                <a:ea typeface="+mn-ea"/>
-                <a:cs typeface="+mn-cs"/>
-              </a:rPr>
-              <a:t> properties to </a:t>
-            </a:r>
-            <a:r>
-              <a:rPr lang="en-US" sz="1200" b="0" i="1" kern="1200" dirty="0">
-                <a:solidFill>
-                  <a:schemeClr val="tx1"/>
-                </a:solidFill>
-                <a:effectLst/>
-                <a:latin typeface="+mn-lt"/>
-                <a:ea typeface="+mn-ea"/>
-                <a:cs typeface="+mn-cs"/>
-              </a:rPr>
-              <a:t>center,</a:t>
-            </a:r>
-            <a:r>
-              <a:rPr lang="en-US" sz="1200" b="0" i="0" kern="1200" dirty="0">
-                <a:solidFill>
-                  <a:schemeClr val="tx1"/>
-                </a:solidFill>
-                <a:effectLst/>
-                <a:latin typeface="+mn-lt"/>
-                <a:ea typeface="+mn-ea"/>
-                <a:cs typeface="+mn-cs"/>
-              </a:rPr>
-              <a:t> and the flex item will be perfectly centered</a:t>
-            </a:r>
             <a:endParaRPr lang="uk-UA" dirty="0"/>
           </a:p>
         </p:txBody>
@@ -1853,7 +1930,7 @@
           <a:p>
             <a:fld id="{22EF5D64-70F2-4A3C-9214-8664E4464032}" type="slidenum">
               <a:rPr lang="uk-UA" smtClean="0"/>
-              <a:t>21</a:t>
+              <a:t>14</a:t>
             </a:fld>
             <a:endParaRPr lang="uk-UA"/>
           </a:p>
@@ -1862,7 +1939,7 @@
     </p:spTree>
     <p:extLst>
       <p:ext uri="{BB962C8B-B14F-4D97-AF65-F5344CB8AC3E}">
-        <p14:creationId xmlns:p14="http://schemas.microsoft.com/office/powerpoint/2010/main" val="2999978564"/>
+        <p14:creationId xmlns:p14="http://schemas.microsoft.com/office/powerpoint/2010/main" val="165329205"/>
       </p:ext>
     </p:extLst>
   </p:cSld>
@@ -1926,7 +2003,63 @@
                 <a:ea typeface="+mn-ea"/>
                 <a:cs typeface="+mn-cs"/>
               </a:rPr>
-              <a:t>One issue that arises when you have a fixed amount of width or height in your layout is that eventually your flexbox children will overflow their container, breaking the layout.</a:t>
+              <a:t>Set both the </a:t>
+            </a:r>
+            <a:r>
+              <a:rPr lang="en-US" dirty="0"/>
+              <a:t>justify-content</a:t>
+            </a:r>
+            <a:r>
+              <a:rPr lang="en-US" sz="1200" b="0" i="0" kern="1200" dirty="0">
+                <a:solidFill>
+                  <a:schemeClr val="tx1"/>
+                </a:solidFill>
+                <a:effectLst/>
+                <a:latin typeface="+mn-lt"/>
+                <a:ea typeface="+mn-ea"/>
+                <a:cs typeface="+mn-cs"/>
+              </a:rPr>
+              <a:t> and </a:t>
+            </a:r>
+            <a:r>
+              <a:rPr lang="en-US" dirty="0"/>
+              <a:t>align-items</a:t>
+            </a:r>
+            <a:r>
+              <a:rPr lang="en-US" sz="1200" b="0" i="0" kern="1200" dirty="0">
+                <a:solidFill>
+                  <a:schemeClr val="tx1"/>
+                </a:solidFill>
+                <a:effectLst/>
+                <a:latin typeface="+mn-lt"/>
+                <a:ea typeface="+mn-ea"/>
+                <a:cs typeface="+mn-cs"/>
+              </a:rPr>
+              <a:t> properties to </a:t>
+            </a:r>
+            <a:r>
+              <a:rPr lang="en-US" sz="1200" b="0" i="1" kern="1200" dirty="0">
+                <a:solidFill>
+                  <a:schemeClr val="tx1"/>
+                </a:solidFill>
+                <a:effectLst/>
+                <a:latin typeface="+mn-lt"/>
+                <a:ea typeface="+mn-ea"/>
+                <a:cs typeface="+mn-cs"/>
+              </a:rPr>
+              <a:t>center,</a:t>
+            </a:r>
+            <a:r>
+              <a:rPr lang="en-US" sz="1200" b="0" i="0" kern="1200" dirty="0">
+                <a:solidFill>
+                  <a:schemeClr val="tx1"/>
+                </a:solidFill>
+                <a:effectLst/>
+                <a:latin typeface="+mn-lt"/>
+                <a:ea typeface="+mn-ea"/>
+                <a:cs typeface="+mn-cs"/>
+              </a:rPr>
+              <a:t> and the flex item will be perfectly centered</a:t>
             </a:r>
             <a:endParaRPr lang="uk-UA" dirty="0"/>
           </a:p>
@@ -1949,7 +2082,7 @@
           <a:p>
             <a:fld id="{22EF5D64-70F2-4A3C-9214-8664E4464032}" type="slidenum">
               <a:rPr lang="uk-UA" smtClean="0"/>
-              <a:t>22</a:t>
+              <a:t>21</a:t>
             </a:fld>
             <a:endParaRPr lang="uk-UA"/>
           </a:p>
@@ -1958,7 +2091,7 @@
     </p:spTree>
     <p:extLst>
       <p:ext uri="{BB962C8B-B14F-4D97-AF65-F5344CB8AC3E}">
-        <p14:creationId xmlns:p14="http://schemas.microsoft.com/office/powerpoint/2010/main" val="833648067"/>
+        <p14:creationId xmlns:p14="http://schemas.microsoft.com/office/powerpoint/2010/main" val="2999978564"/>
       </p:ext>
     </p:extLst>
   </p:cSld>
@@ -2022,7 +2155,7 @@
                 <a:ea typeface="+mn-ea"/>
                 <a:cs typeface="+mn-cs"/>
               </a:rPr>
-              <a:t>We now have multiple rows — as many flexbox children are fitted onto each row as makes sense, and any overflow is moved down to the next line. </a:t>
+              <a:t>One issue that arises when you have a fixed amount of width or height in your layout is that eventually your flexbox children will overflow their container, breaking the layout.</a:t>
             </a:r>
             <a:endParaRPr lang="uk-UA" dirty="0"/>
           </a:p>
@@ -2045,7 +2178,7 @@
           <a:p>
             <a:fld id="{22EF5D64-70F2-4A3C-9214-8664E4464032}" type="slidenum">
               <a:rPr lang="uk-UA" smtClean="0"/>
-              <a:t>23</a:t>
+              <a:t>22</a:t>
             </a:fld>
             <a:endParaRPr lang="uk-UA"/>
           </a:p>
@@ -2054,7 +2187,7 @@
     </p:spTree>
     <p:extLst>
       <p:ext uri="{BB962C8B-B14F-4D97-AF65-F5344CB8AC3E}">
-        <p14:creationId xmlns:p14="http://schemas.microsoft.com/office/powerpoint/2010/main" val="2033081418"/>
+        <p14:creationId xmlns:p14="http://schemas.microsoft.com/office/powerpoint/2010/main" val="833648067"/>
       </p:ext>
     </p:extLst>
   </p:cSld>
@@ -10320,8 +10453,8 @@
         </p:nvSpPr>
         <p:spPr>
           <a:xfrm>
-            <a:off x="1441836" y="1715068"/>
-            <a:ext cx="2174571" cy="369332"/>
+            <a:off x="1524000" y="1715068"/>
+            <a:ext cx="2560637" cy="369332"/>
           </a:xfrm>
           <a:prstGeom prst="rect">
             <a:avLst/>
@@ -10336,7 +10469,7 @@
             <a:pPr algn="ctr"/>
             <a:r>
               <a:rPr lang="en-US" dirty="0"/>
-              <a:t>justify-content: start;</a:t>
+              <a:t>justify-content: flex-start;</a:t>
             </a:r>
             <a:endParaRPr lang="uk-UA" dirty="0"/>
           </a:p>
@@ -10356,8 +10489,8 @@
         </p:nvSpPr>
         <p:spPr>
           <a:xfrm>
-            <a:off x="1524000" y="3034097"/>
-            <a:ext cx="2085379" cy="369332"/>
+            <a:off x="1517516" y="3012109"/>
+            <a:ext cx="2490683" cy="369332"/>
           </a:xfrm>
           <a:prstGeom prst="rect">
             <a:avLst/>
@@ -10372,7 +10505,7 @@
             <a:pPr algn="ctr"/>
             <a:r>
               <a:rPr lang="en-US" dirty="0"/>
-              <a:t>justify-content: end;</a:t>
+              <a:t>justify-content: flex-end;</a:t>
             </a:r>
             <a:endParaRPr lang="uk-UA" dirty="0"/>
           </a:p>
@@ -11567,7 +11700,7 @@
                 <a:ea typeface="Open Sans" panose="020B0604020202020204" charset="0"/>
                 <a:cs typeface="Open Sans" panose="020B0604020202020204" charset="0"/>
               </a:rPr>
-              <a:t>stretch</a:t>
+              <a:t>stretch(default)</a:t>
             </a:r>
             <a:br>
               <a:rPr lang="en-US" sz="3200" dirty="0">
@@ -12113,15 +12246,15 @@
         </p:nvSpPr>
         <p:spPr>
           <a:xfrm>
-            <a:off x="8310391" y="1876332"/>
-            <a:ext cx="2046459" cy="369332"/>
-          </a:xfrm>
-          <a:prstGeom prst="rect">
-            <a:avLst/>
-          </a:prstGeom>
-        </p:spPr>
-        <p:txBody>
-          <a:bodyPr wrap="none">
+            <a:off x="7381691" y="2106291"/>
+            <a:ext cx="3013173" cy="369332"/>
+          </a:xfrm>
+          <a:prstGeom prst="rect">
+            <a:avLst/>
+          </a:prstGeom>
+        </p:spPr>
+        <p:txBody>
+          <a:bodyPr wrap="square">
             <a:spAutoFit/>
           </a:bodyPr>
           <a:lstStyle/>
@@ -12129,7 +12262,7 @@
             <a:pPr algn="ctr"/>
             <a:r>
               <a:rPr lang="en-US" dirty="0"/>
-              <a:t>align-items: stretch;</a:t>
+              <a:t>align-items: stretch; (default)</a:t>
             </a:r>
             <a:endParaRPr lang="uk-UA" dirty="0"/>
           </a:p>
@@ -15531,7 +15664,7 @@
         </p:nvSpPr>
         <p:spPr>
           <a:xfrm>
-            <a:off x="1637289" y="2140939"/>
+            <a:off x="6172845" y="2140940"/>
             <a:ext cx="1088166" cy="1599988"/>
           </a:xfrm>
           <a:prstGeom prst="rect">
@@ -15583,7 +15716,7 @@
         </p:nvSpPr>
         <p:spPr>
           <a:xfrm>
-            <a:off x="1524000" y="1974574"/>
+            <a:off x="6059556" y="1974575"/>
             <a:ext cx="5446643" cy="3511825"/>
           </a:xfrm>
           <a:prstGeom prst="rect">
@@ -15639,7 +15772,7 @@
         </p:nvSpPr>
         <p:spPr>
           <a:xfrm>
-            <a:off x="1989066" y="2663843"/>
+            <a:off x="6524622" y="2663844"/>
             <a:ext cx="367408" cy="523220"/>
           </a:xfrm>
           <a:prstGeom prst="rect">
@@ -15683,7 +15816,7 @@
         </p:nvSpPr>
         <p:spPr>
           <a:xfrm>
-            <a:off x="2793207" y="2140847"/>
+            <a:off x="7328763" y="2140848"/>
             <a:ext cx="1088166" cy="1597342"/>
           </a:xfrm>
           <a:prstGeom prst="rect">
@@ -15735,7 +15868,7 @@
         </p:nvSpPr>
         <p:spPr>
           <a:xfrm>
-            <a:off x="3144984" y="2666228"/>
+            <a:off x="7680540" y="2666229"/>
             <a:ext cx="367408" cy="523220"/>
           </a:xfrm>
           <a:prstGeom prst="rect">
@@ -15779,7 +15912,7 @@
         </p:nvSpPr>
         <p:spPr>
           <a:xfrm>
-            <a:off x="3949125" y="2140075"/>
+            <a:off x="8484681" y="2140076"/>
             <a:ext cx="1088166" cy="1597342"/>
           </a:xfrm>
           <a:prstGeom prst="rect">
@@ -15831,7 +15964,7 @@
         </p:nvSpPr>
         <p:spPr>
           <a:xfrm>
-            <a:off x="4300902" y="2665456"/>
+            <a:off x="8836458" y="2665457"/>
             <a:ext cx="367408" cy="523220"/>
           </a:xfrm>
           <a:prstGeom prst="rect">
@@ -15875,7 +16008,7 @@
         </p:nvSpPr>
         <p:spPr>
           <a:xfrm>
-            <a:off x="5105043" y="2128695"/>
+            <a:off x="9640599" y="2128696"/>
             <a:ext cx="1088166" cy="1593515"/>
           </a:xfrm>
           <a:prstGeom prst="rect">
@@ -15927,7 +16060,7 @@
         </p:nvSpPr>
         <p:spPr>
           <a:xfrm>
-            <a:off x="5488461" y="2668905"/>
+            <a:off x="10024017" y="2668906"/>
             <a:ext cx="367408" cy="523220"/>
           </a:xfrm>
           <a:prstGeom prst="rect">
@@ -15971,7 +16104,7 @@
         </p:nvSpPr>
         <p:spPr>
           <a:xfrm>
-            <a:off x="1637289" y="3815926"/>
+            <a:off x="6172845" y="3815927"/>
             <a:ext cx="1088166" cy="1593515"/>
           </a:xfrm>
           <a:prstGeom prst="rect">
@@ -16023,7 +16156,7 @@
         </p:nvSpPr>
         <p:spPr>
           <a:xfrm>
-            <a:off x="1989066" y="4344892"/>
+            <a:off x="6524622" y="4344893"/>
             <a:ext cx="367408" cy="523220"/>
           </a:xfrm>
           <a:prstGeom prst="rect">
@@ -16067,7 +16200,7 @@
         </p:nvSpPr>
         <p:spPr>
           <a:xfrm>
-            <a:off x="2793207" y="3804682"/>
+            <a:off x="7328763" y="3804683"/>
             <a:ext cx="1088166" cy="1593515"/>
           </a:xfrm>
           <a:prstGeom prst="rect">
@@ -16119,7 +16252,7 @@
         </p:nvSpPr>
         <p:spPr>
           <a:xfrm>
-            <a:off x="3178375" y="4339830"/>
+            <a:off x="7713931" y="4339831"/>
             <a:ext cx="367408" cy="523220"/>
           </a:xfrm>
           <a:prstGeom prst="rect">
@@ -16163,7 +16296,7 @@
         </p:nvSpPr>
         <p:spPr>
           <a:xfrm>
-            <a:off x="3949125" y="3815536"/>
+            <a:off x="8484681" y="3815537"/>
             <a:ext cx="1088166" cy="1593515"/>
           </a:xfrm>
           <a:prstGeom prst="rect">
@@ -16215,7 +16348,7 @@
         </p:nvSpPr>
         <p:spPr>
           <a:xfrm>
-            <a:off x="4369643" y="4339830"/>
+            <a:off x="8905199" y="4339831"/>
             <a:ext cx="367408" cy="523220"/>
           </a:xfrm>
           <a:prstGeom prst="rect">
@@ -16240,6 +16373,42 @@
           </a:p>
         </p:txBody>
       </p:sp>
+      <p:pic>
+        <p:nvPicPr>
+          <p:cNvPr id="13" name="Рисунок 12">
+            <a:extLst>
+              <a:ext uri="{FF2B5EF4-FFF2-40B4-BE49-F238E27FC236}">
+                <a16:creationId xmlns:a16="http://schemas.microsoft.com/office/drawing/2014/main" id="{84A1A6C3-E4D4-42D7-AE9E-FD5A56696DCC}"/>
+              </a:ext>
+            </a:extLst>
+          </p:cNvPr>
+          <p:cNvPicPr>
+            <a:picLocks noChangeAspect="1"/>
+          </p:cNvPicPr>
+          <p:nvPr/>
+        </p:nvPicPr>
+        <p:blipFill>
+          <a:blip r:embed="rId3">
+            <a:extLst>
+              <a:ext uri="{28A0092B-C50C-407E-A947-70E740481C1C}">
+                <a14:useLocalDpi xmlns:a14="http://schemas.microsoft.com/office/drawing/2010/main" val="0"/>
+              </a:ext>
+            </a:extLst>
+          </a:blip>
+          <a:stretch>
+            <a:fillRect/>
+          </a:stretch>
+        </p:blipFill>
+        <p:spPr>
+          <a:xfrm>
+            <a:off x="1043483" y="1974575"/>
+            <a:ext cx="2535674" cy="2122130"/>
+          </a:xfrm>
+          <a:prstGeom prst="rect">
+            <a:avLst/>
+          </a:prstGeom>
+        </p:spPr>
+      </p:pic>
     </p:spTree>
     <p:extLst>
       <p:ext uri="{BB962C8B-B14F-4D97-AF65-F5344CB8AC3E}">
@@ -16275,7 +16444,7 @@
           <p:cNvPr id="2" name="Заголовок 1">
             <a:extLst>
               <a:ext uri="{FF2B5EF4-FFF2-40B4-BE49-F238E27FC236}">
-                <a16:creationId xmlns:a16="http://schemas.microsoft.com/office/drawing/2014/main" id="{C7703E79-3DAD-4BA3-B16D-6740179A7D17}"/>
+                <a16:creationId xmlns:a16="http://schemas.microsoft.com/office/drawing/2014/main" id="{10C13EFC-F203-4FC1-994E-E78208FA40B4}"/>
               </a:ext>
             </a:extLst>
           </p:cNvPr>
@@ -16286,7 +16455,12 @@
             <p:ph type="title"/>
           </p:nvPr>
         </p:nvSpPr>
-        <p:spPr/>
+        <p:spPr>
+          <a:xfrm>
+            <a:off x="685801" y="685799"/>
+            <a:ext cx="10820400" cy="4800601"/>
+          </a:xfrm>
+        </p:spPr>
         <p:txBody>
           <a:bodyPr/>
           <a:lstStyle/>
@@ -16297,19 +16471,729 @@
               </a:lnSpc>
             </a:pPr>
             <a:r>
-              <a:rPr lang="en-US" sz="4000" dirty="0"/>
-              <a:t>align-item vs align-content</a:t>
-            </a:r>
-            <a:endParaRPr lang="uk-UA" sz="4000" dirty="0"/>
+              <a:rPr lang="uk-UA" sz="100" b="1" dirty="0"/>
+              <a:t>.</a:t>
+            </a:r>
+            <a:br>
+              <a:rPr lang="en-US" sz="100" b="1" dirty="0"/>
+            </a:br>
+            <a:r>
+              <a:rPr lang="en-US" sz="100" b="1" dirty="0"/>
+              <a:t>	</a:t>
+            </a:r>
+            <a:endParaRPr lang="uk-UA" sz="100" dirty="0"/>
+          </a:p>
+        </p:txBody>
+      </p:sp>
+      <p:sp>
+        <p:nvSpPr>
+          <p:cNvPr id="4" name="Прямоугольник 3">
+            <a:extLst>
+              <a:ext uri="{FF2B5EF4-FFF2-40B4-BE49-F238E27FC236}">
+                <a16:creationId xmlns:a16="http://schemas.microsoft.com/office/drawing/2014/main" id="{893CE69E-245F-40D6-8773-6FD69370135A}"/>
+              </a:ext>
+            </a:extLst>
+          </p:cNvPr>
+          <p:cNvSpPr/>
+          <p:nvPr/>
+        </p:nvSpPr>
+        <p:spPr>
+          <a:xfrm>
+            <a:off x="5178642" y="3035029"/>
+            <a:ext cx="2039656" cy="690883"/>
+          </a:xfrm>
+          <a:prstGeom prst="rect">
+            <a:avLst/>
+          </a:prstGeom>
+          <a:solidFill>
+            <a:srgbClr val="0070C0"/>
+          </a:solidFill>
+          <a:ln>
+            <a:noFill/>
+          </a:ln>
+        </p:spPr>
+        <p:style>
+          <a:lnRef idx="2">
+            <a:schemeClr val="accent1">
+              <a:shade val="50000"/>
+            </a:schemeClr>
+          </a:lnRef>
+          <a:fillRef idx="1">
+            <a:schemeClr val="accent1"/>
+          </a:fillRef>
+          <a:effectRef idx="0">
+            <a:schemeClr val="accent1"/>
+          </a:effectRef>
+          <a:fontRef idx="minor">
+            <a:schemeClr val="lt1"/>
+          </a:fontRef>
+        </p:style>
+        <p:txBody>
+          <a:bodyPr rtlCol="0" anchor="ctr"/>
+          <a:lstStyle/>
+          <a:p>
+            <a:pPr algn="ctr"/>
+            <a:endParaRPr lang="uk-UA"/>
+          </a:p>
+        </p:txBody>
+      </p:sp>
+      <p:sp>
+        <p:nvSpPr>
+          <p:cNvPr id="5" name="Прямоугольник 4">
+            <a:extLst>
+              <a:ext uri="{FF2B5EF4-FFF2-40B4-BE49-F238E27FC236}">
+                <a16:creationId xmlns:a16="http://schemas.microsoft.com/office/drawing/2014/main" id="{C1D02811-72F1-4F6F-AE04-2D2AB37FBC8F}"/>
+              </a:ext>
+            </a:extLst>
+          </p:cNvPr>
+          <p:cNvSpPr/>
+          <p:nvPr/>
+        </p:nvSpPr>
+        <p:spPr>
+          <a:xfrm>
+            <a:off x="5178642" y="2966400"/>
+            <a:ext cx="6284844" cy="2520000"/>
+          </a:xfrm>
+          <a:prstGeom prst="rect">
+            <a:avLst/>
+          </a:prstGeom>
+          <a:noFill/>
+          <a:ln w="28575">
+            <a:solidFill>
+              <a:schemeClr val="tx1"/>
+            </a:solidFill>
+          </a:ln>
+        </p:spPr>
+        <p:style>
+          <a:lnRef idx="2">
+            <a:schemeClr val="accent1">
+              <a:shade val="50000"/>
+            </a:schemeClr>
+          </a:lnRef>
+          <a:fillRef idx="1">
+            <a:schemeClr val="accent1"/>
+          </a:fillRef>
+          <a:effectRef idx="0">
+            <a:schemeClr val="accent1"/>
+          </a:effectRef>
+          <a:fontRef idx="minor">
+            <a:schemeClr val="lt1"/>
+          </a:fontRef>
+        </p:style>
+        <p:txBody>
+          <a:bodyPr rtlCol="0" anchor="ctr"/>
+          <a:lstStyle/>
+          <a:p>
+            <a:pPr algn="ctr"/>
+            <a:endParaRPr lang="uk-UA" dirty="0">
+              <a:solidFill>
+                <a:schemeClr val="tx1"/>
+              </a:solidFill>
+            </a:endParaRPr>
+          </a:p>
+        </p:txBody>
+      </p:sp>
+      <p:sp>
+        <p:nvSpPr>
+          <p:cNvPr id="6" name="Прямоугольник 5">
+            <a:extLst>
+              <a:ext uri="{FF2B5EF4-FFF2-40B4-BE49-F238E27FC236}">
+                <a16:creationId xmlns:a16="http://schemas.microsoft.com/office/drawing/2014/main" id="{DE9CBC74-7D93-4C5F-B262-2F8F245F35DD}"/>
+              </a:ext>
+            </a:extLst>
+          </p:cNvPr>
+          <p:cNvSpPr/>
+          <p:nvPr/>
+        </p:nvSpPr>
+        <p:spPr>
+          <a:xfrm>
+            <a:off x="6014766" y="3054561"/>
+            <a:ext cx="367408" cy="523220"/>
+          </a:xfrm>
+          <a:prstGeom prst="rect">
+            <a:avLst/>
+          </a:prstGeom>
+        </p:spPr>
+        <p:txBody>
+          <a:bodyPr wrap="none">
+            <a:spAutoFit/>
+          </a:bodyPr>
+          <a:lstStyle/>
+          <a:p>
+            <a:pPr algn="ctr"/>
+            <a:r>
+              <a:rPr lang="en-US" sz="2800" dirty="0">
+                <a:solidFill>
+                  <a:schemeClr val="bg1"/>
+                </a:solidFill>
+              </a:rPr>
+              <a:t>1</a:t>
+            </a:r>
+            <a:endParaRPr lang="uk-UA" sz="2800" dirty="0">
+              <a:solidFill>
+                <a:schemeClr val="bg1"/>
+              </a:solidFill>
+            </a:endParaRPr>
+          </a:p>
+        </p:txBody>
+      </p:sp>
+      <p:sp>
+        <p:nvSpPr>
+          <p:cNvPr id="7" name="Прямоугольник 6">
+            <a:extLst>
+              <a:ext uri="{FF2B5EF4-FFF2-40B4-BE49-F238E27FC236}">
+                <a16:creationId xmlns:a16="http://schemas.microsoft.com/office/drawing/2014/main" id="{DC9B74F1-48FD-46D7-8901-B4278098DEBF}"/>
+              </a:ext>
+            </a:extLst>
+          </p:cNvPr>
+          <p:cNvSpPr/>
+          <p:nvPr/>
+        </p:nvSpPr>
+        <p:spPr>
+          <a:xfrm>
+            <a:off x="5178642" y="3802944"/>
+            <a:ext cx="2039656" cy="686512"/>
+          </a:xfrm>
+          <a:prstGeom prst="rect">
+            <a:avLst/>
+          </a:prstGeom>
+          <a:solidFill>
+            <a:srgbClr val="0070C0"/>
+          </a:solidFill>
+          <a:ln>
+            <a:noFill/>
+          </a:ln>
+        </p:spPr>
+        <p:style>
+          <a:lnRef idx="2">
+            <a:schemeClr val="accent1">
+              <a:shade val="50000"/>
+            </a:schemeClr>
+          </a:lnRef>
+          <a:fillRef idx="1">
+            <a:schemeClr val="accent1"/>
+          </a:fillRef>
+          <a:effectRef idx="0">
+            <a:schemeClr val="accent1"/>
+          </a:effectRef>
+          <a:fontRef idx="minor">
+            <a:schemeClr val="lt1"/>
+          </a:fontRef>
+        </p:style>
+        <p:txBody>
+          <a:bodyPr rtlCol="0" anchor="ctr"/>
+          <a:lstStyle/>
+          <a:p>
+            <a:pPr algn="ctr"/>
+            <a:endParaRPr lang="uk-UA"/>
+          </a:p>
+        </p:txBody>
+      </p:sp>
+      <p:sp>
+        <p:nvSpPr>
+          <p:cNvPr id="8" name="Прямоугольник 7">
+            <a:extLst>
+              <a:ext uri="{FF2B5EF4-FFF2-40B4-BE49-F238E27FC236}">
+                <a16:creationId xmlns:a16="http://schemas.microsoft.com/office/drawing/2014/main" id="{8F5BCCCB-D044-444E-B05C-58CFAB4915BC}"/>
+              </a:ext>
+            </a:extLst>
+          </p:cNvPr>
+          <p:cNvSpPr/>
+          <p:nvPr/>
+        </p:nvSpPr>
+        <p:spPr>
+          <a:xfrm>
+            <a:off x="6014766" y="3827582"/>
+            <a:ext cx="367408" cy="523220"/>
+          </a:xfrm>
+          <a:prstGeom prst="rect">
+            <a:avLst/>
+          </a:prstGeom>
+        </p:spPr>
+        <p:txBody>
+          <a:bodyPr wrap="none">
+            <a:spAutoFit/>
+          </a:bodyPr>
+          <a:lstStyle/>
+          <a:p>
+            <a:pPr algn="ctr"/>
+            <a:r>
+              <a:rPr lang="en-US" sz="2800" dirty="0">
+                <a:solidFill>
+                  <a:schemeClr val="bg1"/>
+                </a:solidFill>
+              </a:rPr>
+              <a:t>2</a:t>
+            </a:r>
+            <a:endParaRPr lang="uk-UA" sz="2800" dirty="0">
+              <a:solidFill>
+                <a:schemeClr val="bg1"/>
+              </a:solidFill>
+            </a:endParaRPr>
+          </a:p>
+        </p:txBody>
+      </p:sp>
+      <p:sp>
+        <p:nvSpPr>
+          <p:cNvPr id="20" name="Прямоугольник 19">
+            <a:extLst>
+              <a:ext uri="{FF2B5EF4-FFF2-40B4-BE49-F238E27FC236}">
+                <a16:creationId xmlns:a16="http://schemas.microsoft.com/office/drawing/2014/main" id="{C570A127-E4C3-4DC4-B496-DCD927B31481}"/>
+              </a:ext>
+            </a:extLst>
+          </p:cNvPr>
+          <p:cNvSpPr/>
+          <p:nvPr/>
+        </p:nvSpPr>
+        <p:spPr>
+          <a:xfrm>
+            <a:off x="5178642" y="4566488"/>
+            <a:ext cx="2039656" cy="690883"/>
+          </a:xfrm>
+          <a:prstGeom prst="rect">
+            <a:avLst/>
+          </a:prstGeom>
+          <a:solidFill>
+            <a:srgbClr val="0070C0"/>
+          </a:solidFill>
+          <a:ln>
+            <a:noFill/>
+          </a:ln>
+        </p:spPr>
+        <p:style>
+          <a:lnRef idx="2">
+            <a:schemeClr val="accent1">
+              <a:shade val="50000"/>
+            </a:schemeClr>
+          </a:lnRef>
+          <a:fillRef idx="1">
+            <a:schemeClr val="accent1"/>
+          </a:fillRef>
+          <a:effectRef idx="0">
+            <a:schemeClr val="accent1"/>
+          </a:effectRef>
+          <a:fontRef idx="minor">
+            <a:schemeClr val="lt1"/>
+          </a:fontRef>
+        </p:style>
+        <p:txBody>
+          <a:bodyPr rtlCol="0" anchor="ctr"/>
+          <a:lstStyle/>
+          <a:p>
+            <a:pPr algn="ctr"/>
+            <a:endParaRPr lang="uk-UA"/>
+          </a:p>
+        </p:txBody>
+      </p:sp>
+      <p:sp>
+        <p:nvSpPr>
+          <p:cNvPr id="21" name="Прямоугольник 20">
+            <a:extLst>
+              <a:ext uri="{FF2B5EF4-FFF2-40B4-BE49-F238E27FC236}">
+                <a16:creationId xmlns:a16="http://schemas.microsoft.com/office/drawing/2014/main" id="{C74041CA-9EA7-4861-91D0-CCB57C18C51F}"/>
+              </a:ext>
+            </a:extLst>
+          </p:cNvPr>
+          <p:cNvSpPr/>
+          <p:nvPr/>
+        </p:nvSpPr>
+        <p:spPr>
+          <a:xfrm>
+            <a:off x="6014766" y="4586020"/>
+            <a:ext cx="367408" cy="523220"/>
+          </a:xfrm>
+          <a:prstGeom prst="rect">
+            <a:avLst/>
+          </a:prstGeom>
+        </p:spPr>
+        <p:txBody>
+          <a:bodyPr wrap="none">
+            <a:spAutoFit/>
+          </a:bodyPr>
+          <a:lstStyle/>
+          <a:p>
+            <a:pPr algn="ctr"/>
+            <a:r>
+              <a:rPr lang="uk-UA" sz="2800" dirty="0">
+                <a:solidFill>
+                  <a:schemeClr val="bg1"/>
+                </a:solidFill>
+              </a:rPr>
+              <a:t>3</a:t>
+            </a:r>
+          </a:p>
+        </p:txBody>
+      </p:sp>
+      <p:sp>
+        <p:nvSpPr>
+          <p:cNvPr id="22" name="Прямоугольник 21">
+            <a:extLst>
+              <a:ext uri="{FF2B5EF4-FFF2-40B4-BE49-F238E27FC236}">
+                <a16:creationId xmlns:a16="http://schemas.microsoft.com/office/drawing/2014/main" id="{B43263A4-C933-4FF8-8545-53BD1EAD0210}"/>
+              </a:ext>
+            </a:extLst>
+          </p:cNvPr>
+          <p:cNvSpPr/>
+          <p:nvPr/>
+        </p:nvSpPr>
+        <p:spPr>
+          <a:xfrm>
+            <a:off x="7301236" y="3035029"/>
+            <a:ext cx="2039656" cy="690883"/>
+          </a:xfrm>
+          <a:prstGeom prst="rect">
+            <a:avLst/>
+          </a:prstGeom>
+          <a:solidFill>
+            <a:srgbClr val="0070C0"/>
+          </a:solidFill>
+          <a:ln>
+            <a:noFill/>
+          </a:ln>
+        </p:spPr>
+        <p:style>
+          <a:lnRef idx="2">
+            <a:schemeClr val="accent1">
+              <a:shade val="50000"/>
+            </a:schemeClr>
+          </a:lnRef>
+          <a:fillRef idx="1">
+            <a:schemeClr val="accent1"/>
+          </a:fillRef>
+          <a:effectRef idx="0">
+            <a:schemeClr val="accent1"/>
+          </a:effectRef>
+          <a:fontRef idx="minor">
+            <a:schemeClr val="lt1"/>
+          </a:fontRef>
+        </p:style>
+        <p:txBody>
+          <a:bodyPr rtlCol="0" anchor="ctr"/>
+          <a:lstStyle/>
+          <a:p>
+            <a:pPr algn="ctr"/>
+            <a:endParaRPr lang="uk-UA"/>
+          </a:p>
+        </p:txBody>
+      </p:sp>
+      <p:sp>
+        <p:nvSpPr>
+          <p:cNvPr id="23" name="Прямоугольник 22">
+            <a:extLst>
+              <a:ext uri="{FF2B5EF4-FFF2-40B4-BE49-F238E27FC236}">
+                <a16:creationId xmlns:a16="http://schemas.microsoft.com/office/drawing/2014/main" id="{79FC0428-1664-4F99-B24F-107F38C88254}"/>
+              </a:ext>
+            </a:extLst>
+          </p:cNvPr>
+          <p:cNvSpPr/>
+          <p:nvPr/>
+        </p:nvSpPr>
+        <p:spPr>
+          <a:xfrm>
+            <a:off x="8137360" y="3054561"/>
+            <a:ext cx="367408" cy="523220"/>
+          </a:xfrm>
+          <a:prstGeom prst="rect">
+            <a:avLst/>
+          </a:prstGeom>
+        </p:spPr>
+        <p:txBody>
+          <a:bodyPr wrap="none">
+            <a:spAutoFit/>
+          </a:bodyPr>
+          <a:lstStyle/>
+          <a:p>
+            <a:pPr algn="ctr"/>
+            <a:r>
+              <a:rPr lang="uk-UA" sz="2800" dirty="0">
+                <a:solidFill>
+                  <a:schemeClr val="bg1"/>
+                </a:solidFill>
+              </a:rPr>
+              <a:t>4</a:t>
+            </a:r>
+          </a:p>
+        </p:txBody>
+      </p:sp>
+      <p:sp>
+        <p:nvSpPr>
+          <p:cNvPr id="24" name="Прямоугольник 23">
+            <a:extLst>
+              <a:ext uri="{FF2B5EF4-FFF2-40B4-BE49-F238E27FC236}">
+                <a16:creationId xmlns:a16="http://schemas.microsoft.com/office/drawing/2014/main" id="{BC28E8D0-FAFE-4743-98E3-6EB67E2F414B}"/>
+              </a:ext>
+            </a:extLst>
+          </p:cNvPr>
+          <p:cNvSpPr/>
+          <p:nvPr/>
+        </p:nvSpPr>
+        <p:spPr>
+          <a:xfrm>
+            <a:off x="7301236" y="3787064"/>
+            <a:ext cx="2039656" cy="690883"/>
+          </a:xfrm>
+          <a:prstGeom prst="rect">
+            <a:avLst/>
+          </a:prstGeom>
+          <a:solidFill>
+            <a:srgbClr val="0070C0"/>
+          </a:solidFill>
+          <a:ln>
+            <a:noFill/>
+          </a:ln>
+        </p:spPr>
+        <p:style>
+          <a:lnRef idx="2">
+            <a:schemeClr val="accent1">
+              <a:shade val="50000"/>
+            </a:schemeClr>
+          </a:lnRef>
+          <a:fillRef idx="1">
+            <a:schemeClr val="accent1"/>
+          </a:fillRef>
+          <a:effectRef idx="0">
+            <a:schemeClr val="accent1"/>
+          </a:effectRef>
+          <a:fontRef idx="minor">
+            <a:schemeClr val="lt1"/>
+          </a:fontRef>
+        </p:style>
+        <p:txBody>
+          <a:bodyPr rtlCol="0" anchor="ctr"/>
+          <a:lstStyle/>
+          <a:p>
+            <a:pPr algn="ctr"/>
+            <a:endParaRPr lang="uk-UA"/>
+          </a:p>
+        </p:txBody>
+      </p:sp>
+      <p:sp>
+        <p:nvSpPr>
+          <p:cNvPr id="25" name="Прямоугольник 24">
+            <a:extLst>
+              <a:ext uri="{FF2B5EF4-FFF2-40B4-BE49-F238E27FC236}">
+                <a16:creationId xmlns:a16="http://schemas.microsoft.com/office/drawing/2014/main" id="{F322CCA8-53E4-41B7-8F03-D1ED8077F6B7}"/>
+              </a:ext>
+            </a:extLst>
+          </p:cNvPr>
+          <p:cNvSpPr/>
+          <p:nvPr/>
+        </p:nvSpPr>
+        <p:spPr>
+          <a:xfrm>
+            <a:off x="8137360" y="3934804"/>
+            <a:ext cx="367408" cy="523220"/>
+          </a:xfrm>
+          <a:prstGeom prst="rect">
+            <a:avLst/>
+          </a:prstGeom>
+        </p:spPr>
+        <p:txBody>
+          <a:bodyPr wrap="none">
+            <a:spAutoFit/>
+          </a:bodyPr>
+          <a:lstStyle/>
+          <a:p>
+            <a:pPr algn="ctr"/>
+            <a:r>
+              <a:rPr lang="uk-UA" sz="2800" dirty="0">
+                <a:solidFill>
+                  <a:schemeClr val="bg1"/>
+                </a:solidFill>
+              </a:rPr>
+              <a:t>5</a:t>
+            </a:r>
+          </a:p>
+        </p:txBody>
+      </p:sp>
+      <p:sp>
+        <p:nvSpPr>
+          <p:cNvPr id="26" name="Прямоугольник 25">
+            <a:extLst>
+              <a:ext uri="{FF2B5EF4-FFF2-40B4-BE49-F238E27FC236}">
+                <a16:creationId xmlns:a16="http://schemas.microsoft.com/office/drawing/2014/main" id="{FD992723-9232-4F64-9E88-FAE4892E0E41}"/>
+              </a:ext>
+            </a:extLst>
+          </p:cNvPr>
+          <p:cNvSpPr/>
+          <p:nvPr/>
+        </p:nvSpPr>
+        <p:spPr>
+          <a:xfrm>
+            <a:off x="9423832" y="3035029"/>
+            <a:ext cx="2039656" cy="690883"/>
+          </a:xfrm>
+          <a:prstGeom prst="rect">
+            <a:avLst/>
+          </a:prstGeom>
+          <a:solidFill>
+            <a:srgbClr val="0070C0"/>
+          </a:solidFill>
+          <a:ln>
+            <a:noFill/>
+          </a:ln>
+        </p:spPr>
+        <p:style>
+          <a:lnRef idx="2">
+            <a:schemeClr val="accent1">
+              <a:shade val="50000"/>
+            </a:schemeClr>
+          </a:lnRef>
+          <a:fillRef idx="1">
+            <a:schemeClr val="accent1"/>
+          </a:fillRef>
+          <a:effectRef idx="0">
+            <a:schemeClr val="accent1"/>
+          </a:effectRef>
+          <a:fontRef idx="minor">
+            <a:schemeClr val="lt1"/>
+          </a:fontRef>
+        </p:style>
+        <p:txBody>
+          <a:bodyPr rtlCol="0" anchor="ctr"/>
+          <a:lstStyle/>
+          <a:p>
+            <a:pPr algn="ctr"/>
+            <a:endParaRPr lang="uk-UA"/>
+          </a:p>
+        </p:txBody>
+      </p:sp>
+      <p:sp>
+        <p:nvSpPr>
+          <p:cNvPr id="27" name="Прямоугольник 26">
+            <a:extLst>
+              <a:ext uri="{FF2B5EF4-FFF2-40B4-BE49-F238E27FC236}">
+                <a16:creationId xmlns:a16="http://schemas.microsoft.com/office/drawing/2014/main" id="{B13B4100-27F8-42CF-A724-49373053017D}"/>
+              </a:ext>
+            </a:extLst>
+          </p:cNvPr>
+          <p:cNvSpPr/>
+          <p:nvPr/>
+        </p:nvSpPr>
+        <p:spPr>
+          <a:xfrm>
+            <a:off x="10259956" y="3054561"/>
+            <a:ext cx="367408" cy="523220"/>
+          </a:xfrm>
+          <a:prstGeom prst="rect">
+            <a:avLst/>
+          </a:prstGeom>
+        </p:spPr>
+        <p:txBody>
+          <a:bodyPr wrap="none">
+            <a:spAutoFit/>
+          </a:bodyPr>
+          <a:lstStyle/>
+          <a:p>
+            <a:pPr algn="ctr"/>
+            <a:r>
+              <a:rPr lang="uk-UA" sz="2800" dirty="0">
+                <a:solidFill>
+                  <a:schemeClr val="bg1"/>
+                </a:solidFill>
+              </a:rPr>
+              <a:t>7</a:t>
+            </a:r>
+          </a:p>
+        </p:txBody>
+      </p:sp>
+      <p:sp>
+        <p:nvSpPr>
+          <p:cNvPr id="28" name="Прямоугольник 27">
+            <a:extLst>
+              <a:ext uri="{FF2B5EF4-FFF2-40B4-BE49-F238E27FC236}">
+                <a16:creationId xmlns:a16="http://schemas.microsoft.com/office/drawing/2014/main" id="{DD92C256-F509-4012-9CA1-845BB84ADDBA}"/>
+              </a:ext>
+            </a:extLst>
+          </p:cNvPr>
+          <p:cNvSpPr/>
+          <p:nvPr/>
+        </p:nvSpPr>
+        <p:spPr>
+          <a:xfrm>
+            <a:off x="7301236" y="4563703"/>
+            <a:ext cx="2039656" cy="690883"/>
+          </a:xfrm>
+          <a:prstGeom prst="rect">
+            <a:avLst/>
+          </a:prstGeom>
+          <a:solidFill>
+            <a:srgbClr val="0070C0"/>
+          </a:solidFill>
+          <a:ln>
+            <a:noFill/>
+          </a:ln>
+        </p:spPr>
+        <p:style>
+          <a:lnRef idx="2">
+            <a:schemeClr val="accent1">
+              <a:shade val="50000"/>
+            </a:schemeClr>
+          </a:lnRef>
+          <a:fillRef idx="1">
+            <a:schemeClr val="accent1"/>
+          </a:fillRef>
+          <a:effectRef idx="0">
+            <a:schemeClr val="accent1"/>
+          </a:effectRef>
+          <a:fontRef idx="minor">
+            <a:schemeClr val="lt1"/>
+          </a:fontRef>
+        </p:style>
+        <p:txBody>
+          <a:bodyPr rtlCol="0" anchor="ctr"/>
+          <a:lstStyle/>
+          <a:p>
+            <a:pPr algn="ctr"/>
+            <a:endParaRPr lang="uk-UA"/>
+          </a:p>
+        </p:txBody>
+      </p:sp>
+      <p:sp>
+        <p:nvSpPr>
+          <p:cNvPr id="29" name="Прямоугольник 28">
+            <a:extLst>
+              <a:ext uri="{FF2B5EF4-FFF2-40B4-BE49-F238E27FC236}">
+                <a16:creationId xmlns:a16="http://schemas.microsoft.com/office/drawing/2014/main" id="{5EEFD3A4-AD51-4D63-BC9F-D89B903262A8}"/>
+              </a:ext>
+            </a:extLst>
+          </p:cNvPr>
+          <p:cNvSpPr/>
+          <p:nvPr/>
+        </p:nvSpPr>
+        <p:spPr>
+          <a:xfrm>
+            <a:off x="8137360" y="4583235"/>
+            <a:ext cx="367408" cy="523220"/>
+          </a:xfrm>
+          <a:prstGeom prst="rect">
+            <a:avLst/>
+          </a:prstGeom>
+        </p:spPr>
+        <p:txBody>
+          <a:bodyPr wrap="none">
+            <a:spAutoFit/>
+          </a:bodyPr>
+          <a:lstStyle/>
+          <a:p>
+            <a:pPr algn="ctr"/>
+            <a:r>
+              <a:rPr lang="uk-UA" sz="2800" dirty="0">
+                <a:solidFill>
+                  <a:schemeClr val="bg1"/>
+                </a:solidFill>
+              </a:rPr>
+              <a:t>6</a:t>
+            </a:r>
           </a:p>
         </p:txBody>
       </p:sp>
       <p:pic>
         <p:nvPicPr>
-          <p:cNvPr id="5" name="Рисунок 4">
-            <a:extLst>
-              <a:ext uri="{FF2B5EF4-FFF2-40B4-BE49-F238E27FC236}">
-                <a16:creationId xmlns:a16="http://schemas.microsoft.com/office/drawing/2014/main" id="{7F3800CB-A561-4473-B970-F02B10FC7EEF}"/>
+          <p:cNvPr id="13" name="Рисунок 12">
+            <a:extLst>
+              <a:ext uri="{FF2B5EF4-FFF2-40B4-BE49-F238E27FC236}">
+                <a16:creationId xmlns:a16="http://schemas.microsoft.com/office/drawing/2014/main" id="{F6417959-11EF-4F92-B54B-A57C25271EEE}"/>
               </a:ext>
             </a:extLst>
           </p:cNvPr>
@@ -16332,8 +17216,8 @@
         </p:blipFill>
         <p:spPr>
           <a:xfrm>
-            <a:off x="672829" y="1978649"/>
-            <a:ext cx="7929915" cy="3507751"/>
+            <a:off x="728512" y="739645"/>
+            <a:ext cx="3993889" cy="2280601"/>
           </a:xfrm>
           <a:prstGeom prst="rect">
             <a:avLst/>
@@ -16343,7 +17227,7 @@
     </p:spTree>
     <p:extLst>
       <p:ext uri="{BB962C8B-B14F-4D97-AF65-F5344CB8AC3E}">
-        <p14:creationId xmlns:p14="http://schemas.microsoft.com/office/powerpoint/2010/main" val="1740484071"/>
+        <p14:creationId xmlns:p14="http://schemas.microsoft.com/office/powerpoint/2010/main" val="64570009"/>
       </p:ext>
     </p:extLst>
   </p:cSld>
@@ -16372,731 +17256,138 @@
       </p:grpSpPr>
       <p:sp>
         <p:nvSpPr>
-          <p:cNvPr id="5" name="Прямоугольник 4">
-            <a:extLst>
-              <a:ext uri="{FF2B5EF4-FFF2-40B4-BE49-F238E27FC236}">
-                <a16:creationId xmlns:a16="http://schemas.microsoft.com/office/drawing/2014/main" id="{E65BBEAA-B1B7-4CDB-91E6-D6A8AAAB1302}"/>
-              </a:ext>
-            </a:extLst>
-          </p:cNvPr>
-          <p:cNvSpPr/>
-          <p:nvPr/>
-        </p:nvSpPr>
-        <p:spPr>
-          <a:xfrm>
-            <a:off x="903280" y="690663"/>
-            <a:ext cx="1088166" cy="1239260"/>
-          </a:xfrm>
-          <a:prstGeom prst="rect">
-            <a:avLst/>
-          </a:prstGeom>
-          <a:solidFill>
-            <a:srgbClr val="0070C0"/>
-          </a:solidFill>
-          <a:ln>
-            <a:noFill/>
-          </a:ln>
-        </p:spPr>
-        <p:style>
-          <a:lnRef idx="2">
-            <a:schemeClr val="accent1">
-              <a:shade val="50000"/>
-            </a:schemeClr>
-          </a:lnRef>
-          <a:fillRef idx="1">
-            <a:schemeClr val="accent1"/>
-          </a:fillRef>
-          <a:effectRef idx="0">
-            <a:schemeClr val="accent1"/>
-          </a:effectRef>
-          <a:fontRef idx="minor">
-            <a:schemeClr val="lt1"/>
-          </a:fontRef>
-        </p:style>
-        <p:txBody>
-          <a:bodyPr rtlCol="0" anchor="ctr"/>
-          <a:lstStyle/>
-          <a:p>
-            <a:pPr algn="ctr"/>
-            <a:endParaRPr lang="uk-UA"/>
-          </a:p>
-        </p:txBody>
-      </p:sp>
-      <p:sp>
-        <p:nvSpPr>
-          <p:cNvPr id="6" name="Прямоугольник 5">
-            <a:extLst>
-              <a:ext uri="{FF2B5EF4-FFF2-40B4-BE49-F238E27FC236}">
-                <a16:creationId xmlns:a16="http://schemas.microsoft.com/office/drawing/2014/main" id="{5B87E993-A87F-44C6-AACF-6EB60DDC02FE}"/>
-              </a:ext>
-            </a:extLst>
-          </p:cNvPr>
-          <p:cNvSpPr/>
-          <p:nvPr/>
-        </p:nvSpPr>
-        <p:spPr>
-          <a:xfrm>
-            <a:off x="875489" y="685799"/>
-            <a:ext cx="10719881" cy="4885649"/>
-          </a:xfrm>
-          <a:prstGeom prst="rect">
-            <a:avLst/>
-          </a:prstGeom>
-          <a:noFill/>
-          <a:ln w="28575">
-            <a:solidFill>
-              <a:schemeClr val="tx1"/>
-            </a:solidFill>
-          </a:ln>
-        </p:spPr>
-        <p:style>
-          <a:lnRef idx="2">
-            <a:schemeClr val="accent1">
-              <a:shade val="50000"/>
-            </a:schemeClr>
-          </a:lnRef>
-          <a:fillRef idx="1">
-            <a:schemeClr val="accent1"/>
-          </a:fillRef>
-          <a:effectRef idx="0">
-            <a:schemeClr val="accent1"/>
-          </a:effectRef>
-          <a:fontRef idx="minor">
-            <a:schemeClr val="lt1"/>
-          </a:fontRef>
-        </p:style>
-        <p:txBody>
-          <a:bodyPr rtlCol="0" anchor="ctr"/>
-          <a:lstStyle/>
-          <a:p>
-            <a:pPr algn="ctr"/>
-            <a:endParaRPr lang="uk-UA" dirty="0">
-              <a:solidFill>
-                <a:schemeClr val="tx1"/>
-              </a:solidFill>
+          <p:cNvPr id="2" name="Заголовок 1">
+            <a:extLst>
+              <a:ext uri="{FF2B5EF4-FFF2-40B4-BE49-F238E27FC236}">
+                <a16:creationId xmlns:a16="http://schemas.microsoft.com/office/drawing/2014/main" id="{6A906051-5B3C-4A91-A1F8-632ACE2AD1AA}"/>
+              </a:ext>
+            </a:extLst>
+          </p:cNvPr>
+          <p:cNvSpPr>
+            <a:spLocks noGrp="1"/>
+          </p:cNvSpPr>
+          <p:nvPr>
+            <p:ph type="title"/>
+          </p:nvPr>
+        </p:nvSpPr>
+        <p:spPr/>
+        <p:txBody>
+          <a:bodyPr/>
+          <a:lstStyle/>
+          <a:p>
+            <a:pPr>
+              <a:lnSpc>
+                <a:spcPct val="100000"/>
+              </a:lnSpc>
+            </a:pPr>
+            <a:r>
+              <a:rPr lang="en-US" sz="4000" b="1" dirty="0"/>
+              <a:t>flex-flow shorthand</a:t>
+            </a:r>
+            <a:br>
+              <a:rPr lang="en-US" sz="4000" b="1" dirty="0"/>
+            </a:br>
+            <a:r>
+              <a:rPr lang="en-US" sz="2000" dirty="0">
+                <a:latin typeface="Open Sans" panose="020B0604020202020204" charset="0"/>
+                <a:ea typeface="Open Sans" panose="020B0604020202020204" charset="0"/>
+                <a:cs typeface="Open Sans" panose="020B0604020202020204" charset="0"/>
+              </a:rPr>
+              <a:t>At this point it is worth noting that a shorthand exists for flex-direction and flex-wrap — flex-flow. So for example, you can replace</a:t>
+            </a:r>
+            <a:br>
+              <a:rPr lang="en-US" sz="2000" dirty="0">
+                <a:latin typeface="Open Sans" panose="020B0604020202020204" charset="0"/>
+                <a:ea typeface="Open Sans" panose="020B0604020202020204" charset="0"/>
+                <a:cs typeface="Open Sans" panose="020B0604020202020204" charset="0"/>
+              </a:rPr>
+            </a:br>
+            <a:br>
+              <a:rPr lang="en-US" sz="2000" dirty="0">
+                <a:latin typeface="Open Sans" panose="020B0604020202020204" charset="0"/>
+                <a:ea typeface="Open Sans" panose="020B0604020202020204" charset="0"/>
+                <a:cs typeface="Open Sans" panose="020B0604020202020204" charset="0"/>
+              </a:rPr>
+            </a:br>
+            <a:r>
+              <a:rPr lang="en-US" sz="2000" dirty="0">
+                <a:latin typeface="Open Sans" panose="020B0604020202020204" charset="0"/>
+                <a:ea typeface="Open Sans" panose="020B0604020202020204" charset="0"/>
+                <a:cs typeface="Open Sans" panose="020B0604020202020204" charset="0"/>
+              </a:rPr>
+              <a:t>flex-direction: row;</a:t>
+            </a:r>
+            <a:br>
+              <a:rPr lang="en-US" sz="2000" dirty="0">
+                <a:latin typeface="Open Sans" panose="020B0604020202020204" charset="0"/>
+                <a:ea typeface="Open Sans" panose="020B0604020202020204" charset="0"/>
+                <a:cs typeface="Open Sans" panose="020B0604020202020204" charset="0"/>
+              </a:rPr>
+            </a:br>
+            <a:r>
+              <a:rPr lang="en-US" sz="2000" dirty="0">
+                <a:latin typeface="Open Sans" panose="020B0604020202020204" charset="0"/>
+                <a:ea typeface="Open Sans" panose="020B0604020202020204" charset="0"/>
+                <a:cs typeface="Open Sans" panose="020B0604020202020204" charset="0"/>
+              </a:rPr>
+              <a:t>flex-wrap: wrap;</a:t>
+            </a:r>
+            <a:br>
+              <a:rPr lang="en-US" sz="2000" dirty="0">
+                <a:latin typeface="Open Sans" panose="020B0604020202020204" charset="0"/>
+                <a:ea typeface="Open Sans" panose="020B0604020202020204" charset="0"/>
+                <a:cs typeface="Open Sans" panose="020B0604020202020204" charset="0"/>
+              </a:rPr>
+            </a:br>
+            <a:br>
+              <a:rPr lang="en-US" sz="2000" dirty="0">
+                <a:latin typeface="Open Sans" panose="020B0604020202020204" charset="0"/>
+                <a:ea typeface="Open Sans" panose="020B0604020202020204" charset="0"/>
+                <a:cs typeface="Open Sans" panose="020B0604020202020204" charset="0"/>
+              </a:rPr>
+            </a:br>
+            <a:r>
+              <a:rPr lang="en-US" sz="2000" dirty="0">
+                <a:latin typeface="Open Sans" panose="020B0604020202020204" charset="0"/>
+                <a:ea typeface="Open Sans" panose="020B0604020202020204" charset="0"/>
+                <a:cs typeface="Open Sans" panose="020B0604020202020204" charset="0"/>
+              </a:rPr>
+              <a:t>with</a:t>
+            </a:r>
+            <a:br>
+              <a:rPr lang="en-US" sz="2000" dirty="0">
+                <a:latin typeface="Open Sans" panose="020B0604020202020204" charset="0"/>
+                <a:ea typeface="Open Sans" panose="020B0604020202020204" charset="0"/>
+                <a:cs typeface="Open Sans" panose="020B0604020202020204" charset="0"/>
+              </a:rPr>
+            </a:br>
+            <a:br>
+              <a:rPr lang="en-US" sz="2000" dirty="0">
+                <a:latin typeface="Open Sans" panose="020B0604020202020204" charset="0"/>
+                <a:ea typeface="Open Sans" panose="020B0604020202020204" charset="0"/>
+                <a:cs typeface="Open Sans" panose="020B0604020202020204" charset="0"/>
+              </a:rPr>
+            </a:br>
+            <a:r>
+              <a:rPr lang="en-US" sz="2000" dirty="0">
+                <a:latin typeface="Open Sans" panose="020B0604020202020204" charset="0"/>
+                <a:ea typeface="Open Sans" panose="020B0604020202020204" charset="0"/>
+                <a:cs typeface="Open Sans" panose="020B0604020202020204" charset="0"/>
+              </a:rPr>
+              <a:t>flex-flow: row wrap;</a:t>
+            </a:r>
+            <a:endParaRPr lang="uk-UA" sz="2000" dirty="0">
+              <a:latin typeface="Open Sans" panose="020B0604020202020204" charset="0"/>
+              <a:ea typeface="Open Sans" panose="020B0604020202020204" charset="0"/>
+              <a:cs typeface="Open Sans" panose="020B0604020202020204" charset="0"/>
             </a:endParaRPr>
-          </a:p>
-        </p:txBody>
-      </p:sp>
-      <p:sp>
-        <p:nvSpPr>
-          <p:cNvPr id="7" name="Прямоугольник 6">
-            <a:extLst>
-              <a:ext uri="{FF2B5EF4-FFF2-40B4-BE49-F238E27FC236}">
-                <a16:creationId xmlns:a16="http://schemas.microsoft.com/office/drawing/2014/main" id="{E0C27591-124D-4901-B156-BB6672F82181}"/>
-              </a:ext>
-            </a:extLst>
-          </p:cNvPr>
-          <p:cNvSpPr/>
-          <p:nvPr/>
-        </p:nvSpPr>
-        <p:spPr>
-          <a:xfrm>
-            <a:off x="1255057" y="1213567"/>
-            <a:ext cx="367408" cy="523220"/>
-          </a:xfrm>
-          <a:prstGeom prst="rect">
-            <a:avLst/>
-          </a:prstGeom>
-        </p:spPr>
-        <p:txBody>
-          <a:bodyPr wrap="none">
-            <a:spAutoFit/>
-          </a:bodyPr>
-          <a:lstStyle/>
-          <a:p>
-            <a:pPr algn="ctr"/>
-            <a:r>
-              <a:rPr lang="en-US" sz="2800" dirty="0">
-                <a:solidFill>
-                  <a:schemeClr val="bg1"/>
-                </a:solidFill>
-              </a:rPr>
-              <a:t>1</a:t>
-            </a:r>
-            <a:endParaRPr lang="uk-UA" sz="2800" dirty="0">
-              <a:solidFill>
-                <a:schemeClr val="bg1"/>
-              </a:solidFill>
-            </a:endParaRPr>
-          </a:p>
-        </p:txBody>
-      </p:sp>
-      <p:sp>
-        <p:nvSpPr>
-          <p:cNvPr id="8" name="Прямоугольник 7">
-            <a:extLst>
-              <a:ext uri="{FF2B5EF4-FFF2-40B4-BE49-F238E27FC236}">
-                <a16:creationId xmlns:a16="http://schemas.microsoft.com/office/drawing/2014/main" id="{E218D03F-BBFD-4BA1-A873-013DC1A6AB53}"/>
-              </a:ext>
-            </a:extLst>
-          </p:cNvPr>
-          <p:cNvSpPr/>
-          <p:nvPr/>
-        </p:nvSpPr>
-        <p:spPr>
-          <a:xfrm>
-            <a:off x="3949125" y="693309"/>
-            <a:ext cx="1088166" cy="1237210"/>
-          </a:xfrm>
-          <a:prstGeom prst="rect">
-            <a:avLst/>
-          </a:prstGeom>
-          <a:solidFill>
-            <a:srgbClr val="0070C0"/>
-          </a:solidFill>
-          <a:ln>
-            <a:noFill/>
-          </a:ln>
-        </p:spPr>
-        <p:style>
-          <a:lnRef idx="2">
-            <a:schemeClr val="accent1">
-              <a:shade val="50000"/>
-            </a:schemeClr>
-          </a:lnRef>
-          <a:fillRef idx="1">
-            <a:schemeClr val="accent1"/>
-          </a:fillRef>
-          <a:effectRef idx="0">
-            <a:schemeClr val="accent1"/>
-          </a:effectRef>
-          <a:fontRef idx="minor">
-            <a:schemeClr val="lt1"/>
-          </a:fontRef>
-        </p:style>
-        <p:txBody>
-          <a:bodyPr rtlCol="0" anchor="ctr"/>
-          <a:lstStyle/>
-          <a:p>
-            <a:pPr algn="ctr"/>
-            <a:endParaRPr lang="uk-UA"/>
-          </a:p>
-        </p:txBody>
-      </p:sp>
-      <p:sp>
-        <p:nvSpPr>
-          <p:cNvPr id="9" name="Прямоугольник 8">
-            <a:extLst>
-              <a:ext uri="{FF2B5EF4-FFF2-40B4-BE49-F238E27FC236}">
-                <a16:creationId xmlns:a16="http://schemas.microsoft.com/office/drawing/2014/main" id="{7BAF046E-EA1A-498B-87F5-21FB6A5AFBB2}"/>
-              </a:ext>
-            </a:extLst>
-          </p:cNvPr>
-          <p:cNvSpPr/>
-          <p:nvPr/>
-        </p:nvSpPr>
-        <p:spPr>
-          <a:xfrm>
-            <a:off x="4300902" y="1218690"/>
-            <a:ext cx="367408" cy="523220"/>
-          </a:xfrm>
-          <a:prstGeom prst="rect">
-            <a:avLst/>
-          </a:prstGeom>
-        </p:spPr>
-        <p:txBody>
-          <a:bodyPr wrap="none">
-            <a:spAutoFit/>
-          </a:bodyPr>
-          <a:lstStyle/>
-          <a:p>
-            <a:pPr algn="ctr"/>
-            <a:r>
-              <a:rPr lang="en-US" sz="2800" dirty="0">
-                <a:solidFill>
-                  <a:schemeClr val="bg1"/>
-                </a:solidFill>
-              </a:rPr>
-              <a:t>2</a:t>
-            </a:r>
-            <a:endParaRPr lang="uk-UA" sz="2800" dirty="0">
-              <a:solidFill>
-                <a:schemeClr val="bg1"/>
-              </a:solidFill>
-            </a:endParaRPr>
-          </a:p>
-        </p:txBody>
-      </p:sp>
-      <p:sp>
-        <p:nvSpPr>
-          <p:cNvPr id="10" name="Прямоугольник 9">
-            <a:extLst>
-              <a:ext uri="{FF2B5EF4-FFF2-40B4-BE49-F238E27FC236}">
-                <a16:creationId xmlns:a16="http://schemas.microsoft.com/office/drawing/2014/main" id="{48530275-190B-464B-8F83-09A8835583E6}"/>
-              </a:ext>
-            </a:extLst>
-          </p:cNvPr>
-          <p:cNvSpPr/>
-          <p:nvPr/>
-        </p:nvSpPr>
-        <p:spPr>
-          <a:xfrm>
-            <a:off x="7160319" y="693309"/>
-            <a:ext cx="1088166" cy="1237210"/>
-          </a:xfrm>
-          <a:prstGeom prst="rect">
-            <a:avLst/>
-          </a:prstGeom>
-          <a:solidFill>
-            <a:srgbClr val="0070C0"/>
-          </a:solidFill>
-          <a:ln>
-            <a:noFill/>
-          </a:ln>
-        </p:spPr>
-        <p:style>
-          <a:lnRef idx="2">
-            <a:schemeClr val="accent1">
-              <a:shade val="50000"/>
-            </a:schemeClr>
-          </a:lnRef>
-          <a:fillRef idx="1">
-            <a:schemeClr val="accent1"/>
-          </a:fillRef>
-          <a:effectRef idx="0">
-            <a:schemeClr val="accent1"/>
-          </a:effectRef>
-          <a:fontRef idx="minor">
-            <a:schemeClr val="lt1"/>
-          </a:fontRef>
-        </p:style>
-        <p:txBody>
-          <a:bodyPr rtlCol="0" anchor="ctr"/>
-          <a:lstStyle/>
-          <a:p>
-            <a:pPr algn="ctr"/>
-            <a:endParaRPr lang="uk-UA"/>
-          </a:p>
-        </p:txBody>
-      </p:sp>
-      <p:sp>
-        <p:nvSpPr>
-          <p:cNvPr id="11" name="Прямоугольник 10">
-            <a:extLst>
-              <a:ext uri="{FF2B5EF4-FFF2-40B4-BE49-F238E27FC236}">
-                <a16:creationId xmlns:a16="http://schemas.microsoft.com/office/drawing/2014/main" id="{B238595B-4914-45B8-9F72-1EF4272E6950}"/>
-              </a:ext>
-            </a:extLst>
-          </p:cNvPr>
-          <p:cNvSpPr/>
-          <p:nvPr/>
-        </p:nvSpPr>
-        <p:spPr>
-          <a:xfrm>
-            <a:off x="7512096" y="1218690"/>
-            <a:ext cx="367408" cy="523220"/>
-          </a:xfrm>
-          <a:prstGeom prst="rect">
-            <a:avLst/>
-          </a:prstGeom>
-        </p:spPr>
-        <p:txBody>
-          <a:bodyPr wrap="none">
-            <a:spAutoFit/>
-          </a:bodyPr>
-          <a:lstStyle/>
-          <a:p>
-            <a:pPr algn="ctr"/>
-            <a:r>
-              <a:rPr lang="en-US" sz="2800" dirty="0">
-                <a:solidFill>
-                  <a:schemeClr val="bg1"/>
-                </a:solidFill>
-              </a:rPr>
-              <a:t>3</a:t>
-            </a:r>
-            <a:endParaRPr lang="uk-UA" sz="2800" dirty="0">
-              <a:solidFill>
-                <a:schemeClr val="bg1"/>
-              </a:solidFill>
-            </a:endParaRPr>
-          </a:p>
-        </p:txBody>
-      </p:sp>
-      <p:sp>
-        <p:nvSpPr>
-          <p:cNvPr id="12" name="Прямоугольник 11">
-            <a:extLst>
-              <a:ext uri="{FF2B5EF4-FFF2-40B4-BE49-F238E27FC236}">
-                <a16:creationId xmlns:a16="http://schemas.microsoft.com/office/drawing/2014/main" id="{3A633E84-E9CF-4FB9-836F-4BB447467927}"/>
-              </a:ext>
-            </a:extLst>
-          </p:cNvPr>
-          <p:cNvSpPr/>
-          <p:nvPr/>
-        </p:nvSpPr>
-        <p:spPr>
-          <a:xfrm>
-            <a:off x="10507204" y="685800"/>
-            <a:ext cx="1088166" cy="1234246"/>
-          </a:xfrm>
-          <a:prstGeom prst="rect">
-            <a:avLst/>
-          </a:prstGeom>
-          <a:solidFill>
-            <a:srgbClr val="0070C0"/>
-          </a:solidFill>
-          <a:ln>
-            <a:noFill/>
-          </a:ln>
-        </p:spPr>
-        <p:style>
-          <a:lnRef idx="2">
-            <a:schemeClr val="accent1">
-              <a:shade val="50000"/>
-            </a:schemeClr>
-          </a:lnRef>
-          <a:fillRef idx="1">
-            <a:schemeClr val="accent1"/>
-          </a:fillRef>
-          <a:effectRef idx="0">
-            <a:schemeClr val="accent1"/>
-          </a:effectRef>
-          <a:fontRef idx="minor">
-            <a:schemeClr val="lt1"/>
-          </a:fontRef>
-        </p:style>
-        <p:txBody>
-          <a:bodyPr rtlCol="0" anchor="ctr"/>
-          <a:lstStyle/>
-          <a:p>
-            <a:pPr algn="ctr"/>
-            <a:endParaRPr lang="uk-UA"/>
-          </a:p>
-        </p:txBody>
-      </p:sp>
-      <p:sp>
-        <p:nvSpPr>
-          <p:cNvPr id="13" name="Прямоугольник 12">
-            <a:extLst>
-              <a:ext uri="{FF2B5EF4-FFF2-40B4-BE49-F238E27FC236}">
-                <a16:creationId xmlns:a16="http://schemas.microsoft.com/office/drawing/2014/main" id="{8F2FEA7E-32FA-4214-9A8F-37B30C86F3DB}"/>
-              </a:ext>
-            </a:extLst>
-          </p:cNvPr>
-          <p:cNvSpPr/>
-          <p:nvPr/>
-        </p:nvSpPr>
-        <p:spPr>
-          <a:xfrm>
-            <a:off x="10890622" y="1226009"/>
-            <a:ext cx="367408" cy="523220"/>
-          </a:xfrm>
-          <a:prstGeom prst="rect">
-            <a:avLst/>
-          </a:prstGeom>
-        </p:spPr>
-        <p:txBody>
-          <a:bodyPr wrap="none">
-            <a:spAutoFit/>
-          </a:bodyPr>
-          <a:lstStyle/>
-          <a:p>
-            <a:pPr algn="ctr"/>
-            <a:r>
-              <a:rPr lang="en-US" sz="2800" dirty="0">
-                <a:solidFill>
-                  <a:schemeClr val="bg1"/>
-                </a:solidFill>
-              </a:rPr>
-              <a:t>4</a:t>
-            </a:r>
-            <a:endParaRPr lang="uk-UA" sz="2800" dirty="0">
-              <a:solidFill>
-                <a:schemeClr val="bg1"/>
-              </a:solidFill>
-            </a:endParaRPr>
-          </a:p>
-        </p:txBody>
-      </p:sp>
-      <p:sp>
-        <p:nvSpPr>
-          <p:cNvPr id="14" name="Прямоугольник 13">
-            <a:extLst>
-              <a:ext uri="{FF2B5EF4-FFF2-40B4-BE49-F238E27FC236}">
-                <a16:creationId xmlns:a16="http://schemas.microsoft.com/office/drawing/2014/main" id="{F360FE14-B87A-4C13-8393-1EB6CFA003F7}"/>
-              </a:ext>
-            </a:extLst>
-          </p:cNvPr>
-          <p:cNvSpPr/>
-          <p:nvPr/>
-        </p:nvSpPr>
-        <p:spPr>
-          <a:xfrm>
-            <a:off x="903280" y="3105584"/>
-            <a:ext cx="1088166" cy="1234246"/>
-          </a:xfrm>
-          <a:prstGeom prst="rect">
-            <a:avLst/>
-          </a:prstGeom>
-          <a:solidFill>
-            <a:srgbClr val="0070C0"/>
-          </a:solidFill>
-          <a:ln>
-            <a:noFill/>
-          </a:ln>
-        </p:spPr>
-        <p:style>
-          <a:lnRef idx="2">
-            <a:schemeClr val="accent1">
-              <a:shade val="50000"/>
-            </a:schemeClr>
-          </a:lnRef>
-          <a:fillRef idx="1">
-            <a:schemeClr val="accent1"/>
-          </a:fillRef>
-          <a:effectRef idx="0">
-            <a:schemeClr val="accent1"/>
-          </a:effectRef>
-          <a:fontRef idx="minor">
-            <a:schemeClr val="lt1"/>
-          </a:fontRef>
-        </p:style>
-        <p:txBody>
-          <a:bodyPr rtlCol="0" anchor="ctr"/>
-          <a:lstStyle/>
-          <a:p>
-            <a:pPr algn="ctr"/>
-            <a:endParaRPr lang="uk-UA"/>
-          </a:p>
-        </p:txBody>
-      </p:sp>
-      <p:sp>
-        <p:nvSpPr>
-          <p:cNvPr id="15" name="Прямоугольник 14">
-            <a:extLst>
-              <a:ext uri="{FF2B5EF4-FFF2-40B4-BE49-F238E27FC236}">
-                <a16:creationId xmlns:a16="http://schemas.microsoft.com/office/drawing/2014/main" id="{6DB870A1-6C98-4590-A6D0-22DFE69EEF5D}"/>
-              </a:ext>
-            </a:extLst>
-          </p:cNvPr>
-          <p:cNvSpPr/>
-          <p:nvPr/>
-        </p:nvSpPr>
-        <p:spPr>
-          <a:xfrm>
-            <a:off x="1255057" y="3634549"/>
-            <a:ext cx="367408" cy="523220"/>
-          </a:xfrm>
-          <a:prstGeom prst="rect">
-            <a:avLst/>
-          </a:prstGeom>
-        </p:spPr>
-        <p:txBody>
-          <a:bodyPr wrap="none">
-            <a:spAutoFit/>
-          </a:bodyPr>
-          <a:lstStyle/>
-          <a:p>
-            <a:pPr algn="ctr"/>
-            <a:r>
-              <a:rPr lang="en-US" sz="2800" dirty="0">
-                <a:solidFill>
-                  <a:schemeClr val="bg1"/>
-                </a:solidFill>
-              </a:rPr>
-              <a:t>5</a:t>
-            </a:r>
-            <a:endParaRPr lang="uk-UA" sz="2800" dirty="0">
-              <a:solidFill>
-                <a:schemeClr val="bg1"/>
-              </a:solidFill>
-            </a:endParaRPr>
-          </a:p>
-        </p:txBody>
-      </p:sp>
-      <p:sp>
-        <p:nvSpPr>
-          <p:cNvPr id="16" name="Прямоугольник 15">
-            <a:extLst>
-              <a:ext uri="{FF2B5EF4-FFF2-40B4-BE49-F238E27FC236}">
-                <a16:creationId xmlns:a16="http://schemas.microsoft.com/office/drawing/2014/main" id="{C810F336-C773-40B6-AA49-7808379F3DAA}"/>
-              </a:ext>
-            </a:extLst>
-          </p:cNvPr>
-          <p:cNvSpPr/>
-          <p:nvPr/>
-        </p:nvSpPr>
-        <p:spPr>
-          <a:xfrm>
-            <a:off x="5551917" y="3105584"/>
-            <a:ext cx="1088166" cy="1234246"/>
-          </a:xfrm>
-          <a:prstGeom prst="rect">
-            <a:avLst/>
-          </a:prstGeom>
-          <a:solidFill>
-            <a:srgbClr val="0070C0"/>
-          </a:solidFill>
-          <a:ln>
-            <a:noFill/>
-          </a:ln>
-        </p:spPr>
-        <p:style>
-          <a:lnRef idx="2">
-            <a:schemeClr val="accent1">
-              <a:shade val="50000"/>
-            </a:schemeClr>
-          </a:lnRef>
-          <a:fillRef idx="1">
-            <a:schemeClr val="accent1"/>
-          </a:fillRef>
-          <a:effectRef idx="0">
-            <a:schemeClr val="accent1"/>
-          </a:effectRef>
-          <a:fontRef idx="minor">
-            <a:schemeClr val="lt1"/>
-          </a:fontRef>
-        </p:style>
-        <p:txBody>
-          <a:bodyPr rtlCol="0" anchor="ctr"/>
-          <a:lstStyle/>
-          <a:p>
-            <a:pPr algn="ctr"/>
-            <a:endParaRPr lang="uk-UA"/>
-          </a:p>
-        </p:txBody>
-      </p:sp>
-      <p:sp>
-        <p:nvSpPr>
-          <p:cNvPr id="17" name="Прямоугольник 16">
-            <a:extLst>
-              <a:ext uri="{FF2B5EF4-FFF2-40B4-BE49-F238E27FC236}">
-                <a16:creationId xmlns:a16="http://schemas.microsoft.com/office/drawing/2014/main" id="{27219807-CA89-410E-99ED-D5D4392F7B0B}"/>
-              </a:ext>
-            </a:extLst>
-          </p:cNvPr>
-          <p:cNvSpPr/>
-          <p:nvPr/>
-        </p:nvSpPr>
-        <p:spPr>
-          <a:xfrm>
-            <a:off x="5931485" y="3531167"/>
-            <a:ext cx="367408" cy="523220"/>
-          </a:xfrm>
-          <a:prstGeom prst="rect">
-            <a:avLst/>
-          </a:prstGeom>
-        </p:spPr>
-        <p:txBody>
-          <a:bodyPr wrap="none">
-            <a:spAutoFit/>
-          </a:bodyPr>
-          <a:lstStyle/>
-          <a:p>
-            <a:pPr algn="ctr"/>
-            <a:r>
-              <a:rPr lang="en-US" sz="2800" dirty="0">
-                <a:solidFill>
-                  <a:schemeClr val="bg1"/>
-                </a:solidFill>
-              </a:rPr>
-              <a:t>6</a:t>
-            </a:r>
-            <a:endParaRPr lang="uk-UA" sz="2800" dirty="0">
-              <a:solidFill>
-                <a:schemeClr val="bg1"/>
-              </a:solidFill>
-            </a:endParaRPr>
-          </a:p>
-        </p:txBody>
-      </p:sp>
-      <p:sp>
-        <p:nvSpPr>
-          <p:cNvPr id="18" name="Прямоугольник 17">
-            <a:extLst>
-              <a:ext uri="{FF2B5EF4-FFF2-40B4-BE49-F238E27FC236}">
-                <a16:creationId xmlns:a16="http://schemas.microsoft.com/office/drawing/2014/main" id="{32B7BE66-B762-405B-935F-62A33FAAC190}"/>
-              </a:ext>
-            </a:extLst>
-          </p:cNvPr>
-          <p:cNvSpPr/>
-          <p:nvPr/>
-        </p:nvSpPr>
-        <p:spPr>
-          <a:xfrm>
-            <a:off x="10507204" y="3017426"/>
-            <a:ext cx="1088166" cy="1234246"/>
-          </a:xfrm>
-          <a:prstGeom prst="rect">
-            <a:avLst/>
-          </a:prstGeom>
-          <a:solidFill>
-            <a:srgbClr val="0070C0"/>
-          </a:solidFill>
-          <a:ln>
-            <a:noFill/>
-          </a:ln>
-        </p:spPr>
-        <p:style>
-          <a:lnRef idx="2">
-            <a:schemeClr val="accent1">
-              <a:shade val="50000"/>
-            </a:schemeClr>
-          </a:lnRef>
-          <a:fillRef idx="1">
-            <a:schemeClr val="accent1"/>
-          </a:fillRef>
-          <a:effectRef idx="0">
-            <a:schemeClr val="accent1"/>
-          </a:effectRef>
-          <a:fontRef idx="minor">
-            <a:schemeClr val="lt1"/>
-          </a:fontRef>
-        </p:style>
-        <p:txBody>
-          <a:bodyPr rtlCol="0" anchor="ctr"/>
-          <a:lstStyle/>
-          <a:p>
-            <a:pPr algn="ctr"/>
-            <a:endParaRPr lang="uk-UA"/>
-          </a:p>
-        </p:txBody>
-      </p:sp>
-      <p:sp>
-        <p:nvSpPr>
-          <p:cNvPr id="19" name="Прямоугольник 18">
-            <a:extLst>
-              <a:ext uri="{FF2B5EF4-FFF2-40B4-BE49-F238E27FC236}">
-                <a16:creationId xmlns:a16="http://schemas.microsoft.com/office/drawing/2014/main" id="{4E561FEC-E3C2-49A3-B0B8-1D3E84E8C6DB}"/>
-              </a:ext>
-            </a:extLst>
-          </p:cNvPr>
-          <p:cNvSpPr/>
-          <p:nvPr/>
-        </p:nvSpPr>
-        <p:spPr>
-          <a:xfrm>
-            <a:off x="10927722" y="3541719"/>
-            <a:ext cx="367408" cy="523220"/>
-          </a:xfrm>
-          <a:prstGeom prst="rect">
-            <a:avLst/>
-          </a:prstGeom>
-        </p:spPr>
-        <p:txBody>
-          <a:bodyPr wrap="none">
-            <a:spAutoFit/>
-          </a:bodyPr>
-          <a:lstStyle/>
-          <a:p>
-            <a:pPr algn="ctr"/>
-            <a:r>
-              <a:rPr lang="en-US" sz="2800" dirty="0">
-                <a:solidFill>
-                  <a:schemeClr val="bg1"/>
-                </a:solidFill>
-              </a:rPr>
-              <a:t>7</a:t>
-            </a:r>
           </a:p>
         </p:txBody>
       </p:sp>
     </p:spTree>
     <p:extLst>
       <p:ext uri="{BB962C8B-B14F-4D97-AF65-F5344CB8AC3E}">
-        <p14:creationId xmlns:p14="http://schemas.microsoft.com/office/powerpoint/2010/main" val="3159580902"/>
+        <p14:creationId xmlns:p14="http://schemas.microsoft.com/office/powerpoint/2010/main" val="3285239703"/>
       </p:ext>
     </p:extLst>
   </p:cSld>
@@ -17128,7 +17419,7 @@
           <p:cNvPr id="2" name="Заголовок 1">
             <a:extLst>
               <a:ext uri="{FF2B5EF4-FFF2-40B4-BE49-F238E27FC236}">
-                <a16:creationId xmlns:a16="http://schemas.microsoft.com/office/drawing/2014/main" id="{CC781B2D-B2C6-455D-AC2D-E6CD5960CC76}"/>
+                <a16:creationId xmlns:a16="http://schemas.microsoft.com/office/drawing/2014/main" id="{C7703E79-3DAD-4BA3-B16D-6740179A7D17}"/>
               </a:ext>
             </a:extLst>
           </p:cNvPr>
@@ -17144,11 +17435,16 @@
           <a:bodyPr/>
           <a:lstStyle/>
           <a:p>
-            <a:r>
-              <a:rPr lang="en-US" sz="100" dirty="0"/>
-              <a:t>/</a:t>
-            </a:r>
-            <a:endParaRPr lang="uk-UA" sz="100" dirty="0"/>
+            <a:pPr>
+              <a:lnSpc>
+                <a:spcPct val="100000"/>
+              </a:lnSpc>
+            </a:pPr>
+            <a:r>
+              <a:rPr lang="en-US" sz="4000" dirty="0"/>
+              <a:t>align-item vs align-content</a:t>
+            </a:r>
+            <a:endParaRPr lang="uk-UA" sz="4000" dirty="0"/>
           </a:p>
         </p:txBody>
       </p:sp>
@@ -17157,7 +17453,7 @@
           <p:cNvPr id="5" name="Рисунок 4">
             <a:extLst>
               <a:ext uri="{FF2B5EF4-FFF2-40B4-BE49-F238E27FC236}">
-                <a16:creationId xmlns:a16="http://schemas.microsoft.com/office/drawing/2014/main" id="{4D1CEDCB-CAFC-48C5-9433-8329893317DC}"/>
+                <a16:creationId xmlns:a16="http://schemas.microsoft.com/office/drawing/2014/main" id="{7F3800CB-A561-4473-B970-F02B10FC7EEF}"/>
               </a:ext>
             </a:extLst>
           </p:cNvPr>
@@ -17180,8 +17476,8 @@
         </p:blipFill>
         <p:spPr>
           <a:xfrm>
-            <a:off x="685800" y="1968721"/>
-            <a:ext cx="7952362" cy="3517680"/>
+            <a:off x="672829" y="1978649"/>
+            <a:ext cx="7929915" cy="3507751"/>
           </a:xfrm>
           <a:prstGeom prst="rect">
             <a:avLst/>
@@ -17191,7 +17487,7 @@
     </p:spTree>
     <p:extLst>
       <p:ext uri="{BB962C8B-B14F-4D97-AF65-F5344CB8AC3E}">
-        <p14:creationId xmlns:p14="http://schemas.microsoft.com/office/powerpoint/2010/main" val="3171943782"/>
+        <p14:creationId xmlns:p14="http://schemas.microsoft.com/office/powerpoint/2010/main" val="1740484071"/>
       </p:ext>
     </p:extLst>
   </p:cSld>
@@ -17220,10 +17516,10 @@
       </p:grpSpPr>
       <p:sp>
         <p:nvSpPr>
-          <p:cNvPr id="34" name="Прямоугольник 33">
-            <a:extLst>
-              <a:ext uri="{FF2B5EF4-FFF2-40B4-BE49-F238E27FC236}">
-                <a16:creationId xmlns:a16="http://schemas.microsoft.com/office/drawing/2014/main" id="{3839156B-D43B-4A50-ACC3-E17EA69A3EE0}"/>
+          <p:cNvPr id="5" name="Прямоугольник 4">
+            <a:extLst>
+              <a:ext uri="{FF2B5EF4-FFF2-40B4-BE49-F238E27FC236}">
+                <a16:creationId xmlns:a16="http://schemas.microsoft.com/office/drawing/2014/main" id="{E65BBEAA-B1B7-4CDB-91E6-D6A8AAAB1302}"/>
               </a:ext>
             </a:extLst>
           </p:cNvPr>
@@ -17272,10 +17568,10 @@
       </p:sp>
       <p:sp>
         <p:nvSpPr>
-          <p:cNvPr id="35" name="Прямоугольник 34">
-            <a:extLst>
-              <a:ext uri="{FF2B5EF4-FFF2-40B4-BE49-F238E27FC236}">
-                <a16:creationId xmlns:a16="http://schemas.microsoft.com/office/drawing/2014/main" id="{E9B4B1D4-65A8-482B-8E25-B2BDEA6109F9}"/>
+          <p:cNvPr id="6" name="Прямоугольник 5">
+            <a:extLst>
+              <a:ext uri="{FF2B5EF4-FFF2-40B4-BE49-F238E27FC236}">
+                <a16:creationId xmlns:a16="http://schemas.microsoft.com/office/drawing/2014/main" id="{5B87E993-A87F-44C6-AACF-6EB60DDC02FE}"/>
               </a:ext>
             </a:extLst>
           </p:cNvPr>
@@ -17328,10 +17624,10 @@
       </p:sp>
       <p:sp>
         <p:nvSpPr>
-          <p:cNvPr id="36" name="Прямоугольник 35">
-            <a:extLst>
-              <a:ext uri="{FF2B5EF4-FFF2-40B4-BE49-F238E27FC236}">
-                <a16:creationId xmlns:a16="http://schemas.microsoft.com/office/drawing/2014/main" id="{713546A0-9319-4E15-8FAF-5DFE3A9AE7B3}"/>
+          <p:cNvPr id="7" name="Прямоугольник 6">
+            <a:extLst>
+              <a:ext uri="{FF2B5EF4-FFF2-40B4-BE49-F238E27FC236}">
+                <a16:creationId xmlns:a16="http://schemas.microsoft.com/office/drawing/2014/main" id="{E0C27591-124D-4901-B156-BB6672F82181}"/>
               </a:ext>
             </a:extLst>
           </p:cNvPr>
@@ -17372,10 +17668,10 @@
       </p:sp>
       <p:sp>
         <p:nvSpPr>
-          <p:cNvPr id="37" name="Прямоугольник 36">
-            <a:extLst>
-              <a:ext uri="{FF2B5EF4-FFF2-40B4-BE49-F238E27FC236}">
-                <a16:creationId xmlns:a16="http://schemas.microsoft.com/office/drawing/2014/main" id="{07A0012C-6A03-4979-B483-D7BE71B31309}"/>
+          <p:cNvPr id="8" name="Прямоугольник 7">
+            <a:extLst>
+              <a:ext uri="{FF2B5EF4-FFF2-40B4-BE49-F238E27FC236}">
+                <a16:creationId xmlns:a16="http://schemas.microsoft.com/office/drawing/2014/main" id="{E218D03F-BBFD-4BA1-A873-013DC1A6AB53}"/>
               </a:ext>
             </a:extLst>
           </p:cNvPr>
@@ -17424,10 +17720,10 @@
       </p:sp>
       <p:sp>
         <p:nvSpPr>
-          <p:cNvPr id="38" name="Прямоугольник 37">
-            <a:extLst>
-              <a:ext uri="{FF2B5EF4-FFF2-40B4-BE49-F238E27FC236}">
-                <a16:creationId xmlns:a16="http://schemas.microsoft.com/office/drawing/2014/main" id="{79965BEA-CA00-4524-A878-F960156A09E4}"/>
+          <p:cNvPr id="9" name="Прямоугольник 8">
+            <a:extLst>
+              <a:ext uri="{FF2B5EF4-FFF2-40B4-BE49-F238E27FC236}">
+                <a16:creationId xmlns:a16="http://schemas.microsoft.com/office/drawing/2014/main" id="{7BAF046E-EA1A-498B-87F5-21FB6A5AFBB2}"/>
               </a:ext>
             </a:extLst>
           </p:cNvPr>
@@ -17468,10 +17764,10 @@
       </p:sp>
       <p:sp>
         <p:nvSpPr>
-          <p:cNvPr id="39" name="Прямоугольник 38">
-            <a:extLst>
-              <a:ext uri="{FF2B5EF4-FFF2-40B4-BE49-F238E27FC236}">
-                <a16:creationId xmlns:a16="http://schemas.microsoft.com/office/drawing/2014/main" id="{D4CD7657-3676-40B7-B1DF-AEF3A8EC1D8D}"/>
+          <p:cNvPr id="10" name="Прямоугольник 9">
+            <a:extLst>
+              <a:ext uri="{FF2B5EF4-FFF2-40B4-BE49-F238E27FC236}">
+                <a16:creationId xmlns:a16="http://schemas.microsoft.com/office/drawing/2014/main" id="{48530275-190B-464B-8F83-09A8835583E6}"/>
               </a:ext>
             </a:extLst>
           </p:cNvPr>
@@ -17520,10 +17816,10 @@
       </p:sp>
       <p:sp>
         <p:nvSpPr>
-          <p:cNvPr id="40" name="Прямоугольник 39">
-            <a:extLst>
-              <a:ext uri="{FF2B5EF4-FFF2-40B4-BE49-F238E27FC236}">
-                <a16:creationId xmlns:a16="http://schemas.microsoft.com/office/drawing/2014/main" id="{BFD8055C-747C-4C57-83B6-0C821BBE20C1}"/>
+          <p:cNvPr id="11" name="Прямоугольник 10">
+            <a:extLst>
+              <a:ext uri="{FF2B5EF4-FFF2-40B4-BE49-F238E27FC236}">
+                <a16:creationId xmlns:a16="http://schemas.microsoft.com/office/drawing/2014/main" id="{B238595B-4914-45B8-9F72-1EF4272E6950}"/>
               </a:ext>
             </a:extLst>
           </p:cNvPr>
@@ -17564,10 +17860,10 @@
       </p:sp>
       <p:sp>
         <p:nvSpPr>
-          <p:cNvPr id="41" name="Прямоугольник 40">
-            <a:extLst>
-              <a:ext uri="{FF2B5EF4-FFF2-40B4-BE49-F238E27FC236}">
-                <a16:creationId xmlns:a16="http://schemas.microsoft.com/office/drawing/2014/main" id="{6DA6680A-6570-4708-B89B-9AA491EC806E}"/>
+          <p:cNvPr id="12" name="Прямоугольник 11">
+            <a:extLst>
+              <a:ext uri="{FF2B5EF4-FFF2-40B4-BE49-F238E27FC236}">
+                <a16:creationId xmlns:a16="http://schemas.microsoft.com/office/drawing/2014/main" id="{3A633E84-E9CF-4FB9-836F-4BB447467927}"/>
               </a:ext>
             </a:extLst>
           </p:cNvPr>
@@ -17616,10 +17912,10 @@
       </p:sp>
       <p:sp>
         <p:nvSpPr>
-          <p:cNvPr id="42" name="Прямоугольник 41">
-            <a:extLst>
-              <a:ext uri="{FF2B5EF4-FFF2-40B4-BE49-F238E27FC236}">
-                <a16:creationId xmlns:a16="http://schemas.microsoft.com/office/drawing/2014/main" id="{2431B2DB-58B7-4B89-9296-A3F912A6023E}"/>
+          <p:cNvPr id="13" name="Прямоугольник 12">
+            <a:extLst>
+              <a:ext uri="{FF2B5EF4-FFF2-40B4-BE49-F238E27FC236}">
+                <a16:creationId xmlns:a16="http://schemas.microsoft.com/office/drawing/2014/main" id="{8F2FEA7E-32FA-4214-9A8F-37B30C86F3DB}"/>
               </a:ext>
             </a:extLst>
           </p:cNvPr>
@@ -17660,19 +17956,19 @@
       </p:sp>
       <p:sp>
         <p:nvSpPr>
-          <p:cNvPr id="43" name="Прямоугольник 42">
-            <a:extLst>
-              <a:ext uri="{FF2B5EF4-FFF2-40B4-BE49-F238E27FC236}">
-                <a16:creationId xmlns:a16="http://schemas.microsoft.com/office/drawing/2014/main" id="{59BDA045-F79B-49FA-8DD1-273802445152}"/>
-              </a:ext>
-            </a:extLst>
-          </p:cNvPr>
-          <p:cNvSpPr/>
-          <p:nvPr/>
-        </p:nvSpPr>
-        <p:spPr>
-          <a:xfrm>
-            <a:off x="903280" y="1929923"/>
+          <p:cNvPr id="14" name="Прямоугольник 13">
+            <a:extLst>
+              <a:ext uri="{FF2B5EF4-FFF2-40B4-BE49-F238E27FC236}">
+                <a16:creationId xmlns:a16="http://schemas.microsoft.com/office/drawing/2014/main" id="{F360FE14-B87A-4C13-8393-1EB6CFA003F7}"/>
+              </a:ext>
+            </a:extLst>
+          </p:cNvPr>
+          <p:cNvSpPr/>
+          <p:nvPr/>
+        </p:nvSpPr>
+        <p:spPr>
+          <a:xfrm>
+            <a:off x="903280" y="3105584"/>
             <a:ext cx="1088166" cy="1234246"/>
           </a:xfrm>
           <a:prstGeom prst="rect">
@@ -17712,19 +18008,19 @@
       </p:sp>
       <p:sp>
         <p:nvSpPr>
-          <p:cNvPr id="44" name="Прямоугольник 43">
-            <a:extLst>
-              <a:ext uri="{FF2B5EF4-FFF2-40B4-BE49-F238E27FC236}">
-                <a16:creationId xmlns:a16="http://schemas.microsoft.com/office/drawing/2014/main" id="{88752919-4322-4DD5-A12A-BD66351824F8}"/>
-              </a:ext>
-            </a:extLst>
-          </p:cNvPr>
-          <p:cNvSpPr/>
-          <p:nvPr/>
-        </p:nvSpPr>
-        <p:spPr>
-          <a:xfrm>
-            <a:off x="1255057" y="2458888"/>
+          <p:cNvPr id="15" name="Прямоугольник 14">
+            <a:extLst>
+              <a:ext uri="{FF2B5EF4-FFF2-40B4-BE49-F238E27FC236}">
+                <a16:creationId xmlns:a16="http://schemas.microsoft.com/office/drawing/2014/main" id="{6DB870A1-6C98-4590-A6D0-22DFE69EEF5D}"/>
+              </a:ext>
+            </a:extLst>
+          </p:cNvPr>
+          <p:cNvSpPr/>
+          <p:nvPr/>
+        </p:nvSpPr>
+        <p:spPr>
+          <a:xfrm>
+            <a:off x="1255057" y="3634549"/>
             <a:ext cx="367408" cy="523220"/>
           </a:xfrm>
           <a:prstGeom prst="rect">
@@ -17756,19 +18052,19 @@
       </p:sp>
       <p:sp>
         <p:nvSpPr>
-          <p:cNvPr id="45" name="Прямоугольник 44">
-            <a:extLst>
-              <a:ext uri="{FF2B5EF4-FFF2-40B4-BE49-F238E27FC236}">
-                <a16:creationId xmlns:a16="http://schemas.microsoft.com/office/drawing/2014/main" id="{A9F81364-F840-4227-8FE9-098A4F810655}"/>
-              </a:ext>
-            </a:extLst>
-          </p:cNvPr>
-          <p:cNvSpPr/>
-          <p:nvPr/>
-        </p:nvSpPr>
-        <p:spPr>
-          <a:xfrm>
-            <a:off x="5486877" y="1920046"/>
+          <p:cNvPr id="16" name="Прямоугольник 15">
+            <a:extLst>
+              <a:ext uri="{FF2B5EF4-FFF2-40B4-BE49-F238E27FC236}">
+                <a16:creationId xmlns:a16="http://schemas.microsoft.com/office/drawing/2014/main" id="{C810F336-C773-40B6-AA49-7808379F3DAA}"/>
+              </a:ext>
+            </a:extLst>
+          </p:cNvPr>
+          <p:cNvSpPr/>
+          <p:nvPr/>
+        </p:nvSpPr>
+        <p:spPr>
+          <a:xfrm>
+            <a:off x="5551917" y="3105584"/>
             <a:ext cx="1088166" cy="1234246"/>
           </a:xfrm>
           <a:prstGeom prst="rect">
@@ -17808,19 +18104,19 @@
       </p:sp>
       <p:sp>
         <p:nvSpPr>
-          <p:cNvPr id="46" name="Прямоугольник 45">
-            <a:extLst>
-              <a:ext uri="{FF2B5EF4-FFF2-40B4-BE49-F238E27FC236}">
-                <a16:creationId xmlns:a16="http://schemas.microsoft.com/office/drawing/2014/main" id="{EFE123C8-3DD2-440D-908E-7DF085D5BDE0}"/>
-              </a:ext>
-            </a:extLst>
-          </p:cNvPr>
-          <p:cNvSpPr/>
-          <p:nvPr/>
-        </p:nvSpPr>
-        <p:spPr>
-          <a:xfrm>
-            <a:off x="5866445" y="2345629"/>
+          <p:cNvPr id="17" name="Прямоугольник 16">
+            <a:extLst>
+              <a:ext uri="{FF2B5EF4-FFF2-40B4-BE49-F238E27FC236}">
+                <a16:creationId xmlns:a16="http://schemas.microsoft.com/office/drawing/2014/main" id="{27219807-CA89-410E-99ED-D5D4392F7B0B}"/>
+              </a:ext>
+            </a:extLst>
+          </p:cNvPr>
+          <p:cNvSpPr/>
+          <p:nvPr/>
+        </p:nvSpPr>
+        <p:spPr>
+          <a:xfrm>
+            <a:off x="5931485" y="3531167"/>
             <a:ext cx="367408" cy="523220"/>
           </a:xfrm>
           <a:prstGeom prst="rect">
@@ -17852,19 +18148,19 @@
       </p:sp>
       <p:sp>
         <p:nvSpPr>
-          <p:cNvPr id="47" name="Прямоугольник 46">
-            <a:extLst>
-              <a:ext uri="{FF2B5EF4-FFF2-40B4-BE49-F238E27FC236}">
-                <a16:creationId xmlns:a16="http://schemas.microsoft.com/office/drawing/2014/main" id="{FB6B6C92-CCED-481E-AC54-AAA6BF878F27}"/>
-              </a:ext>
-            </a:extLst>
-          </p:cNvPr>
-          <p:cNvSpPr/>
-          <p:nvPr/>
-        </p:nvSpPr>
-        <p:spPr>
-          <a:xfrm>
-            <a:off x="10507204" y="1934787"/>
+          <p:cNvPr id="18" name="Прямоугольник 17">
+            <a:extLst>
+              <a:ext uri="{FF2B5EF4-FFF2-40B4-BE49-F238E27FC236}">
+                <a16:creationId xmlns:a16="http://schemas.microsoft.com/office/drawing/2014/main" id="{32B7BE66-B762-405B-935F-62A33FAAC190}"/>
+              </a:ext>
+            </a:extLst>
+          </p:cNvPr>
+          <p:cNvSpPr/>
+          <p:nvPr/>
+        </p:nvSpPr>
+        <p:spPr>
+          <a:xfrm>
+            <a:off x="10507204" y="3017426"/>
             <a:ext cx="1088166" cy="1234246"/>
           </a:xfrm>
           <a:prstGeom prst="rect">
@@ -17904,19 +18200,19 @@
       </p:sp>
       <p:sp>
         <p:nvSpPr>
-          <p:cNvPr id="48" name="Прямоугольник 47">
-            <a:extLst>
-              <a:ext uri="{FF2B5EF4-FFF2-40B4-BE49-F238E27FC236}">
-                <a16:creationId xmlns:a16="http://schemas.microsoft.com/office/drawing/2014/main" id="{8142DF64-1FA2-4EDE-B64A-A6DD86DE2A24}"/>
-              </a:ext>
-            </a:extLst>
-          </p:cNvPr>
-          <p:cNvSpPr/>
-          <p:nvPr/>
-        </p:nvSpPr>
-        <p:spPr>
-          <a:xfrm>
-            <a:off x="10927722" y="2459080"/>
+          <p:cNvPr id="19" name="Прямоугольник 18">
+            <a:extLst>
+              <a:ext uri="{FF2B5EF4-FFF2-40B4-BE49-F238E27FC236}">
+                <a16:creationId xmlns:a16="http://schemas.microsoft.com/office/drawing/2014/main" id="{4E561FEC-E3C2-49A3-B0B8-1D3E84E8C6DB}"/>
+              </a:ext>
+            </a:extLst>
+          </p:cNvPr>
+          <p:cNvSpPr/>
+          <p:nvPr/>
+        </p:nvSpPr>
+        <p:spPr>
+          <a:xfrm>
+            <a:off x="10927722" y="3541719"/>
             <a:ext cx="367408" cy="523220"/>
           </a:xfrm>
           <a:prstGeom prst="rect">
@@ -17944,7 +18240,7 @@
     </p:spTree>
     <p:extLst>
       <p:ext uri="{BB962C8B-B14F-4D97-AF65-F5344CB8AC3E}">
-        <p14:creationId xmlns:p14="http://schemas.microsoft.com/office/powerpoint/2010/main" val="994841690"/>
+        <p14:creationId xmlns:p14="http://schemas.microsoft.com/office/powerpoint/2010/main" val="3159580902"/>
       </p:ext>
     </p:extLst>
   </p:cSld>
@@ -18080,7 +18376,7 @@
           <p:cNvPr id="2" name="Заголовок 1">
             <a:extLst>
               <a:ext uri="{FF2B5EF4-FFF2-40B4-BE49-F238E27FC236}">
-                <a16:creationId xmlns:a16="http://schemas.microsoft.com/office/drawing/2014/main" id="{E8A4C977-241D-4D55-81D6-22EE81CC1D35}"/>
+                <a16:creationId xmlns:a16="http://schemas.microsoft.com/office/drawing/2014/main" id="{CC781B2D-B2C6-455D-AC2D-E6CD5960CC76}"/>
               </a:ext>
             </a:extLst>
           </p:cNvPr>
@@ -18096,144 +18392,54 @@
           <a:bodyPr/>
           <a:lstStyle/>
           <a:p>
-            <a:pPr>
-              <a:lnSpc>
-                <a:spcPct val="150000"/>
-              </a:lnSpc>
-            </a:pPr>
-            <a:r>
-              <a:rPr lang="en-US" sz="4000"/>
-              <a:t>align-content</a:t>
-            </a:r>
-            <a:br>
-              <a:rPr lang="en-US" sz="4000" dirty="0"/>
-            </a:br>
-            <a:r>
-              <a:rPr lang="uk-UA" sz="2400" b="1" dirty="0"/>
-              <a:t>· </a:t>
-            </a:r>
-            <a:r>
-              <a:rPr lang="en-US" sz="2400" dirty="0">
-                <a:latin typeface="Open Sans" panose="020B0604020202020204" charset="0"/>
-                <a:ea typeface="Open Sans" panose="020B0604020202020204" charset="0"/>
-                <a:cs typeface="Open Sans" panose="020B0604020202020204" charset="0"/>
-              </a:rPr>
-              <a:t>flex-start</a:t>
-            </a:r>
-            <a:br>
-              <a:rPr lang="en-US" sz="2400" dirty="0">
-                <a:latin typeface="Open Sans" panose="020B0604020202020204" charset="0"/>
-                <a:ea typeface="Open Sans" panose="020B0604020202020204" charset="0"/>
-                <a:cs typeface="Open Sans" panose="020B0604020202020204" charset="0"/>
-              </a:rPr>
-            </a:br>
-            <a:r>
-              <a:rPr lang="uk-UA" sz="2400" b="1" dirty="0"/>
-              <a:t>· </a:t>
-            </a:r>
-            <a:r>
-              <a:rPr lang="en-US" sz="2400" dirty="0">
-                <a:latin typeface="Open Sans" panose="020B0604020202020204" charset="0"/>
-                <a:ea typeface="Open Sans" panose="020B0604020202020204" charset="0"/>
-                <a:cs typeface="Open Sans" panose="020B0604020202020204" charset="0"/>
-              </a:rPr>
-              <a:t>flex-end</a:t>
-            </a:r>
-            <a:br>
-              <a:rPr lang="en-US" sz="2400" dirty="0">
-                <a:latin typeface="Open Sans" panose="020B0604020202020204" charset="0"/>
-                <a:ea typeface="Open Sans" panose="020B0604020202020204" charset="0"/>
-                <a:cs typeface="Open Sans" panose="020B0604020202020204" charset="0"/>
-              </a:rPr>
-            </a:br>
-            <a:r>
-              <a:rPr lang="uk-UA" sz="2400" b="1" dirty="0"/>
-              <a:t>· </a:t>
-            </a:r>
-            <a:r>
-              <a:rPr lang="en-US" sz="2400" dirty="0">
-                <a:latin typeface="Open Sans" panose="020B0604020202020204" charset="0"/>
-                <a:ea typeface="Open Sans" panose="020B0604020202020204" charset="0"/>
-                <a:cs typeface="Open Sans" panose="020B0604020202020204" charset="0"/>
-              </a:rPr>
-              <a:t>center</a:t>
-            </a:r>
-            <a:br>
-              <a:rPr lang="en-US" sz="2400" dirty="0">
-                <a:latin typeface="Open Sans" panose="020B0604020202020204" charset="0"/>
-                <a:ea typeface="Open Sans" panose="020B0604020202020204" charset="0"/>
-                <a:cs typeface="Open Sans" panose="020B0604020202020204" charset="0"/>
-              </a:rPr>
-            </a:br>
-            <a:r>
-              <a:rPr lang="uk-UA" sz="2400" b="1" dirty="0"/>
-              <a:t>· </a:t>
-            </a:r>
-            <a:r>
-              <a:rPr lang="en-US" sz="2400" dirty="0">
-                <a:latin typeface="Open Sans" panose="020B0604020202020204" charset="0"/>
-                <a:ea typeface="Open Sans" panose="020B0604020202020204" charset="0"/>
-                <a:cs typeface="Open Sans" panose="020B0604020202020204" charset="0"/>
-              </a:rPr>
-              <a:t>space-between</a:t>
-            </a:r>
-            <a:br>
-              <a:rPr lang="en-US" sz="2400" dirty="0">
-                <a:latin typeface="Open Sans" panose="020B0604020202020204" charset="0"/>
-                <a:ea typeface="Open Sans" panose="020B0604020202020204" charset="0"/>
-                <a:cs typeface="Open Sans" panose="020B0604020202020204" charset="0"/>
-              </a:rPr>
-            </a:br>
-            <a:r>
-              <a:rPr lang="uk-UA" sz="2400" b="1" dirty="0"/>
-              <a:t>· </a:t>
-            </a:r>
-            <a:r>
-              <a:rPr lang="en-US" sz="2400" dirty="0">
-                <a:latin typeface="Open Sans" panose="020B0604020202020204" charset="0"/>
-                <a:ea typeface="Open Sans" panose="020B0604020202020204" charset="0"/>
-                <a:cs typeface="Open Sans" panose="020B0604020202020204" charset="0"/>
-              </a:rPr>
-              <a:t>space-around</a:t>
-            </a:r>
-            <a:br>
-              <a:rPr lang="en-US" sz="2400" dirty="0">
-                <a:latin typeface="Open Sans" panose="020B0604020202020204" charset="0"/>
-                <a:ea typeface="Open Sans" panose="020B0604020202020204" charset="0"/>
-                <a:cs typeface="Open Sans" panose="020B0604020202020204" charset="0"/>
-              </a:rPr>
-            </a:br>
-            <a:r>
-              <a:rPr lang="uk-UA" sz="2400" b="1" dirty="0"/>
-              <a:t>· </a:t>
-            </a:r>
-            <a:r>
-              <a:rPr lang="en-US" sz="2400" dirty="0">
-                <a:latin typeface="Open Sans" panose="020B0604020202020204" charset="0"/>
-                <a:ea typeface="Open Sans" panose="020B0604020202020204" charset="0"/>
-                <a:cs typeface="Open Sans" panose="020B0604020202020204" charset="0"/>
-              </a:rPr>
-              <a:t>stretch(default)</a:t>
-            </a:r>
-            <a:br>
-              <a:rPr lang="en-US" sz="2400" dirty="0">
-                <a:latin typeface="Open Sans" panose="020B0604020202020204" charset="0"/>
-                <a:ea typeface="Open Sans" panose="020B0604020202020204" charset="0"/>
-                <a:cs typeface="Open Sans" panose="020B0604020202020204" charset="0"/>
-              </a:rPr>
-            </a:br>
-            <a:endParaRPr lang="uk-UA" sz="2400" dirty="0">
-              <a:latin typeface="Open Sans" panose="020B0604020202020204" charset="0"/>
-              <a:ea typeface="Open Sans" panose="020B0604020202020204" charset="0"/>
-              <a:cs typeface="Open Sans" panose="020B0604020202020204" charset="0"/>
-            </a:endParaRPr>
-          </a:p>
-        </p:txBody>
-      </p:sp>
+            <a:r>
+              <a:rPr lang="en-US" sz="100" dirty="0"/>
+              <a:t>/</a:t>
+            </a:r>
+            <a:endParaRPr lang="uk-UA" sz="100" dirty="0"/>
+          </a:p>
+        </p:txBody>
+      </p:sp>
+      <p:pic>
+        <p:nvPicPr>
+          <p:cNvPr id="5" name="Рисунок 4">
+            <a:extLst>
+              <a:ext uri="{FF2B5EF4-FFF2-40B4-BE49-F238E27FC236}">
+                <a16:creationId xmlns:a16="http://schemas.microsoft.com/office/drawing/2014/main" id="{4D1CEDCB-CAFC-48C5-9433-8329893317DC}"/>
+              </a:ext>
+            </a:extLst>
+          </p:cNvPr>
+          <p:cNvPicPr>
+            <a:picLocks noChangeAspect="1"/>
+          </p:cNvPicPr>
+          <p:nvPr/>
+        </p:nvPicPr>
+        <p:blipFill>
+          <a:blip r:embed="rId3">
+            <a:extLst>
+              <a:ext uri="{28A0092B-C50C-407E-A947-70E740481C1C}">
+                <a14:useLocalDpi xmlns:a14="http://schemas.microsoft.com/office/drawing/2010/main" val="0"/>
+              </a:ext>
+            </a:extLst>
+          </a:blip>
+          <a:stretch>
+            <a:fillRect/>
+          </a:stretch>
+        </p:blipFill>
+        <p:spPr>
+          <a:xfrm>
+            <a:off x="685800" y="1968721"/>
+            <a:ext cx="7952362" cy="3517680"/>
+          </a:xfrm>
+          <a:prstGeom prst="rect">
+            <a:avLst/>
+          </a:prstGeom>
+        </p:spPr>
+      </p:pic>
     </p:spTree>
     <p:extLst>
       <p:ext uri="{BB962C8B-B14F-4D97-AF65-F5344CB8AC3E}">
-        <p14:creationId xmlns:p14="http://schemas.microsoft.com/office/powerpoint/2010/main" val="3630128815"/>
+        <p14:creationId xmlns:p14="http://schemas.microsoft.com/office/powerpoint/2010/main" val="3171943782"/>
       </p:ext>
     </p:extLst>
   </p:cSld>
@@ -18435,138 +18641,731 @@
       </p:grpSpPr>
       <p:sp>
         <p:nvSpPr>
-          <p:cNvPr id="2" name="Заголовок 1">
-            <a:extLst>
-              <a:ext uri="{FF2B5EF4-FFF2-40B4-BE49-F238E27FC236}">
-                <a16:creationId xmlns:a16="http://schemas.microsoft.com/office/drawing/2014/main" id="{6A906051-5B3C-4A91-A1F8-632ACE2AD1AA}"/>
-              </a:ext>
-            </a:extLst>
-          </p:cNvPr>
-          <p:cNvSpPr>
-            <a:spLocks noGrp="1"/>
-          </p:cNvSpPr>
-          <p:nvPr>
-            <p:ph type="title"/>
-          </p:nvPr>
-        </p:nvSpPr>
-        <p:spPr/>
-        <p:txBody>
-          <a:bodyPr/>
-          <a:lstStyle/>
-          <a:p>
-            <a:pPr>
-              <a:lnSpc>
-                <a:spcPct val="100000"/>
-              </a:lnSpc>
-            </a:pPr>
-            <a:r>
-              <a:rPr lang="en-US" sz="4000" b="1" dirty="0"/>
-              <a:t>flex-flow shorthand</a:t>
-            </a:r>
-            <a:br>
-              <a:rPr lang="en-US" sz="4000" b="1" dirty="0"/>
-            </a:br>
-            <a:r>
-              <a:rPr lang="en-US" sz="2000" dirty="0">
-                <a:latin typeface="Open Sans" panose="020B0604020202020204" charset="0"/>
-                <a:ea typeface="Open Sans" panose="020B0604020202020204" charset="0"/>
-                <a:cs typeface="Open Sans" panose="020B0604020202020204" charset="0"/>
-              </a:rPr>
-              <a:t>At this point it is worth noting that a shorthand exists for flex-direction and flex-wrap — flex-flow. So for example, you can replace</a:t>
-            </a:r>
-            <a:br>
-              <a:rPr lang="en-US" sz="2000" dirty="0">
-                <a:latin typeface="Open Sans" panose="020B0604020202020204" charset="0"/>
-                <a:ea typeface="Open Sans" panose="020B0604020202020204" charset="0"/>
-                <a:cs typeface="Open Sans" panose="020B0604020202020204" charset="0"/>
-              </a:rPr>
-            </a:br>
-            <a:br>
-              <a:rPr lang="en-US" sz="2000" dirty="0">
-                <a:latin typeface="Open Sans" panose="020B0604020202020204" charset="0"/>
-                <a:ea typeface="Open Sans" panose="020B0604020202020204" charset="0"/>
-                <a:cs typeface="Open Sans" panose="020B0604020202020204" charset="0"/>
-              </a:rPr>
-            </a:br>
-            <a:r>
-              <a:rPr lang="en-US" sz="2000" dirty="0">
-                <a:latin typeface="Open Sans" panose="020B0604020202020204" charset="0"/>
-                <a:ea typeface="Open Sans" panose="020B0604020202020204" charset="0"/>
-                <a:cs typeface="Open Sans" panose="020B0604020202020204" charset="0"/>
-              </a:rPr>
-              <a:t>flex-direction: row;</a:t>
-            </a:r>
-            <a:br>
-              <a:rPr lang="en-US" sz="2000" dirty="0">
-                <a:latin typeface="Open Sans" panose="020B0604020202020204" charset="0"/>
-                <a:ea typeface="Open Sans" panose="020B0604020202020204" charset="0"/>
-                <a:cs typeface="Open Sans" panose="020B0604020202020204" charset="0"/>
-              </a:rPr>
-            </a:br>
-            <a:r>
-              <a:rPr lang="en-US" sz="2000" dirty="0">
-                <a:latin typeface="Open Sans" panose="020B0604020202020204" charset="0"/>
-                <a:ea typeface="Open Sans" panose="020B0604020202020204" charset="0"/>
-                <a:cs typeface="Open Sans" panose="020B0604020202020204" charset="0"/>
-              </a:rPr>
-              <a:t>flex-wrap: wrap;</a:t>
-            </a:r>
-            <a:br>
-              <a:rPr lang="en-US" sz="2000" dirty="0">
-                <a:latin typeface="Open Sans" panose="020B0604020202020204" charset="0"/>
-                <a:ea typeface="Open Sans" panose="020B0604020202020204" charset="0"/>
-                <a:cs typeface="Open Sans" panose="020B0604020202020204" charset="0"/>
-              </a:rPr>
-            </a:br>
-            <a:br>
-              <a:rPr lang="en-US" sz="2000" dirty="0">
-                <a:latin typeface="Open Sans" panose="020B0604020202020204" charset="0"/>
-                <a:ea typeface="Open Sans" panose="020B0604020202020204" charset="0"/>
-                <a:cs typeface="Open Sans" panose="020B0604020202020204" charset="0"/>
-              </a:rPr>
-            </a:br>
-            <a:r>
-              <a:rPr lang="en-US" sz="2000" dirty="0">
-                <a:latin typeface="Open Sans" panose="020B0604020202020204" charset="0"/>
-                <a:ea typeface="Open Sans" panose="020B0604020202020204" charset="0"/>
-                <a:cs typeface="Open Sans" panose="020B0604020202020204" charset="0"/>
-              </a:rPr>
-              <a:t>with</a:t>
-            </a:r>
-            <a:br>
-              <a:rPr lang="en-US" sz="2000" dirty="0">
-                <a:latin typeface="Open Sans" panose="020B0604020202020204" charset="0"/>
-                <a:ea typeface="Open Sans" panose="020B0604020202020204" charset="0"/>
-                <a:cs typeface="Open Sans" panose="020B0604020202020204" charset="0"/>
-              </a:rPr>
-            </a:br>
-            <a:br>
-              <a:rPr lang="en-US" sz="2000" dirty="0">
-                <a:latin typeface="Open Sans" panose="020B0604020202020204" charset="0"/>
-                <a:ea typeface="Open Sans" panose="020B0604020202020204" charset="0"/>
-                <a:cs typeface="Open Sans" panose="020B0604020202020204" charset="0"/>
-              </a:rPr>
-            </a:br>
-            <a:r>
-              <a:rPr lang="en-US" sz="2000" dirty="0">
-                <a:latin typeface="Open Sans" panose="020B0604020202020204" charset="0"/>
-                <a:ea typeface="Open Sans" panose="020B0604020202020204" charset="0"/>
-                <a:cs typeface="Open Sans" panose="020B0604020202020204" charset="0"/>
-              </a:rPr>
-              <a:t>flex-flow: row wrap;</a:t>
-            </a:r>
-            <a:endParaRPr lang="uk-UA" sz="2000" dirty="0">
-              <a:latin typeface="Open Sans" panose="020B0604020202020204" charset="0"/>
-              <a:ea typeface="Open Sans" panose="020B0604020202020204" charset="0"/>
-              <a:cs typeface="Open Sans" panose="020B0604020202020204" charset="0"/>
+          <p:cNvPr id="34" name="Прямоугольник 33">
+            <a:extLst>
+              <a:ext uri="{FF2B5EF4-FFF2-40B4-BE49-F238E27FC236}">
+                <a16:creationId xmlns:a16="http://schemas.microsoft.com/office/drawing/2014/main" id="{3839156B-D43B-4A50-ACC3-E17EA69A3EE0}"/>
+              </a:ext>
+            </a:extLst>
+          </p:cNvPr>
+          <p:cNvSpPr/>
+          <p:nvPr/>
+        </p:nvSpPr>
+        <p:spPr>
+          <a:xfrm>
+            <a:off x="903280" y="690663"/>
+            <a:ext cx="1088166" cy="1239260"/>
+          </a:xfrm>
+          <a:prstGeom prst="rect">
+            <a:avLst/>
+          </a:prstGeom>
+          <a:solidFill>
+            <a:srgbClr val="0070C0"/>
+          </a:solidFill>
+          <a:ln>
+            <a:noFill/>
+          </a:ln>
+        </p:spPr>
+        <p:style>
+          <a:lnRef idx="2">
+            <a:schemeClr val="accent1">
+              <a:shade val="50000"/>
+            </a:schemeClr>
+          </a:lnRef>
+          <a:fillRef idx="1">
+            <a:schemeClr val="accent1"/>
+          </a:fillRef>
+          <a:effectRef idx="0">
+            <a:schemeClr val="accent1"/>
+          </a:effectRef>
+          <a:fontRef idx="minor">
+            <a:schemeClr val="lt1"/>
+          </a:fontRef>
+        </p:style>
+        <p:txBody>
+          <a:bodyPr rtlCol="0" anchor="ctr"/>
+          <a:lstStyle/>
+          <a:p>
+            <a:pPr algn="ctr"/>
+            <a:endParaRPr lang="uk-UA"/>
+          </a:p>
+        </p:txBody>
+      </p:sp>
+      <p:sp>
+        <p:nvSpPr>
+          <p:cNvPr id="35" name="Прямоугольник 34">
+            <a:extLst>
+              <a:ext uri="{FF2B5EF4-FFF2-40B4-BE49-F238E27FC236}">
+                <a16:creationId xmlns:a16="http://schemas.microsoft.com/office/drawing/2014/main" id="{E9B4B1D4-65A8-482B-8E25-B2BDEA6109F9}"/>
+              </a:ext>
+            </a:extLst>
+          </p:cNvPr>
+          <p:cNvSpPr/>
+          <p:nvPr/>
+        </p:nvSpPr>
+        <p:spPr>
+          <a:xfrm>
+            <a:off x="875489" y="685799"/>
+            <a:ext cx="10719881" cy="4885649"/>
+          </a:xfrm>
+          <a:prstGeom prst="rect">
+            <a:avLst/>
+          </a:prstGeom>
+          <a:noFill/>
+          <a:ln w="28575">
+            <a:solidFill>
+              <a:schemeClr val="tx1"/>
+            </a:solidFill>
+          </a:ln>
+        </p:spPr>
+        <p:style>
+          <a:lnRef idx="2">
+            <a:schemeClr val="accent1">
+              <a:shade val="50000"/>
+            </a:schemeClr>
+          </a:lnRef>
+          <a:fillRef idx="1">
+            <a:schemeClr val="accent1"/>
+          </a:fillRef>
+          <a:effectRef idx="0">
+            <a:schemeClr val="accent1"/>
+          </a:effectRef>
+          <a:fontRef idx="minor">
+            <a:schemeClr val="lt1"/>
+          </a:fontRef>
+        </p:style>
+        <p:txBody>
+          <a:bodyPr rtlCol="0" anchor="ctr"/>
+          <a:lstStyle/>
+          <a:p>
+            <a:pPr algn="ctr"/>
+            <a:endParaRPr lang="uk-UA" dirty="0">
+              <a:solidFill>
+                <a:schemeClr val="tx1"/>
+              </a:solidFill>
             </a:endParaRPr>
+          </a:p>
+        </p:txBody>
+      </p:sp>
+      <p:sp>
+        <p:nvSpPr>
+          <p:cNvPr id="36" name="Прямоугольник 35">
+            <a:extLst>
+              <a:ext uri="{FF2B5EF4-FFF2-40B4-BE49-F238E27FC236}">
+                <a16:creationId xmlns:a16="http://schemas.microsoft.com/office/drawing/2014/main" id="{713546A0-9319-4E15-8FAF-5DFE3A9AE7B3}"/>
+              </a:ext>
+            </a:extLst>
+          </p:cNvPr>
+          <p:cNvSpPr/>
+          <p:nvPr/>
+        </p:nvSpPr>
+        <p:spPr>
+          <a:xfrm>
+            <a:off x="1255057" y="1213567"/>
+            <a:ext cx="367408" cy="523220"/>
+          </a:xfrm>
+          <a:prstGeom prst="rect">
+            <a:avLst/>
+          </a:prstGeom>
+        </p:spPr>
+        <p:txBody>
+          <a:bodyPr wrap="none">
+            <a:spAutoFit/>
+          </a:bodyPr>
+          <a:lstStyle/>
+          <a:p>
+            <a:pPr algn="ctr"/>
+            <a:r>
+              <a:rPr lang="en-US" sz="2800" dirty="0">
+                <a:solidFill>
+                  <a:schemeClr val="bg1"/>
+                </a:solidFill>
+              </a:rPr>
+              <a:t>1</a:t>
+            </a:r>
+            <a:endParaRPr lang="uk-UA" sz="2800" dirty="0">
+              <a:solidFill>
+                <a:schemeClr val="bg1"/>
+              </a:solidFill>
+            </a:endParaRPr>
+          </a:p>
+        </p:txBody>
+      </p:sp>
+      <p:sp>
+        <p:nvSpPr>
+          <p:cNvPr id="37" name="Прямоугольник 36">
+            <a:extLst>
+              <a:ext uri="{FF2B5EF4-FFF2-40B4-BE49-F238E27FC236}">
+                <a16:creationId xmlns:a16="http://schemas.microsoft.com/office/drawing/2014/main" id="{07A0012C-6A03-4979-B483-D7BE71B31309}"/>
+              </a:ext>
+            </a:extLst>
+          </p:cNvPr>
+          <p:cNvSpPr/>
+          <p:nvPr/>
+        </p:nvSpPr>
+        <p:spPr>
+          <a:xfrm>
+            <a:off x="3949125" y="693309"/>
+            <a:ext cx="1088166" cy="1237210"/>
+          </a:xfrm>
+          <a:prstGeom prst="rect">
+            <a:avLst/>
+          </a:prstGeom>
+          <a:solidFill>
+            <a:srgbClr val="0070C0"/>
+          </a:solidFill>
+          <a:ln>
+            <a:noFill/>
+          </a:ln>
+        </p:spPr>
+        <p:style>
+          <a:lnRef idx="2">
+            <a:schemeClr val="accent1">
+              <a:shade val="50000"/>
+            </a:schemeClr>
+          </a:lnRef>
+          <a:fillRef idx="1">
+            <a:schemeClr val="accent1"/>
+          </a:fillRef>
+          <a:effectRef idx="0">
+            <a:schemeClr val="accent1"/>
+          </a:effectRef>
+          <a:fontRef idx="minor">
+            <a:schemeClr val="lt1"/>
+          </a:fontRef>
+        </p:style>
+        <p:txBody>
+          <a:bodyPr rtlCol="0" anchor="ctr"/>
+          <a:lstStyle/>
+          <a:p>
+            <a:pPr algn="ctr"/>
+            <a:endParaRPr lang="uk-UA"/>
+          </a:p>
+        </p:txBody>
+      </p:sp>
+      <p:sp>
+        <p:nvSpPr>
+          <p:cNvPr id="38" name="Прямоугольник 37">
+            <a:extLst>
+              <a:ext uri="{FF2B5EF4-FFF2-40B4-BE49-F238E27FC236}">
+                <a16:creationId xmlns:a16="http://schemas.microsoft.com/office/drawing/2014/main" id="{79965BEA-CA00-4524-A878-F960156A09E4}"/>
+              </a:ext>
+            </a:extLst>
+          </p:cNvPr>
+          <p:cNvSpPr/>
+          <p:nvPr/>
+        </p:nvSpPr>
+        <p:spPr>
+          <a:xfrm>
+            <a:off x="4300902" y="1218690"/>
+            <a:ext cx="367408" cy="523220"/>
+          </a:xfrm>
+          <a:prstGeom prst="rect">
+            <a:avLst/>
+          </a:prstGeom>
+        </p:spPr>
+        <p:txBody>
+          <a:bodyPr wrap="none">
+            <a:spAutoFit/>
+          </a:bodyPr>
+          <a:lstStyle/>
+          <a:p>
+            <a:pPr algn="ctr"/>
+            <a:r>
+              <a:rPr lang="en-US" sz="2800" dirty="0">
+                <a:solidFill>
+                  <a:schemeClr val="bg1"/>
+                </a:solidFill>
+              </a:rPr>
+              <a:t>2</a:t>
+            </a:r>
+            <a:endParaRPr lang="uk-UA" sz="2800" dirty="0">
+              <a:solidFill>
+                <a:schemeClr val="bg1"/>
+              </a:solidFill>
+            </a:endParaRPr>
+          </a:p>
+        </p:txBody>
+      </p:sp>
+      <p:sp>
+        <p:nvSpPr>
+          <p:cNvPr id="39" name="Прямоугольник 38">
+            <a:extLst>
+              <a:ext uri="{FF2B5EF4-FFF2-40B4-BE49-F238E27FC236}">
+                <a16:creationId xmlns:a16="http://schemas.microsoft.com/office/drawing/2014/main" id="{D4CD7657-3676-40B7-B1DF-AEF3A8EC1D8D}"/>
+              </a:ext>
+            </a:extLst>
+          </p:cNvPr>
+          <p:cNvSpPr/>
+          <p:nvPr/>
+        </p:nvSpPr>
+        <p:spPr>
+          <a:xfrm>
+            <a:off x="7160319" y="693309"/>
+            <a:ext cx="1088166" cy="1237210"/>
+          </a:xfrm>
+          <a:prstGeom prst="rect">
+            <a:avLst/>
+          </a:prstGeom>
+          <a:solidFill>
+            <a:srgbClr val="0070C0"/>
+          </a:solidFill>
+          <a:ln>
+            <a:noFill/>
+          </a:ln>
+        </p:spPr>
+        <p:style>
+          <a:lnRef idx="2">
+            <a:schemeClr val="accent1">
+              <a:shade val="50000"/>
+            </a:schemeClr>
+          </a:lnRef>
+          <a:fillRef idx="1">
+            <a:schemeClr val="accent1"/>
+          </a:fillRef>
+          <a:effectRef idx="0">
+            <a:schemeClr val="accent1"/>
+          </a:effectRef>
+          <a:fontRef idx="minor">
+            <a:schemeClr val="lt1"/>
+          </a:fontRef>
+        </p:style>
+        <p:txBody>
+          <a:bodyPr rtlCol="0" anchor="ctr"/>
+          <a:lstStyle/>
+          <a:p>
+            <a:pPr algn="ctr"/>
+            <a:endParaRPr lang="uk-UA"/>
+          </a:p>
+        </p:txBody>
+      </p:sp>
+      <p:sp>
+        <p:nvSpPr>
+          <p:cNvPr id="40" name="Прямоугольник 39">
+            <a:extLst>
+              <a:ext uri="{FF2B5EF4-FFF2-40B4-BE49-F238E27FC236}">
+                <a16:creationId xmlns:a16="http://schemas.microsoft.com/office/drawing/2014/main" id="{BFD8055C-747C-4C57-83B6-0C821BBE20C1}"/>
+              </a:ext>
+            </a:extLst>
+          </p:cNvPr>
+          <p:cNvSpPr/>
+          <p:nvPr/>
+        </p:nvSpPr>
+        <p:spPr>
+          <a:xfrm>
+            <a:off x="7512096" y="1218690"/>
+            <a:ext cx="367408" cy="523220"/>
+          </a:xfrm>
+          <a:prstGeom prst="rect">
+            <a:avLst/>
+          </a:prstGeom>
+        </p:spPr>
+        <p:txBody>
+          <a:bodyPr wrap="none">
+            <a:spAutoFit/>
+          </a:bodyPr>
+          <a:lstStyle/>
+          <a:p>
+            <a:pPr algn="ctr"/>
+            <a:r>
+              <a:rPr lang="en-US" sz="2800" dirty="0">
+                <a:solidFill>
+                  <a:schemeClr val="bg1"/>
+                </a:solidFill>
+              </a:rPr>
+              <a:t>3</a:t>
+            </a:r>
+            <a:endParaRPr lang="uk-UA" sz="2800" dirty="0">
+              <a:solidFill>
+                <a:schemeClr val="bg1"/>
+              </a:solidFill>
+            </a:endParaRPr>
+          </a:p>
+        </p:txBody>
+      </p:sp>
+      <p:sp>
+        <p:nvSpPr>
+          <p:cNvPr id="41" name="Прямоугольник 40">
+            <a:extLst>
+              <a:ext uri="{FF2B5EF4-FFF2-40B4-BE49-F238E27FC236}">
+                <a16:creationId xmlns:a16="http://schemas.microsoft.com/office/drawing/2014/main" id="{6DA6680A-6570-4708-B89B-9AA491EC806E}"/>
+              </a:ext>
+            </a:extLst>
+          </p:cNvPr>
+          <p:cNvSpPr/>
+          <p:nvPr/>
+        </p:nvSpPr>
+        <p:spPr>
+          <a:xfrm>
+            <a:off x="10507204" y="685800"/>
+            <a:ext cx="1088166" cy="1234246"/>
+          </a:xfrm>
+          <a:prstGeom prst="rect">
+            <a:avLst/>
+          </a:prstGeom>
+          <a:solidFill>
+            <a:srgbClr val="0070C0"/>
+          </a:solidFill>
+          <a:ln>
+            <a:noFill/>
+          </a:ln>
+        </p:spPr>
+        <p:style>
+          <a:lnRef idx="2">
+            <a:schemeClr val="accent1">
+              <a:shade val="50000"/>
+            </a:schemeClr>
+          </a:lnRef>
+          <a:fillRef idx="1">
+            <a:schemeClr val="accent1"/>
+          </a:fillRef>
+          <a:effectRef idx="0">
+            <a:schemeClr val="accent1"/>
+          </a:effectRef>
+          <a:fontRef idx="minor">
+            <a:schemeClr val="lt1"/>
+          </a:fontRef>
+        </p:style>
+        <p:txBody>
+          <a:bodyPr rtlCol="0" anchor="ctr"/>
+          <a:lstStyle/>
+          <a:p>
+            <a:pPr algn="ctr"/>
+            <a:endParaRPr lang="uk-UA"/>
+          </a:p>
+        </p:txBody>
+      </p:sp>
+      <p:sp>
+        <p:nvSpPr>
+          <p:cNvPr id="42" name="Прямоугольник 41">
+            <a:extLst>
+              <a:ext uri="{FF2B5EF4-FFF2-40B4-BE49-F238E27FC236}">
+                <a16:creationId xmlns:a16="http://schemas.microsoft.com/office/drawing/2014/main" id="{2431B2DB-58B7-4B89-9296-A3F912A6023E}"/>
+              </a:ext>
+            </a:extLst>
+          </p:cNvPr>
+          <p:cNvSpPr/>
+          <p:nvPr/>
+        </p:nvSpPr>
+        <p:spPr>
+          <a:xfrm>
+            <a:off x="10890622" y="1226009"/>
+            <a:ext cx="367408" cy="523220"/>
+          </a:xfrm>
+          <a:prstGeom prst="rect">
+            <a:avLst/>
+          </a:prstGeom>
+        </p:spPr>
+        <p:txBody>
+          <a:bodyPr wrap="none">
+            <a:spAutoFit/>
+          </a:bodyPr>
+          <a:lstStyle/>
+          <a:p>
+            <a:pPr algn="ctr"/>
+            <a:r>
+              <a:rPr lang="en-US" sz="2800" dirty="0">
+                <a:solidFill>
+                  <a:schemeClr val="bg1"/>
+                </a:solidFill>
+              </a:rPr>
+              <a:t>4</a:t>
+            </a:r>
+            <a:endParaRPr lang="uk-UA" sz="2800" dirty="0">
+              <a:solidFill>
+                <a:schemeClr val="bg1"/>
+              </a:solidFill>
+            </a:endParaRPr>
+          </a:p>
+        </p:txBody>
+      </p:sp>
+      <p:sp>
+        <p:nvSpPr>
+          <p:cNvPr id="43" name="Прямоугольник 42">
+            <a:extLst>
+              <a:ext uri="{FF2B5EF4-FFF2-40B4-BE49-F238E27FC236}">
+                <a16:creationId xmlns:a16="http://schemas.microsoft.com/office/drawing/2014/main" id="{59BDA045-F79B-49FA-8DD1-273802445152}"/>
+              </a:ext>
+            </a:extLst>
+          </p:cNvPr>
+          <p:cNvSpPr/>
+          <p:nvPr/>
+        </p:nvSpPr>
+        <p:spPr>
+          <a:xfrm>
+            <a:off x="903280" y="1929923"/>
+            <a:ext cx="1088166" cy="1234246"/>
+          </a:xfrm>
+          <a:prstGeom prst="rect">
+            <a:avLst/>
+          </a:prstGeom>
+          <a:solidFill>
+            <a:srgbClr val="0070C0"/>
+          </a:solidFill>
+          <a:ln>
+            <a:noFill/>
+          </a:ln>
+        </p:spPr>
+        <p:style>
+          <a:lnRef idx="2">
+            <a:schemeClr val="accent1">
+              <a:shade val="50000"/>
+            </a:schemeClr>
+          </a:lnRef>
+          <a:fillRef idx="1">
+            <a:schemeClr val="accent1"/>
+          </a:fillRef>
+          <a:effectRef idx="0">
+            <a:schemeClr val="accent1"/>
+          </a:effectRef>
+          <a:fontRef idx="minor">
+            <a:schemeClr val="lt1"/>
+          </a:fontRef>
+        </p:style>
+        <p:txBody>
+          <a:bodyPr rtlCol="0" anchor="ctr"/>
+          <a:lstStyle/>
+          <a:p>
+            <a:pPr algn="ctr"/>
+            <a:endParaRPr lang="uk-UA"/>
+          </a:p>
+        </p:txBody>
+      </p:sp>
+      <p:sp>
+        <p:nvSpPr>
+          <p:cNvPr id="44" name="Прямоугольник 43">
+            <a:extLst>
+              <a:ext uri="{FF2B5EF4-FFF2-40B4-BE49-F238E27FC236}">
+                <a16:creationId xmlns:a16="http://schemas.microsoft.com/office/drawing/2014/main" id="{88752919-4322-4DD5-A12A-BD66351824F8}"/>
+              </a:ext>
+            </a:extLst>
+          </p:cNvPr>
+          <p:cNvSpPr/>
+          <p:nvPr/>
+        </p:nvSpPr>
+        <p:spPr>
+          <a:xfrm>
+            <a:off x="1255057" y="2458888"/>
+            <a:ext cx="367408" cy="523220"/>
+          </a:xfrm>
+          <a:prstGeom prst="rect">
+            <a:avLst/>
+          </a:prstGeom>
+        </p:spPr>
+        <p:txBody>
+          <a:bodyPr wrap="none">
+            <a:spAutoFit/>
+          </a:bodyPr>
+          <a:lstStyle/>
+          <a:p>
+            <a:pPr algn="ctr"/>
+            <a:r>
+              <a:rPr lang="en-US" sz="2800" dirty="0">
+                <a:solidFill>
+                  <a:schemeClr val="bg1"/>
+                </a:solidFill>
+              </a:rPr>
+              <a:t>5</a:t>
+            </a:r>
+            <a:endParaRPr lang="uk-UA" sz="2800" dirty="0">
+              <a:solidFill>
+                <a:schemeClr val="bg1"/>
+              </a:solidFill>
+            </a:endParaRPr>
+          </a:p>
+        </p:txBody>
+      </p:sp>
+      <p:sp>
+        <p:nvSpPr>
+          <p:cNvPr id="45" name="Прямоугольник 44">
+            <a:extLst>
+              <a:ext uri="{FF2B5EF4-FFF2-40B4-BE49-F238E27FC236}">
+                <a16:creationId xmlns:a16="http://schemas.microsoft.com/office/drawing/2014/main" id="{A9F81364-F840-4227-8FE9-098A4F810655}"/>
+              </a:ext>
+            </a:extLst>
+          </p:cNvPr>
+          <p:cNvSpPr/>
+          <p:nvPr/>
+        </p:nvSpPr>
+        <p:spPr>
+          <a:xfrm>
+            <a:off x="5486877" y="1920046"/>
+            <a:ext cx="1088166" cy="1234246"/>
+          </a:xfrm>
+          <a:prstGeom prst="rect">
+            <a:avLst/>
+          </a:prstGeom>
+          <a:solidFill>
+            <a:srgbClr val="0070C0"/>
+          </a:solidFill>
+          <a:ln>
+            <a:noFill/>
+          </a:ln>
+        </p:spPr>
+        <p:style>
+          <a:lnRef idx="2">
+            <a:schemeClr val="accent1">
+              <a:shade val="50000"/>
+            </a:schemeClr>
+          </a:lnRef>
+          <a:fillRef idx="1">
+            <a:schemeClr val="accent1"/>
+          </a:fillRef>
+          <a:effectRef idx="0">
+            <a:schemeClr val="accent1"/>
+          </a:effectRef>
+          <a:fontRef idx="minor">
+            <a:schemeClr val="lt1"/>
+          </a:fontRef>
+        </p:style>
+        <p:txBody>
+          <a:bodyPr rtlCol="0" anchor="ctr"/>
+          <a:lstStyle/>
+          <a:p>
+            <a:pPr algn="ctr"/>
+            <a:endParaRPr lang="uk-UA"/>
+          </a:p>
+        </p:txBody>
+      </p:sp>
+      <p:sp>
+        <p:nvSpPr>
+          <p:cNvPr id="46" name="Прямоугольник 45">
+            <a:extLst>
+              <a:ext uri="{FF2B5EF4-FFF2-40B4-BE49-F238E27FC236}">
+                <a16:creationId xmlns:a16="http://schemas.microsoft.com/office/drawing/2014/main" id="{EFE123C8-3DD2-440D-908E-7DF085D5BDE0}"/>
+              </a:ext>
+            </a:extLst>
+          </p:cNvPr>
+          <p:cNvSpPr/>
+          <p:nvPr/>
+        </p:nvSpPr>
+        <p:spPr>
+          <a:xfrm>
+            <a:off x="5866445" y="2345629"/>
+            <a:ext cx="367408" cy="523220"/>
+          </a:xfrm>
+          <a:prstGeom prst="rect">
+            <a:avLst/>
+          </a:prstGeom>
+        </p:spPr>
+        <p:txBody>
+          <a:bodyPr wrap="none">
+            <a:spAutoFit/>
+          </a:bodyPr>
+          <a:lstStyle/>
+          <a:p>
+            <a:pPr algn="ctr"/>
+            <a:r>
+              <a:rPr lang="en-US" sz="2800" dirty="0">
+                <a:solidFill>
+                  <a:schemeClr val="bg1"/>
+                </a:solidFill>
+              </a:rPr>
+              <a:t>6</a:t>
+            </a:r>
+            <a:endParaRPr lang="uk-UA" sz="2800" dirty="0">
+              <a:solidFill>
+                <a:schemeClr val="bg1"/>
+              </a:solidFill>
+            </a:endParaRPr>
+          </a:p>
+        </p:txBody>
+      </p:sp>
+      <p:sp>
+        <p:nvSpPr>
+          <p:cNvPr id="47" name="Прямоугольник 46">
+            <a:extLst>
+              <a:ext uri="{FF2B5EF4-FFF2-40B4-BE49-F238E27FC236}">
+                <a16:creationId xmlns:a16="http://schemas.microsoft.com/office/drawing/2014/main" id="{FB6B6C92-CCED-481E-AC54-AAA6BF878F27}"/>
+              </a:ext>
+            </a:extLst>
+          </p:cNvPr>
+          <p:cNvSpPr/>
+          <p:nvPr/>
+        </p:nvSpPr>
+        <p:spPr>
+          <a:xfrm>
+            <a:off x="10507204" y="1934787"/>
+            <a:ext cx="1088166" cy="1234246"/>
+          </a:xfrm>
+          <a:prstGeom prst="rect">
+            <a:avLst/>
+          </a:prstGeom>
+          <a:solidFill>
+            <a:srgbClr val="0070C0"/>
+          </a:solidFill>
+          <a:ln>
+            <a:noFill/>
+          </a:ln>
+        </p:spPr>
+        <p:style>
+          <a:lnRef idx="2">
+            <a:schemeClr val="accent1">
+              <a:shade val="50000"/>
+            </a:schemeClr>
+          </a:lnRef>
+          <a:fillRef idx="1">
+            <a:schemeClr val="accent1"/>
+          </a:fillRef>
+          <a:effectRef idx="0">
+            <a:schemeClr val="accent1"/>
+          </a:effectRef>
+          <a:fontRef idx="minor">
+            <a:schemeClr val="lt1"/>
+          </a:fontRef>
+        </p:style>
+        <p:txBody>
+          <a:bodyPr rtlCol="0" anchor="ctr"/>
+          <a:lstStyle/>
+          <a:p>
+            <a:pPr algn="ctr"/>
+            <a:endParaRPr lang="uk-UA"/>
+          </a:p>
+        </p:txBody>
+      </p:sp>
+      <p:sp>
+        <p:nvSpPr>
+          <p:cNvPr id="48" name="Прямоугольник 47">
+            <a:extLst>
+              <a:ext uri="{FF2B5EF4-FFF2-40B4-BE49-F238E27FC236}">
+                <a16:creationId xmlns:a16="http://schemas.microsoft.com/office/drawing/2014/main" id="{8142DF64-1FA2-4EDE-B64A-A6DD86DE2A24}"/>
+              </a:ext>
+            </a:extLst>
+          </p:cNvPr>
+          <p:cNvSpPr/>
+          <p:nvPr/>
+        </p:nvSpPr>
+        <p:spPr>
+          <a:xfrm>
+            <a:off x="10927722" y="2459080"/>
+            <a:ext cx="367408" cy="523220"/>
+          </a:xfrm>
+          <a:prstGeom prst="rect">
+            <a:avLst/>
+          </a:prstGeom>
+        </p:spPr>
+        <p:txBody>
+          <a:bodyPr wrap="none">
+            <a:spAutoFit/>
+          </a:bodyPr>
+          <a:lstStyle/>
+          <a:p>
+            <a:pPr algn="ctr"/>
+            <a:r>
+              <a:rPr lang="en-US" sz="2800" dirty="0">
+                <a:solidFill>
+                  <a:schemeClr val="bg1"/>
+                </a:solidFill>
+              </a:rPr>
+              <a:t>7</a:t>
+            </a:r>
           </a:p>
         </p:txBody>
       </p:sp>
     </p:spTree>
     <p:extLst>
       <p:ext uri="{BB962C8B-B14F-4D97-AF65-F5344CB8AC3E}">
-        <p14:creationId xmlns:p14="http://schemas.microsoft.com/office/powerpoint/2010/main" val="3285239703"/>
+        <p14:creationId xmlns:p14="http://schemas.microsoft.com/office/powerpoint/2010/main" val="994841690"/>
       </p:ext>
     </p:extLst>
   </p:cSld>
@@ -18598,7 +19397,7 @@
           <p:cNvPr id="2" name="Заголовок 1">
             <a:extLst>
               <a:ext uri="{FF2B5EF4-FFF2-40B4-BE49-F238E27FC236}">
-                <a16:creationId xmlns:a16="http://schemas.microsoft.com/office/drawing/2014/main" id="{001CB5FF-7E32-473E-839D-92192368970C}"/>
+                <a16:creationId xmlns:a16="http://schemas.microsoft.com/office/drawing/2014/main" id="{E8A4C977-241D-4D55-81D6-22EE81CC1D35}"/>
               </a:ext>
             </a:extLst>
           </p:cNvPr>
@@ -18616,26 +19415,122 @@
           <a:p>
             <a:pPr>
               <a:lnSpc>
-                <a:spcPct val="100000"/>
+                <a:spcPct val="150000"/>
               </a:lnSpc>
             </a:pPr>
             <a:r>
               <a:rPr lang="en-US" sz="4000" dirty="0"/>
-              <a:t>flex-basis</a:t>
+              <a:t>align-content</a:t>
             </a:r>
             <a:br>
               <a:rPr lang="en-US" sz="4000" dirty="0"/>
             </a:br>
-            <a:br>
-              <a:rPr lang="en-US" sz="4000" dirty="0"/>
-            </a:br>
+            <a:r>
+              <a:rPr lang="uk-UA" sz="2400" b="1" dirty="0"/>
+              <a:t>· </a:t>
+            </a:r>
             <a:r>
               <a:rPr lang="en-US" sz="2400" dirty="0">
                 <a:latin typeface="Open Sans" panose="020B0604020202020204" charset="0"/>
                 <a:ea typeface="Open Sans" panose="020B0604020202020204" charset="0"/>
                 <a:cs typeface="Open Sans" panose="020B0604020202020204" charset="0"/>
               </a:rPr>
-              <a:t>sets the initial main size of a flex item (affects the size of elements along the main axis)</a:t>
+              <a:t>flex-start</a:t>
+            </a:r>
+            <a:br>
+              <a:rPr lang="en-US" sz="2400" dirty="0">
+                <a:latin typeface="Open Sans" panose="020B0604020202020204" charset="0"/>
+                <a:ea typeface="Open Sans" panose="020B0604020202020204" charset="0"/>
+                <a:cs typeface="Open Sans" panose="020B0604020202020204" charset="0"/>
+              </a:rPr>
+            </a:br>
+            <a:r>
+              <a:rPr lang="uk-UA" sz="2400" b="1" dirty="0"/>
+              <a:t>· </a:t>
+            </a:r>
+            <a:r>
+              <a:rPr lang="en-US" sz="2400" dirty="0">
+                <a:latin typeface="Open Sans" panose="020B0604020202020204" charset="0"/>
+                <a:ea typeface="Open Sans" panose="020B0604020202020204" charset="0"/>
+                <a:cs typeface="Open Sans" panose="020B0604020202020204" charset="0"/>
+              </a:rPr>
+              <a:t>flex-end</a:t>
+            </a:r>
+            <a:br>
+              <a:rPr lang="en-US" sz="2400" dirty="0">
+                <a:latin typeface="Open Sans" panose="020B0604020202020204" charset="0"/>
+                <a:ea typeface="Open Sans" panose="020B0604020202020204" charset="0"/>
+                <a:cs typeface="Open Sans" panose="020B0604020202020204" charset="0"/>
+              </a:rPr>
+            </a:br>
+            <a:r>
+              <a:rPr lang="uk-UA" sz="2400" b="1" dirty="0"/>
+              <a:t>· </a:t>
+            </a:r>
+            <a:r>
+              <a:rPr lang="en-US" sz="2400" dirty="0">
+                <a:latin typeface="Open Sans" panose="020B0604020202020204" charset="0"/>
+                <a:ea typeface="Open Sans" panose="020B0604020202020204" charset="0"/>
+                <a:cs typeface="Open Sans" panose="020B0604020202020204" charset="0"/>
+              </a:rPr>
+              <a:t>center</a:t>
+            </a:r>
+            <a:br>
+              <a:rPr lang="en-US" sz="2400" dirty="0">
+                <a:latin typeface="Open Sans" panose="020B0604020202020204" charset="0"/>
+                <a:ea typeface="Open Sans" panose="020B0604020202020204" charset="0"/>
+                <a:cs typeface="Open Sans" panose="020B0604020202020204" charset="0"/>
+              </a:rPr>
+            </a:br>
+            <a:r>
+              <a:rPr lang="uk-UA" sz="2400" b="1" dirty="0"/>
+              <a:t>· </a:t>
+            </a:r>
+            <a:r>
+              <a:rPr lang="en-US" sz="2400" dirty="0">
+                <a:latin typeface="Open Sans" panose="020B0604020202020204" charset="0"/>
+                <a:ea typeface="Open Sans" panose="020B0604020202020204" charset="0"/>
+                <a:cs typeface="Open Sans" panose="020B0604020202020204" charset="0"/>
+              </a:rPr>
+              <a:t>space-between</a:t>
+            </a:r>
+            <a:br>
+              <a:rPr lang="en-US" sz="2400" dirty="0">
+                <a:latin typeface="Open Sans" panose="020B0604020202020204" charset="0"/>
+                <a:ea typeface="Open Sans" panose="020B0604020202020204" charset="0"/>
+                <a:cs typeface="Open Sans" panose="020B0604020202020204" charset="0"/>
+              </a:rPr>
+            </a:br>
+            <a:r>
+              <a:rPr lang="uk-UA" sz="2400" b="1" dirty="0"/>
+              <a:t>· </a:t>
+            </a:r>
+            <a:r>
+              <a:rPr lang="en-US" sz="2400" dirty="0">
+                <a:latin typeface="Open Sans" panose="020B0604020202020204" charset="0"/>
+                <a:ea typeface="Open Sans" panose="020B0604020202020204" charset="0"/>
+                <a:cs typeface="Open Sans" panose="020B0604020202020204" charset="0"/>
+              </a:rPr>
+              <a:t>space-around</a:t>
+            </a:r>
+            <a:br>
+              <a:rPr lang="en-US" sz="2400" dirty="0">
+                <a:latin typeface="Open Sans" panose="020B0604020202020204" charset="0"/>
+                <a:ea typeface="Open Sans" panose="020B0604020202020204" charset="0"/>
+                <a:cs typeface="Open Sans" panose="020B0604020202020204" charset="0"/>
+              </a:rPr>
+            </a:br>
+            <a:r>
+              <a:rPr lang="uk-UA" sz="2400" b="1" dirty="0"/>
+              <a:t>· </a:t>
+            </a:r>
+            <a:r>
+              <a:rPr lang="en-US" sz="2400" dirty="0">
+                <a:latin typeface="Open Sans" panose="020B0604020202020204" charset="0"/>
+                <a:ea typeface="Open Sans" panose="020B0604020202020204" charset="0"/>
+                <a:cs typeface="Open Sans" panose="020B0604020202020204" charset="0"/>
+              </a:rPr>
+              <a:t>stretch(default)</a:t>
             </a:r>
             <a:br>
               <a:rPr lang="en-US" sz="2400" dirty="0">
@@ -18655,7 +19550,7 @@
     </p:spTree>
     <p:extLst>
       <p:ext uri="{BB962C8B-B14F-4D97-AF65-F5344CB8AC3E}">
-        <p14:creationId xmlns:p14="http://schemas.microsoft.com/office/powerpoint/2010/main" val="2754441073"/>
+        <p14:creationId xmlns:p14="http://schemas.microsoft.com/office/powerpoint/2010/main" val="3630128815"/>
       </p:ext>
     </p:extLst>
   </p:cSld>
@@ -18710,42 +19605,30 @@
             </a:pPr>
             <a:r>
               <a:rPr lang="en-US" sz="4000" dirty="0"/>
-              <a:t>flex-grow</a:t>
+              <a:t>flex-basis</a:t>
             </a:r>
             <a:br>
               <a:rPr lang="en-US" sz="4000" dirty="0"/>
             </a:br>
-            <a:r>
-              <a:rPr lang="en-US" sz="2000" dirty="0">
+            <a:br>
+              <a:rPr lang="en-US" sz="4000" dirty="0"/>
+            </a:br>
+            <a:r>
+              <a:rPr lang="en-US" sz="2400" dirty="0">
                 <a:latin typeface="Open Sans" panose="020B0604020202020204" charset="0"/>
                 <a:ea typeface="Open Sans" panose="020B0604020202020204" charset="0"/>
                 <a:cs typeface="Open Sans" panose="020B0604020202020204" charset="0"/>
               </a:rPr>
-              <a:t>The flex-grow CSS property sets the flex grow factor of a flex item main size. It specifies how much of the remaining space in the flex container should be assigned to the item (the flex grow factor).</a:t>
+              <a:t>sets the initial main size of a flex item (affects the size of elements along the main axis)</a:t>
             </a:r>
             <a:br>
-              <a:rPr lang="en-US" sz="2000" dirty="0">
+              <a:rPr lang="en-US" sz="2400" dirty="0">
                 <a:latin typeface="Open Sans" panose="020B0604020202020204" charset="0"/>
                 <a:ea typeface="Open Sans" panose="020B0604020202020204" charset="0"/>
                 <a:cs typeface="Open Sans" panose="020B0604020202020204" charset="0"/>
               </a:rPr>
             </a:br>
-            <a:br>
-              <a:rPr lang="en-US" sz="2000" dirty="0">
-                <a:latin typeface="Open Sans" panose="020B0604020202020204" charset="0"/>
-                <a:ea typeface="Open Sans" panose="020B0604020202020204" charset="0"/>
-                <a:cs typeface="Open Sans" panose="020B0604020202020204" charset="0"/>
-              </a:rPr>
-            </a:br>
-            <a:r>
-              <a:rPr lang="en-US" sz="2000" dirty="0">
-                <a:latin typeface="Open Sans" panose="020B0604020202020204" charset="0"/>
-                <a:ea typeface="Open Sans" panose="020B0604020202020204" charset="0"/>
-                <a:cs typeface="Open Sans" panose="020B0604020202020204" charset="0"/>
-              </a:rPr>
-              <a:t>The main size is either width or height of the item which is dependent on the flex-direction value.</a:t>
-            </a:r>
-            <a:endParaRPr lang="uk-UA" sz="2000" dirty="0">
+            <a:endParaRPr lang="uk-UA" sz="2400" dirty="0">
               <a:latin typeface="Open Sans" panose="020B0604020202020204" charset="0"/>
               <a:ea typeface="Open Sans" panose="020B0604020202020204" charset="0"/>
               <a:cs typeface="Open Sans" panose="020B0604020202020204" charset="0"/>
@@ -18753,366 +19636,10 @@
           </a:p>
         </p:txBody>
       </p:sp>
-      <p:sp>
-        <p:nvSpPr>
-          <p:cNvPr id="5" name="Прямоугольник 4">
-            <a:extLst>
-              <a:ext uri="{FF2B5EF4-FFF2-40B4-BE49-F238E27FC236}">
-                <a16:creationId xmlns:a16="http://schemas.microsoft.com/office/drawing/2014/main" id="{886175CC-11CA-40E5-88F4-78192812AF49}"/>
-              </a:ext>
-            </a:extLst>
-          </p:cNvPr>
-          <p:cNvSpPr/>
-          <p:nvPr/>
-        </p:nvSpPr>
-        <p:spPr>
-          <a:xfrm>
-            <a:off x="785192" y="3546014"/>
-            <a:ext cx="2161770" cy="1599988"/>
-          </a:xfrm>
-          <a:prstGeom prst="rect">
-            <a:avLst/>
-          </a:prstGeom>
-          <a:solidFill>
-            <a:srgbClr val="0070C0"/>
-          </a:solidFill>
-          <a:ln>
-            <a:noFill/>
-          </a:ln>
-        </p:spPr>
-        <p:style>
-          <a:lnRef idx="2">
-            <a:schemeClr val="accent1">
-              <a:shade val="50000"/>
-            </a:schemeClr>
-          </a:lnRef>
-          <a:fillRef idx="1">
-            <a:schemeClr val="accent1"/>
-          </a:fillRef>
-          <a:effectRef idx="0">
-            <a:schemeClr val="accent1"/>
-          </a:effectRef>
-          <a:fontRef idx="minor">
-            <a:schemeClr val="lt1"/>
-          </a:fontRef>
-        </p:style>
-        <p:txBody>
-          <a:bodyPr rtlCol="0" anchor="ctr"/>
-          <a:lstStyle/>
-          <a:p>
-            <a:pPr algn="ctr"/>
-            <a:endParaRPr lang="uk-UA"/>
-          </a:p>
-        </p:txBody>
-      </p:sp>
-      <p:sp>
-        <p:nvSpPr>
-          <p:cNvPr id="6" name="Прямоугольник 5">
-            <a:extLst>
-              <a:ext uri="{FF2B5EF4-FFF2-40B4-BE49-F238E27FC236}">
-                <a16:creationId xmlns:a16="http://schemas.microsoft.com/office/drawing/2014/main" id="{611D37B4-8B85-4B04-8939-530C6D764CE3}"/>
-              </a:ext>
-            </a:extLst>
-          </p:cNvPr>
-          <p:cNvSpPr/>
-          <p:nvPr/>
-        </p:nvSpPr>
-        <p:spPr>
-          <a:xfrm>
-            <a:off x="685799" y="3429000"/>
-            <a:ext cx="10820400" cy="1828799"/>
-          </a:xfrm>
-          <a:prstGeom prst="rect">
-            <a:avLst/>
-          </a:prstGeom>
-          <a:noFill/>
-          <a:ln w="28575">
-            <a:solidFill>
-              <a:schemeClr val="tx1"/>
-            </a:solidFill>
-          </a:ln>
-        </p:spPr>
-        <p:style>
-          <a:lnRef idx="2">
-            <a:schemeClr val="accent1">
-              <a:shade val="50000"/>
-            </a:schemeClr>
-          </a:lnRef>
-          <a:fillRef idx="1">
-            <a:schemeClr val="accent1"/>
-          </a:fillRef>
-          <a:effectRef idx="0">
-            <a:schemeClr val="accent1"/>
-          </a:effectRef>
-          <a:fontRef idx="minor">
-            <a:schemeClr val="lt1"/>
-          </a:fontRef>
-        </p:style>
-        <p:txBody>
-          <a:bodyPr rtlCol="0" anchor="ctr"/>
-          <a:lstStyle/>
-          <a:p>
-            <a:pPr algn="ctr"/>
-            <a:endParaRPr lang="uk-UA" dirty="0">
-              <a:solidFill>
-                <a:schemeClr val="tx1"/>
-              </a:solidFill>
-            </a:endParaRPr>
-          </a:p>
-        </p:txBody>
-      </p:sp>
-      <p:sp>
-        <p:nvSpPr>
-          <p:cNvPr id="8" name="Прямоугольник 7">
-            <a:extLst>
-              <a:ext uri="{FF2B5EF4-FFF2-40B4-BE49-F238E27FC236}">
-                <a16:creationId xmlns:a16="http://schemas.microsoft.com/office/drawing/2014/main" id="{E2439B3A-CBE6-4C35-87B1-0CA59D07B473}"/>
-              </a:ext>
-            </a:extLst>
-          </p:cNvPr>
-          <p:cNvSpPr/>
-          <p:nvPr/>
-        </p:nvSpPr>
-        <p:spPr>
-          <a:xfrm>
-            <a:off x="3138470" y="3537496"/>
-            <a:ext cx="5992277" cy="1597342"/>
-          </a:xfrm>
-          <a:prstGeom prst="rect">
-            <a:avLst/>
-          </a:prstGeom>
-          <a:solidFill>
-            <a:srgbClr val="0070C0"/>
-          </a:solidFill>
-          <a:ln>
-            <a:noFill/>
-          </a:ln>
-        </p:spPr>
-        <p:style>
-          <a:lnRef idx="2">
-            <a:schemeClr val="accent1">
-              <a:shade val="50000"/>
-            </a:schemeClr>
-          </a:lnRef>
-          <a:fillRef idx="1">
-            <a:schemeClr val="accent1"/>
-          </a:fillRef>
-          <a:effectRef idx="0">
-            <a:schemeClr val="accent1"/>
-          </a:effectRef>
-          <a:fontRef idx="minor">
-            <a:schemeClr val="lt1"/>
-          </a:fontRef>
-        </p:style>
-        <p:txBody>
-          <a:bodyPr rtlCol="0" anchor="ctr"/>
-          <a:lstStyle/>
-          <a:p>
-            <a:pPr algn="ctr"/>
-            <a:endParaRPr lang="uk-UA"/>
-          </a:p>
-        </p:txBody>
-      </p:sp>
-      <p:sp>
-        <p:nvSpPr>
-          <p:cNvPr id="12" name="Прямоугольник 11">
-            <a:extLst>
-              <a:ext uri="{FF2B5EF4-FFF2-40B4-BE49-F238E27FC236}">
-                <a16:creationId xmlns:a16="http://schemas.microsoft.com/office/drawing/2014/main" id="{95579283-42EC-4095-B873-84541A50C1AE}"/>
-              </a:ext>
-            </a:extLst>
-          </p:cNvPr>
-          <p:cNvSpPr/>
-          <p:nvPr/>
-        </p:nvSpPr>
-        <p:spPr>
-          <a:xfrm>
-            <a:off x="9302354" y="3541323"/>
-            <a:ext cx="2161770" cy="1593515"/>
-          </a:xfrm>
-          <a:prstGeom prst="rect">
-            <a:avLst/>
-          </a:prstGeom>
-          <a:solidFill>
-            <a:srgbClr val="0070C0"/>
-          </a:solidFill>
-          <a:ln>
-            <a:noFill/>
-          </a:ln>
-        </p:spPr>
-        <p:style>
-          <a:lnRef idx="2">
-            <a:schemeClr val="accent1">
-              <a:shade val="50000"/>
-            </a:schemeClr>
-          </a:lnRef>
-          <a:fillRef idx="1">
-            <a:schemeClr val="accent1"/>
-          </a:fillRef>
-          <a:effectRef idx="0">
-            <a:schemeClr val="accent1"/>
-          </a:effectRef>
-          <a:fontRef idx="minor">
-            <a:schemeClr val="lt1"/>
-          </a:fontRef>
-        </p:style>
-        <p:txBody>
-          <a:bodyPr rtlCol="0" anchor="ctr"/>
-          <a:lstStyle/>
-          <a:p>
-            <a:pPr algn="ctr"/>
-            <a:endParaRPr lang="uk-UA"/>
-          </a:p>
-        </p:txBody>
-      </p:sp>
-      <p:sp>
-        <p:nvSpPr>
-          <p:cNvPr id="21" name="Прямоугольник 20">
-            <a:extLst>
-              <a:ext uri="{FF2B5EF4-FFF2-40B4-BE49-F238E27FC236}">
-                <a16:creationId xmlns:a16="http://schemas.microsoft.com/office/drawing/2014/main" id="{6DEA4B7F-8AC9-4E3F-B467-CAD23ED90EDB}"/>
-              </a:ext>
-            </a:extLst>
-          </p:cNvPr>
-          <p:cNvSpPr/>
-          <p:nvPr/>
-        </p:nvSpPr>
-        <p:spPr>
-          <a:xfrm>
-            <a:off x="5402110" y="4013001"/>
-            <a:ext cx="1464995" cy="646331"/>
-          </a:xfrm>
-          <a:prstGeom prst="rect">
-            <a:avLst/>
-          </a:prstGeom>
-        </p:spPr>
-        <p:txBody>
-          <a:bodyPr wrap="square">
-            <a:spAutoFit/>
-          </a:bodyPr>
-          <a:lstStyle/>
-          <a:p>
-            <a:r>
-              <a:rPr lang="en-US" dirty="0">
-                <a:solidFill>
-                  <a:schemeClr val="bg1"/>
-                </a:solidFill>
-              </a:rPr>
-              <a:t>width: 100px;</a:t>
-            </a:r>
-          </a:p>
-          <a:p>
-            <a:r>
-              <a:rPr lang="en-US" dirty="0">
-                <a:solidFill>
-                  <a:schemeClr val="bg1"/>
-                </a:solidFill>
-              </a:rPr>
-              <a:t>flex-grow: 2;</a:t>
-            </a:r>
-          </a:p>
-        </p:txBody>
-      </p:sp>
-      <p:sp>
-        <p:nvSpPr>
-          <p:cNvPr id="23" name="Прямоугольник 22">
-            <a:extLst>
-              <a:ext uri="{FF2B5EF4-FFF2-40B4-BE49-F238E27FC236}">
-                <a16:creationId xmlns:a16="http://schemas.microsoft.com/office/drawing/2014/main" id="{30643BF6-2E23-4A2A-A0CB-727810EA77FD}"/>
-              </a:ext>
-            </a:extLst>
-          </p:cNvPr>
-          <p:cNvSpPr/>
-          <p:nvPr/>
-        </p:nvSpPr>
-        <p:spPr>
-          <a:xfrm>
-            <a:off x="1133579" y="4013000"/>
-            <a:ext cx="1464995" cy="646331"/>
-          </a:xfrm>
-          <a:prstGeom prst="rect">
-            <a:avLst/>
-          </a:prstGeom>
-        </p:spPr>
-        <p:txBody>
-          <a:bodyPr wrap="square">
-            <a:spAutoFit/>
-          </a:bodyPr>
-          <a:lstStyle/>
-          <a:p>
-            <a:r>
-              <a:rPr lang="en-US" dirty="0">
-                <a:solidFill>
-                  <a:schemeClr val="bg1"/>
-                </a:solidFill>
-              </a:rPr>
-              <a:t>width: 100px;</a:t>
-            </a:r>
-          </a:p>
-          <a:p>
-            <a:r>
-              <a:rPr lang="en-US" dirty="0">
-                <a:solidFill>
-                  <a:schemeClr val="bg1"/>
-                </a:solidFill>
-              </a:rPr>
-              <a:t>flex-grow: 1;</a:t>
-            </a:r>
-          </a:p>
-        </p:txBody>
-      </p:sp>
-      <p:sp>
-        <p:nvSpPr>
-          <p:cNvPr id="24" name="Прямоугольник 23">
-            <a:extLst>
-              <a:ext uri="{FF2B5EF4-FFF2-40B4-BE49-F238E27FC236}">
-                <a16:creationId xmlns:a16="http://schemas.microsoft.com/office/drawing/2014/main" id="{3D693D91-F86B-4939-8120-2D321F07D179}"/>
-              </a:ext>
-            </a:extLst>
-          </p:cNvPr>
-          <p:cNvSpPr/>
-          <p:nvPr/>
-        </p:nvSpPr>
-        <p:spPr>
-          <a:xfrm>
-            <a:off x="9650741" y="4020233"/>
-            <a:ext cx="1464995" cy="646331"/>
-          </a:xfrm>
-          <a:prstGeom prst="rect">
-            <a:avLst/>
-          </a:prstGeom>
-        </p:spPr>
-        <p:txBody>
-          <a:bodyPr wrap="square">
-            <a:spAutoFit/>
-          </a:bodyPr>
-          <a:lstStyle/>
-          <a:p>
-            <a:r>
-              <a:rPr lang="en-US" dirty="0">
-                <a:solidFill>
-                  <a:schemeClr val="bg1"/>
-                </a:solidFill>
-              </a:rPr>
-              <a:t>width: 100px;</a:t>
-            </a:r>
-          </a:p>
-          <a:p>
-            <a:r>
-              <a:rPr lang="en-US" dirty="0">
-                <a:solidFill>
-                  <a:schemeClr val="bg1"/>
-                </a:solidFill>
-              </a:rPr>
-              <a:t>flex-grow: 1;</a:t>
-            </a:r>
-          </a:p>
-        </p:txBody>
-      </p:sp>
     </p:spTree>
     <p:extLst>
       <p:ext uri="{BB962C8B-B14F-4D97-AF65-F5344CB8AC3E}">
-        <p14:creationId xmlns:p14="http://schemas.microsoft.com/office/powerpoint/2010/main" val="1892175793"/>
+        <p14:creationId xmlns:p14="http://schemas.microsoft.com/office/powerpoint/2010/main" val="2754441073"/>
       </p:ext>
     </p:extLst>
   </p:cSld>
@@ -19167,15 +19694,7 @@
             </a:pPr>
             <a:r>
               <a:rPr lang="en-US" sz="4000" dirty="0"/>
-              <a:t>flex</a:t>
-            </a:r>
-            <a:r>
-              <a:rPr lang="uk-UA" sz="4000" dirty="0"/>
-              <a:t>-</a:t>
-            </a:r>
-            <a:r>
-              <a:rPr lang="en-US" sz="4000" dirty="0"/>
-              <a:t>shrink</a:t>
+              <a:t>flex-grow</a:t>
             </a:r>
             <a:br>
               <a:rPr lang="en-US" sz="4000" dirty="0"/>
@@ -19186,7 +19705,29 @@
                 <a:ea typeface="Open Sans" panose="020B0604020202020204" charset="0"/>
                 <a:cs typeface="Open Sans" panose="020B0604020202020204" charset="0"/>
               </a:rPr>
-              <a:t>The exact opposite to flex-grow</a:t>
+              <a:t>The flex-grow CSS property sets the flex grow factor of a flex item main size. It specifies how much of the remaining space in the flex container should be assigned to the item (the flex grow factor).</a:t>
+            </a:r>
+            <a:br>
+              <a:rPr lang="en-US" sz="2000" dirty="0">
+                <a:latin typeface="Open Sans" panose="020B0604020202020204" charset="0"/>
+                <a:ea typeface="Open Sans" panose="020B0604020202020204" charset="0"/>
+                <a:cs typeface="Open Sans" panose="020B0604020202020204" charset="0"/>
+              </a:rPr>
+            </a:br>
+            <a:br>
+              <a:rPr lang="en-US" sz="2000" dirty="0">
+                <a:latin typeface="Open Sans" panose="020B0604020202020204" charset="0"/>
+                <a:ea typeface="Open Sans" panose="020B0604020202020204" charset="0"/>
+                <a:cs typeface="Open Sans" panose="020B0604020202020204" charset="0"/>
+              </a:rPr>
+            </a:br>
+            <a:r>
+              <a:rPr lang="en-US" sz="2000" dirty="0">
+                <a:latin typeface="Open Sans" panose="020B0604020202020204" charset="0"/>
+                <a:ea typeface="Open Sans" panose="020B0604020202020204" charset="0"/>
+                <a:cs typeface="Open Sans" panose="020B0604020202020204" charset="0"/>
+              </a:rPr>
+              <a:t>The main size is either width or height of the item which is dependent on the flex-direction value.</a:t>
             </a:r>
             <a:endParaRPr lang="uk-UA" sz="2000" dirty="0">
               <a:latin typeface="Open Sans" panose="020B0604020202020204" charset="0"/>
@@ -19201,26 +19742,26 @@
           <p:cNvPr id="5" name="Прямоугольник 4">
             <a:extLst>
               <a:ext uri="{FF2B5EF4-FFF2-40B4-BE49-F238E27FC236}">
-                <a16:creationId xmlns:a16="http://schemas.microsoft.com/office/drawing/2014/main" id="{AC5533C1-87B3-4E55-99E4-8BD782A37DB4}"/>
-              </a:ext>
-            </a:extLst>
-          </p:cNvPr>
-          <p:cNvSpPr/>
-          <p:nvPr/>
-        </p:nvSpPr>
-        <p:spPr>
-          <a:xfrm>
-            <a:off x="685798" y="1696279"/>
-            <a:ext cx="10332000" cy="1732721"/>
-          </a:xfrm>
-          <a:prstGeom prst="rect">
-            <a:avLst/>
-          </a:prstGeom>
-          <a:noFill/>
-          <a:ln w="28575">
-            <a:solidFill>
-              <a:schemeClr val="tx1"/>
-            </a:solidFill>
+                <a16:creationId xmlns:a16="http://schemas.microsoft.com/office/drawing/2014/main" id="{886175CC-11CA-40E5-88F4-78192812AF49}"/>
+              </a:ext>
+            </a:extLst>
+          </p:cNvPr>
+          <p:cNvSpPr/>
+          <p:nvPr/>
+        </p:nvSpPr>
+        <p:spPr>
+          <a:xfrm>
+            <a:off x="785192" y="3546014"/>
+            <a:ext cx="2161770" cy="1599988"/>
+          </a:xfrm>
+          <a:prstGeom prst="rect">
+            <a:avLst/>
+          </a:prstGeom>
+          <a:solidFill>
+            <a:srgbClr val="0070C0"/>
+          </a:solidFill>
+          <a:ln>
+            <a:noFill/>
           </a:ln>
         </p:spPr>
         <p:style>
@@ -19244,39 +19785,35 @@
           <a:lstStyle/>
           <a:p>
             <a:pPr algn="ctr"/>
-            <a:endParaRPr lang="uk-UA" dirty="0">
-              <a:solidFill>
-                <a:schemeClr val="tx1"/>
-              </a:solidFill>
-            </a:endParaRPr>
-          </a:p>
-        </p:txBody>
-      </p:sp>
-      <p:sp>
-        <p:nvSpPr>
-          <p:cNvPr id="19" name="Прямоугольник 18">
-            <a:extLst>
-              <a:ext uri="{FF2B5EF4-FFF2-40B4-BE49-F238E27FC236}">
-                <a16:creationId xmlns:a16="http://schemas.microsoft.com/office/drawing/2014/main" id="{5E0B78D1-CBE6-4345-A7F1-E7BA5E574F0A}"/>
-              </a:ext>
-            </a:extLst>
-          </p:cNvPr>
-          <p:cNvSpPr/>
-          <p:nvPr/>
-        </p:nvSpPr>
-        <p:spPr>
-          <a:xfrm>
-            <a:off x="8449395" y="1771409"/>
-            <a:ext cx="2531532" cy="1597342"/>
-          </a:xfrm>
-          <a:prstGeom prst="rect">
-            <a:avLst/>
-          </a:prstGeom>
-          <a:solidFill>
-            <a:srgbClr val="0070C0"/>
-          </a:solidFill>
-          <a:ln>
-            <a:noFill/>
+            <a:endParaRPr lang="uk-UA"/>
+          </a:p>
+        </p:txBody>
+      </p:sp>
+      <p:sp>
+        <p:nvSpPr>
+          <p:cNvPr id="6" name="Прямоугольник 5">
+            <a:extLst>
+              <a:ext uri="{FF2B5EF4-FFF2-40B4-BE49-F238E27FC236}">
+                <a16:creationId xmlns:a16="http://schemas.microsoft.com/office/drawing/2014/main" id="{611D37B4-8B85-4B04-8939-530C6D764CE3}"/>
+              </a:ext>
+            </a:extLst>
+          </p:cNvPr>
+          <p:cNvSpPr/>
+          <p:nvPr/>
+        </p:nvSpPr>
+        <p:spPr>
+          <a:xfrm>
+            <a:off x="685799" y="3429000"/>
+            <a:ext cx="10820400" cy="1828799"/>
+          </a:xfrm>
+          <a:prstGeom prst="rect">
+            <a:avLst/>
+          </a:prstGeom>
+          <a:noFill/>
+          <a:ln w="28575">
+            <a:solidFill>
+              <a:schemeClr val="tx1"/>
+            </a:solidFill>
           </a:ln>
         </p:spPr>
         <p:style>
@@ -19300,26 +19837,30 @@
           <a:lstStyle/>
           <a:p>
             <a:pPr algn="ctr"/>
-            <a:endParaRPr lang="uk-UA"/>
-          </a:p>
-        </p:txBody>
-      </p:sp>
-      <p:sp>
-        <p:nvSpPr>
-          <p:cNvPr id="21" name="Прямоугольник 20">
-            <a:extLst>
-              <a:ext uri="{FF2B5EF4-FFF2-40B4-BE49-F238E27FC236}">
-                <a16:creationId xmlns:a16="http://schemas.microsoft.com/office/drawing/2014/main" id="{9637DACD-3A51-4862-B905-BBFEFA560716}"/>
-              </a:ext>
-            </a:extLst>
-          </p:cNvPr>
-          <p:cNvSpPr/>
-          <p:nvPr/>
-        </p:nvSpPr>
-        <p:spPr>
-          <a:xfrm>
-            <a:off x="5876066" y="1771410"/>
-            <a:ext cx="2531532" cy="1597341"/>
+            <a:endParaRPr lang="uk-UA" dirty="0">
+              <a:solidFill>
+                <a:schemeClr val="tx1"/>
+              </a:solidFill>
+            </a:endParaRPr>
+          </a:p>
+        </p:txBody>
+      </p:sp>
+      <p:sp>
+        <p:nvSpPr>
+          <p:cNvPr id="8" name="Прямоугольник 7">
+            <a:extLst>
+              <a:ext uri="{FF2B5EF4-FFF2-40B4-BE49-F238E27FC236}">
+                <a16:creationId xmlns:a16="http://schemas.microsoft.com/office/drawing/2014/main" id="{E2439B3A-CBE6-4C35-87B1-0CA59D07B473}"/>
+              </a:ext>
+            </a:extLst>
+          </p:cNvPr>
+          <p:cNvSpPr/>
+          <p:nvPr/>
+        </p:nvSpPr>
+        <p:spPr>
+          <a:xfrm>
+            <a:off x="3138470" y="3537496"/>
+            <a:ext cx="5992277" cy="1597342"/>
           </a:xfrm>
           <a:prstGeom prst="rect">
             <a:avLst/>
@@ -19358,20 +19899,20 @@
       </p:sp>
       <p:sp>
         <p:nvSpPr>
-          <p:cNvPr id="23" name="Прямоугольник 22">
-            <a:extLst>
-              <a:ext uri="{FF2B5EF4-FFF2-40B4-BE49-F238E27FC236}">
-                <a16:creationId xmlns:a16="http://schemas.microsoft.com/office/drawing/2014/main" id="{D704389D-7DB8-4663-A1E4-7FC97A12703F}"/>
-              </a:ext>
-            </a:extLst>
-          </p:cNvPr>
-          <p:cNvSpPr/>
-          <p:nvPr/>
-        </p:nvSpPr>
-        <p:spPr>
-          <a:xfrm>
-            <a:off x="727599" y="1779907"/>
-            <a:ext cx="2531531" cy="1597342"/>
+          <p:cNvPr id="12" name="Прямоугольник 11">
+            <a:extLst>
+              <a:ext uri="{FF2B5EF4-FFF2-40B4-BE49-F238E27FC236}">
+                <a16:creationId xmlns:a16="http://schemas.microsoft.com/office/drawing/2014/main" id="{95579283-42EC-4095-B873-84541A50C1AE}"/>
+              </a:ext>
+            </a:extLst>
+          </p:cNvPr>
+          <p:cNvSpPr/>
+          <p:nvPr/>
+        </p:nvSpPr>
+        <p:spPr>
+          <a:xfrm>
+            <a:off x="9302354" y="3541323"/>
+            <a:ext cx="2161770" cy="1593515"/>
           </a:xfrm>
           <a:prstGeom prst="rect">
             <a:avLst/>
@@ -19410,71 +19951,19 @@
       </p:sp>
       <p:sp>
         <p:nvSpPr>
-          <p:cNvPr id="27" name="Прямоугольник 26">
-            <a:extLst>
-              <a:ext uri="{FF2B5EF4-FFF2-40B4-BE49-F238E27FC236}">
-                <a16:creationId xmlns:a16="http://schemas.microsoft.com/office/drawing/2014/main" id="{9FC7F27F-E734-46C9-AB11-3DEDC81C45F9}"/>
-              </a:ext>
-            </a:extLst>
-          </p:cNvPr>
-          <p:cNvSpPr/>
-          <p:nvPr/>
-        </p:nvSpPr>
-        <p:spPr>
-          <a:xfrm>
-            <a:off x="3301832" y="1779907"/>
-            <a:ext cx="2531532" cy="1597342"/>
-          </a:xfrm>
-          <a:prstGeom prst="rect">
-            <a:avLst/>
-          </a:prstGeom>
-          <a:solidFill>
-            <a:srgbClr val="0070C0"/>
-          </a:solidFill>
-          <a:ln>
-            <a:noFill/>
-          </a:ln>
-        </p:spPr>
-        <p:style>
-          <a:lnRef idx="2">
-            <a:schemeClr val="accent1">
-              <a:shade val="50000"/>
-            </a:schemeClr>
-          </a:lnRef>
-          <a:fillRef idx="1">
-            <a:schemeClr val="accent1"/>
-          </a:fillRef>
-          <a:effectRef idx="0">
-            <a:schemeClr val="accent1"/>
-          </a:effectRef>
-          <a:fontRef idx="minor">
-            <a:schemeClr val="lt1"/>
-          </a:fontRef>
-        </p:style>
-        <p:txBody>
-          <a:bodyPr rtlCol="0" anchor="ctr"/>
-          <a:lstStyle/>
-          <a:p>
-            <a:pPr algn="ctr"/>
-            <a:endParaRPr lang="uk-UA"/>
-          </a:p>
-        </p:txBody>
-      </p:sp>
-      <p:sp>
-        <p:nvSpPr>
-          <p:cNvPr id="30" name="Прямоугольник 29">
-            <a:extLst>
-              <a:ext uri="{FF2B5EF4-FFF2-40B4-BE49-F238E27FC236}">
-                <a16:creationId xmlns:a16="http://schemas.microsoft.com/office/drawing/2014/main" id="{FE827165-2A20-47DD-9D5D-77A77518F042}"/>
-              </a:ext>
-            </a:extLst>
-          </p:cNvPr>
-          <p:cNvSpPr/>
-          <p:nvPr/>
-        </p:nvSpPr>
-        <p:spPr>
-          <a:xfrm>
-            <a:off x="1260867" y="2239473"/>
+          <p:cNvPr id="21" name="Прямоугольник 20">
+            <a:extLst>
+              <a:ext uri="{FF2B5EF4-FFF2-40B4-BE49-F238E27FC236}">
+                <a16:creationId xmlns:a16="http://schemas.microsoft.com/office/drawing/2014/main" id="{6DEA4B7F-8AC9-4E3F-B467-CAD23ED90EDB}"/>
+              </a:ext>
+            </a:extLst>
+          </p:cNvPr>
+          <p:cNvSpPr/>
+          <p:nvPr/>
+        </p:nvSpPr>
+        <p:spPr>
+          <a:xfrm>
+            <a:off x="5402110" y="4013001"/>
             <a:ext cx="1464995" cy="646331"/>
           </a:xfrm>
           <a:prstGeom prst="rect">
@@ -19503,26 +19992,26 @@
                   <a:schemeClr val="bg1"/>
                 </a:solidFill>
               </a:rPr>
-              <a:t>flex-shrink: 1;</a:t>
-            </a:r>
-          </a:p>
-        </p:txBody>
-      </p:sp>
-      <p:sp>
-        <p:nvSpPr>
-          <p:cNvPr id="31" name="Прямоугольник 30">
-            <a:extLst>
-              <a:ext uri="{FF2B5EF4-FFF2-40B4-BE49-F238E27FC236}">
-                <a16:creationId xmlns:a16="http://schemas.microsoft.com/office/drawing/2014/main" id="{3CB2856B-726C-4D84-ABCD-931ECEE2E555}"/>
-              </a:ext>
-            </a:extLst>
-          </p:cNvPr>
-          <p:cNvSpPr/>
-          <p:nvPr/>
-        </p:nvSpPr>
-        <p:spPr>
-          <a:xfrm>
-            <a:off x="3835100" y="2239472"/>
+              <a:t>flex-grow: 2;</a:t>
+            </a:r>
+          </a:p>
+        </p:txBody>
+      </p:sp>
+      <p:sp>
+        <p:nvSpPr>
+          <p:cNvPr id="23" name="Прямоугольник 22">
+            <a:extLst>
+              <a:ext uri="{FF2B5EF4-FFF2-40B4-BE49-F238E27FC236}">
+                <a16:creationId xmlns:a16="http://schemas.microsoft.com/office/drawing/2014/main" id="{30643BF6-2E23-4A2A-A0CB-727810EA77FD}"/>
+              </a:ext>
+            </a:extLst>
+          </p:cNvPr>
+          <p:cNvSpPr/>
+          <p:nvPr/>
+        </p:nvSpPr>
+        <p:spPr>
+          <a:xfrm>
+            <a:off x="1133579" y="4013000"/>
             <a:ext cx="1464995" cy="646331"/>
           </a:xfrm>
           <a:prstGeom prst="rect">
@@ -19551,26 +20040,26 @@
                   <a:schemeClr val="bg1"/>
                 </a:solidFill>
               </a:rPr>
-              <a:t>flex-shrink: 2;</a:t>
-            </a:r>
-          </a:p>
-        </p:txBody>
-      </p:sp>
-      <p:sp>
-        <p:nvSpPr>
-          <p:cNvPr id="32" name="Прямоугольник 31">
-            <a:extLst>
-              <a:ext uri="{FF2B5EF4-FFF2-40B4-BE49-F238E27FC236}">
-                <a16:creationId xmlns:a16="http://schemas.microsoft.com/office/drawing/2014/main" id="{370B3333-50D6-4FF8-B71B-F0F1CA5869EA}"/>
-              </a:ext>
-            </a:extLst>
-          </p:cNvPr>
-          <p:cNvSpPr/>
-          <p:nvPr/>
-        </p:nvSpPr>
-        <p:spPr>
-          <a:xfrm>
-            <a:off x="6408882" y="2239471"/>
+              <a:t>flex-grow: 1;</a:t>
+            </a:r>
+          </a:p>
+        </p:txBody>
+      </p:sp>
+      <p:sp>
+        <p:nvSpPr>
+          <p:cNvPr id="24" name="Прямоугольник 23">
+            <a:extLst>
+              <a:ext uri="{FF2B5EF4-FFF2-40B4-BE49-F238E27FC236}">
+                <a16:creationId xmlns:a16="http://schemas.microsoft.com/office/drawing/2014/main" id="{3D693D91-F86B-4939-8120-2D321F07D179}"/>
+              </a:ext>
+            </a:extLst>
+          </p:cNvPr>
+          <p:cNvSpPr/>
+          <p:nvPr/>
+        </p:nvSpPr>
+        <p:spPr>
+          <a:xfrm>
+            <a:off x="9650741" y="4020233"/>
             <a:ext cx="1464995" cy="646331"/>
           </a:xfrm>
           <a:prstGeom prst="rect">
@@ -19599,343 +20088,15 @@
                   <a:schemeClr val="bg1"/>
                 </a:solidFill>
               </a:rPr>
-              <a:t>flex-shrink: 0;</a:t>
-            </a:r>
-          </a:p>
-        </p:txBody>
-      </p:sp>
-      <p:sp>
-        <p:nvSpPr>
-          <p:cNvPr id="33" name="Прямоугольник 32">
-            <a:extLst>
-              <a:ext uri="{FF2B5EF4-FFF2-40B4-BE49-F238E27FC236}">
-                <a16:creationId xmlns:a16="http://schemas.microsoft.com/office/drawing/2014/main" id="{E3208C93-2F32-4882-A356-07638ABFD2AA}"/>
-              </a:ext>
-            </a:extLst>
-          </p:cNvPr>
-          <p:cNvSpPr/>
-          <p:nvPr/>
-        </p:nvSpPr>
-        <p:spPr>
-          <a:xfrm>
-            <a:off x="8982663" y="2246914"/>
-            <a:ext cx="1464995" cy="646331"/>
-          </a:xfrm>
-          <a:prstGeom prst="rect">
-            <a:avLst/>
-          </a:prstGeom>
-        </p:spPr>
-        <p:txBody>
-          <a:bodyPr wrap="square">
-            <a:spAutoFit/>
-          </a:bodyPr>
-          <a:lstStyle/>
-          <a:p>
-            <a:r>
-              <a:rPr lang="en-US" dirty="0">
-                <a:solidFill>
-                  <a:schemeClr val="bg1"/>
-                </a:solidFill>
-              </a:rPr>
-              <a:t>width: 100px;</a:t>
-            </a:r>
-          </a:p>
-          <a:p>
-            <a:r>
-              <a:rPr lang="en-US" dirty="0">
-                <a:solidFill>
-                  <a:schemeClr val="bg1"/>
-                </a:solidFill>
-              </a:rPr>
-              <a:t>flex-shrink: 1;</a:t>
-            </a:r>
-          </a:p>
-        </p:txBody>
-      </p:sp>
-      <p:sp>
-        <p:nvSpPr>
-          <p:cNvPr id="34" name="Прямоугольник 33">
-            <a:extLst>
-              <a:ext uri="{FF2B5EF4-FFF2-40B4-BE49-F238E27FC236}">
-                <a16:creationId xmlns:a16="http://schemas.microsoft.com/office/drawing/2014/main" id="{BE3A0C59-6F2E-4D98-A0DE-1670AAB9453C}"/>
-              </a:ext>
-            </a:extLst>
-          </p:cNvPr>
-          <p:cNvSpPr/>
-          <p:nvPr/>
-        </p:nvSpPr>
-        <p:spPr>
-          <a:xfrm>
-            <a:off x="685797" y="3659801"/>
-            <a:ext cx="6678000" cy="1732721"/>
-          </a:xfrm>
-          <a:prstGeom prst="rect">
-            <a:avLst/>
-          </a:prstGeom>
-          <a:noFill/>
-          <a:ln w="28575">
-            <a:solidFill>
-              <a:schemeClr val="tx1"/>
-            </a:solidFill>
-          </a:ln>
-        </p:spPr>
-        <p:style>
-          <a:lnRef idx="2">
-            <a:schemeClr val="accent1">
-              <a:shade val="50000"/>
-            </a:schemeClr>
-          </a:lnRef>
-          <a:fillRef idx="1">
-            <a:schemeClr val="accent1"/>
-          </a:fillRef>
-          <a:effectRef idx="0">
-            <a:schemeClr val="accent1"/>
-          </a:effectRef>
-          <a:fontRef idx="minor">
-            <a:schemeClr val="lt1"/>
-          </a:fontRef>
-        </p:style>
-        <p:txBody>
-          <a:bodyPr rtlCol="0" anchor="ctr"/>
-          <a:lstStyle/>
-          <a:p>
-            <a:pPr algn="ctr"/>
-            <a:endParaRPr lang="uk-UA" dirty="0">
-              <a:solidFill>
-                <a:schemeClr val="tx1"/>
-              </a:solidFill>
-            </a:endParaRPr>
-          </a:p>
-        </p:txBody>
-      </p:sp>
-      <p:sp>
-        <p:nvSpPr>
-          <p:cNvPr id="36" name="Прямоугольник 35">
-            <a:extLst>
-              <a:ext uri="{FF2B5EF4-FFF2-40B4-BE49-F238E27FC236}">
-                <a16:creationId xmlns:a16="http://schemas.microsoft.com/office/drawing/2014/main" id="{44BC969E-4193-4777-A06B-5F5151ACE9DF}"/>
-              </a:ext>
-            </a:extLst>
-          </p:cNvPr>
-          <p:cNvSpPr/>
-          <p:nvPr/>
-        </p:nvSpPr>
-        <p:spPr>
-          <a:xfrm>
-            <a:off x="3301832" y="3727487"/>
-            <a:ext cx="2531532" cy="1597341"/>
-          </a:xfrm>
-          <a:prstGeom prst="rect">
-            <a:avLst/>
-          </a:prstGeom>
-          <a:solidFill>
-            <a:srgbClr val="0070C0"/>
-          </a:solidFill>
-          <a:ln>
-            <a:noFill/>
-          </a:ln>
-        </p:spPr>
-        <p:style>
-          <a:lnRef idx="2">
-            <a:schemeClr val="accent1">
-              <a:shade val="50000"/>
-            </a:schemeClr>
-          </a:lnRef>
-          <a:fillRef idx="1">
-            <a:schemeClr val="accent1"/>
-          </a:fillRef>
-          <a:effectRef idx="0">
-            <a:schemeClr val="accent1"/>
-          </a:effectRef>
-          <a:fontRef idx="minor">
-            <a:schemeClr val="lt1"/>
-          </a:fontRef>
-        </p:style>
-        <p:txBody>
-          <a:bodyPr rtlCol="0" anchor="ctr"/>
-          <a:lstStyle/>
-          <a:p>
-            <a:pPr algn="ctr"/>
-            <a:r>
-              <a:rPr lang="en-US" dirty="0"/>
-              <a:t>0</a:t>
-            </a:r>
-            <a:endParaRPr lang="uk-UA" dirty="0"/>
-          </a:p>
-        </p:txBody>
-      </p:sp>
-      <p:sp>
-        <p:nvSpPr>
-          <p:cNvPr id="37" name="Прямоугольник 36">
-            <a:extLst>
-              <a:ext uri="{FF2B5EF4-FFF2-40B4-BE49-F238E27FC236}">
-                <a16:creationId xmlns:a16="http://schemas.microsoft.com/office/drawing/2014/main" id="{065891C0-30F2-4006-9BA6-598B3E075E5A}"/>
-              </a:ext>
-            </a:extLst>
-          </p:cNvPr>
-          <p:cNvSpPr/>
-          <p:nvPr/>
-        </p:nvSpPr>
-        <p:spPr>
-          <a:xfrm>
-            <a:off x="727600" y="3743429"/>
-            <a:ext cx="1464995" cy="1597342"/>
-          </a:xfrm>
-          <a:prstGeom prst="rect">
-            <a:avLst/>
-          </a:prstGeom>
-          <a:solidFill>
-            <a:srgbClr val="0070C0"/>
-          </a:solidFill>
-          <a:ln>
-            <a:noFill/>
-          </a:ln>
-        </p:spPr>
-        <p:style>
-          <a:lnRef idx="2">
-            <a:schemeClr val="accent1">
-              <a:shade val="50000"/>
-            </a:schemeClr>
-          </a:lnRef>
-          <a:fillRef idx="1">
-            <a:schemeClr val="accent1"/>
-          </a:fillRef>
-          <a:effectRef idx="0">
-            <a:schemeClr val="accent1"/>
-          </a:effectRef>
-          <a:fontRef idx="minor">
-            <a:schemeClr val="lt1"/>
-          </a:fontRef>
-        </p:style>
-        <p:txBody>
-          <a:bodyPr rtlCol="0" anchor="ctr"/>
-          <a:lstStyle/>
-          <a:p>
-            <a:pPr algn="ctr"/>
-            <a:r>
-              <a:rPr lang="en-US" dirty="0"/>
-              <a:t>1</a:t>
-            </a:r>
-            <a:endParaRPr lang="uk-UA" dirty="0"/>
-          </a:p>
-        </p:txBody>
-      </p:sp>
-      <p:sp>
-        <p:nvSpPr>
-          <p:cNvPr id="38" name="Прямоугольник 37">
-            <a:extLst>
-              <a:ext uri="{FF2B5EF4-FFF2-40B4-BE49-F238E27FC236}">
-                <a16:creationId xmlns:a16="http://schemas.microsoft.com/office/drawing/2014/main" id="{1EE9DF5C-7426-4CF3-8A63-083E19990448}"/>
-              </a:ext>
-            </a:extLst>
-          </p:cNvPr>
-          <p:cNvSpPr/>
-          <p:nvPr/>
-        </p:nvSpPr>
-        <p:spPr>
-          <a:xfrm>
-            <a:off x="2234392" y="3727487"/>
-            <a:ext cx="1024738" cy="1597342"/>
-          </a:xfrm>
-          <a:prstGeom prst="rect">
-            <a:avLst/>
-          </a:prstGeom>
-          <a:solidFill>
-            <a:srgbClr val="0070C0"/>
-          </a:solidFill>
-          <a:ln>
-            <a:noFill/>
-          </a:ln>
-        </p:spPr>
-        <p:style>
-          <a:lnRef idx="2">
-            <a:schemeClr val="accent1">
-              <a:shade val="50000"/>
-            </a:schemeClr>
-          </a:lnRef>
-          <a:fillRef idx="1">
-            <a:schemeClr val="accent1"/>
-          </a:fillRef>
-          <a:effectRef idx="0">
-            <a:schemeClr val="accent1"/>
-          </a:effectRef>
-          <a:fontRef idx="minor">
-            <a:schemeClr val="lt1"/>
-          </a:fontRef>
-        </p:style>
-        <p:txBody>
-          <a:bodyPr rtlCol="0" anchor="ctr"/>
-          <a:lstStyle/>
-          <a:p>
-            <a:pPr algn="ctr"/>
-            <a:r>
-              <a:rPr lang="en-US" dirty="0"/>
-              <a:t>2</a:t>
-            </a:r>
-            <a:endParaRPr lang="uk-UA" dirty="0"/>
-          </a:p>
-        </p:txBody>
-      </p:sp>
-      <p:sp>
-        <p:nvSpPr>
-          <p:cNvPr id="43" name="Прямоугольник 42">
-            <a:extLst>
-              <a:ext uri="{FF2B5EF4-FFF2-40B4-BE49-F238E27FC236}">
-                <a16:creationId xmlns:a16="http://schemas.microsoft.com/office/drawing/2014/main" id="{9A4C8420-F9C0-46B1-9E0B-83A4E6A7B7E0}"/>
-              </a:ext>
-            </a:extLst>
-          </p:cNvPr>
-          <p:cNvSpPr/>
-          <p:nvPr/>
-        </p:nvSpPr>
-        <p:spPr>
-          <a:xfrm>
-            <a:off x="5876066" y="3727486"/>
-            <a:ext cx="1464995" cy="1597342"/>
-          </a:xfrm>
-          <a:prstGeom prst="rect">
-            <a:avLst/>
-          </a:prstGeom>
-          <a:solidFill>
-            <a:srgbClr val="0070C0"/>
-          </a:solidFill>
-          <a:ln>
-            <a:noFill/>
-          </a:ln>
-        </p:spPr>
-        <p:style>
-          <a:lnRef idx="2">
-            <a:schemeClr val="accent1">
-              <a:shade val="50000"/>
-            </a:schemeClr>
-          </a:lnRef>
-          <a:fillRef idx="1">
-            <a:schemeClr val="accent1"/>
-          </a:fillRef>
-          <a:effectRef idx="0">
-            <a:schemeClr val="accent1"/>
-          </a:effectRef>
-          <a:fontRef idx="minor">
-            <a:schemeClr val="lt1"/>
-          </a:fontRef>
-        </p:style>
-        <p:txBody>
-          <a:bodyPr rtlCol="0" anchor="ctr"/>
-          <a:lstStyle/>
-          <a:p>
-            <a:pPr algn="ctr"/>
-            <a:r>
-              <a:rPr lang="en-US" dirty="0"/>
-              <a:t>1</a:t>
-            </a:r>
-            <a:endParaRPr lang="uk-UA" dirty="0"/>
+              <a:t>flex-grow: 1;</a:t>
+            </a:r>
           </a:p>
         </p:txBody>
       </p:sp>
     </p:spTree>
     <p:extLst>
       <p:ext uri="{BB962C8B-B14F-4D97-AF65-F5344CB8AC3E}">
-        <p14:creationId xmlns:p14="http://schemas.microsoft.com/office/powerpoint/2010/main" val="1288047333"/>
+        <p14:creationId xmlns:p14="http://schemas.microsoft.com/office/powerpoint/2010/main" val="1892175793"/>
       </p:ext>
     </p:extLst>
   </p:cSld>
@@ -19967,7 +20128,7 @@
           <p:cNvPr id="2" name="Заголовок 1">
             <a:extLst>
               <a:ext uri="{FF2B5EF4-FFF2-40B4-BE49-F238E27FC236}">
-                <a16:creationId xmlns:a16="http://schemas.microsoft.com/office/drawing/2014/main" id="{68104DA2-1C82-40B9-AAE0-C36FA006B65C}"/>
+                <a16:creationId xmlns:a16="http://schemas.microsoft.com/office/drawing/2014/main" id="{001CB5FF-7E32-473E-839D-92192368970C}"/>
               </a:ext>
             </a:extLst>
           </p:cNvPr>
@@ -19978,12 +20139,7 @@
             <p:ph type="title"/>
           </p:nvPr>
         </p:nvSpPr>
-        <p:spPr>
-          <a:xfrm>
-            <a:off x="685801" y="685799"/>
-            <a:ext cx="10820400" cy="4800601"/>
-          </a:xfrm>
-        </p:spPr>
+        <p:spPr/>
         <p:txBody>
           <a:bodyPr/>
           <a:lstStyle/>
@@ -19994,11 +20150,19 @@
               </a:lnSpc>
             </a:pPr>
             <a:r>
-              <a:rPr lang="en-US" sz="6000" dirty="0"/>
+              <a:rPr lang="en-US" sz="4000" dirty="0"/>
               <a:t>flex</a:t>
             </a:r>
+            <a:r>
+              <a:rPr lang="uk-UA" sz="4000" dirty="0"/>
+              <a:t>-</a:t>
+            </a:r>
+            <a:r>
+              <a:rPr lang="en-US" sz="4000" dirty="0"/>
+              <a:t>shrink</a:t>
+            </a:r>
             <a:br>
-              <a:rPr lang="en-US" sz="6000" dirty="0"/>
+              <a:rPr lang="en-US" sz="4000" dirty="0"/>
             </a:br>
             <a:r>
               <a:rPr lang="en-US" sz="2000" dirty="0">
@@ -20006,37 +20170,41 @@
                 <a:ea typeface="Open Sans" panose="020B0604020202020204" charset="0"/>
                 <a:cs typeface="Open Sans" panose="020B0604020202020204" charset="0"/>
               </a:rPr>
-              <a:t>shorthand for flex-grow, flex-shrink, flex-basis (by default 0, 1, auto)</a:t>
-            </a:r>
-            <a:endParaRPr lang="uk-UA" sz="2000" dirty="0"/>
-          </a:p>
-        </p:txBody>
-      </p:sp>
-      <p:sp>
-        <p:nvSpPr>
-          <p:cNvPr id="4" name="Прямоугольник 3">
-            <a:extLst>
-              <a:ext uri="{FF2B5EF4-FFF2-40B4-BE49-F238E27FC236}">
-                <a16:creationId xmlns:a16="http://schemas.microsoft.com/office/drawing/2014/main" id="{2154EBE0-1FEB-4513-A43C-052446BDAD9C}"/>
-              </a:ext>
-            </a:extLst>
-          </p:cNvPr>
-          <p:cNvSpPr/>
-          <p:nvPr/>
-        </p:nvSpPr>
-        <p:spPr>
-          <a:xfrm>
-            <a:off x="785193" y="2483674"/>
-            <a:ext cx="2930496" cy="766252"/>
-          </a:xfrm>
-          <a:prstGeom prst="rect">
-            <a:avLst/>
-          </a:prstGeom>
-          <a:solidFill>
-            <a:srgbClr val="0070C0"/>
-          </a:solidFill>
-          <a:ln>
-            <a:noFill/>
+              <a:t>The exact opposite to flex-grow</a:t>
+            </a:r>
+            <a:endParaRPr lang="uk-UA" sz="2000" dirty="0">
+              <a:latin typeface="Open Sans" panose="020B0604020202020204" charset="0"/>
+              <a:ea typeface="Open Sans" panose="020B0604020202020204" charset="0"/>
+              <a:cs typeface="Open Sans" panose="020B0604020202020204" charset="0"/>
+            </a:endParaRPr>
+          </a:p>
+        </p:txBody>
+      </p:sp>
+      <p:sp>
+        <p:nvSpPr>
+          <p:cNvPr id="5" name="Прямоугольник 4">
+            <a:extLst>
+              <a:ext uri="{FF2B5EF4-FFF2-40B4-BE49-F238E27FC236}">
+                <a16:creationId xmlns:a16="http://schemas.microsoft.com/office/drawing/2014/main" id="{AC5533C1-87B3-4E55-99E4-8BD782A37DB4}"/>
+              </a:ext>
+            </a:extLst>
+          </p:cNvPr>
+          <p:cNvSpPr/>
+          <p:nvPr/>
+        </p:nvSpPr>
+        <p:spPr>
+          <a:xfrm>
+            <a:off x="685798" y="1696279"/>
+            <a:ext cx="10332000" cy="1732721"/>
+          </a:xfrm>
+          <a:prstGeom prst="rect">
+            <a:avLst/>
+          </a:prstGeom>
+          <a:noFill/>
+          <a:ln w="28575">
+            <a:solidFill>
+              <a:schemeClr val="tx1"/>
+            </a:solidFill>
           </a:ln>
         </p:spPr>
         <p:style>
@@ -20060,35 +20228,39 @@
           <a:lstStyle/>
           <a:p>
             <a:pPr algn="ctr"/>
-            <a:endParaRPr lang="uk-UA"/>
-          </a:p>
-        </p:txBody>
-      </p:sp>
-      <p:sp>
-        <p:nvSpPr>
-          <p:cNvPr id="5" name="Прямоугольник 4">
-            <a:extLst>
-              <a:ext uri="{FF2B5EF4-FFF2-40B4-BE49-F238E27FC236}">
-                <a16:creationId xmlns:a16="http://schemas.microsoft.com/office/drawing/2014/main" id="{023DB259-3CAF-4399-962F-54CB283A381A}"/>
-              </a:ext>
-            </a:extLst>
-          </p:cNvPr>
-          <p:cNvSpPr/>
-          <p:nvPr/>
-        </p:nvSpPr>
-        <p:spPr>
-          <a:xfrm>
-            <a:off x="685799" y="2372603"/>
-            <a:ext cx="6072810" cy="980660"/>
-          </a:xfrm>
-          <a:prstGeom prst="rect">
-            <a:avLst/>
-          </a:prstGeom>
-          <a:noFill/>
-          <a:ln w="28575">
-            <a:solidFill>
-              <a:schemeClr val="tx1"/>
-            </a:solidFill>
+            <a:endParaRPr lang="uk-UA" dirty="0">
+              <a:solidFill>
+                <a:schemeClr val="tx1"/>
+              </a:solidFill>
+            </a:endParaRPr>
+          </a:p>
+        </p:txBody>
+      </p:sp>
+      <p:sp>
+        <p:nvSpPr>
+          <p:cNvPr id="19" name="Прямоугольник 18">
+            <a:extLst>
+              <a:ext uri="{FF2B5EF4-FFF2-40B4-BE49-F238E27FC236}">
+                <a16:creationId xmlns:a16="http://schemas.microsoft.com/office/drawing/2014/main" id="{5E0B78D1-CBE6-4345-A7F1-E7BA5E574F0A}"/>
+              </a:ext>
+            </a:extLst>
+          </p:cNvPr>
+          <p:cNvSpPr/>
+          <p:nvPr/>
+        </p:nvSpPr>
+        <p:spPr>
+          <a:xfrm>
+            <a:off x="8449395" y="1771409"/>
+            <a:ext cx="2531532" cy="1597342"/>
+          </a:xfrm>
+          <a:prstGeom prst="rect">
+            <a:avLst/>
+          </a:prstGeom>
+          <a:solidFill>
+            <a:srgbClr val="0070C0"/>
+          </a:solidFill>
+          <a:ln>
+            <a:noFill/>
           </a:ln>
         </p:spPr>
         <p:style>
@@ -20112,68 +20284,26 @@
           <a:lstStyle/>
           <a:p>
             <a:pPr algn="ctr"/>
-            <a:endParaRPr lang="uk-UA" dirty="0">
-              <a:solidFill>
-                <a:schemeClr val="tx1"/>
-              </a:solidFill>
-            </a:endParaRPr>
-          </a:p>
-        </p:txBody>
-      </p:sp>
-      <p:sp>
-        <p:nvSpPr>
-          <p:cNvPr id="9" name="Прямоугольник 8">
-            <a:extLst>
-              <a:ext uri="{FF2B5EF4-FFF2-40B4-BE49-F238E27FC236}">
-                <a16:creationId xmlns:a16="http://schemas.microsoft.com/office/drawing/2014/main" id="{1CEBDFDD-738A-405D-B9FE-21FCBB97B71B}"/>
-              </a:ext>
-            </a:extLst>
-          </p:cNvPr>
-          <p:cNvSpPr/>
-          <p:nvPr/>
-        </p:nvSpPr>
-        <p:spPr>
-          <a:xfrm>
-            <a:off x="1399441" y="2678267"/>
-            <a:ext cx="1701999" cy="369332"/>
-          </a:xfrm>
-          <a:prstGeom prst="rect">
-            <a:avLst/>
-          </a:prstGeom>
-        </p:spPr>
-        <p:txBody>
-          <a:bodyPr wrap="square">
-            <a:spAutoFit/>
-          </a:bodyPr>
-          <a:lstStyle/>
-          <a:p>
-            <a:r>
-              <a:rPr lang="en-US" dirty="0">
-                <a:solidFill>
-                  <a:schemeClr val="bg1"/>
-                </a:solidFill>
-              </a:rPr>
-              <a:t>flex: 2 1 300px;</a:t>
-            </a:r>
-          </a:p>
-        </p:txBody>
-      </p:sp>
-      <p:sp>
-        <p:nvSpPr>
-          <p:cNvPr id="11" name="Прямоугольник 10">
-            <a:extLst>
-              <a:ext uri="{FF2B5EF4-FFF2-40B4-BE49-F238E27FC236}">
-                <a16:creationId xmlns:a16="http://schemas.microsoft.com/office/drawing/2014/main" id="{67198518-52C0-4E71-A62C-095D190856FE}"/>
-              </a:ext>
-            </a:extLst>
-          </p:cNvPr>
-          <p:cNvSpPr/>
-          <p:nvPr/>
-        </p:nvSpPr>
-        <p:spPr>
-          <a:xfrm>
-            <a:off x="3771901" y="2483674"/>
-            <a:ext cx="2930496" cy="766252"/>
+            <a:endParaRPr lang="uk-UA"/>
+          </a:p>
+        </p:txBody>
+      </p:sp>
+      <p:sp>
+        <p:nvSpPr>
+          <p:cNvPr id="21" name="Прямоугольник 20">
+            <a:extLst>
+              <a:ext uri="{FF2B5EF4-FFF2-40B4-BE49-F238E27FC236}">
+                <a16:creationId xmlns:a16="http://schemas.microsoft.com/office/drawing/2014/main" id="{9637DACD-3A51-4862-B905-BBFEFA560716}"/>
+              </a:ext>
+            </a:extLst>
+          </p:cNvPr>
+          <p:cNvSpPr/>
+          <p:nvPr/>
+        </p:nvSpPr>
+        <p:spPr>
+          <a:xfrm>
+            <a:off x="5876066" y="1771410"/>
+            <a:ext cx="2531532" cy="1597341"/>
           </a:xfrm>
           <a:prstGeom prst="rect">
             <a:avLst/>
@@ -20212,58 +20342,20 @@
       </p:sp>
       <p:sp>
         <p:nvSpPr>
-          <p:cNvPr id="12" name="Прямоугольник 11">
-            <a:extLst>
-              <a:ext uri="{FF2B5EF4-FFF2-40B4-BE49-F238E27FC236}">
-                <a16:creationId xmlns:a16="http://schemas.microsoft.com/office/drawing/2014/main" id="{2B4850F1-AEA7-4284-83F5-8C8E633F3F86}"/>
-              </a:ext>
-            </a:extLst>
-          </p:cNvPr>
-          <p:cNvSpPr/>
-          <p:nvPr/>
-        </p:nvSpPr>
-        <p:spPr>
-          <a:xfrm>
-            <a:off x="4473619" y="2648534"/>
-            <a:ext cx="1627723" cy="369332"/>
-          </a:xfrm>
-          <a:prstGeom prst="rect">
-            <a:avLst/>
-          </a:prstGeom>
-        </p:spPr>
-        <p:txBody>
-          <a:bodyPr wrap="square">
-            <a:spAutoFit/>
-          </a:bodyPr>
-          <a:lstStyle/>
-          <a:p>
-            <a:r>
-              <a:rPr lang="en-US" dirty="0">
-                <a:solidFill>
-                  <a:schemeClr val="bg1"/>
-                </a:solidFill>
-              </a:rPr>
-              <a:t>flex: 1 2 300px;</a:t>
-            </a:r>
-          </a:p>
-        </p:txBody>
-      </p:sp>
-      <p:sp>
-        <p:nvSpPr>
-          <p:cNvPr id="15" name="Прямоугольник 14">
-            <a:extLst>
-              <a:ext uri="{FF2B5EF4-FFF2-40B4-BE49-F238E27FC236}">
-                <a16:creationId xmlns:a16="http://schemas.microsoft.com/office/drawing/2014/main" id="{ED2C2313-47A2-4C67-92B8-0966F4163A2B}"/>
-              </a:ext>
-            </a:extLst>
-          </p:cNvPr>
-          <p:cNvSpPr/>
-          <p:nvPr/>
-        </p:nvSpPr>
-        <p:spPr>
-          <a:xfrm>
-            <a:off x="785193" y="3555735"/>
-            <a:ext cx="5917204" cy="766252"/>
+          <p:cNvPr id="23" name="Прямоугольник 22">
+            <a:extLst>
+              <a:ext uri="{FF2B5EF4-FFF2-40B4-BE49-F238E27FC236}">
+                <a16:creationId xmlns:a16="http://schemas.microsoft.com/office/drawing/2014/main" id="{D704389D-7DB8-4663-A1E4-7FC97A12703F}"/>
+              </a:ext>
+            </a:extLst>
+          </p:cNvPr>
+          <p:cNvSpPr/>
+          <p:nvPr/>
+        </p:nvSpPr>
+        <p:spPr>
+          <a:xfrm>
+            <a:off x="727599" y="1779907"/>
+            <a:ext cx="2531531" cy="1597342"/>
           </a:xfrm>
           <a:prstGeom prst="rect">
             <a:avLst/>
@@ -20302,29 +20394,29 @@
       </p:sp>
       <p:sp>
         <p:nvSpPr>
-          <p:cNvPr id="16" name="Прямоугольник 15">
-            <a:extLst>
-              <a:ext uri="{FF2B5EF4-FFF2-40B4-BE49-F238E27FC236}">
-                <a16:creationId xmlns:a16="http://schemas.microsoft.com/office/drawing/2014/main" id="{AB8B250B-A2C1-444C-99E2-DD6D9B9E50FF}"/>
-              </a:ext>
-            </a:extLst>
-          </p:cNvPr>
-          <p:cNvSpPr/>
-          <p:nvPr/>
-        </p:nvSpPr>
-        <p:spPr>
-          <a:xfrm>
-            <a:off x="685799" y="3444664"/>
-            <a:ext cx="10167731" cy="980660"/>
-          </a:xfrm>
-          <a:prstGeom prst="rect">
-            <a:avLst/>
-          </a:prstGeom>
-          <a:noFill/>
-          <a:ln w="28575">
-            <a:solidFill>
-              <a:schemeClr val="tx1"/>
-            </a:solidFill>
+          <p:cNvPr id="27" name="Прямоугольник 26">
+            <a:extLst>
+              <a:ext uri="{FF2B5EF4-FFF2-40B4-BE49-F238E27FC236}">
+                <a16:creationId xmlns:a16="http://schemas.microsoft.com/office/drawing/2014/main" id="{9FC7F27F-E734-46C9-AB11-3DEDC81C45F9}"/>
+              </a:ext>
+            </a:extLst>
+          </p:cNvPr>
+          <p:cNvSpPr/>
+          <p:nvPr/>
+        </p:nvSpPr>
+        <p:spPr>
+          <a:xfrm>
+            <a:off x="3301832" y="1779907"/>
+            <a:ext cx="2531532" cy="1597342"/>
+          </a:xfrm>
+          <a:prstGeom prst="rect">
+            <a:avLst/>
+          </a:prstGeom>
+          <a:solidFill>
+            <a:srgbClr val="0070C0"/>
+          </a:solidFill>
+          <a:ln>
+            <a:noFill/>
           </a:ln>
         </p:spPr>
         <p:style>
@@ -20348,30 +20440,26 @@
           <a:lstStyle/>
           <a:p>
             <a:pPr algn="ctr"/>
-            <a:endParaRPr lang="uk-UA" dirty="0">
-              <a:solidFill>
-                <a:schemeClr val="tx1"/>
-              </a:solidFill>
-            </a:endParaRPr>
-          </a:p>
-        </p:txBody>
-      </p:sp>
-      <p:sp>
-        <p:nvSpPr>
-          <p:cNvPr id="17" name="Прямоугольник 16">
-            <a:extLst>
-              <a:ext uri="{FF2B5EF4-FFF2-40B4-BE49-F238E27FC236}">
-                <a16:creationId xmlns:a16="http://schemas.microsoft.com/office/drawing/2014/main" id="{B2AD831D-4118-4BC0-B6E3-10179D251FFB}"/>
-              </a:ext>
-            </a:extLst>
-          </p:cNvPr>
-          <p:cNvSpPr/>
-          <p:nvPr/>
-        </p:nvSpPr>
-        <p:spPr>
-          <a:xfrm>
-            <a:off x="2589333" y="3726054"/>
-            <a:ext cx="1704372" cy="369332"/>
+            <a:endParaRPr lang="uk-UA"/>
+          </a:p>
+        </p:txBody>
+      </p:sp>
+      <p:sp>
+        <p:nvSpPr>
+          <p:cNvPr id="30" name="Прямоугольник 29">
+            <a:extLst>
+              <a:ext uri="{FF2B5EF4-FFF2-40B4-BE49-F238E27FC236}">
+                <a16:creationId xmlns:a16="http://schemas.microsoft.com/office/drawing/2014/main" id="{FE827165-2A20-47DD-9D5D-77A77518F042}"/>
+              </a:ext>
+            </a:extLst>
+          </p:cNvPr>
+          <p:cNvSpPr/>
+          <p:nvPr/>
+        </p:nvSpPr>
+        <p:spPr>
+          <a:xfrm>
+            <a:off x="1260867" y="2239473"/>
+            <a:ext cx="1464995" cy="646331"/>
           </a:xfrm>
           <a:prstGeom prst="rect">
             <a:avLst/>
@@ -20389,36 +20477,190 @@
                   <a:schemeClr val="bg1"/>
                 </a:solidFill>
               </a:rPr>
-              <a:t>flex: 2 1 300px;</a:t>
-            </a:r>
-          </a:p>
-        </p:txBody>
-      </p:sp>
-      <p:sp>
-        <p:nvSpPr>
-          <p:cNvPr id="18" name="Прямоугольник 17">
-            <a:extLst>
-              <a:ext uri="{FF2B5EF4-FFF2-40B4-BE49-F238E27FC236}">
-                <a16:creationId xmlns:a16="http://schemas.microsoft.com/office/drawing/2014/main" id="{6E56123F-2CF5-4845-95B3-D9D1C21F9585}"/>
-              </a:ext>
-            </a:extLst>
-          </p:cNvPr>
-          <p:cNvSpPr/>
-          <p:nvPr/>
-        </p:nvSpPr>
-        <p:spPr>
-          <a:xfrm>
-            <a:off x="6801790" y="3555735"/>
-            <a:ext cx="3945723" cy="766252"/>
-          </a:xfrm>
-          <a:prstGeom prst="rect">
-            <a:avLst/>
-          </a:prstGeom>
-          <a:solidFill>
-            <a:srgbClr val="0070C0"/>
-          </a:solidFill>
-          <a:ln>
-            <a:noFill/>
+              <a:t>width: 100px;</a:t>
+            </a:r>
+          </a:p>
+          <a:p>
+            <a:r>
+              <a:rPr lang="en-US" dirty="0">
+                <a:solidFill>
+                  <a:schemeClr val="bg1"/>
+                </a:solidFill>
+              </a:rPr>
+              <a:t>flex-shrink: 1;</a:t>
+            </a:r>
+          </a:p>
+        </p:txBody>
+      </p:sp>
+      <p:sp>
+        <p:nvSpPr>
+          <p:cNvPr id="31" name="Прямоугольник 30">
+            <a:extLst>
+              <a:ext uri="{FF2B5EF4-FFF2-40B4-BE49-F238E27FC236}">
+                <a16:creationId xmlns:a16="http://schemas.microsoft.com/office/drawing/2014/main" id="{3CB2856B-726C-4D84-ABCD-931ECEE2E555}"/>
+              </a:ext>
+            </a:extLst>
+          </p:cNvPr>
+          <p:cNvSpPr/>
+          <p:nvPr/>
+        </p:nvSpPr>
+        <p:spPr>
+          <a:xfrm>
+            <a:off x="3835100" y="2239472"/>
+            <a:ext cx="1464995" cy="646331"/>
+          </a:xfrm>
+          <a:prstGeom prst="rect">
+            <a:avLst/>
+          </a:prstGeom>
+        </p:spPr>
+        <p:txBody>
+          <a:bodyPr wrap="square">
+            <a:spAutoFit/>
+          </a:bodyPr>
+          <a:lstStyle/>
+          <a:p>
+            <a:r>
+              <a:rPr lang="en-US" dirty="0">
+                <a:solidFill>
+                  <a:schemeClr val="bg1"/>
+                </a:solidFill>
+              </a:rPr>
+              <a:t>width: 100px;</a:t>
+            </a:r>
+          </a:p>
+          <a:p>
+            <a:r>
+              <a:rPr lang="en-US" dirty="0">
+                <a:solidFill>
+                  <a:schemeClr val="bg1"/>
+                </a:solidFill>
+              </a:rPr>
+              <a:t>flex-shrink: 2;</a:t>
+            </a:r>
+          </a:p>
+        </p:txBody>
+      </p:sp>
+      <p:sp>
+        <p:nvSpPr>
+          <p:cNvPr id="32" name="Прямоугольник 31">
+            <a:extLst>
+              <a:ext uri="{FF2B5EF4-FFF2-40B4-BE49-F238E27FC236}">
+                <a16:creationId xmlns:a16="http://schemas.microsoft.com/office/drawing/2014/main" id="{370B3333-50D6-4FF8-B71B-F0F1CA5869EA}"/>
+              </a:ext>
+            </a:extLst>
+          </p:cNvPr>
+          <p:cNvSpPr/>
+          <p:nvPr/>
+        </p:nvSpPr>
+        <p:spPr>
+          <a:xfrm>
+            <a:off x="6408882" y="2239471"/>
+            <a:ext cx="1464995" cy="646331"/>
+          </a:xfrm>
+          <a:prstGeom prst="rect">
+            <a:avLst/>
+          </a:prstGeom>
+        </p:spPr>
+        <p:txBody>
+          <a:bodyPr wrap="square">
+            <a:spAutoFit/>
+          </a:bodyPr>
+          <a:lstStyle/>
+          <a:p>
+            <a:r>
+              <a:rPr lang="en-US" dirty="0">
+                <a:solidFill>
+                  <a:schemeClr val="bg1"/>
+                </a:solidFill>
+              </a:rPr>
+              <a:t>width: 100px;</a:t>
+            </a:r>
+          </a:p>
+          <a:p>
+            <a:r>
+              <a:rPr lang="en-US" dirty="0">
+                <a:solidFill>
+                  <a:schemeClr val="bg1"/>
+                </a:solidFill>
+              </a:rPr>
+              <a:t>flex-shrink: 0;</a:t>
+            </a:r>
+          </a:p>
+        </p:txBody>
+      </p:sp>
+      <p:sp>
+        <p:nvSpPr>
+          <p:cNvPr id="33" name="Прямоугольник 32">
+            <a:extLst>
+              <a:ext uri="{FF2B5EF4-FFF2-40B4-BE49-F238E27FC236}">
+                <a16:creationId xmlns:a16="http://schemas.microsoft.com/office/drawing/2014/main" id="{E3208C93-2F32-4882-A356-07638ABFD2AA}"/>
+              </a:ext>
+            </a:extLst>
+          </p:cNvPr>
+          <p:cNvSpPr/>
+          <p:nvPr/>
+        </p:nvSpPr>
+        <p:spPr>
+          <a:xfrm>
+            <a:off x="8982663" y="2246914"/>
+            <a:ext cx="1464995" cy="646331"/>
+          </a:xfrm>
+          <a:prstGeom prst="rect">
+            <a:avLst/>
+          </a:prstGeom>
+        </p:spPr>
+        <p:txBody>
+          <a:bodyPr wrap="square">
+            <a:spAutoFit/>
+          </a:bodyPr>
+          <a:lstStyle/>
+          <a:p>
+            <a:r>
+              <a:rPr lang="en-US" dirty="0">
+                <a:solidFill>
+                  <a:schemeClr val="bg1"/>
+                </a:solidFill>
+              </a:rPr>
+              <a:t>width: 100px;</a:t>
+            </a:r>
+          </a:p>
+          <a:p>
+            <a:r>
+              <a:rPr lang="en-US" dirty="0">
+                <a:solidFill>
+                  <a:schemeClr val="bg1"/>
+                </a:solidFill>
+              </a:rPr>
+              <a:t>flex-shrink: 1;</a:t>
+            </a:r>
+          </a:p>
+        </p:txBody>
+      </p:sp>
+      <p:sp>
+        <p:nvSpPr>
+          <p:cNvPr id="34" name="Прямоугольник 33">
+            <a:extLst>
+              <a:ext uri="{FF2B5EF4-FFF2-40B4-BE49-F238E27FC236}">
+                <a16:creationId xmlns:a16="http://schemas.microsoft.com/office/drawing/2014/main" id="{BE3A0C59-6F2E-4D98-A0DE-1670AAB9453C}"/>
+              </a:ext>
+            </a:extLst>
+          </p:cNvPr>
+          <p:cNvSpPr/>
+          <p:nvPr/>
+        </p:nvSpPr>
+        <p:spPr>
+          <a:xfrm>
+            <a:off x="685797" y="3659801"/>
+            <a:ext cx="6678000" cy="1732721"/>
+          </a:xfrm>
+          <a:prstGeom prst="rect">
+            <a:avLst/>
+          </a:prstGeom>
+          <a:noFill/>
+          <a:ln w="28575">
+            <a:solidFill>
+              <a:schemeClr val="tx1"/>
+            </a:solidFill>
           </a:ln>
         </p:spPr>
         <p:style>
@@ -20442,64 +20684,30 @@
           <a:lstStyle/>
           <a:p>
             <a:pPr algn="ctr"/>
-            <a:endParaRPr lang="uk-UA"/>
-          </a:p>
-        </p:txBody>
-      </p:sp>
-      <p:sp>
-        <p:nvSpPr>
-          <p:cNvPr id="19" name="Прямоугольник 18">
-            <a:extLst>
-              <a:ext uri="{FF2B5EF4-FFF2-40B4-BE49-F238E27FC236}">
-                <a16:creationId xmlns:a16="http://schemas.microsoft.com/office/drawing/2014/main" id="{BA59D7BE-C014-4B37-92A8-4A6246DAC602}"/>
-              </a:ext>
-            </a:extLst>
-          </p:cNvPr>
-          <p:cNvSpPr/>
-          <p:nvPr/>
-        </p:nvSpPr>
-        <p:spPr>
-          <a:xfrm>
-            <a:off x="7943170" y="3750328"/>
-            <a:ext cx="1659497" cy="369332"/>
-          </a:xfrm>
-          <a:prstGeom prst="rect">
-            <a:avLst/>
-          </a:prstGeom>
-        </p:spPr>
-        <p:txBody>
-          <a:bodyPr wrap="square">
-            <a:spAutoFit/>
-          </a:bodyPr>
-          <a:lstStyle/>
-          <a:p>
-            <a:r>
-              <a:rPr lang="en-US" dirty="0">
-                <a:solidFill>
-                  <a:schemeClr val="bg1"/>
-                </a:solidFill>
-              </a:rPr>
-              <a:t>flex: 1 2 300px;</a:t>
-            </a:r>
-          </a:p>
-        </p:txBody>
-      </p:sp>
-      <p:sp>
-        <p:nvSpPr>
-          <p:cNvPr id="20" name="Прямоугольник 19">
-            <a:extLst>
-              <a:ext uri="{FF2B5EF4-FFF2-40B4-BE49-F238E27FC236}">
-                <a16:creationId xmlns:a16="http://schemas.microsoft.com/office/drawing/2014/main" id="{5AAA7AE6-7E94-4802-9440-5F4706ADA8A6}"/>
-              </a:ext>
-            </a:extLst>
-          </p:cNvPr>
-          <p:cNvSpPr/>
-          <p:nvPr/>
-        </p:nvSpPr>
-        <p:spPr>
-          <a:xfrm>
-            <a:off x="792039" y="4650147"/>
-            <a:ext cx="2136691" cy="766252"/>
+            <a:endParaRPr lang="uk-UA" dirty="0">
+              <a:solidFill>
+                <a:schemeClr val="tx1"/>
+              </a:solidFill>
+            </a:endParaRPr>
+          </a:p>
+        </p:txBody>
+      </p:sp>
+      <p:sp>
+        <p:nvSpPr>
+          <p:cNvPr id="36" name="Прямоугольник 35">
+            <a:extLst>
+              <a:ext uri="{FF2B5EF4-FFF2-40B4-BE49-F238E27FC236}">
+                <a16:creationId xmlns:a16="http://schemas.microsoft.com/office/drawing/2014/main" id="{44BC969E-4193-4777-A06B-5F5151ACE9DF}"/>
+              </a:ext>
+            </a:extLst>
+          </p:cNvPr>
+          <p:cNvSpPr/>
+          <p:nvPr/>
+        </p:nvSpPr>
+        <p:spPr>
+          <a:xfrm>
+            <a:off x="3301832" y="3727487"/>
+            <a:ext cx="2531532" cy="1597341"/>
           </a:xfrm>
           <a:prstGeom prst="rect">
             <a:avLst/>
@@ -20532,35 +20740,39 @@
           <a:lstStyle/>
           <a:p>
             <a:pPr algn="ctr"/>
-            <a:endParaRPr lang="uk-UA"/>
-          </a:p>
-        </p:txBody>
-      </p:sp>
-      <p:sp>
-        <p:nvSpPr>
-          <p:cNvPr id="21" name="Прямоугольник 20">
-            <a:extLst>
-              <a:ext uri="{FF2B5EF4-FFF2-40B4-BE49-F238E27FC236}">
-                <a16:creationId xmlns:a16="http://schemas.microsoft.com/office/drawing/2014/main" id="{5247CA32-275D-48DE-A6CE-15E06AB0D359}"/>
-              </a:ext>
-            </a:extLst>
-          </p:cNvPr>
-          <p:cNvSpPr/>
-          <p:nvPr/>
-        </p:nvSpPr>
-        <p:spPr>
-          <a:xfrm>
-            <a:off x="692645" y="4539076"/>
-            <a:ext cx="3672000" cy="980660"/>
-          </a:xfrm>
-          <a:prstGeom prst="rect">
-            <a:avLst/>
-          </a:prstGeom>
-          <a:noFill/>
-          <a:ln w="28575">
-            <a:solidFill>
-              <a:schemeClr val="tx1"/>
-            </a:solidFill>
+            <a:r>
+              <a:rPr lang="en-US" dirty="0"/>
+              <a:t>0</a:t>
+            </a:r>
+            <a:endParaRPr lang="uk-UA" dirty="0"/>
+          </a:p>
+        </p:txBody>
+      </p:sp>
+      <p:sp>
+        <p:nvSpPr>
+          <p:cNvPr id="37" name="Прямоугольник 36">
+            <a:extLst>
+              <a:ext uri="{FF2B5EF4-FFF2-40B4-BE49-F238E27FC236}">
+                <a16:creationId xmlns:a16="http://schemas.microsoft.com/office/drawing/2014/main" id="{065891C0-30F2-4006-9BA6-598B3E075E5A}"/>
+              </a:ext>
+            </a:extLst>
+          </p:cNvPr>
+          <p:cNvSpPr/>
+          <p:nvPr/>
+        </p:nvSpPr>
+        <p:spPr>
+          <a:xfrm>
+            <a:off x="727600" y="3743429"/>
+            <a:ext cx="1464995" cy="1597342"/>
+          </a:xfrm>
+          <a:prstGeom prst="rect">
+            <a:avLst/>
+          </a:prstGeom>
+          <a:solidFill>
+            <a:srgbClr val="0070C0"/>
+          </a:solidFill>
+          <a:ln>
+            <a:noFill/>
           </a:ln>
         </p:spPr>
         <p:style>
@@ -20584,30 +20796,30 @@
           <a:lstStyle/>
           <a:p>
             <a:pPr algn="ctr"/>
-            <a:endParaRPr lang="uk-UA" dirty="0">
-              <a:solidFill>
-                <a:schemeClr val="tx1"/>
-              </a:solidFill>
-            </a:endParaRPr>
-          </a:p>
-        </p:txBody>
-      </p:sp>
-      <p:sp>
-        <p:nvSpPr>
-          <p:cNvPr id="23" name="Прямоугольник 22">
-            <a:extLst>
-              <a:ext uri="{FF2B5EF4-FFF2-40B4-BE49-F238E27FC236}">
-                <a16:creationId xmlns:a16="http://schemas.microsoft.com/office/drawing/2014/main" id="{3173A48F-BFD6-4F18-B4BF-7A583C8556C1}"/>
-              </a:ext>
-            </a:extLst>
-          </p:cNvPr>
-          <p:cNvSpPr/>
-          <p:nvPr/>
-        </p:nvSpPr>
-        <p:spPr>
-          <a:xfrm>
-            <a:off x="2981737" y="4656979"/>
-            <a:ext cx="1311968" cy="766252"/>
+            <a:r>
+              <a:rPr lang="en-US" dirty="0"/>
+              <a:t>1</a:t>
+            </a:r>
+            <a:endParaRPr lang="uk-UA" dirty="0"/>
+          </a:p>
+        </p:txBody>
+      </p:sp>
+      <p:sp>
+        <p:nvSpPr>
+          <p:cNvPr id="38" name="Прямоугольник 37">
+            <a:extLst>
+              <a:ext uri="{FF2B5EF4-FFF2-40B4-BE49-F238E27FC236}">
+                <a16:creationId xmlns:a16="http://schemas.microsoft.com/office/drawing/2014/main" id="{1EE9DF5C-7426-4CF3-8A63-083E19990448}"/>
+              </a:ext>
+            </a:extLst>
+          </p:cNvPr>
+          <p:cNvSpPr/>
+          <p:nvPr/>
+        </p:nvSpPr>
+        <p:spPr>
+          <a:xfrm>
+            <a:off x="2234392" y="3727487"/>
+            <a:ext cx="1024738" cy="1597342"/>
           </a:xfrm>
           <a:prstGeom prst="rect">
             <a:avLst/>
@@ -20640,14 +20852,74 @@
           <a:lstStyle/>
           <a:p>
             <a:pPr algn="ctr"/>
-            <a:endParaRPr lang="uk-UA"/>
+            <a:r>
+              <a:rPr lang="en-US" dirty="0"/>
+              <a:t>2</a:t>
+            </a:r>
+            <a:endParaRPr lang="uk-UA" dirty="0"/>
+          </a:p>
+        </p:txBody>
+      </p:sp>
+      <p:sp>
+        <p:nvSpPr>
+          <p:cNvPr id="43" name="Прямоугольник 42">
+            <a:extLst>
+              <a:ext uri="{FF2B5EF4-FFF2-40B4-BE49-F238E27FC236}">
+                <a16:creationId xmlns:a16="http://schemas.microsoft.com/office/drawing/2014/main" id="{9A4C8420-F9C0-46B1-9E0B-83A4E6A7B7E0}"/>
+              </a:ext>
+            </a:extLst>
+          </p:cNvPr>
+          <p:cNvSpPr/>
+          <p:nvPr/>
+        </p:nvSpPr>
+        <p:spPr>
+          <a:xfrm>
+            <a:off x="5876066" y="3727486"/>
+            <a:ext cx="1464995" cy="1597342"/>
+          </a:xfrm>
+          <a:prstGeom prst="rect">
+            <a:avLst/>
+          </a:prstGeom>
+          <a:solidFill>
+            <a:srgbClr val="0070C0"/>
+          </a:solidFill>
+          <a:ln>
+            <a:noFill/>
+          </a:ln>
+        </p:spPr>
+        <p:style>
+          <a:lnRef idx="2">
+            <a:schemeClr val="accent1">
+              <a:shade val="50000"/>
+            </a:schemeClr>
+          </a:lnRef>
+          <a:fillRef idx="1">
+            <a:schemeClr val="accent1"/>
+          </a:fillRef>
+          <a:effectRef idx="0">
+            <a:schemeClr val="accent1"/>
+          </a:effectRef>
+          <a:fontRef idx="minor">
+            <a:schemeClr val="lt1"/>
+          </a:fontRef>
+        </p:style>
+        <p:txBody>
+          <a:bodyPr rtlCol="0" anchor="ctr"/>
+          <a:lstStyle/>
+          <a:p>
+            <a:pPr algn="ctr"/>
+            <a:r>
+              <a:rPr lang="en-US" dirty="0"/>
+              <a:t>1</a:t>
+            </a:r>
+            <a:endParaRPr lang="uk-UA" dirty="0"/>
           </a:p>
         </p:txBody>
       </p:sp>
     </p:spTree>
     <p:extLst>
       <p:ext uri="{BB962C8B-B14F-4D97-AF65-F5344CB8AC3E}">
-        <p14:creationId xmlns:p14="http://schemas.microsoft.com/office/powerpoint/2010/main" val="3862617986"/>
+        <p14:creationId xmlns:p14="http://schemas.microsoft.com/office/powerpoint/2010/main" val="1288047333"/>
       </p:ext>
     </p:extLst>
   </p:cSld>
@@ -20679,7 +20951,7 @@
           <p:cNvPr id="2" name="Заголовок 1">
             <a:extLst>
               <a:ext uri="{FF2B5EF4-FFF2-40B4-BE49-F238E27FC236}">
-                <a16:creationId xmlns:a16="http://schemas.microsoft.com/office/drawing/2014/main" id="{A2FC9899-99C5-4579-B50E-9B8C072DFE7F}"/>
+                <a16:creationId xmlns:a16="http://schemas.microsoft.com/office/drawing/2014/main" id="{68104DA2-1C82-40B9-AAE0-C36FA006B65C}"/>
               </a:ext>
             </a:extLst>
           </p:cNvPr>
@@ -20690,7 +20962,12 @@
             <p:ph type="title"/>
           </p:nvPr>
         </p:nvSpPr>
-        <p:spPr/>
+        <p:spPr>
+          <a:xfrm>
+            <a:off x="685801" y="685799"/>
+            <a:ext cx="10820400" cy="4800601"/>
+          </a:xfrm>
+        </p:spPr>
         <p:txBody>
           <a:bodyPr/>
           <a:lstStyle/>
@@ -20702,7 +20979,7 @@
             </a:pPr>
             <a:r>
               <a:rPr lang="en-US" sz="6000" dirty="0"/>
-              <a:t>order</a:t>
+              <a:t>flex</a:t>
             </a:r>
             <a:br>
               <a:rPr lang="en-US" sz="6000" dirty="0"/>
@@ -20713,54 +20990,28 @@
                 <a:ea typeface="Open Sans" panose="020B0604020202020204" charset="0"/>
                 <a:cs typeface="Open Sans" panose="020B0604020202020204" charset="0"/>
               </a:rPr>
-              <a:t>The order property specifies the order of the flex items.</a:t>
-            </a:r>
-            <a:br>
-              <a:rPr lang="uk-UA" sz="2000" dirty="0">
-                <a:latin typeface="Open Sans" panose="020B0604020202020204" charset="0"/>
-                <a:ea typeface="Open Sans" panose="020B0604020202020204" charset="0"/>
-                <a:cs typeface="Open Sans" panose="020B0604020202020204" charset="0"/>
-              </a:rPr>
-            </a:br>
-            <a:r>
-              <a:rPr lang="en-US" sz="2000" dirty="0">
-                <a:latin typeface="Open Sans" panose="020B0604020202020204" charset="0"/>
-                <a:ea typeface="Open Sans" panose="020B0604020202020204" charset="0"/>
-                <a:cs typeface="Open Sans" panose="020B0604020202020204" charset="0"/>
-              </a:rPr>
-              <a:t>The order value must be a number, default value is 0.</a:t>
-            </a:r>
-            <a:br>
-              <a:rPr lang="en-US" sz="2000" dirty="0">
-                <a:latin typeface="Open Sans" panose="020B0604020202020204" charset="0"/>
-                <a:ea typeface="Open Sans" panose="020B0604020202020204" charset="0"/>
-                <a:cs typeface="Open Sans" panose="020B0604020202020204" charset="0"/>
-              </a:rPr>
-            </a:br>
-            <a:endParaRPr lang="uk-UA" sz="2000" dirty="0">
-              <a:latin typeface="Open Sans" panose="020B0604020202020204" charset="0"/>
-              <a:ea typeface="Open Sans" panose="020B0604020202020204" charset="0"/>
-              <a:cs typeface="Open Sans" panose="020B0604020202020204" charset="0"/>
-            </a:endParaRPr>
-          </a:p>
-        </p:txBody>
-      </p:sp>
-      <p:sp>
-        <p:nvSpPr>
-          <p:cNvPr id="6" name="Прямоугольник 5">
-            <a:extLst>
-              <a:ext uri="{FF2B5EF4-FFF2-40B4-BE49-F238E27FC236}">
-                <a16:creationId xmlns:a16="http://schemas.microsoft.com/office/drawing/2014/main" id="{D1E31314-10F3-4570-B322-9143C588F3D0}"/>
-              </a:ext>
-            </a:extLst>
-          </p:cNvPr>
-          <p:cNvSpPr/>
-          <p:nvPr/>
-        </p:nvSpPr>
-        <p:spPr>
-          <a:xfrm>
-            <a:off x="1623392" y="3880545"/>
-            <a:ext cx="1875181" cy="680191"/>
+              <a:t>shorthand for flex-grow, flex-shrink, flex-basis (by default 0, 1, auto)</a:t>
+            </a:r>
+            <a:endParaRPr lang="uk-UA" sz="2000" dirty="0"/>
+          </a:p>
+        </p:txBody>
+      </p:sp>
+      <p:sp>
+        <p:nvSpPr>
+          <p:cNvPr id="4" name="Прямоугольник 3">
+            <a:extLst>
+              <a:ext uri="{FF2B5EF4-FFF2-40B4-BE49-F238E27FC236}">
+                <a16:creationId xmlns:a16="http://schemas.microsoft.com/office/drawing/2014/main" id="{2154EBE0-1FEB-4513-A43C-052446BDAD9C}"/>
+              </a:ext>
+            </a:extLst>
+          </p:cNvPr>
+          <p:cNvSpPr/>
+          <p:nvPr/>
+        </p:nvSpPr>
+        <p:spPr>
+          <a:xfrm>
+            <a:off x="785193" y="2483674"/>
+            <a:ext cx="2930496" cy="766252"/>
           </a:xfrm>
           <a:prstGeom prst="rect">
             <a:avLst/>
@@ -20799,20 +21050,20 @@
       </p:sp>
       <p:sp>
         <p:nvSpPr>
-          <p:cNvPr id="7" name="Прямоугольник 6">
-            <a:extLst>
-              <a:ext uri="{FF2B5EF4-FFF2-40B4-BE49-F238E27FC236}">
-                <a16:creationId xmlns:a16="http://schemas.microsoft.com/office/drawing/2014/main" id="{884F555B-8F01-424D-8F8F-0E3529D26465}"/>
-              </a:ext>
-            </a:extLst>
-          </p:cNvPr>
-          <p:cNvSpPr/>
-          <p:nvPr/>
-        </p:nvSpPr>
-        <p:spPr>
-          <a:xfrm>
-            <a:off x="1524000" y="3780217"/>
-            <a:ext cx="9144000" cy="883223"/>
+          <p:cNvPr id="5" name="Прямоугольник 4">
+            <a:extLst>
+              <a:ext uri="{FF2B5EF4-FFF2-40B4-BE49-F238E27FC236}">
+                <a16:creationId xmlns:a16="http://schemas.microsoft.com/office/drawing/2014/main" id="{023DB259-3CAF-4399-962F-54CB283A381A}"/>
+              </a:ext>
+            </a:extLst>
+          </p:cNvPr>
+          <p:cNvSpPr/>
+          <p:nvPr/>
+        </p:nvSpPr>
+        <p:spPr>
+          <a:xfrm>
+            <a:off x="685799" y="2372603"/>
+            <a:ext cx="6072810" cy="980660"/>
           </a:xfrm>
           <a:prstGeom prst="rect">
             <a:avLst/>
@@ -20855,64 +21106,58 @@
       </p:sp>
       <p:sp>
         <p:nvSpPr>
-          <p:cNvPr id="8" name="Прямоугольник 7">
-            <a:extLst>
-              <a:ext uri="{FF2B5EF4-FFF2-40B4-BE49-F238E27FC236}">
-                <a16:creationId xmlns:a16="http://schemas.microsoft.com/office/drawing/2014/main" id="{2E0A327E-684E-4F6C-9A33-AC1158180844}"/>
-              </a:ext>
-            </a:extLst>
-          </p:cNvPr>
-          <p:cNvSpPr/>
-          <p:nvPr/>
-        </p:nvSpPr>
-        <p:spPr>
-          <a:xfrm>
-            <a:off x="2377278" y="3959030"/>
-            <a:ext cx="367408" cy="523220"/>
-          </a:xfrm>
-          <a:prstGeom prst="rect">
-            <a:avLst/>
-          </a:prstGeom>
-        </p:spPr>
-        <p:txBody>
-          <a:bodyPr wrap="none">
+          <p:cNvPr id="9" name="Прямоугольник 8">
+            <a:extLst>
+              <a:ext uri="{FF2B5EF4-FFF2-40B4-BE49-F238E27FC236}">
+                <a16:creationId xmlns:a16="http://schemas.microsoft.com/office/drawing/2014/main" id="{1CEBDFDD-738A-405D-B9FE-21FCBB97B71B}"/>
+              </a:ext>
+            </a:extLst>
+          </p:cNvPr>
+          <p:cNvSpPr/>
+          <p:nvPr/>
+        </p:nvSpPr>
+        <p:spPr>
+          <a:xfrm>
+            <a:off x="1399441" y="2678267"/>
+            <a:ext cx="1701999" cy="369332"/>
+          </a:xfrm>
+          <a:prstGeom prst="rect">
+            <a:avLst/>
+          </a:prstGeom>
+        </p:spPr>
+        <p:txBody>
+          <a:bodyPr wrap="square">
             <a:spAutoFit/>
           </a:bodyPr>
           <a:lstStyle/>
           <a:p>
-            <a:pPr algn="ctr"/>
-            <a:r>
-              <a:rPr lang="en-US" sz="2800" dirty="0">
+            <a:r>
+              <a:rPr lang="en-US" dirty="0">
                 <a:solidFill>
                   <a:schemeClr val="bg1"/>
                 </a:solidFill>
               </a:rPr>
-              <a:t>1</a:t>
-            </a:r>
-            <a:endParaRPr lang="uk-UA" sz="2800" dirty="0">
-              <a:solidFill>
-                <a:schemeClr val="bg1"/>
-              </a:solidFill>
-            </a:endParaRPr>
-          </a:p>
-        </p:txBody>
-      </p:sp>
-      <p:sp>
-        <p:nvSpPr>
-          <p:cNvPr id="16" name="Прямоугольник 15">
-            <a:extLst>
-              <a:ext uri="{FF2B5EF4-FFF2-40B4-BE49-F238E27FC236}">
-                <a16:creationId xmlns:a16="http://schemas.microsoft.com/office/drawing/2014/main" id="{86CB300E-E176-40A0-A058-83211837656F}"/>
-              </a:ext>
-            </a:extLst>
-          </p:cNvPr>
-          <p:cNvSpPr/>
-          <p:nvPr/>
-        </p:nvSpPr>
-        <p:spPr>
-          <a:xfrm>
-            <a:off x="3597965" y="3881572"/>
-            <a:ext cx="1875181" cy="680191"/>
+              <a:t>flex: 2 1 300px;</a:t>
+            </a:r>
+          </a:p>
+        </p:txBody>
+      </p:sp>
+      <p:sp>
+        <p:nvSpPr>
+          <p:cNvPr id="11" name="Прямоугольник 10">
+            <a:extLst>
+              <a:ext uri="{FF2B5EF4-FFF2-40B4-BE49-F238E27FC236}">
+                <a16:creationId xmlns:a16="http://schemas.microsoft.com/office/drawing/2014/main" id="{67198518-52C0-4E71-A62C-095D190856FE}"/>
+              </a:ext>
+            </a:extLst>
+          </p:cNvPr>
+          <p:cNvSpPr/>
+          <p:nvPr/>
+        </p:nvSpPr>
+        <p:spPr>
+          <a:xfrm>
+            <a:off x="3771901" y="2483674"/>
+            <a:ext cx="2930496" cy="766252"/>
           </a:xfrm>
           <a:prstGeom prst="rect">
             <a:avLst/>
@@ -20951,59 +21196,58 @@
       </p:sp>
       <p:sp>
         <p:nvSpPr>
-          <p:cNvPr id="17" name="Прямоугольник 16">
-            <a:extLst>
-              <a:ext uri="{FF2B5EF4-FFF2-40B4-BE49-F238E27FC236}">
-                <a16:creationId xmlns:a16="http://schemas.microsoft.com/office/drawing/2014/main" id="{896E5BF8-6A18-421F-B808-0E58361D1FF3}"/>
-              </a:ext>
-            </a:extLst>
-          </p:cNvPr>
-          <p:cNvSpPr/>
-          <p:nvPr/>
-        </p:nvSpPr>
-        <p:spPr>
-          <a:xfrm>
-            <a:off x="4351851" y="3960057"/>
-            <a:ext cx="367408" cy="523220"/>
-          </a:xfrm>
-          <a:prstGeom prst="rect">
-            <a:avLst/>
-          </a:prstGeom>
-        </p:spPr>
-        <p:txBody>
-          <a:bodyPr wrap="none">
+          <p:cNvPr id="12" name="Прямоугольник 11">
+            <a:extLst>
+              <a:ext uri="{FF2B5EF4-FFF2-40B4-BE49-F238E27FC236}">
+                <a16:creationId xmlns:a16="http://schemas.microsoft.com/office/drawing/2014/main" id="{2B4850F1-AEA7-4284-83F5-8C8E633F3F86}"/>
+              </a:ext>
+            </a:extLst>
+          </p:cNvPr>
+          <p:cNvSpPr/>
+          <p:nvPr/>
+        </p:nvSpPr>
+        <p:spPr>
+          <a:xfrm>
+            <a:off x="4473619" y="2648534"/>
+            <a:ext cx="1627723" cy="369332"/>
+          </a:xfrm>
+          <a:prstGeom prst="rect">
+            <a:avLst/>
+          </a:prstGeom>
+        </p:spPr>
+        <p:txBody>
+          <a:bodyPr wrap="square">
             <a:spAutoFit/>
           </a:bodyPr>
           <a:lstStyle/>
           <a:p>
-            <a:pPr algn="ctr"/>
-            <a:r>
-              <a:rPr lang="uk-UA" sz="2800" dirty="0">
+            <a:r>
+              <a:rPr lang="en-US" dirty="0">
                 <a:solidFill>
                   <a:schemeClr val="bg1"/>
                 </a:solidFill>
               </a:rPr>
-              <a:t>2</a:t>
-            </a:r>
-          </a:p>
-        </p:txBody>
-      </p:sp>
-      <p:sp>
-        <p:nvSpPr>
-          <p:cNvPr id="18" name="Прямоугольник 17">
-            <a:extLst>
-              <a:ext uri="{FF2B5EF4-FFF2-40B4-BE49-F238E27FC236}">
-                <a16:creationId xmlns:a16="http://schemas.microsoft.com/office/drawing/2014/main" id="{5F6363D1-9AD8-4A3A-A21D-675CCB3DAF19}"/>
-              </a:ext>
-            </a:extLst>
-          </p:cNvPr>
-          <p:cNvSpPr/>
-          <p:nvPr/>
-        </p:nvSpPr>
-        <p:spPr>
-          <a:xfrm>
-            <a:off x="5572538" y="3880545"/>
-            <a:ext cx="1875181" cy="680191"/>
+              <a:t>flex: 1 2 300px;</a:t>
+            </a:r>
+          </a:p>
+        </p:txBody>
+      </p:sp>
+      <p:sp>
+        <p:nvSpPr>
+          <p:cNvPr id="15" name="Прямоугольник 14">
+            <a:extLst>
+              <a:ext uri="{FF2B5EF4-FFF2-40B4-BE49-F238E27FC236}">
+                <a16:creationId xmlns:a16="http://schemas.microsoft.com/office/drawing/2014/main" id="{ED2C2313-47A2-4C67-92B8-0966F4163A2B}"/>
+              </a:ext>
+            </a:extLst>
+          </p:cNvPr>
+          <p:cNvSpPr/>
+          <p:nvPr/>
+        </p:nvSpPr>
+        <p:spPr>
+          <a:xfrm>
+            <a:off x="785193" y="3555735"/>
+            <a:ext cx="5917204" cy="766252"/>
           </a:xfrm>
           <a:prstGeom prst="rect">
             <a:avLst/>
@@ -21042,68 +21286,29 @@
       </p:sp>
       <p:sp>
         <p:nvSpPr>
-          <p:cNvPr id="19" name="Прямоугольник 18">
-            <a:extLst>
-              <a:ext uri="{FF2B5EF4-FFF2-40B4-BE49-F238E27FC236}">
-                <a16:creationId xmlns:a16="http://schemas.microsoft.com/office/drawing/2014/main" id="{8A7F3CAA-0D24-46D9-8307-71FE398581F8}"/>
-              </a:ext>
-            </a:extLst>
-          </p:cNvPr>
-          <p:cNvSpPr/>
-          <p:nvPr/>
-        </p:nvSpPr>
-        <p:spPr>
-          <a:xfrm>
-            <a:off x="6326424" y="3959030"/>
-            <a:ext cx="367408" cy="523220"/>
-          </a:xfrm>
-          <a:prstGeom prst="rect">
-            <a:avLst/>
-          </a:prstGeom>
-        </p:spPr>
-        <p:txBody>
-          <a:bodyPr wrap="none">
-            <a:spAutoFit/>
-          </a:bodyPr>
-          <a:lstStyle/>
-          <a:p>
-            <a:pPr algn="ctr"/>
-            <a:r>
-              <a:rPr lang="uk-UA" sz="2800" dirty="0">
-                <a:solidFill>
-                  <a:schemeClr val="bg1"/>
-                </a:solidFill>
-              </a:rPr>
-              <a:t>3</a:t>
-            </a:r>
-          </a:p>
-        </p:txBody>
-      </p:sp>
-      <p:sp>
-        <p:nvSpPr>
-          <p:cNvPr id="20" name="Прямоугольник 19">
-            <a:extLst>
-              <a:ext uri="{FF2B5EF4-FFF2-40B4-BE49-F238E27FC236}">
-                <a16:creationId xmlns:a16="http://schemas.microsoft.com/office/drawing/2014/main" id="{4334FD56-B1AB-4EC1-95AE-56D194B27E88}"/>
-              </a:ext>
-            </a:extLst>
-          </p:cNvPr>
-          <p:cNvSpPr/>
-          <p:nvPr/>
-        </p:nvSpPr>
-        <p:spPr>
-          <a:xfrm>
-            <a:off x="7547111" y="3880545"/>
-            <a:ext cx="1875181" cy="680191"/>
-          </a:xfrm>
-          <a:prstGeom prst="rect">
-            <a:avLst/>
-          </a:prstGeom>
-          <a:solidFill>
-            <a:srgbClr val="0070C0"/>
-          </a:solidFill>
-          <a:ln>
-            <a:noFill/>
+          <p:cNvPr id="16" name="Прямоугольник 15">
+            <a:extLst>
+              <a:ext uri="{FF2B5EF4-FFF2-40B4-BE49-F238E27FC236}">
+                <a16:creationId xmlns:a16="http://schemas.microsoft.com/office/drawing/2014/main" id="{AB8B250B-A2C1-444C-99E2-DD6D9B9E50FF}"/>
+              </a:ext>
+            </a:extLst>
+          </p:cNvPr>
+          <p:cNvSpPr/>
+          <p:nvPr/>
+        </p:nvSpPr>
+        <p:spPr>
+          <a:xfrm>
+            <a:off x="685799" y="3444664"/>
+            <a:ext cx="10167731" cy="980660"/>
+          </a:xfrm>
+          <a:prstGeom prst="rect">
+            <a:avLst/>
+          </a:prstGeom>
+          <a:noFill/>
+          <a:ln w="28575">
+            <a:solidFill>
+              <a:schemeClr val="tx1"/>
+            </a:solidFill>
           </a:ln>
         </p:spPr>
         <p:style>
@@ -21127,53 +21332,306 @@
           <a:lstStyle/>
           <a:p>
             <a:pPr algn="ctr"/>
-            <a:endParaRPr lang="uk-UA"/>
-          </a:p>
-        </p:txBody>
-      </p:sp>
-      <p:sp>
-        <p:nvSpPr>
-          <p:cNvPr id="21" name="Прямоугольник 20">
-            <a:extLst>
-              <a:ext uri="{FF2B5EF4-FFF2-40B4-BE49-F238E27FC236}">
-                <a16:creationId xmlns:a16="http://schemas.microsoft.com/office/drawing/2014/main" id="{8DB062B5-B9BF-477D-AAF8-4D23425CF0B7}"/>
-              </a:ext>
-            </a:extLst>
-          </p:cNvPr>
-          <p:cNvSpPr/>
-          <p:nvPr/>
-        </p:nvSpPr>
-        <p:spPr>
-          <a:xfrm>
-            <a:off x="8300997" y="3959030"/>
-            <a:ext cx="367408" cy="523220"/>
-          </a:xfrm>
-          <a:prstGeom prst="rect">
-            <a:avLst/>
-          </a:prstGeom>
-        </p:spPr>
-        <p:txBody>
-          <a:bodyPr wrap="none">
+            <a:endParaRPr lang="uk-UA" dirty="0">
+              <a:solidFill>
+                <a:schemeClr val="tx1"/>
+              </a:solidFill>
+            </a:endParaRPr>
+          </a:p>
+        </p:txBody>
+      </p:sp>
+      <p:sp>
+        <p:nvSpPr>
+          <p:cNvPr id="17" name="Прямоугольник 16">
+            <a:extLst>
+              <a:ext uri="{FF2B5EF4-FFF2-40B4-BE49-F238E27FC236}">
+                <a16:creationId xmlns:a16="http://schemas.microsoft.com/office/drawing/2014/main" id="{B2AD831D-4118-4BC0-B6E3-10179D251FFB}"/>
+              </a:ext>
+            </a:extLst>
+          </p:cNvPr>
+          <p:cNvSpPr/>
+          <p:nvPr/>
+        </p:nvSpPr>
+        <p:spPr>
+          <a:xfrm>
+            <a:off x="2589333" y="3726054"/>
+            <a:ext cx="1704372" cy="369332"/>
+          </a:xfrm>
+          <a:prstGeom prst="rect">
+            <a:avLst/>
+          </a:prstGeom>
+        </p:spPr>
+        <p:txBody>
+          <a:bodyPr wrap="square">
             <a:spAutoFit/>
           </a:bodyPr>
           <a:lstStyle/>
           <a:p>
-            <a:pPr algn="ctr"/>
-            <a:r>
-              <a:rPr lang="uk-UA" sz="2800" dirty="0">
+            <a:r>
+              <a:rPr lang="en-US" dirty="0">
                 <a:solidFill>
                   <a:schemeClr val="bg1"/>
                 </a:solidFill>
               </a:rPr>
-              <a:t>4</a:t>
-            </a:r>
+              <a:t>flex: 2 1 300px;</a:t>
+            </a:r>
+          </a:p>
+        </p:txBody>
+      </p:sp>
+      <p:sp>
+        <p:nvSpPr>
+          <p:cNvPr id="18" name="Прямоугольник 17">
+            <a:extLst>
+              <a:ext uri="{FF2B5EF4-FFF2-40B4-BE49-F238E27FC236}">
+                <a16:creationId xmlns:a16="http://schemas.microsoft.com/office/drawing/2014/main" id="{6E56123F-2CF5-4845-95B3-D9D1C21F9585}"/>
+              </a:ext>
+            </a:extLst>
+          </p:cNvPr>
+          <p:cNvSpPr/>
+          <p:nvPr/>
+        </p:nvSpPr>
+        <p:spPr>
+          <a:xfrm>
+            <a:off x="6801790" y="3555735"/>
+            <a:ext cx="3945723" cy="766252"/>
+          </a:xfrm>
+          <a:prstGeom prst="rect">
+            <a:avLst/>
+          </a:prstGeom>
+          <a:solidFill>
+            <a:srgbClr val="0070C0"/>
+          </a:solidFill>
+          <a:ln>
+            <a:noFill/>
+          </a:ln>
+        </p:spPr>
+        <p:style>
+          <a:lnRef idx="2">
+            <a:schemeClr val="accent1">
+              <a:shade val="50000"/>
+            </a:schemeClr>
+          </a:lnRef>
+          <a:fillRef idx="1">
+            <a:schemeClr val="accent1"/>
+          </a:fillRef>
+          <a:effectRef idx="0">
+            <a:schemeClr val="accent1"/>
+          </a:effectRef>
+          <a:fontRef idx="minor">
+            <a:schemeClr val="lt1"/>
+          </a:fontRef>
+        </p:style>
+        <p:txBody>
+          <a:bodyPr rtlCol="0" anchor="ctr"/>
+          <a:lstStyle/>
+          <a:p>
+            <a:pPr algn="ctr"/>
+            <a:endParaRPr lang="uk-UA"/>
+          </a:p>
+        </p:txBody>
+      </p:sp>
+      <p:sp>
+        <p:nvSpPr>
+          <p:cNvPr id="19" name="Прямоугольник 18">
+            <a:extLst>
+              <a:ext uri="{FF2B5EF4-FFF2-40B4-BE49-F238E27FC236}">
+                <a16:creationId xmlns:a16="http://schemas.microsoft.com/office/drawing/2014/main" id="{BA59D7BE-C014-4B37-92A8-4A6246DAC602}"/>
+              </a:ext>
+            </a:extLst>
+          </p:cNvPr>
+          <p:cNvSpPr/>
+          <p:nvPr/>
+        </p:nvSpPr>
+        <p:spPr>
+          <a:xfrm>
+            <a:off x="7943170" y="3750328"/>
+            <a:ext cx="1659497" cy="369332"/>
+          </a:xfrm>
+          <a:prstGeom prst="rect">
+            <a:avLst/>
+          </a:prstGeom>
+        </p:spPr>
+        <p:txBody>
+          <a:bodyPr wrap="square">
+            <a:spAutoFit/>
+          </a:bodyPr>
+          <a:lstStyle/>
+          <a:p>
+            <a:r>
+              <a:rPr lang="en-US" dirty="0">
+                <a:solidFill>
+                  <a:schemeClr val="bg1"/>
+                </a:solidFill>
+              </a:rPr>
+              <a:t>flex: 1 2 300px;</a:t>
+            </a:r>
+          </a:p>
+        </p:txBody>
+      </p:sp>
+      <p:sp>
+        <p:nvSpPr>
+          <p:cNvPr id="20" name="Прямоугольник 19">
+            <a:extLst>
+              <a:ext uri="{FF2B5EF4-FFF2-40B4-BE49-F238E27FC236}">
+                <a16:creationId xmlns:a16="http://schemas.microsoft.com/office/drawing/2014/main" id="{5AAA7AE6-7E94-4802-9440-5F4706ADA8A6}"/>
+              </a:ext>
+            </a:extLst>
+          </p:cNvPr>
+          <p:cNvSpPr/>
+          <p:nvPr/>
+        </p:nvSpPr>
+        <p:spPr>
+          <a:xfrm>
+            <a:off x="792039" y="4650147"/>
+            <a:ext cx="2136691" cy="766252"/>
+          </a:xfrm>
+          <a:prstGeom prst="rect">
+            <a:avLst/>
+          </a:prstGeom>
+          <a:solidFill>
+            <a:srgbClr val="0070C0"/>
+          </a:solidFill>
+          <a:ln>
+            <a:noFill/>
+          </a:ln>
+        </p:spPr>
+        <p:style>
+          <a:lnRef idx="2">
+            <a:schemeClr val="accent1">
+              <a:shade val="50000"/>
+            </a:schemeClr>
+          </a:lnRef>
+          <a:fillRef idx="1">
+            <a:schemeClr val="accent1"/>
+          </a:fillRef>
+          <a:effectRef idx="0">
+            <a:schemeClr val="accent1"/>
+          </a:effectRef>
+          <a:fontRef idx="minor">
+            <a:schemeClr val="lt1"/>
+          </a:fontRef>
+        </p:style>
+        <p:txBody>
+          <a:bodyPr rtlCol="0" anchor="ctr"/>
+          <a:lstStyle/>
+          <a:p>
+            <a:pPr algn="ctr"/>
+            <a:endParaRPr lang="uk-UA"/>
+          </a:p>
+        </p:txBody>
+      </p:sp>
+      <p:sp>
+        <p:nvSpPr>
+          <p:cNvPr id="21" name="Прямоугольник 20">
+            <a:extLst>
+              <a:ext uri="{FF2B5EF4-FFF2-40B4-BE49-F238E27FC236}">
+                <a16:creationId xmlns:a16="http://schemas.microsoft.com/office/drawing/2014/main" id="{5247CA32-275D-48DE-A6CE-15E06AB0D359}"/>
+              </a:ext>
+            </a:extLst>
+          </p:cNvPr>
+          <p:cNvSpPr/>
+          <p:nvPr/>
+        </p:nvSpPr>
+        <p:spPr>
+          <a:xfrm>
+            <a:off x="692645" y="4539076"/>
+            <a:ext cx="3672000" cy="980660"/>
+          </a:xfrm>
+          <a:prstGeom prst="rect">
+            <a:avLst/>
+          </a:prstGeom>
+          <a:noFill/>
+          <a:ln w="28575">
+            <a:solidFill>
+              <a:schemeClr val="tx1"/>
+            </a:solidFill>
+          </a:ln>
+        </p:spPr>
+        <p:style>
+          <a:lnRef idx="2">
+            <a:schemeClr val="accent1">
+              <a:shade val="50000"/>
+            </a:schemeClr>
+          </a:lnRef>
+          <a:fillRef idx="1">
+            <a:schemeClr val="accent1"/>
+          </a:fillRef>
+          <a:effectRef idx="0">
+            <a:schemeClr val="accent1"/>
+          </a:effectRef>
+          <a:fontRef idx="minor">
+            <a:schemeClr val="lt1"/>
+          </a:fontRef>
+        </p:style>
+        <p:txBody>
+          <a:bodyPr rtlCol="0" anchor="ctr"/>
+          <a:lstStyle/>
+          <a:p>
+            <a:pPr algn="ctr"/>
+            <a:endParaRPr lang="uk-UA" dirty="0">
+              <a:solidFill>
+                <a:schemeClr val="tx1"/>
+              </a:solidFill>
+            </a:endParaRPr>
+          </a:p>
+        </p:txBody>
+      </p:sp>
+      <p:sp>
+        <p:nvSpPr>
+          <p:cNvPr id="23" name="Прямоугольник 22">
+            <a:extLst>
+              <a:ext uri="{FF2B5EF4-FFF2-40B4-BE49-F238E27FC236}">
+                <a16:creationId xmlns:a16="http://schemas.microsoft.com/office/drawing/2014/main" id="{3173A48F-BFD6-4F18-B4BF-7A583C8556C1}"/>
+              </a:ext>
+            </a:extLst>
+          </p:cNvPr>
+          <p:cNvSpPr/>
+          <p:nvPr/>
+        </p:nvSpPr>
+        <p:spPr>
+          <a:xfrm>
+            <a:off x="2981737" y="4656979"/>
+            <a:ext cx="1311968" cy="766252"/>
+          </a:xfrm>
+          <a:prstGeom prst="rect">
+            <a:avLst/>
+          </a:prstGeom>
+          <a:solidFill>
+            <a:srgbClr val="0070C0"/>
+          </a:solidFill>
+          <a:ln>
+            <a:noFill/>
+          </a:ln>
+        </p:spPr>
+        <p:style>
+          <a:lnRef idx="2">
+            <a:schemeClr val="accent1">
+              <a:shade val="50000"/>
+            </a:schemeClr>
+          </a:lnRef>
+          <a:fillRef idx="1">
+            <a:schemeClr val="accent1"/>
+          </a:fillRef>
+          <a:effectRef idx="0">
+            <a:schemeClr val="accent1"/>
+          </a:effectRef>
+          <a:fontRef idx="minor">
+            <a:schemeClr val="lt1"/>
+          </a:fontRef>
+        </p:style>
+        <p:txBody>
+          <a:bodyPr rtlCol="0" anchor="ctr"/>
+          <a:lstStyle/>
+          <a:p>
+            <a:pPr algn="ctr"/>
+            <a:endParaRPr lang="uk-UA"/>
           </a:p>
         </p:txBody>
       </p:sp>
     </p:spTree>
     <p:extLst>
       <p:ext uri="{BB962C8B-B14F-4D97-AF65-F5344CB8AC3E}">
-        <p14:creationId xmlns:p14="http://schemas.microsoft.com/office/powerpoint/2010/main" val="3656603466"/>
+        <p14:creationId xmlns:p14="http://schemas.microsoft.com/office/powerpoint/2010/main" val="3862617986"/>
       </p:ext>
     </p:extLst>
   </p:cSld>
@@ -21205,7 +21663,7 @@
           <p:cNvPr id="2" name="Заголовок 1">
             <a:extLst>
               <a:ext uri="{FF2B5EF4-FFF2-40B4-BE49-F238E27FC236}">
-                <a16:creationId xmlns:a16="http://schemas.microsoft.com/office/drawing/2014/main" id="{039EEFE2-0E23-40F7-9E20-8D477FC08D62}"/>
+                <a16:creationId xmlns:a16="http://schemas.microsoft.com/office/drawing/2014/main" id="{A2FC9899-99C5-4579-B50E-9B8C072DFE7F}"/>
               </a:ext>
             </a:extLst>
           </p:cNvPr>
@@ -21227,15 +21685,44 @@
               </a:lnSpc>
             </a:pPr>
             <a:r>
-              <a:rPr lang="en-US" sz="4000" dirty="0">
-                <a:latin typeface="Proxima Nova Black" panose="020B0604020202020204" charset="0"/>
+              <a:rPr lang="en-US" sz="6000" dirty="0"/>
+              <a:t>order</a:t>
+            </a:r>
+            <a:br>
+              <a:rPr lang="en-US" sz="6000" dirty="0"/>
+            </a:br>
+            <a:r>
+              <a:rPr lang="en-US" sz="2000" dirty="0">
+                <a:latin typeface="Open Sans" panose="020B0604020202020204" charset="0"/>
                 <a:ea typeface="Open Sans" panose="020B0604020202020204" charset="0"/>
                 <a:cs typeface="Open Sans" panose="020B0604020202020204" charset="0"/>
               </a:rPr>
-              <a:t>Example</a:t>
-            </a:r>
-            <a:endParaRPr lang="uk-UA" sz="4000" dirty="0">
-              <a:latin typeface="Proxima Nova Black" panose="020B0604020202020204" charset="0"/>
+              <a:t>The order property specifies the order of the flex items.</a:t>
+            </a:r>
+            <a:br>
+              <a:rPr lang="uk-UA" sz="2000" dirty="0">
+                <a:latin typeface="Open Sans" panose="020B0604020202020204" charset="0"/>
+                <a:ea typeface="Open Sans" panose="020B0604020202020204" charset="0"/>
+                <a:cs typeface="Open Sans" panose="020B0604020202020204" charset="0"/>
+              </a:rPr>
+            </a:br>
+            <a:r>
+              <a:rPr lang="en-US" sz="2000" dirty="0">
+                <a:latin typeface="Open Sans" panose="020B0604020202020204" charset="0"/>
+                <a:ea typeface="Open Sans" panose="020B0604020202020204" charset="0"/>
+                <a:cs typeface="Open Sans" panose="020B0604020202020204" charset="0"/>
+              </a:rPr>
+              <a:t>The order value must be a number, default value is 0.</a:t>
+            </a:r>
+            <a:br>
+              <a:rPr lang="en-US" sz="2000" dirty="0">
+                <a:latin typeface="Open Sans" panose="020B0604020202020204" charset="0"/>
+                <a:ea typeface="Open Sans" panose="020B0604020202020204" charset="0"/>
+                <a:cs typeface="Open Sans" panose="020B0604020202020204" charset="0"/>
+              </a:rPr>
+            </a:br>
+            <a:endParaRPr lang="uk-UA" sz="2000" dirty="0">
+              <a:latin typeface="Open Sans" panose="020B0604020202020204" charset="0"/>
               <a:ea typeface="Open Sans" panose="020B0604020202020204" charset="0"/>
               <a:cs typeface="Open Sans" panose="020B0604020202020204" charset="0"/>
             </a:endParaRPr>
@@ -21244,10 +21731,10 @@
       </p:sp>
       <p:sp>
         <p:nvSpPr>
-          <p:cNvPr id="4" name="Прямоугольник 3">
-            <a:extLst>
-              <a:ext uri="{FF2B5EF4-FFF2-40B4-BE49-F238E27FC236}">
-                <a16:creationId xmlns:a16="http://schemas.microsoft.com/office/drawing/2014/main" id="{6FA6ECF7-7002-4B9F-BDC4-2A71456CC132}"/>
+          <p:cNvPr id="6" name="Прямоугольник 5">
+            <a:extLst>
+              <a:ext uri="{FF2B5EF4-FFF2-40B4-BE49-F238E27FC236}">
+                <a16:creationId xmlns:a16="http://schemas.microsoft.com/office/drawing/2014/main" id="{D1E31314-10F3-4570-B322-9143C588F3D0}"/>
               </a:ext>
             </a:extLst>
           </p:cNvPr>
@@ -21296,10 +21783,10 @@
       </p:sp>
       <p:sp>
         <p:nvSpPr>
-          <p:cNvPr id="5" name="Прямоугольник 4">
-            <a:extLst>
-              <a:ext uri="{FF2B5EF4-FFF2-40B4-BE49-F238E27FC236}">
-                <a16:creationId xmlns:a16="http://schemas.microsoft.com/office/drawing/2014/main" id="{ADC2E251-C576-46C7-86E9-D3927A953977}"/>
+          <p:cNvPr id="7" name="Прямоугольник 6">
+            <a:extLst>
+              <a:ext uri="{FF2B5EF4-FFF2-40B4-BE49-F238E27FC236}">
+                <a16:creationId xmlns:a16="http://schemas.microsoft.com/office/drawing/2014/main" id="{884F555B-8F01-424D-8F8F-0E3529D26465}"/>
               </a:ext>
             </a:extLst>
           </p:cNvPr>
@@ -21352,10 +21839,10 @@
       </p:sp>
       <p:sp>
         <p:nvSpPr>
-          <p:cNvPr id="6" name="Прямоугольник 5">
-            <a:extLst>
-              <a:ext uri="{FF2B5EF4-FFF2-40B4-BE49-F238E27FC236}">
-                <a16:creationId xmlns:a16="http://schemas.microsoft.com/office/drawing/2014/main" id="{C36EA5D6-E943-46BB-BD1E-E06878A04864}"/>
+          <p:cNvPr id="8" name="Прямоугольник 7">
+            <a:extLst>
+              <a:ext uri="{FF2B5EF4-FFF2-40B4-BE49-F238E27FC236}">
+                <a16:creationId xmlns:a16="http://schemas.microsoft.com/office/drawing/2014/main" id="{2E0A327E-684E-4F6C-9A33-AC1158180844}"/>
               </a:ext>
             </a:extLst>
           </p:cNvPr>
@@ -21384,7 +21871,7 @@
                   <a:schemeClr val="bg1"/>
                 </a:solidFill>
               </a:rPr>
-              <a:t>4</a:t>
+              <a:t>1</a:t>
             </a:r>
             <a:endParaRPr lang="uk-UA" sz="2800" dirty="0">
               <a:solidFill>
@@ -21396,10 +21883,10 @@
       </p:sp>
       <p:sp>
         <p:nvSpPr>
-          <p:cNvPr id="7" name="Прямоугольник 6">
-            <a:extLst>
-              <a:ext uri="{FF2B5EF4-FFF2-40B4-BE49-F238E27FC236}">
-                <a16:creationId xmlns:a16="http://schemas.microsoft.com/office/drawing/2014/main" id="{AF0ACC87-AE6C-4465-B43C-549691F57C9A}"/>
+          <p:cNvPr id="16" name="Прямоугольник 15">
+            <a:extLst>
+              <a:ext uri="{FF2B5EF4-FFF2-40B4-BE49-F238E27FC236}">
+                <a16:creationId xmlns:a16="http://schemas.microsoft.com/office/drawing/2014/main" id="{86CB300E-E176-40A0-A058-83211837656F}"/>
               </a:ext>
             </a:extLst>
           </p:cNvPr>
@@ -21448,10 +21935,10 @@
       </p:sp>
       <p:sp>
         <p:nvSpPr>
-          <p:cNvPr id="8" name="Прямоугольник 7">
-            <a:extLst>
-              <a:ext uri="{FF2B5EF4-FFF2-40B4-BE49-F238E27FC236}">
-                <a16:creationId xmlns:a16="http://schemas.microsoft.com/office/drawing/2014/main" id="{19B461E6-D30D-40A3-9408-49362EACF1A6}"/>
+          <p:cNvPr id="17" name="Прямоугольник 16">
+            <a:extLst>
+              <a:ext uri="{FF2B5EF4-FFF2-40B4-BE49-F238E27FC236}">
+                <a16:creationId xmlns:a16="http://schemas.microsoft.com/office/drawing/2014/main" id="{896E5BF8-6A18-421F-B808-0E58361D1FF3}"/>
               </a:ext>
             </a:extLst>
           </p:cNvPr>
@@ -21475,27 +21962,22 @@
           <a:p>
             <a:pPr algn="ctr"/>
             <a:r>
-              <a:rPr lang="en-US" sz="2800" dirty="0">
+              <a:rPr lang="uk-UA" sz="2800" dirty="0">
                 <a:solidFill>
                   <a:schemeClr val="bg1"/>
                 </a:solidFill>
               </a:rPr>
-              <a:t>3</a:t>
-            </a:r>
-            <a:endParaRPr lang="uk-UA" sz="2800" dirty="0">
-              <a:solidFill>
-                <a:schemeClr val="bg1"/>
-              </a:solidFill>
-            </a:endParaRPr>
-          </a:p>
-        </p:txBody>
-      </p:sp>
-      <p:sp>
-        <p:nvSpPr>
-          <p:cNvPr id="9" name="Прямоугольник 8">
-            <a:extLst>
-              <a:ext uri="{FF2B5EF4-FFF2-40B4-BE49-F238E27FC236}">
-                <a16:creationId xmlns:a16="http://schemas.microsoft.com/office/drawing/2014/main" id="{2E4E918A-78A6-465B-B010-58E59D77361C}"/>
+              <a:t>2</a:t>
+            </a:r>
+          </a:p>
+        </p:txBody>
+      </p:sp>
+      <p:sp>
+        <p:nvSpPr>
+          <p:cNvPr id="18" name="Прямоугольник 17">
+            <a:extLst>
+              <a:ext uri="{FF2B5EF4-FFF2-40B4-BE49-F238E27FC236}">
+                <a16:creationId xmlns:a16="http://schemas.microsoft.com/office/drawing/2014/main" id="{5F6363D1-9AD8-4A3A-A21D-675CCB3DAF19}"/>
               </a:ext>
             </a:extLst>
           </p:cNvPr>
@@ -21544,10 +22026,10 @@
       </p:sp>
       <p:sp>
         <p:nvSpPr>
-          <p:cNvPr id="10" name="Прямоугольник 9">
-            <a:extLst>
-              <a:ext uri="{FF2B5EF4-FFF2-40B4-BE49-F238E27FC236}">
-                <a16:creationId xmlns:a16="http://schemas.microsoft.com/office/drawing/2014/main" id="{D6721C36-7C48-448E-8735-6233DB351E82}"/>
+          <p:cNvPr id="19" name="Прямоугольник 18">
+            <a:extLst>
+              <a:ext uri="{FF2B5EF4-FFF2-40B4-BE49-F238E27FC236}">
+                <a16:creationId xmlns:a16="http://schemas.microsoft.com/office/drawing/2014/main" id="{8A7F3CAA-0D24-46D9-8307-71FE398581F8}"/>
               </a:ext>
             </a:extLst>
           </p:cNvPr>
@@ -21571,27 +22053,22 @@
           <a:p>
             <a:pPr algn="ctr"/>
             <a:r>
-              <a:rPr lang="en-US" sz="2800" dirty="0">
+              <a:rPr lang="uk-UA" sz="2800" dirty="0">
                 <a:solidFill>
                   <a:schemeClr val="bg1"/>
                 </a:solidFill>
               </a:rPr>
-              <a:t>1</a:t>
-            </a:r>
-            <a:endParaRPr lang="uk-UA" sz="2800" dirty="0">
-              <a:solidFill>
-                <a:schemeClr val="bg1"/>
-              </a:solidFill>
-            </a:endParaRPr>
-          </a:p>
-        </p:txBody>
-      </p:sp>
-      <p:sp>
-        <p:nvSpPr>
-          <p:cNvPr id="11" name="Прямоугольник 10">
-            <a:extLst>
-              <a:ext uri="{FF2B5EF4-FFF2-40B4-BE49-F238E27FC236}">
-                <a16:creationId xmlns:a16="http://schemas.microsoft.com/office/drawing/2014/main" id="{53C1E387-EE81-4F6A-A93D-5E13F71E3C38}"/>
+              <a:t>3</a:t>
+            </a:r>
+          </a:p>
+        </p:txBody>
+      </p:sp>
+      <p:sp>
+        <p:nvSpPr>
+          <p:cNvPr id="20" name="Прямоугольник 19">
+            <a:extLst>
+              <a:ext uri="{FF2B5EF4-FFF2-40B4-BE49-F238E27FC236}">
+                <a16:creationId xmlns:a16="http://schemas.microsoft.com/office/drawing/2014/main" id="{4334FD56-B1AB-4EC1-95AE-56D194B27E88}"/>
               </a:ext>
             </a:extLst>
           </p:cNvPr>
@@ -21640,10 +22117,10 @@
       </p:sp>
       <p:sp>
         <p:nvSpPr>
-          <p:cNvPr id="12" name="Прямоугольник 11">
-            <a:extLst>
-              <a:ext uri="{FF2B5EF4-FFF2-40B4-BE49-F238E27FC236}">
-                <a16:creationId xmlns:a16="http://schemas.microsoft.com/office/drawing/2014/main" id="{3389C7F0-3B43-4AB6-8C75-8841E79313F6}"/>
+          <p:cNvPr id="21" name="Прямоугольник 20">
+            <a:extLst>
+              <a:ext uri="{FF2B5EF4-FFF2-40B4-BE49-F238E27FC236}">
+                <a16:creationId xmlns:a16="http://schemas.microsoft.com/office/drawing/2014/main" id="{8DB062B5-B9BF-477D-AAF8-4D23425CF0B7}"/>
               </a:ext>
             </a:extLst>
           </p:cNvPr>
@@ -21667,235 +22144,20 @@
           <a:p>
             <a:pPr algn="ctr"/>
             <a:r>
-              <a:rPr lang="en-US" sz="2800" dirty="0">
+              <a:rPr lang="uk-UA" sz="2800" dirty="0">
                 <a:solidFill>
                   <a:schemeClr val="bg1"/>
                 </a:solidFill>
               </a:rPr>
-              <a:t>2</a:t>
-            </a:r>
-            <a:endParaRPr lang="uk-UA" sz="2800" dirty="0">
-              <a:solidFill>
-                <a:schemeClr val="bg1"/>
-              </a:solidFill>
-            </a:endParaRPr>
-          </a:p>
-        </p:txBody>
-      </p:sp>
-      <p:sp>
-        <p:nvSpPr>
-          <p:cNvPr id="13" name="TextBox 12">
-            <a:extLst>
-              <a:ext uri="{FF2B5EF4-FFF2-40B4-BE49-F238E27FC236}">
-                <a16:creationId xmlns:a16="http://schemas.microsoft.com/office/drawing/2014/main" id="{D3B81E33-3791-4A97-975D-5F693E6BEDAF}"/>
-              </a:ext>
-            </a:extLst>
-          </p:cNvPr>
-          <p:cNvSpPr txBox="1"/>
-          <p:nvPr/>
-        </p:nvSpPr>
-        <p:spPr>
-          <a:xfrm>
-            <a:off x="685799" y="1771343"/>
-            <a:ext cx="1203961" cy="923330"/>
-          </a:xfrm>
-          <a:prstGeom prst="rect">
-            <a:avLst/>
-          </a:prstGeom>
-          <a:noFill/>
-        </p:spPr>
-        <p:txBody>
-          <a:bodyPr wrap="square" rtlCol="0">
-            <a:spAutoFit/>
-          </a:bodyPr>
-          <a:lstStyle/>
-          <a:p>
-            <a:r>
-              <a:rPr lang="en-US" dirty="0">
-                <a:latin typeface="Open Sans" panose="020B0604020202020204" charset="0"/>
-                <a:ea typeface="Open Sans" panose="020B0604020202020204" charset="0"/>
-                <a:cs typeface="Open Sans" panose="020B0604020202020204" charset="0"/>
-              </a:rPr>
-              <a:t>.item-1 {</a:t>
-            </a:r>
-            <a:br>
-              <a:rPr lang="en-US" dirty="0">
-                <a:latin typeface="Open Sans" panose="020B0604020202020204" charset="0"/>
-                <a:ea typeface="Open Sans" panose="020B0604020202020204" charset="0"/>
-                <a:cs typeface="Open Sans" panose="020B0604020202020204" charset="0"/>
-              </a:rPr>
-            </a:br>
-            <a:r>
-              <a:rPr lang="en-US" dirty="0">
-                <a:latin typeface="Open Sans" panose="020B0604020202020204" charset="0"/>
-                <a:ea typeface="Open Sans" panose="020B0604020202020204" charset="0"/>
-                <a:cs typeface="Open Sans" panose="020B0604020202020204" charset="0"/>
-              </a:rPr>
-              <a:t>  order: 1;</a:t>
-            </a:r>
-            <a:br>
-              <a:rPr lang="en-US" dirty="0">
-                <a:latin typeface="Open Sans" panose="020B0604020202020204" charset="0"/>
-                <a:ea typeface="Open Sans" panose="020B0604020202020204" charset="0"/>
-                <a:cs typeface="Open Sans" panose="020B0604020202020204" charset="0"/>
-              </a:rPr>
-            </a:br>
-            <a:r>
-              <a:rPr lang="en-US" dirty="0">
-                <a:latin typeface="Open Sans" panose="020B0604020202020204" charset="0"/>
-                <a:ea typeface="Open Sans" panose="020B0604020202020204" charset="0"/>
-                <a:cs typeface="Open Sans" panose="020B0604020202020204" charset="0"/>
-              </a:rPr>
-              <a:t>}</a:t>
-            </a:r>
-            <a:endParaRPr lang="uk-UA" dirty="0"/>
-          </a:p>
-        </p:txBody>
-      </p:sp>
-      <p:sp>
-        <p:nvSpPr>
-          <p:cNvPr id="14" name="TextBox 13">
-            <a:extLst>
-              <a:ext uri="{FF2B5EF4-FFF2-40B4-BE49-F238E27FC236}">
-                <a16:creationId xmlns:a16="http://schemas.microsoft.com/office/drawing/2014/main" id="{B5113DC9-D440-4E84-A2EE-1A19EC234F37}"/>
-              </a:ext>
-            </a:extLst>
-          </p:cNvPr>
-          <p:cNvSpPr txBox="1"/>
-          <p:nvPr/>
-        </p:nvSpPr>
-        <p:spPr>
-          <a:xfrm>
-            <a:off x="2377278" y="1768536"/>
-            <a:ext cx="1203961" cy="923330"/>
-          </a:xfrm>
-          <a:prstGeom prst="rect">
-            <a:avLst/>
-          </a:prstGeom>
-          <a:noFill/>
-        </p:spPr>
-        <p:txBody>
-          <a:bodyPr wrap="square" rtlCol="0">
-            <a:spAutoFit/>
-          </a:bodyPr>
-          <a:lstStyle/>
-          <a:p>
-            <a:r>
-              <a:rPr lang="en-US" dirty="0">
-                <a:latin typeface="Open Sans" panose="020B0604020202020204" charset="0"/>
-                <a:ea typeface="Open Sans" panose="020B0604020202020204" charset="0"/>
-                <a:cs typeface="Open Sans" panose="020B0604020202020204" charset="0"/>
-              </a:rPr>
-              <a:t>.item-2 {</a:t>
-            </a:r>
-            <a:br>
-              <a:rPr lang="en-US" dirty="0">
-                <a:latin typeface="Open Sans" panose="020B0604020202020204" charset="0"/>
-                <a:ea typeface="Open Sans" panose="020B0604020202020204" charset="0"/>
-                <a:cs typeface="Open Sans" panose="020B0604020202020204" charset="0"/>
-              </a:rPr>
-            </a:br>
-            <a:r>
-              <a:rPr lang="en-US" dirty="0">
-                <a:latin typeface="Open Sans" panose="020B0604020202020204" charset="0"/>
-                <a:ea typeface="Open Sans" panose="020B0604020202020204" charset="0"/>
-                <a:cs typeface="Open Sans" panose="020B0604020202020204" charset="0"/>
-              </a:rPr>
-              <a:t>  order: 2;</a:t>
-            </a:r>
-            <a:br>
-              <a:rPr lang="en-US" dirty="0">
-                <a:latin typeface="Open Sans" panose="020B0604020202020204" charset="0"/>
-                <a:ea typeface="Open Sans" panose="020B0604020202020204" charset="0"/>
-                <a:cs typeface="Open Sans" panose="020B0604020202020204" charset="0"/>
-              </a:rPr>
-            </a:br>
-            <a:r>
-              <a:rPr lang="en-US" dirty="0">
-                <a:latin typeface="Open Sans" panose="020B0604020202020204" charset="0"/>
-                <a:ea typeface="Open Sans" panose="020B0604020202020204" charset="0"/>
-                <a:cs typeface="Open Sans" panose="020B0604020202020204" charset="0"/>
-              </a:rPr>
-              <a:t>}</a:t>
-            </a:r>
-            <a:endParaRPr lang="uk-UA" dirty="0"/>
-          </a:p>
-        </p:txBody>
-      </p:sp>
-      <p:sp>
-        <p:nvSpPr>
-          <p:cNvPr id="15" name="TextBox 14">
-            <a:extLst>
-              <a:ext uri="{FF2B5EF4-FFF2-40B4-BE49-F238E27FC236}">
-                <a16:creationId xmlns:a16="http://schemas.microsoft.com/office/drawing/2014/main" id="{C2204ACD-17B1-4B29-AF0E-2D15AFB3B84F}"/>
-              </a:ext>
-            </a:extLst>
-          </p:cNvPr>
-          <p:cNvSpPr txBox="1"/>
-          <p:nvPr/>
-        </p:nvSpPr>
-        <p:spPr>
-          <a:xfrm>
-            <a:off x="4062790" y="1768536"/>
-            <a:ext cx="1410356" cy="923330"/>
-          </a:xfrm>
-          <a:prstGeom prst="rect">
-            <a:avLst/>
-          </a:prstGeom>
-          <a:noFill/>
-        </p:spPr>
-        <p:txBody>
-          <a:bodyPr wrap="square" rtlCol="0">
-            <a:spAutoFit/>
-          </a:bodyPr>
-          <a:lstStyle/>
-          <a:p>
-            <a:r>
-              <a:rPr lang="en-US" dirty="0">
-                <a:latin typeface="Open Sans" panose="020B0604020202020204" charset="0"/>
-                <a:ea typeface="Open Sans" panose="020B0604020202020204" charset="0"/>
-                <a:cs typeface="Open Sans" panose="020B0604020202020204" charset="0"/>
-              </a:rPr>
-              <a:t>.item-4 {</a:t>
-            </a:r>
-            <a:br>
-              <a:rPr lang="en-US" dirty="0">
-                <a:latin typeface="Open Sans" panose="020B0604020202020204" charset="0"/>
-                <a:ea typeface="Open Sans" panose="020B0604020202020204" charset="0"/>
-                <a:cs typeface="Open Sans" panose="020B0604020202020204" charset="0"/>
-              </a:rPr>
-            </a:br>
-            <a:r>
-              <a:rPr lang="en-US" dirty="0">
-                <a:latin typeface="Open Sans" panose="020B0604020202020204" charset="0"/>
-                <a:ea typeface="Open Sans" panose="020B0604020202020204" charset="0"/>
-                <a:cs typeface="Open Sans" panose="020B0604020202020204" charset="0"/>
-              </a:rPr>
-              <a:t>  order: -1;</a:t>
-            </a:r>
-            <a:br>
-              <a:rPr lang="en-US" dirty="0">
-                <a:latin typeface="Open Sans" panose="020B0604020202020204" charset="0"/>
-                <a:ea typeface="Open Sans" panose="020B0604020202020204" charset="0"/>
-                <a:cs typeface="Open Sans" panose="020B0604020202020204" charset="0"/>
-              </a:rPr>
-            </a:br>
-            <a:r>
-              <a:rPr lang="en-US" dirty="0">
-                <a:latin typeface="Open Sans" panose="020B0604020202020204" charset="0"/>
-                <a:ea typeface="Open Sans" panose="020B0604020202020204" charset="0"/>
-                <a:cs typeface="Open Sans" panose="020B0604020202020204" charset="0"/>
-              </a:rPr>
-              <a:t>}</a:t>
-            </a:r>
-            <a:endParaRPr lang="uk-UA" dirty="0"/>
+              <a:t>4</a:t>
+            </a:r>
           </a:p>
         </p:txBody>
       </p:sp>
     </p:spTree>
     <p:extLst>
       <p:ext uri="{BB962C8B-B14F-4D97-AF65-F5344CB8AC3E}">
-        <p14:creationId xmlns:p14="http://schemas.microsoft.com/office/powerpoint/2010/main" val="1600931844"/>
+        <p14:creationId xmlns:p14="http://schemas.microsoft.com/office/powerpoint/2010/main" val="3656603466"/>
       </p:ext>
     </p:extLst>
   </p:cSld>
@@ -21927,6 +22189,728 @@
           <p:cNvPr id="2" name="Заголовок 1">
             <a:extLst>
               <a:ext uri="{FF2B5EF4-FFF2-40B4-BE49-F238E27FC236}">
+                <a16:creationId xmlns:a16="http://schemas.microsoft.com/office/drawing/2014/main" id="{039EEFE2-0E23-40F7-9E20-8D477FC08D62}"/>
+              </a:ext>
+            </a:extLst>
+          </p:cNvPr>
+          <p:cNvSpPr>
+            <a:spLocks noGrp="1"/>
+          </p:cNvSpPr>
+          <p:nvPr>
+            <p:ph type="title"/>
+          </p:nvPr>
+        </p:nvSpPr>
+        <p:spPr/>
+        <p:txBody>
+          <a:bodyPr/>
+          <a:lstStyle/>
+          <a:p>
+            <a:pPr>
+              <a:lnSpc>
+                <a:spcPct val="100000"/>
+              </a:lnSpc>
+            </a:pPr>
+            <a:r>
+              <a:rPr lang="en-US" sz="4000" dirty="0">
+                <a:latin typeface="Proxima Nova Black" panose="020B0604020202020204" charset="0"/>
+                <a:ea typeface="Open Sans" panose="020B0604020202020204" charset="0"/>
+                <a:cs typeface="Open Sans" panose="020B0604020202020204" charset="0"/>
+              </a:rPr>
+              <a:t>Example</a:t>
+            </a:r>
+            <a:endParaRPr lang="uk-UA" sz="4000" dirty="0">
+              <a:latin typeface="Proxima Nova Black" panose="020B0604020202020204" charset="0"/>
+              <a:ea typeface="Open Sans" panose="020B0604020202020204" charset="0"/>
+              <a:cs typeface="Open Sans" panose="020B0604020202020204" charset="0"/>
+            </a:endParaRPr>
+          </a:p>
+        </p:txBody>
+      </p:sp>
+      <p:sp>
+        <p:nvSpPr>
+          <p:cNvPr id="4" name="Прямоугольник 3">
+            <a:extLst>
+              <a:ext uri="{FF2B5EF4-FFF2-40B4-BE49-F238E27FC236}">
+                <a16:creationId xmlns:a16="http://schemas.microsoft.com/office/drawing/2014/main" id="{6FA6ECF7-7002-4B9F-BDC4-2A71456CC132}"/>
+              </a:ext>
+            </a:extLst>
+          </p:cNvPr>
+          <p:cNvSpPr/>
+          <p:nvPr/>
+        </p:nvSpPr>
+        <p:spPr>
+          <a:xfrm>
+            <a:off x="1623392" y="3880545"/>
+            <a:ext cx="1875181" cy="680191"/>
+          </a:xfrm>
+          <a:prstGeom prst="rect">
+            <a:avLst/>
+          </a:prstGeom>
+          <a:solidFill>
+            <a:srgbClr val="0070C0"/>
+          </a:solidFill>
+          <a:ln>
+            <a:noFill/>
+          </a:ln>
+        </p:spPr>
+        <p:style>
+          <a:lnRef idx="2">
+            <a:schemeClr val="accent1">
+              <a:shade val="50000"/>
+            </a:schemeClr>
+          </a:lnRef>
+          <a:fillRef idx="1">
+            <a:schemeClr val="accent1"/>
+          </a:fillRef>
+          <a:effectRef idx="0">
+            <a:schemeClr val="accent1"/>
+          </a:effectRef>
+          <a:fontRef idx="minor">
+            <a:schemeClr val="lt1"/>
+          </a:fontRef>
+        </p:style>
+        <p:txBody>
+          <a:bodyPr rtlCol="0" anchor="ctr"/>
+          <a:lstStyle/>
+          <a:p>
+            <a:pPr algn="ctr"/>
+            <a:endParaRPr lang="uk-UA"/>
+          </a:p>
+        </p:txBody>
+      </p:sp>
+      <p:sp>
+        <p:nvSpPr>
+          <p:cNvPr id="5" name="Прямоугольник 4">
+            <a:extLst>
+              <a:ext uri="{FF2B5EF4-FFF2-40B4-BE49-F238E27FC236}">
+                <a16:creationId xmlns:a16="http://schemas.microsoft.com/office/drawing/2014/main" id="{ADC2E251-C576-46C7-86E9-D3927A953977}"/>
+              </a:ext>
+            </a:extLst>
+          </p:cNvPr>
+          <p:cNvSpPr/>
+          <p:nvPr/>
+        </p:nvSpPr>
+        <p:spPr>
+          <a:xfrm>
+            <a:off x="1524000" y="3780217"/>
+            <a:ext cx="9144000" cy="883223"/>
+          </a:xfrm>
+          <a:prstGeom prst="rect">
+            <a:avLst/>
+          </a:prstGeom>
+          <a:noFill/>
+          <a:ln w="28575">
+            <a:solidFill>
+              <a:schemeClr val="tx1"/>
+            </a:solidFill>
+          </a:ln>
+        </p:spPr>
+        <p:style>
+          <a:lnRef idx="2">
+            <a:schemeClr val="accent1">
+              <a:shade val="50000"/>
+            </a:schemeClr>
+          </a:lnRef>
+          <a:fillRef idx="1">
+            <a:schemeClr val="accent1"/>
+          </a:fillRef>
+          <a:effectRef idx="0">
+            <a:schemeClr val="accent1"/>
+          </a:effectRef>
+          <a:fontRef idx="minor">
+            <a:schemeClr val="lt1"/>
+          </a:fontRef>
+        </p:style>
+        <p:txBody>
+          <a:bodyPr rtlCol="0" anchor="ctr"/>
+          <a:lstStyle/>
+          <a:p>
+            <a:pPr algn="ctr"/>
+            <a:endParaRPr lang="uk-UA" dirty="0">
+              <a:solidFill>
+                <a:schemeClr val="tx1"/>
+              </a:solidFill>
+            </a:endParaRPr>
+          </a:p>
+        </p:txBody>
+      </p:sp>
+      <p:sp>
+        <p:nvSpPr>
+          <p:cNvPr id="6" name="Прямоугольник 5">
+            <a:extLst>
+              <a:ext uri="{FF2B5EF4-FFF2-40B4-BE49-F238E27FC236}">
+                <a16:creationId xmlns:a16="http://schemas.microsoft.com/office/drawing/2014/main" id="{C36EA5D6-E943-46BB-BD1E-E06878A04864}"/>
+              </a:ext>
+            </a:extLst>
+          </p:cNvPr>
+          <p:cNvSpPr/>
+          <p:nvPr/>
+        </p:nvSpPr>
+        <p:spPr>
+          <a:xfrm>
+            <a:off x="2377278" y="3959030"/>
+            <a:ext cx="367408" cy="523220"/>
+          </a:xfrm>
+          <a:prstGeom prst="rect">
+            <a:avLst/>
+          </a:prstGeom>
+        </p:spPr>
+        <p:txBody>
+          <a:bodyPr wrap="none">
+            <a:spAutoFit/>
+          </a:bodyPr>
+          <a:lstStyle/>
+          <a:p>
+            <a:pPr algn="ctr"/>
+            <a:r>
+              <a:rPr lang="en-US" sz="2800" dirty="0">
+                <a:solidFill>
+                  <a:schemeClr val="bg1"/>
+                </a:solidFill>
+              </a:rPr>
+              <a:t>4</a:t>
+            </a:r>
+            <a:endParaRPr lang="uk-UA" sz="2800" dirty="0">
+              <a:solidFill>
+                <a:schemeClr val="bg1"/>
+              </a:solidFill>
+            </a:endParaRPr>
+          </a:p>
+        </p:txBody>
+      </p:sp>
+      <p:sp>
+        <p:nvSpPr>
+          <p:cNvPr id="7" name="Прямоугольник 6">
+            <a:extLst>
+              <a:ext uri="{FF2B5EF4-FFF2-40B4-BE49-F238E27FC236}">
+                <a16:creationId xmlns:a16="http://schemas.microsoft.com/office/drawing/2014/main" id="{AF0ACC87-AE6C-4465-B43C-549691F57C9A}"/>
+              </a:ext>
+            </a:extLst>
+          </p:cNvPr>
+          <p:cNvSpPr/>
+          <p:nvPr/>
+        </p:nvSpPr>
+        <p:spPr>
+          <a:xfrm>
+            <a:off x="3597965" y="3881572"/>
+            <a:ext cx="1875181" cy="680191"/>
+          </a:xfrm>
+          <a:prstGeom prst="rect">
+            <a:avLst/>
+          </a:prstGeom>
+          <a:solidFill>
+            <a:srgbClr val="0070C0"/>
+          </a:solidFill>
+          <a:ln>
+            <a:noFill/>
+          </a:ln>
+        </p:spPr>
+        <p:style>
+          <a:lnRef idx="2">
+            <a:schemeClr val="accent1">
+              <a:shade val="50000"/>
+            </a:schemeClr>
+          </a:lnRef>
+          <a:fillRef idx="1">
+            <a:schemeClr val="accent1"/>
+          </a:fillRef>
+          <a:effectRef idx="0">
+            <a:schemeClr val="accent1"/>
+          </a:effectRef>
+          <a:fontRef idx="minor">
+            <a:schemeClr val="lt1"/>
+          </a:fontRef>
+        </p:style>
+        <p:txBody>
+          <a:bodyPr rtlCol="0" anchor="ctr"/>
+          <a:lstStyle/>
+          <a:p>
+            <a:pPr algn="ctr"/>
+            <a:endParaRPr lang="uk-UA"/>
+          </a:p>
+        </p:txBody>
+      </p:sp>
+      <p:sp>
+        <p:nvSpPr>
+          <p:cNvPr id="8" name="Прямоугольник 7">
+            <a:extLst>
+              <a:ext uri="{FF2B5EF4-FFF2-40B4-BE49-F238E27FC236}">
+                <a16:creationId xmlns:a16="http://schemas.microsoft.com/office/drawing/2014/main" id="{19B461E6-D30D-40A3-9408-49362EACF1A6}"/>
+              </a:ext>
+            </a:extLst>
+          </p:cNvPr>
+          <p:cNvSpPr/>
+          <p:nvPr/>
+        </p:nvSpPr>
+        <p:spPr>
+          <a:xfrm>
+            <a:off x="4351851" y="3960057"/>
+            <a:ext cx="367408" cy="523220"/>
+          </a:xfrm>
+          <a:prstGeom prst="rect">
+            <a:avLst/>
+          </a:prstGeom>
+        </p:spPr>
+        <p:txBody>
+          <a:bodyPr wrap="none">
+            <a:spAutoFit/>
+          </a:bodyPr>
+          <a:lstStyle/>
+          <a:p>
+            <a:pPr algn="ctr"/>
+            <a:r>
+              <a:rPr lang="en-US" sz="2800" dirty="0">
+                <a:solidFill>
+                  <a:schemeClr val="bg1"/>
+                </a:solidFill>
+              </a:rPr>
+              <a:t>3</a:t>
+            </a:r>
+            <a:endParaRPr lang="uk-UA" sz="2800" dirty="0">
+              <a:solidFill>
+                <a:schemeClr val="bg1"/>
+              </a:solidFill>
+            </a:endParaRPr>
+          </a:p>
+        </p:txBody>
+      </p:sp>
+      <p:sp>
+        <p:nvSpPr>
+          <p:cNvPr id="9" name="Прямоугольник 8">
+            <a:extLst>
+              <a:ext uri="{FF2B5EF4-FFF2-40B4-BE49-F238E27FC236}">
+                <a16:creationId xmlns:a16="http://schemas.microsoft.com/office/drawing/2014/main" id="{2E4E918A-78A6-465B-B010-58E59D77361C}"/>
+              </a:ext>
+            </a:extLst>
+          </p:cNvPr>
+          <p:cNvSpPr/>
+          <p:nvPr/>
+        </p:nvSpPr>
+        <p:spPr>
+          <a:xfrm>
+            <a:off x="5572538" y="3880545"/>
+            <a:ext cx="1875181" cy="680191"/>
+          </a:xfrm>
+          <a:prstGeom prst="rect">
+            <a:avLst/>
+          </a:prstGeom>
+          <a:solidFill>
+            <a:srgbClr val="0070C0"/>
+          </a:solidFill>
+          <a:ln>
+            <a:noFill/>
+          </a:ln>
+        </p:spPr>
+        <p:style>
+          <a:lnRef idx="2">
+            <a:schemeClr val="accent1">
+              <a:shade val="50000"/>
+            </a:schemeClr>
+          </a:lnRef>
+          <a:fillRef idx="1">
+            <a:schemeClr val="accent1"/>
+          </a:fillRef>
+          <a:effectRef idx="0">
+            <a:schemeClr val="accent1"/>
+          </a:effectRef>
+          <a:fontRef idx="minor">
+            <a:schemeClr val="lt1"/>
+          </a:fontRef>
+        </p:style>
+        <p:txBody>
+          <a:bodyPr rtlCol="0" anchor="ctr"/>
+          <a:lstStyle/>
+          <a:p>
+            <a:pPr algn="ctr"/>
+            <a:endParaRPr lang="uk-UA"/>
+          </a:p>
+        </p:txBody>
+      </p:sp>
+      <p:sp>
+        <p:nvSpPr>
+          <p:cNvPr id="10" name="Прямоугольник 9">
+            <a:extLst>
+              <a:ext uri="{FF2B5EF4-FFF2-40B4-BE49-F238E27FC236}">
+                <a16:creationId xmlns:a16="http://schemas.microsoft.com/office/drawing/2014/main" id="{D6721C36-7C48-448E-8735-6233DB351E82}"/>
+              </a:ext>
+            </a:extLst>
+          </p:cNvPr>
+          <p:cNvSpPr/>
+          <p:nvPr/>
+        </p:nvSpPr>
+        <p:spPr>
+          <a:xfrm>
+            <a:off x="6326424" y="3959030"/>
+            <a:ext cx="367408" cy="523220"/>
+          </a:xfrm>
+          <a:prstGeom prst="rect">
+            <a:avLst/>
+          </a:prstGeom>
+        </p:spPr>
+        <p:txBody>
+          <a:bodyPr wrap="none">
+            <a:spAutoFit/>
+          </a:bodyPr>
+          <a:lstStyle/>
+          <a:p>
+            <a:pPr algn="ctr"/>
+            <a:r>
+              <a:rPr lang="en-US" sz="2800" dirty="0">
+                <a:solidFill>
+                  <a:schemeClr val="bg1"/>
+                </a:solidFill>
+              </a:rPr>
+              <a:t>1</a:t>
+            </a:r>
+            <a:endParaRPr lang="uk-UA" sz="2800" dirty="0">
+              <a:solidFill>
+                <a:schemeClr val="bg1"/>
+              </a:solidFill>
+            </a:endParaRPr>
+          </a:p>
+        </p:txBody>
+      </p:sp>
+      <p:sp>
+        <p:nvSpPr>
+          <p:cNvPr id="11" name="Прямоугольник 10">
+            <a:extLst>
+              <a:ext uri="{FF2B5EF4-FFF2-40B4-BE49-F238E27FC236}">
+                <a16:creationId xmlns:a16="http://schemas.microsoft.com/office/drawing/2014/main" id="{53C1E387-EE81-4F6A-A93D-5E13F71E3C38}"/>
+              </a:ext>
+            </a:extLst>
+          </p:cNvPr>
+          <p:cNvSpPr/>
+          <p:nvPr/>
+        </p:nvSpPr>
+        <p:spPr>
+          <a:xfrm>
+            <a:off x="7547111" y="3880545"/>
+            <a:ext cx="1875181" cy="680191"/>
+          </a:xfrm>
+          <a:prstGeom prst="rect">
+            <a:avLst/>
+          </a:prstGeom>
+          <a:solidFill>
+            <a:srgbClr val="0070C0"/>
+          </a:solidFill>
+          <a:ln>
+            <a:noFill/>
+          </a:ln>
+        </p:spPr>
+        <p:style>
+          <a:lnRef idx="2">
+            <a:schemeClr val="accent1">
+              <a:shade val="50000"/>
+            </a:schemeClr>
+          </a:lnRef>
+          <a:fillRef idx="1">
+            <a:schemeClr val="accent1"/>
+          </a:fillRef>
+          <a:effectRef idx="0">
+            <a:schemeClr val="accent1"/>
+          </a:effectRef>
+          <a:fontRef idx="minor">
+            <a:schemeClr val="lt1"/>
+          </a:fontRef>
+        </p:style>
+        <p:txBody>
+          <a:bodyPr rtlCol="0" anchor="ctr"/>
+          <a:lstStyle/>
+          <a:p>
+            <a:pPr algn="ctr"/>
+            <a:endParaRPr lang="uk-UA"/>
+          </a:p>
+        </p:txBody>
+      </p:sp>
+      <p:sp>
+        <p:nvSpPr>
+          <p:cNvPr id="12" name="Прямоугольник 11">
+            <a:extLst>
+              <a:ext uri="{FF2B5EF4-FFF2-40B4-BE49-F238E27FC236}">
+                <a16:creationId xmlns:a16="http://schemas.microsoft.com/office/drawing/2014/main" id="{3389C7F0-3B43-4AB6-8C75-8841E79313F6}"/>
+              </a:ext>
+            </a:extLst>
+          </p:cNvPr>
+          <p:cNvSpPr/>
+          <p:nvPr/>
+        </p:nvSpPr>
+        <p:spPr>
+          <a:xfrm>
+            <a:off x="8300997" y="3959030"/>
+            <a:ext cx="367408" cy="523220"/>
+          </a:xfrm>
+          <a:prstGeom prst="rect">
+            <a:avLst/>
+          </a:prstGeom>
+        </p:spPr>
+        <p:txBody>
+          <a:bodyPr wrap="none">
+            <a:spAutoFit/>
+          </a:bodyPr>
+          <a:lstStyle/>
+          <a:p>
+            <a:pPr algn="ctr"/>
+            <a:r>
+              <a:rPr lang="en-US" sz="2800" dirty="0">
+                <a:solidFill>
+                  <a:schemeClr val="bg1"/>
+                </a:solidFill>
+              </a:rPr>
+              <a:t>2</a:t>
+            </a:r>
+            <a:endParaRPr lang="uk-UA" sz="2800" dirty="0">
+              <a:solidFill>
+                <a:schemeClr val="bg1"/>
+              </a:solidFill>
+            </a:endParaRPr>
+          </a:p>
+        </p:txBody>
+      </p:sp>
+      <p:sp>
+        <p:nvSpPr>
+          <p:cNvPr id="13" name="TextBox 12">
+            <a:extLst>
+              <a:ext uri="{FF2B5EF4-FFF2-40B4-BE49-F238E27FC236}">
+                <a16:creationId xmlns:a16="http://schemas.microsoft.com/office/drawing/2014/main" id="{D3B81E33-3791-4A97-975D-5F693E6BEDAF}"/>
+              </a:ext>
+            </a:extLst>
+          </p:cNvPr>
+          <p:cNvSpPr txBox="1"/>
+          <p:nvPr/>
+        </p:nvSpPr>
+        <p:spPr>
+          <a:xfrm>
+            <a:off x="685799" y="1771343"/>
+            <a:ext cx="1203961" cy="923330"/>
+          </a:xfrm>
+          <a:prstGeom prst="rect">
+            <a:avLst/>
+          </a:prstGeom>
+          <a:noFill/>
+        </p:spPr>
+        <p:txBody>
+          <a:bodyPr wrap="square" rtlCol="0">
+            <a:spAutoFit/>
+          </a:bodyPr>
+          <a:lstStyle/>
+          <a:p>
+            <a:r>
+              <a:rPr lang="en-US" dirty="0">
+                <a:latin typeface="Open Sans" panose="020B0604020202020204" charset="0"/>
+                <a:ea typeface="Open Sans" panose="020B0604020202020204" charset="0"/>
+                <a:cs typeface="Open Sans" panose="020B0604020202020204" charset="0"/>
+              </a:rPr>
+              <a:t>.item-1 {</a:t>
+            </a:r>
+            <a:br>
+              <a:rPr lang="en-US" dirty="0">
+                <a:latin typeface="Open Sans" panose="020B0604020202020204" charset="0"/>
+                <a:ea typeface="Open Sans" panose="020B0604020202020204" charset="0"/>
+                <a:cs typeface="Open Sans" panose="020B0604020202020204" charset="0"/>
+              </a:rPr>
+            </a:br>
+            <a:r>
+              <a:rPr lang="en-US" dirty="0">
+                <a:latin typeface="Open Sans" panose="020B0604020202020204" charset="0"/>
+                <a:ea typeface="Open Sans" panose="020B0604020202020204" charset="0"/>
+                <a:cs typeface="Open Sans" panose="020B0604020202020204" charset="0"/>
+              </a:rPr>
+              <a:t>  order: 1;</a:t>
+            </a:r>
+            <a:br>
+              <a:rPr lang="en-US" dirty="0">
+                <a:latin typeface="Open Sans" panose="020B0604020202020204" charset="0"/>
+                <a:ea typeface="Open Sans" panose="020B0604020202020204" charset="0"/>
+                <a:cs typeface="Open Sans" panose="020B0604020202020204" charset="0"/>
+              </a:rPr>
+            </a:br>
+            <a:r>
+              <a:rPr lang="en-US" dirty="0">
+                <a:latin typeface="Open Sans" panose="020B0604020202020204" charset="0"/>
+                <a:ea typeface="Open Sans" panose="020B0604020202020204" charset="0"/>
+                <a:cs typeface="Open Sans" panose="020B0604020202020204" charset="0"/>
+              </a:rPr>
+              <a:t>}</a:t>
+            </a:r>
+            <a:endParaRPr lang="uk-UA" dirty="0"/>
+          </a:p>
+        </p:txBody>
+      </p:sp>
+      <p:sp>
+        <p:nvSpPr>
+          <p:cNvPr id="14" name="TextBox 13">
+            <a:extLst>
+              <a:ext uri="{FF2B5EF4-FFF2-40B4-BE49-F238E27FC236}">
+                <a16:creationId xmlns:a16="http://schemas.microsoft.com/office/drawing/2014/main" id="{B5113DC9-D440-4E84-A2EE-1A19EC234F37}"/>
+              </a:ext>
+            </a:extLst>
+          </p:cNvPr>
+          <p:cNvSpPr txBox="1"/>
+          <p:nvPr/>
+        </p:nvSpPr>
+        <p:spPr>
+          <a:xfrm>
+            <a:off x="2377278" y="1768536"/>
+            <a:ext cx="1203961" cy="923330"/>
+          </a:xfrm>
+          <a:prstGeom prst="rect">
+            <a:avLst/>
+          </a:prstGeom>
+          <a:noFill/>
+        </p:spPr>
+        <p:txBody>
+          <a:bodyPr wrap="square" rtlCol="0">
+            <a:spAutoFit/>
+          </a:bodyPr>
+          <a:lstStyle/>
+          <a:p>
+            <a:r>
+              <a:rPr lang="en-US" dirty="0">
+                <a:latin typeface="Open Sans" panose="020B0604020202020204" charset="0"/>
+                <a:ea typeface="Open Sans" panose="020B0604020202020204" charset="0"/>
+                <a:cs typeface="Open Sans" panose="020B0604020202020204" charset="0"/>
+              </a:rPr>
+              <a:t>.item-2 {</a:t>
+            </a:r>
+            <a:br>
+              <a:rPr lang="en-US" dirty="0">
+                <a:latin typeface="Open Sans" panose="020B0604020202020204" charset="0"/>
+                <a:ea typeface="Open Sans" panose="020B0604020202020204" charset="0"/>
+                <a:cs typeface="Open Sans" panose="020B0604020202020204" charset="0"/>
+              </a:rPr>
+            </a:br>
+            <a:r>
+              <a:rPr lang="en-US" dirty="0">
+                <a:latin typeface="Open Sans" panose="020B0604020202020204" charset="0"/>
+                <a:ea typeface="Open Sans" panose="020B0604020202020204" charset="0"/>
+                <a:cs typeface="Open Sans" panose="020B0604020202020204" charset="0"/>
+              </a:rPr>
+              <a:t>  order: 2;</a:t>
+            </a:r>
+            <a:br>
+              <a:rPr lang="en-US" dirty="0">
+                <a:latin typeface="Open Sans" panose="020B0604020202020204" charset="0"/>
+                <a:ea typeface="Open Sans" panose="020B0604020202020204" charset="0"/>
+                <a:cs typeface="Open Sans" panose="020B0604020202020204" charset="0"/>
+              </a:rPr>
+            </a:br>
+            <a:r>
+              <a:rPr lang="en-US" dirty="0">
+                <a:latin typeface="Open Sans" panose="020B0604020202020204" charset="0"/>
+                <a:ea typeface="Open Sans" panose="020B0604020202020204" charset="0"/>
+                <a:cs typeface="Open Sans" panose="020B0604020202020204" charset="0"/>
+              </a:rPr>
+              <a:t>}</a:t>
+            </a:r>
+            <a:endParaRPr lang="uk-UA" dirty="0"/>
+          </a:p>
+        </p:txBody>
+      </p:sp>
+      <p:sp>
+        <p:nvSpPr>
+          <p:cNvPr id="15" name="TextBox 14">
+            <a:extLst>
+              <a:ext uri="{FF2B5EF4-FFF2-40B4-BE49-F238E27FC236}">
+                <a16:creationId xmlns:a16="http://schemas.microsoft.com/office/drawing/2014/main" id="{C2204ACD-17B1-4B29-AF0E-2D15AFB3B84F}"/>
+              </a:ext>
+            </a:extLst>
+          </p:cNvPr>
+          <p:cNvSpPr txBox="1"/>
+          <p:nvPr/>
+        </p:nvSpPr>
+        <p:spPr>
+          <a:xfrm>
+            <a:off x="4062790" y="1768536"/>
+            <a:ext cx="1410356" cy="923330"/>
+          </a:xfrm>
+          <a:prstGeom prst="rect">
+            <a:avLst/>
+          </a:prstGeom>
+          <a:noFill/>
+        </p:spPr>
+        <p:txBody>
+          <a:bodyPr wrap="square" rtlCol="0">
+            <a:spAutoFit/>
+          </a:bodyPr>
+          <a:lstStyle/>
+          <a:p>
+            <a:r>
+              <a:rPr lang="en-US" dirty="0">
+                <a:latin typeface="Open Sans" panose="020B0604020202020204" charset="0"/>
+                <a:ea typeface="Open Sans" panose="020B0604020202020204" charset="0"/>
+                <a:cs typeface="Open Sans" panose="020B0604020202020204" charset="0"/>
+              </a:rPr>
+              <a:t>.item-4 {</a:t>
+            </a:r>
+            <a:br>
+              <a:rPr lang="en-US" dirty="0">
+                <a:latin typeface="Open Sans" panose="020B0604020202020204" charset="0"/>
+                <a:ea typeface="Open Sans" panose="020B0604020202020204" charset="0"/>
+                <a:cs typeface="Open Sans" panose="020B0604020202020204" charset="0"/>
+              </a:rPr>
+            </a:br>
+            <a:r>
+              <a:rPr lang="en-US" dirty="0">
+                <a:latin typeface="Open Sans" panose="020B0604020202020204" charset="0"/>
+                <a:ea typeface="Open Sans" panose="020B0604020202020204" charset="0"/>
+                <a:cs typeface="Open Sans" panose="020B0604020202020204" charset="0"/>
+              </a:rPr>
+              <a:t>  order: -1;</a:t>
+            </a:r>
+            <a:br>
+              <a:rPr lang="en-US" dirty="0">
+                <a:latin typeface="Open Sans" panose="020B0604020202020204" charset="0"/>
+                <a:ea typeface="Open Sans" panose="020B0604020202020204" charset="0"/>
+                <a:cs typeface="Open Sans" panose="020B0604020202020204" charset="0"/>
+              </a:rPr>
+            </a:br>
+            <a:r>
+              <a:rPr lang="en-US" dirty="0">
+                <a:latin typeface="Open Sans" panose="020B0604020202020204" charset="0"/>
+                <a:ea typeface="Open Sans" panose="020B0604020202020204" charset="0"/>
+                <a:cs typeface="Open Sans" panose="020B0604020202020204" charset="0"/>
+              </a:rPr>
+              <a:t>}</a:t>
+            </a:r>
+            <a:endParaRPr lang="uk-UA" dirty="0"/>
+          </a:p>
+        </p:txBody>
+      </p:sp>
+    </p:spTree>
+    <p:extLst>
+      <p:ext uri="{BB962C8B-B14F-4D97-AF65-F5344CB8AC3E}">
+        <p14:creationId xmlns:p14="http://schemas.microsoft.com/office/powerpoint/2010/main" val="1600931844"/>
+      </p:ext>
+    </p:extLst>
+  </p:cSld>
+  <p:clrMapOvr>
+    <a:masterClrMapping/>
+  </p:clrMapOvr>
+</p:sld>
+</file>
+
+<file path=ppt/slides/slide38.xml><?xml version="1.0" encoding="utf-8"?>
+<p:sld xmlns:a="http://schemas.openxmlformats.org/drawingml/2006/main" xmlns:r="http://schemas.openxmlformats.org/officeDocument/2006/relationships" xmlns:p="http://schemas.openxmlformats.org/presentationml/2006/main">
+  <p:cSld>
+    <p:spTree>
+      <p:nvGrpSpPr>
+        <p:cNvPr id="1" name=""/>
+        <p:cNvGrpSpPr/>
+        <p:nvPr/>
+      </p:nvGrpSpPr>
+      <p:grpSpPr>
+        <a:xfrm>
+          <a:off x="0" y="0"/>
+          <a:ext cx="0" cy="0"/>
+          <a:chOff x="0" y="0"/>
+          <a:chExt cx="0" cy="0"/>
+        </a:xfrm>
+      </p:grpSpPr>
+      <p:sp>
+        <p:nvSpPr>
+          <p:cNvPr id="2" name="Заголовок 1">
+            <a:extLst>
+              <a:ext uri="{FF2B5EF4-FFF2-40B4-BE49-F238E27FC236}">
                 <a16:creationId xmlns:a16="http://schemas.microsoft.com/office/drawing/2014/main" id="{C5829CC8-2891-4B00-9392-DDD97C060743}"/>
               </a:ext>
             </a:extLst>
@@ -22393,7 +23377,7 @@
 </p:sld>
 </file>
 
-<file path=ppt/slides/slide38.xml><?xml version="1.0" encoding="utf-8"?>
+<file path=ppt/slides/slide39.xml><?xml version="1.0" encoding="utf-8"?>
 <p:sld xmlns:a="http://schemas.openxmlformats.org/drawingml/2006/main" xmlns:r="http://schemas.openxmlformats.org/officeDocument/2006/relationships" xmlns:p="http://schemas.openxmlformats.org/presentationml/2006/main">
   <p:cSld>
     <p:spTree>
@@ -22499,7 +23483,29 @@
               <a:rPr lang="en-US" sz="4400" dirty="0"/>
               <a:t>Flex container</a:t>
             </a:r>
-            <a:endParaRPr lang="uk-UA" sz="4400" dirty="0"/>
+            <a:br>
+              <a:rPr lang="uk-UA" sz="4400" dirty="0"/>
+            </a:br>
+            <a:r>
+              <a:rPr lang="en-US" sz="2400" dirty="0">
+                <a:latin typeface="Open Sans" panose="020B0604020202020204" charset="0"/>
+                <a:ea typeface="Open Sans" panose="020B0604020202020204" charset="0"/>
+                <a:cs typeface="Open Sans" panose="020B0604020202020204" charset="0"/>
+              </a:rPr>
+              <a:t>To start with, we need to select which elements are to be laid out as flexible boxes. To do this, we set a special value of display on the parent element of the elements you want to affect.</a:t>
+            </a:r>
+            <a:br>
+              <a:rPr lang="uk-UA" sz="2400" dirty="0">
+                <a:latin typeface="Open Sans" panose="020B0604020202020204" charset="0"/>
+                <a:ea typeface="Open Sans" panose="020B0604020202020204" charset="0"/>
+                <a:cs typeface="Open Sans" panose="020B0604020202020204" charset="0"/>
+              </a:rPr>
+            </a:br>
+            <a:endParaRPr lang="uk-UA" sz="2400" dirty="0">
+              <a:latin typeface="Open Sans" panose="020B0604020202020204" charset="0"/>
+              <a:ea typeface="Open Sans" panose="020B0604020202020204" charset="0"/>
+              <a:cs typeface="Open Sans" panose="020B0604020202020204" charset="0"/>
+            </a:endParaRPr>
           </a:p>
         </p:txBody>
       </p:sp>
@@ -22517,8 +23523,8 @@
         </p:nvSpPr>
         <p:spPr>
           <a:xfrm>
-            <a:off x="1524000" y="2425148"/>
-            <a:ext cx="9144000" cy="3061252"/>
+            <a:off x="1524000" y="2723744"/>
+            <a:ext cx="9144000" cy="2762655"/>
           </a:xfrm>
           <a:prstGeom prst="rect">
             <a:avLst/>
@@ -22794,9 +23800,7 @@
             <a:srgbClr val="0070C0"/>
           </a:solidFill>
           <a:ln w="28575">
-            <a:solidFill>
-              <a:schemeClr val="tx1"/>
-            </a:solidFill>
+            <a:noFill/>
           </a:ln>
         </p:spPr>
         <p:style>
@@ -22852,9 +23856,7 @@
             <a:srgbClr val="0070C0"/>
           </a:solidFill>
           <a:ln w="28575">
-            <a:solidFill>
-              <a:schemeClr val="tx1"/>
-            </a:solidFill>
+            <a:noFill/>
           </a:ln>
         </p:spPr>
         <p:style>
@@ -22910,9 +23912,7 @@
             <a:srgbClr val="0070C0"/>
           </a:solidFill>
           <a:ln w="28575">
-            <a:solidFill>
-              <a:schemeClr val="tx1"/>
-            </a:solidFill>
+            <a:noFill/>
           </a:ln>
         </p:spPr>
         <p:style>
@@ -25267,9 +26267,7 @@
             <a:srgbClr val="0070C0"/>
           </a:solidFill>
           <a:ln w="28575">
-            <a:solidFill>
-              <a:schemeClr val="tx1"/>
-            </a:solidFill>
+            <a:noFill/>
           </a:ln>
         </p:spPr>
         <p:style>
@@ -25414,9 +26412,7 @@
             <a:srgbClr val="0070C0"/>
           </a:solidFill>
           <a:ln w="28575">
-            <a:solidFill>
-              <a:schemeClr val="tx1"/>
-            </a:solidFill>
+            <a:noFill/>
           </a:ln>
         </p:spPr>
         <p:style>
@@ -25516,9 +26512,7 @@
             <a:srgbClr val="0070C0"/>
           </a:solidFill>
           <a:ln w="28575">
-            <a:solidFill>
-              <a:schemeClr val="tx1"/>
-            </a:solidFill>
+            <a:noFill/>
           </a:ln>
         </p:spPr>
         <p:style>
@@ -27196,6 +28190,15 @@
 </file>
 
 <file path=customXml/item1.xml><?xml version="1.0" encoding="utf-8"?>
+<?mso-contentType ?>
+<FormTemplates xmlns="http://schemas.microsoft.com/sharepoint/v3/contenttype/forms">
+  <Display>DocumentLibraryForm</Display>
+  <Edit>DocumentLibraryForm</Edit>
+  <New>DocumentLibraryForm</New>
+</FormTemplates>
+</file>
+
+<file path=customXml/item2.xml><?xml version="1.0" encoding="utf-8"?>
 <p:properties xmlns:p="http://schemas.microsoft.com/office/2006/metadata/properties" xmlns:xsi="http://www.w3.org/2001/XMLSchema-instance" xmlns:pc="http://schemas.microsoft.com/office/infopath/2007/PartnerControls">
   <documentManagement>
     <_x041a__x043e__x043c__x0435__x0442__x0430__x0440_ xmlns="835f28f2-30f1-4728-84d2-86d96e143488" xsi:nil="true"/>
@@ -27203,7 +28206,7 @@
 </p:properties>
 </file>
 
-<file path=customXml/item2.xml><?xml version="1.0" encoding="utf-8"?>
+<file path=customXml/item3.xml><?xml version="1.0" encoding="utf-8"?>
 <ct:contentTypeSchema xmlns:ct="http://schemas.microsoft.com/office/2006/metadata/contentType" xmlns:ma="http://schemas.microsoft.com/office/2006/metadata/properties/metaAttributes" ct:_="" ma:_="" ma:contentTypeName="Документ" ma:contentTypeID="0x0101004195FC54A15F344D83577B1CDDD67A5D" ma:contentTypeVersion="9" ma:contentTypeDescription="Создание документа." ma:contentTypeScope="" ma:versionID="961ec8db58076c7d3e9f84b9cd82fd45">
   <xsd:schema xmlns:xsd="http://www.w3.org/2001/XMLSchema" xmlns:xs="http://www.w3.org/2001/XMLSchema" xmlns:p="http://schemas.microsoft.com/office/2006/metadata/properties" xmlns:ns2="341e6018-ac0a-4dfb-8409-db9e0d25502e" xmlns:ns3="835f28f2-30f1-4728-84d2-86d96e143488" targetNamespace="http://schemas.microsoft.com/office/2006/metadata/properties" ma:root="true" ma:fieldsID="bd9f0c80ada20ee560e77d723f3ef44e" ns2:_="" ns3:_="">
     <xsd:import namespace="341e6018-ac0a-4dfb-8409-db9e0d25502e"/>
@@ -27402,16 +28405,15 @@
 </ct:contentTypeSchema>
 </file>
 
-<file path=customXml/item3.xml><?xml version="1.0" encoding="utf-8"?>
-<?mso-contentType ?>
-<FormTemplates xmlns="http://schemas.microsoft.com/sharepoint/v3/contenttype/forms">
-  <Display>DocumentLibraryForm</Display>
-  <Edit>DocumentLibraryForm</Edit>
-  <New>DocumentLibraryForm</New>
-</FormTemplates>
+<file path=customXml/itemProps1.xml><?xml version="1.0" encoding="utf-8"?>
+<ds:datastoreItem xmlns:ds="http://schemas.openxmlformats.org/officeDocument/2006/customXml" ds:itemID="{296B3B9E-03D8-4766-BF45-6129617CF026}">
+  <ds:schemaRefs>
+    <ds:schemaRef ds:uri="http://schemas.microsoft.com/sharepoint/v3/contenttype/forms"/>
+  </ds:schemaRefs>
+</ds:datastoreItem>
 </file>
 
-<file path=customXml/itemProps1.xml><?xml version="1.0" encoding="utf-8"?>
+<file path=customXml/itemProps2.xml><?xml version="1.0" encoding="utf-8"?>
 <ds:datastoreItem xmlns:ds="http://schemas.openxmlformats.org/officeDocument/2006/customXml" ds:itemID="{B3A1340B-3A1B-4156-ADE3-51DF6C2C795D}">
   <ds:schemaRefs>
     <ds:schemaRef ds:uri="http://schemas.microsoft.com/office/2006/documentManagement/types"/>
@@ -27428,7 +28430,7 @@
 </ds:datastoreItem>
 </file>
 
-<file path=customXml/itemProps2.xml><?xml version="1.0" encoding="utf-8"?>
+<file path=customXml/itemProps3.xml><?xml version="1.0" encoding="utf-8"?>
 <ds:datastoreItem xmlns:ds="http://schemas.openxmlformats.org/officeDocument/2006/customXml" ds:itemID="{CAFDAB34-20E1-438F-BCB2-ECDA5496F36D}">
   <ds:schemaRefs>
     <ds:schemaRef ds:uri="http://schemas.microsoft.com/office/2006/metadata/contentType"/>
@@ -27445,12 +28447,4 @@
     <ds:schemaRef ds:uri="http://schemas.microsoft.com/internal/obd"/>
   </ds:schemaRefs>
 </ds:datastoreItem>
-</file>
-
-<file path=customXml/itemProps3.xml><?xml version="1.0" encoding="utf-8"?>
-<ds:datastoreItem xmlns:ds="http://schemas.openxmlformats.org/officeDocument/2006/customXml" ds:itemID="{296B3B9E-03D8-4766-BF45-6129617CF026}">
-  <ds:schemaRefs>
-    <ds:schemaRef ds:uri="http://schemas.microsoft.com/sharepoint/v3/contenttype/forms"/>
-  </ds:schemaRefs>
-</ds:datastoreItem>
 </file>
--- a/presentations/Flexbox.pptx
+++ b/presentations/Flexbox.pptx
@@ -304,7 +304,7 @@
           <a:p>
             <a:fld id="{98B630F2-DBFD-4F93-BE9E-B13A8581EE6B}" type="datetimeFigureOut">
               <a:rPr lang="uk-UA" smtClean="0"/>
-              <a:t>01.01.2020</a:t>
+              <a:t>02.01.2020</a:t>
             </a:fld>
             <a:endParaRPr lang="uk-UA"/>
           </a:p>
@@ -616,7 +616,213 @@
           <a:bodyPr/>
           <a:lstStyle/>
           <a:p>
-            <a:endParaRPr lang="uk-UA" dirty="0"/>
+            <a:r>
+              <a:rPr lang="en-US" sz="1200" b="1" i="0" kern="1200" dirty="0">
+                <a:solidFill>
+                  <a:schemeClr val="tx1"/>
+                </a:solidFill>
+                <a:effectLst/>
+                <a:latin typeface="+mn-lt"/>
+                <a:ea typeface="+mn-ea"/>
+                <a:cs typeface="+mn-cs"/>
+              </a:rPr>
+              <a:t>CSS flexbox</a:t>
+            </a:r>
+            <a:r>
+              <a:rPr lang="en-US" sz="1200" b="0" i="0" kern="1200" dirty="0">
+                <a:solidFill>
+                  <a:schemeClr val="tx1"/>
+                </a:solidFill>
+                <a:effectLst/>
+                <a:latin typeface="+mn-lt"/>
+                <a:ea typeface="+mn-ea"/>
+                <a:cs typeface="+mn-cs"/>
+              </a:rPr>
+              <a:t> — </a:t>
+            </a:r>
+            <a:r>
+              <a:rPr lang="uk-UA" sz="1200" b="0" i="0" kern="1200" dirty="0">
+                <a:solidFill>
+                  <a:schemeClr val="tx1"/>
+                </a:solidFill>
+                <a:effectLst/>
+                <a:latin typeface="+mn-lt"/>
+                <a:ea typeface="+mn-ea"/>
+                <a:cs typeface="+mn-cs"/>
+              </a:rPr>
+              <a:t>це </a:t>
+            </a:r>
+            <a:r>
+              <a:rPr lang="en-US" sz="1200" b="0" i="0" u="none" strike="noStrike" kern="1200" dirty="0">
+                <a:solidFill>
+                  <a:schemeClr val="tx1"/>
+                </a:solidFill>
+                <a:effectLst/>
+                <a:latin typeface="+mn-lt"/>
+                <a:ea typeface="+mn-ea"/>
+                <a:cs typeface="+mn-cs"/>
+                <a:hlinkClick r:id="rId3" tooltip="CSS"/>
+              </a:rPr>
+              <a:t>CSS3</a:t>
+            </a:r>
+            <a:r>
+              <a:rPr lang="en-US" sz="1200" b="0" i="0" kern="1200" dirty="0">
+                <a:solidFill>
+                  <a:schemeClr val="tx1"/>
+                </a:solidFill>
+                <a:effectLst/>
+                <a:latin typeface="+mn-lt"/>
+                <a:ea typeface="+mn-ea"/>
+                <a:cs typeface="+mn-cs"/>
+              </a:rPr>
+              <a:t> </a:t>
+            </a:r>
+            <a:r>
+              <a:rPr lang="uk-UA" sz="1200" b="0" i="0" kern="1200" dirty="0">
+                <a:solidFill>
+                  <a:schemeClr val="tx1"/>
+                </a:solidFill>
+                <a:effectLst/>
+                <a:latin typeface="+mn-lt"/>
+                <a:ea typeface="+mn-ea"/>
+                <a:cs typeface="+mn-cs"/>
+              </a:rPr>
+              <a:t>веб модуль. </a:t>
+            </a:r>
+            <a:r>
+              <a:rPr lang="en-US" sz="1200" b="0" i="0" kern="1200" dirty="0">
+                <a:solidFill>
+                  <a:schemeClr val="tx1"/>
+                </a:solidFill>
+                <a:effectLst/>
+                <a:latin typeface="+mn-lt"/>
+                <a:ea typeface="+mn-ea"/>
+                <a:cs typeface="+mn-cs"/>
+              </a:rPr>
+              <a:t>Flex </a:t>
+            </a:r>
+            <a:r>
+              <a:rPr lang="uk-UA" sz="1200" b="0" i="0" kern="1200" dirty="0">
+                <a:solidFill>
+                  <a:schemeClr val="tx1"/>
+                </a:solidFill>
+                <a:effectLst/>
+                <a:latin typeface="+mn-lt"/>
+                <a:ea typeface="+mn-ea"/>
+                <a:cs typeface="+mn-cs"/>
+              </a:rPr>
+              <a:t>дозволяє автоматично організовувати відповідні елементи в контейнері залежно від розміру екрана (або пристрою) та дає змогу використовувати більш ефективний спосіб верстки, вирівнювання й розподілу вільного місця між елементами у контейнері, навіть коли їх розмір невідомий і/або динамічний.</a:t>
+            </a:r>
+          </a:p>
+          <a:p>
+            <a:r>
+              <a:rPr lang="uk-UA" sz="1200" b="0" i="0" kern="1200" dirty="0">
+                <a:solidFill>
+                  <a:schemeClr val="tx1"/>
+                </a:solidFill>
+                <a:effectLst/>
+                <a:latin typeface="+mn-lt"/>
+                <a:ea typeface="+mn-ea"/>
+                <a:cs typeface="+mn-cs"/>
+              </a:rPr>
+              <a:t>Однією з найважливіших особливостей </a:t>
+            </a:r>
+            <a:r>
+              <a:rPr lang="en-US" sz="1200" b="0" i="0" kern="1200" dirty="0">
+                <a:solidFill>
+                  <a:schemeClr val="tx1"/>
+                </a:solidFill>
+                <a:effectLst/>
+                <a:latin typeface="+mn-lt"/>
+                <a:ea typeface="+mn-ea"/>
+                <a:cs typeface="+mn-cs"/>
+              </a:rPr>
+              <a:t>flexbox </a:t>
+            </a:r>
+            <a:r>
+              <a:rPr lang="uk-UA" sz="1200" b="0" i="0" kern="1200" dirty="0">
+                <a:solidFill>
+                  <a:schemeClr val="tx1"/>
+                </a:solidFill>
+                <a:effectLst/>
+                <a:latin typeface="+mn-lt"/>
+                <a:ea typeface="+mn-ea"/>
+                <a:cs typeface="+mn-cs"/>
+              </a:rPr>
+              <a:t>є його здатність формуватися на основі його середовища перегляду. Контейнери </a:t>
+            </a:r>
+            <a:r>
+              <a:rPr lang="en-US" sz="1200" b="0" i="0" kern="1200" dirty="0">
+                <a:solidFill>
+                  <a:schemeClr val="tx1"/>
+                </a:solidFill>
+                <a:effectLst/>
+                <a:latin typeface="+mn-lt"/>
+                <a:ea typeface="+mn-ea"/>
+                <a:cs typeface="+mn-cs"/>
+              </a:rPr>
+              <a:t>Flex </a:t>
+            </a:r>
+            <a:r>
+              <a:rPr lang="uk-UA" sz="1200" b="0" i="0" kern="1200" dirty="0">
+                <a:solidFill>
+                  <a:schemeClr val="tx1"/>
+                </a:solidFill>
+                <a:effectLst/>
+                <a:latin typeface="+mn-lt"/>
+                <a:ea typeface="+mn-ea"/>
+                <a:cs typeface="+mn-cs"/>
+              </a:rPr>
+              <a:t>можна регулювати за розміром, (як збільшувати, так і зменшувати) щоб уникнути надмірної монополізації простору. Можна не лише задати напрямок потоку </a:t>
+            </a:r>
+            <a:r>
+              <a:rPr lang="uk-UA" sz="1200" b="0" i="0" kern="1200" dirty="0" err="1">
+                <a:solidFill>
+                  <a:schemeClr val="tx1"/>
+                </a:solidFill>
+                <a:effectLst/>
+                <a:latin typeface="+mn-lt"/>
+                <a:ea typeface="+mn-ea"/>
+                <a:cs typeface="+mn-cs"/>
+              </a:rPr>
+              <a:t>флексу</a:t>
+            </a:r>
+            <a:r>
+              <a:rPr lang="uk-UA" sz="1200" b="0" i="0" kern="1200" dirty="0">
+                <a:solidFill>
+                  <a:schemeClr val="tx1"/>
+                </a:solidFill>
+                <a:effectLst/>
+                <a:latin typeface="+mn-lt"/>
+                <a:ea typeface="+mn-ea"/>
+                <a:cs typeface="+mn-cs"/>
+              </a:rPr>
+              <a:t> на рівні стилю, наприклад вправо, вліво, вгору або вниз; окремі елементи в такому контейнері також можуть бути автоматично </a:t>
+            </a:r>
+            <a:r>
+              <a:rPr lang="uk-UA" sz="1200" b="0" i="0" kern="1200" dirty="0" err="1">
+                <a:solidFill>
+                  <a:schemeClr val="tx1"/>
+                </a:solidFill>
+                <a:effectLst/>
+                <a:latin typeface="+mn-lt"/>
+                <a:ea typeface="+mn-ea"/>
+                <a:cs typeface="+mn-cs"/>
+              </a:rPr>
+              <a:t>перевпорядковані</a:t>
+            </a:r>
+            <a:r>
+              <a:rPr lang="uk-UA" sz="1200" b="0" i="0" kern="1200" dirty="0">
+                <a:solidFill>
+                  <a:schemeClr val="tx1"/>
+                </a:solidFill>
+                <a:effectLst/>
+                <a:latin typeface="+mn-lt"/>
+                <a:ea typeface="+mn-ea"/>
+                <a:cs typeface="+mn-cs"/>
+              </a:rPr>
+              <a:t> та перебудовані відповідно до наявного макета.</a:t>
+            </a:r>
           </a:p>
         </p:txBody>
       </p:sp>
@@ -700,18 +906,37 @@
           <a:bodyPr/>
           <a:lstStyle/>
           <a:p>
-            <a:r>
-              <a:rPr lang="en-US" sz="1200" b="0" i="0" kern="1200" dirty="0">
-                <a:solidFill>
-                  <a:schemeClr val="tx1"/>
-                </a:solidFill>
-                <a:effectLst/>
-                <a:latin typeface="+mn-lt"/>
-                <a:ea typeface="+mn-ea"/>
-                <a:cs typeface="+mn-cs"/>
-              </a:rPr>
-              <a:t>We now have multiple rows — as many flexbox children are fitted onto each row as makes sense, and any overflow is moved down to the next line. </a:t>
-            </a:r>
+            <a:pPr marL="0" marR="0" lvl="0" indent="0" algn="l" defTabSz="914400" rtl="0" eaLnBrk="1" fontAlgn="auto" latinLnBrk="0" hangingPunct="1">
+              <a:lnSpc>
+                <a:spcPct val="100000"/>
+              </a:lnSpc>
+              <a:spcBef>
+                <a:spcPts val="0"/>
+              </a:spcBef>
+              <a:spcAft>
+                <a:spcPts val="0"/>
+              </a:spcAft>
+              <a:buClrTx/>
+              <a:buSzTx/>
+              <a:buFontTx/>
+              <a:buNone/>
+              <a:tabLst/>
+              <a:defRPr/>
+            </a:pPr>
+            <a:r>
+              <a:rPr lang="uk-UA" dirty="0"/>
+              <a:t>Значення </a:t>
+            </a:r>
+            <a:r>
+              <a:rPr lang="en-US" dirty="0"/>
+              <a:t>center</a:t>
+            </a:r>
+            <a:r>
+              <a:rPr lang="uk-UA" dirty="0"/>
+              <a:t> змушує елементи зберігати свої власні розміри, але центрує їх уздовж поперечної осі. </a:t>
+            </a:r>
+          </a:p>
+          <a:p>
             <a:endParaRPr lang="uk-UA" dirty="0"/>
           </a:p>
         </p:txBody>
@@ -733,7 +958,7 @@
           <a:p>
             <a:fld id="{22EF5D64-70F2-4A3C-9214-8664E4464032}" type="slidenum">
               <a:rPr lang="uk-UA" smtClean="0"/>
-              <a:t>24</a:t>
+              <a:t>20</a:t>
             </a:fld>
             <a:endParaRPr lang="uk-UA"/>
           </a:p>
@@ -742,7 +967,7 @@
     </p:spTree>
     <p:extLst>
       <p:ext uri="{BB962C8B-B14F-4D97-AF65-F5344CB8AC3E}">
-        <p14:creationId xmlns:p14="http://schemas.microsoft.com/office/powerpoint/2010/main" val="2033081418"/>
+        <p14:creationId xmlns:p14="http://schemas.microsoft.com/office/powerpoint/2010/main" val="2586145015"/>
       </p:ext>
     </p:extLst>
   </p:cSld>
@@ -796,6 +1021,74 @@
           <a:bodyPr/>
           <a:lstStyle/>
           <a:p>
+            <a:r>
+              <a:rPr lang="en-US" sz="1200" b="0" i="0" kern="1200" dirty="0">
+                <a:solidFill>
+                  <a:schemeClr val="tx1"/>
+                </a:solidFill>
+                <a:effectLst/>
+                <a:latin typeface="+mn-lt"/>
+                <a:ea typeface="+mn-ea"/>
+                <a:cs typeface="+mn-cs"/>
+              </a:rPr>
+              <a:t>Set both the </a:t>
+            </a:r>
+            <a:r>
+              <a:rPr lang="en-US" dirty="0"/>
+              <a:t>justify-content</a:t>
+            </a:r>
+            <a:r>
+              <a:rPr lang="en-US" sz="1200" b="0" i="0" kern="1200" dirty="0">
+                <a:solidFill>
+                  <a:schemeClr val="tx1"/>
+                </a:solidFill>
+                <a:effectLst/>
+                <a:latin typeface="+mn-lt"/>
+                <a:ea typeface="+mn-ea"/>
+                <a:cs typeface="+mn-cs"/>
+              </a:rPr>
+              <a:t> and </a:t>
+            </a:r>
+            <a:r>
+              <a:rPr lang="en-US" dirty="0"/>
+              <a:t>align-items</a:t>
+            </a:r>
+            <a:r>
+              <a:rPr lang="en-US" sz="1200" b="0" i="0" kern="1200" dirty="0">
+                <a:solidFill>
+                  <a:schemeClr val="tx1"/>
+                </a:solidFill>
+                <a:effectLst/>
+                <a:latin typeface="+mn-lt"/>
+                <a:ea typeface="+mn-ea"/>
+                <a:cs typeface="+mn-cs"/>
+              </a:rPr>
+              <a:t> properties to </a:t>
+            </a:r>
+            <a:r>
+              <a:rPr lang="en-US" sz="1200" b="0" i="1" kern="1200" dirty="0">
+                <a:solidFill>
+                  <a:schemeClr val="tx1"/>
+                </a:solidFill>
+                <a:effectLst/>
+                <a:latin typeface="+mn-lt"/>
+                <a:ea typeface="+mn-ea"/>
+                <a:cs typeface="+mn-cs"/>
+              </a:rPr>
+              <a:t>center,</a:t>
+            </a:r>
+            <a:r>
+              <a:rPr lang="en-US" sz="1200" b="0" i="0" kern="1200" dirty="0">
+                <a:solidFill>
+                  <a:schemeClr val="tx1"/>
+                </a:solidFill>
+                <a:effectLst/>
+                <a:latin typeface="+mn-lt"/>
+                <a:ea typeface="+mn-ea"/>
+                <a:cs typeface="+mn-cs"/>
+              </a:rPr>
+              <a:t> and the flex item will be perfectly centered</a:t>
+            </a:r>
             <a:endParaRPr lang="uk-UA" dirty="0"/>
           </a:p>
         </p:txBody>
@@ -817,7 +1110,7 @@
           <a:p>
             <a:fld id="{22EF5D64-70F2-4A3C-9214-8664E4464032}" type="slidenum">
               <a:rPr lang="uk-UA" smtClean="0"/>
-              <a:t>25</a:t>
+              <a:t>22</a:t>
             </a:fld>
             <a:endParaRPr lang="uk-UA"/>
           </a:p>
@@ -826,7 +1119,7 @@
     </p:spTree>
     <p:extLst>
       <p:ext uri="{BB962C8B-B14F-4D97-AF65-F5344CB8AC3E}">
-        <p14:creationId xmlns:p14="http://schemas.microsoft.com/office/powerpoint/2010/main" val="1953081034"/>
+        <p14:creationId xmlns:p14="http://schemas.microsoft.com/office/powerpoint/2010/main" val="2999978564"/>
       </p:ext>
     </p:extLst>
   </p:cSld>
@@ -880,6 +1173,420 @@
           <a:bodyPr/>
           <a:lstStyle/>
           <a:p>
+            <a:r>
+              <a:rPr lang="ru-RU" sz="1200" b="0" i="0" kern="1200" dirty="0">
+                <a:solidFill>
+                  <a:schemeClr val="tx1"/>
+                </a:solidFill>
+                <a:effectLst/>
+                <a:latin typeface="+mn-lt"/>
+                <a:ea typeface="+mn-ea"/>
+                <a:cs typeface="+mn-cs"/>
+              </a:rPr>
+              <a:t>Проблема </a:t>
+            </a:r>
+            <a:r>
+              <a:rPr lang="ru-RU" sz="1200" b="0" i="0" kern="1200" dirty="0" err="1">
+                <a:solidFill>
+                  <a:schemeClr val="tx1"/>
+                </a:solidFill>
+                <a:effectLst/>
+                <a:latin typeface="+mn-lt"/>
+                <a:ea typeface="+mn-ea"/>
+                <a:cs typeface="+mn-cs"/>
+              </a:rPr>
+              <a:t>може</a:t>
+            </a:r>
+            <a:r>
+              <a:rPr lang="ru-RU" sz="1200" b="0" i="0" kern="1200" dirty="0">
+                <a:solidFill>
+                  <a:schemeClr val="tx1"/>
+                </a:solidFill>
+                <a:effectLst/>
+                <a:latin typeface="+mn-lt"/>
+                <a:ea typeface="+mn-ea"/>
+                <a:cs typeface="+mn-cs"/>
+              </a:rPr>
+              <a:t> бути в тому, </a:t>
+            </a:r>
+            <a:r>
+              <a:rPr lang="ru-RU" sz="1200" b="0" i="0" kern="1200" dirty="0" err="1">
+                <a:solidFill>
+                  <a:schemeClr val="tx1"/>
+                </a:solidFill>
+                <a:effectLst/>
+                <a:latin typeface="+mn-lt"/>
+                <a:ea typeface="+mn-ea"/>
+                <a:cs typeface="+mn-cs"/>
+              </a:rPr>
+              <a:t>що</a:t>
+            </a:r>
+            <a:r>
+              <a:rPr lang="ru-RU" sz="1200" b="0" i="0" kern="1200" dirty="0">
+                <a:solidFill>
+                  <a:schemeClr val="tx1"/>
+                </a:solidFill>
+                <a:effectLst/>
+                <a:latin typeface="+mn-lt"/>
+                <a:ea typeface="+mn-ea"/>
+                <a:cs typeface="+mn-cs"/>
+              </a:rPr>
+              <a:t>, </a:t>
+            </a:r>
+            <a:r>
+              <a:rPr lang="ru-RU" sz="1200" b="0" i="0" kern="1200" dirty="0" err="1">
+                <a:solidFill>
+                  <a:schemeClr val="tx1"/>
+                </a:solidFill>
+                <a:effectLst/>
+                <a:latin typeface="+mn-lt"/>
+                <a:ea typeface="+mn-ea"/>
+                <a:cs typeface="+mn-cs"/>
+              </a:rPr>
+              <a:t>якщо</a:t>
+            </a:r>
+            <a:r>
+              <a:rPr lang="ru-RU" sz="1200" b="0" i="0" kern="1200" dirty="0">
+                <a:solidFill>
+                  <a:schemeClr val="tx1"/>
+                </a:solidFill>
+                <a:effectLst/>
+                <a:latin typeface="+mn-lt"/>
+                <a:ea typeface="+mn-ea"/>
+                <a:cs typeface="+mn-cs"/>
+              </a:rPr>
+              <a:t> у вас </a:t>
+            </a:r>
+            <a:r>
+              <a:rPr lang="ru-RU" sz="1200" b="0" i="0" kern="1200" dirty="0" err="1">
+                <a:solidFill>
+                  <a:schemeClr val="tx1"/>
+                </a:solidFill>
+                <a:effectLst/>
+                <a:latin typeface="+mn-lt"/>
+                <a:ea typeface="+mn-ea"/>
+                <a:cs typeface="+mn-cs"/>
+              </a:rPr>
+              <a:t>фіксована</a:t>
+            </a:r>
+            <a:r>
+              <a:rPr lang="ru-RU" sz="1200" b="0" i="0" kern="1200" dirty="0">
+                <a:solidFill>
+                  <a:schemeClr val="tx1"/>
+                </a:solidFill>
+                <a:effectLst/>
+                <a:latin typeface="+mn-lt"/>
+                <a:ea typeface="+mn-ea"/>
+                <a:cs typeface="+mn-cs"/>
+              </a:rPr>
+              <a:t> ширина </a:t>
+            </a:r>
+            <a:r>
+              <a:rPr lang="ru-RU" sz="1200" b="0" i="0" kern="1200" dirty="0" err="1">
+                <a:solidFill>
+                  <a:schemeClr val="tx1"/>
+                </a:solidFill>
+                <a:effectLst/>
+                <a:latin typeface="+mn-lt"/>
+                <a:ea typeface="+mn-ea"/>
+                <a:cs typeface="+mn-cs"/>
+              </a:rPr>
+              <a:t>або</a:t>
+            </a:r>
+            <a:r>
+              <a:rPr lang="ru-RU" sz="1200" b="0" i="0" kern="1200" dirty="0">
+                <a:solidFill>
+                  <a:schemeClr val="tx1"/>
+                </a:solidFill>
+                <a:effectLst/>
+                <a:latin typeface="+mn-lt"/>
+                <a:ea typeface="+mn-ea"/>
+                <a:cs typeface="+mn-cs"/>
+              </a:rPr>
+              <a:t> </a:t>
+            </a:r>
+            <a:r>
+              <a:rPr lang="ru-RU" sz="1200" b="0" i="0" kern="1200" dirty="0" err="1">
+                <a:solidFill>
+                  <a:schemeClr val="tx1"/>
+                </a:solidFill>
+                <a:effectLst/>
+                <a:latin typeface="+mn-lt"/>
+                <a:ea typeface="+mn-ea"/>
+                <a:cs typeface="+mn-cs"/>
+              </a:rPr>
+              <a:t>висота</a:t>
+            </a:r>
+            <a:r>
+              <a:rPr lang="ru-RU" sz="1200" b="0" i="0" kern="1200" dirty="0">
+                <a:solidFill>
+                  <a:schemeClr val="tx1"/>
+                </a:solidFill>
+                <a:effectLst/>
+                <a:latin typeface="+mn-lt"/>
+                <a:ea typeface="+mn-ea"/>
+                <a:cs typeface="+mn-cs"/>
+              </a:rPr>
+              <a:t> макета, </a:t>
+            </a:r>
+            <a:r>
+              <a:rPr lang="ru-RU" sz="1200" b="0" i="0" kern="1200" dirty="0" err="1">
+                <a:solidFill>
+                  <a:schemeClr val="tx1"/>
+                </a:solidFill>
+                <a:effectLst/>
+                <a:latin typeface="+mn-lt"/>
+                <a:ea typeface="+mn-ea"/>
+                <a:cs typeface="+mn-cs"/>
+              </a:rPr>
+              <a:t>ваші</a:t>
+            </a:r>
+            <a:r>
+              <a:rPr lang="ru-RU" sz="1200" b="0" i="0" kern="1200" dirty="0">
+                <a:solidFill>
+                  <a:schemeClr val="tx1"/>
+                </a:solidFill>
+                <a:effectLst/>
+                <a:latin typeface="+mn-lt"/>
+                <a:ea typeface="+mn-ea"/>
+                <a:cs typeface="+mn-cs"/>
+              </a:rPr>
+              <a:t> </a:t>
+            </a:r>
+            <a:r>
+              <a:rPr lang="ru-RU" sz="1200" b="0" i="0" kern="1200" dirty="0" err="1">
+                <a:solidFill>
+                  <a:schemeClr val="tx1"/>
+                </a:solidFill>
+                <a:effectLst/>
+                <a:latin typeface="+mn-lt"/>
+                <a:ea typeface="+mn-ea"/>
+                <a:cs typeface="+mn-cs"/>
+              </a:rPr>
+              <a:t>flexbox</a:t>
+            </a:r>
+            <a:r>
+              <a:rPr lang="ru-RU" sz="1200" b="0" i="0" kern="1200" dirty="0">
+                <a:solidFill>
+                  <a:schemeClr val="tx1"/>
+                </a:solidFill>
+                <a:effectLst/>
+                <a:latin typeface="+mn-lt"/>
+                <a:ea typeface="+mn-ea"/>
+                <a:cs typeface="+mn-cs"/>
+              </a:rPr>
+              <a:t> </a:t>
+            </a:r>
+            <a:r>
+              <a:rPr lang="ru-RU" sz="1200" b="0" i="0" kern="1200" dirty="0" err="1">
+                <a:solidFill>
+                  <a:schemeClr val="tx1"/>
+                </a:solidFill>
+                <a:effectLst/>
+                <a:latin typeface="+mn-lt"/>
+                <a:ea typeface="+mn-ea"/>
+                <a:cs typeface="+mn-cs"/>
+              </a:rPr>
+              <a:t>елементи</a:t>
+            </a:r>
+            <a:r>
+              <a:rPr lang="ru-RU" sz="1200" b="0" i="0" kern="1200" dirty="0">
+                <a:solidFill>
+                  <a:schemeClr val="tx1"/>
+                </a:solidFill>
+                <a:effectLst/>
+                <a:latin typeface="+mn-lt"/>
+                <a:ea typeface="+mn-ea"/>
+                <a:cs typeface="+mn-cs"/>
+              </a:rPr>
+              <a:t> </a:t>
+            </a:r>
+            <a:r>
+              <a:rPr lang="ru-RU" sz="1200" b="0" i="0" kern="1200" dirty="0" err="1">
+                <a:solidFill>
+                  <a:schemeClr val="tx1"/>
+                </a:solidFill>
+                <a:effectLst/>
+                <a:latin typeface="+mn-lt"/>
+                <a:ea typeface="+mn-ea"/>
+                <a:cs typeface="+mn-cs"/>
+              </a:rPr>
+              <a:t>переповнять</a:t>
+            </a:r>
+            <a:r>
+              <a:rPr lang="ru-RU" sz="1200" b="0" i="0" kern="1200" dirty="0">
+                <a:solidFill>
+                  <a:schemeClr val="tx1"/>
+                </a:solidFill>
+                <a:effectLst/>
+                <a:latin typeface="+mn-lt"/>
+                <a:ea typeface="+mn-ea"/>
+                <a:cs typeface="+mn-cs"/>
+              </a:rPr>
+              <a:t> контейнер і </a:t>
+            </a:r>
+            <a:r>
+              <a:rPr lang="ru-RU" sz="1200" b="0" i="0" kern="1200" dirty="0" err="1">
+                <a:solidFill>
+                  <a:schemeClr val="tx1"/>
+                </a:solidFill>
+                <a:effectLst/>
+                <a:latin typeface="+mn-lt"/>
+                <a:ea typeface="+mn-ea"/>
+                <a:cs typeface="+mn-cs"/>
+              </a:rPr>
+              <a:t>порушать</a:t>
+            </a:r>
+            <a:r>
+              <a:rPr lang="ru-RU" sz="1200" b="0" i="0" kern="1200" dirty="0">
+                <a:solidFill>
+                  <a:schemeClr val="tx1"/>
+                </a:solidFill>
+                <a:effectLst/>
+                <a:latin typeface="+mn-lt"/>
+                <a:ea typeface="+mn-ea"/>
+                <a:cs typeface="+mn-cs"/>
+              </a:rPr>
+              <a:t> макет.</a:t>
+            </a:r>
+          </a:p>
+          <a:p>
+            <a:r>
+              <a:rPr lang="ru-RU" dirty="0"/>
+              <a:t>Ми </a:t>
+            </a:r>
+            <a:r>
+              <a:rPr lang="ru-RU" dirty="0" err="1"/>
+              <a:t>бачимо</a:t>
+            </a:r>
+            <a:r>
+              <a:rPr lang="ru-RU" dirty="0"/>
+              <a:t>, </a:t>
+            </a:r>
+            <a:r>
+              <a:rPr lang="ru-RU" dirty="0" err="1"/>
+              <a:t>що</a:t>
+            </a:r>
+            <a:r>
+              <a:rPr lang="ru-RU" dirty="0"/>
+              <a:t> </a:t>
+            </a:r>
+            <a:r>
+              <a:rPr lang="ru-RU" dirty="0" err="1"/>
+              <a:t>дочірні</a:t>
+            </a:r>
+            <a:r>
+              <a:rPr lang="ru-RU" dirty="0"/>
+              <a:t> </a:t>
+            </a:r>
+            <a:r>
+              <a:rPr lang="ru-RU" dirty="0" err="1"/>
+              <a:t>елементи</a:t>
+            </a:r>
+            <a:r>
+              <a:rPr lang="ru-RU" dirty="0"/>
+              <a:t> </a:t>
+            </a:r>
+            <a:r>
+              <a:rPr lang="ru-RU" dirty="0" err="1"/>
+              <a:t>вибиваються</a:t>
+            </a:r>
+            <a:r>
+              <a:rPr lang="ru-RU" dirty="0"/>
+              <a:t> </a:t>
+            </a:r>
+            <a:r>
+              <a:rPr lang="ru-RU" dirty="0" err="1"/>
+              <a:t>зі</a:t>
+            </a:r>
+            <a:r>
+              <a:rPr lang="ru-RU" dirty="0"/>
+              <a:t> </a:t>
+            </a:r>
+            <a:r>
+              <a:rPr lang="ru-RU" dirty="0" err="1"/>
+              <a:t>свого</a:t>
+            </a:r>
+            <a:r>
+              <a:rPr lang="ru-RU" dirty="0"/>
+              <a:t> </a:t>
+            </a:r>
+            <a:r>
+              <a:rPr lang="en-US" dirty="0"/>
+              <a:t>flex-</a:t>
+            </a:r>
+            <a:r>
+              <a:rPr lang="uk-UA" dirty="0"/>
+              <a:t>контейнера</a:t>
+            </a:r>
+            <a:r>
+              <a:rPr lang="ru-RU" dirty="0"/>
+              <a:t>. Один </a:t>
+            </a:r>
+            <a:r>
+              <a:rPr lang="ru-RU" dirty="0" err="1"/>
+              <a:t>із</a:t>
+            </a:r>
+            <a:r>
+              <a:rPr lang="ru-RU" dirty="0"/>
+              <a:t> </a:t>
+            </a:r>
+            <a:r>
+              <a:rPr lang="ru-RU" dirty="0" err="1"/>
+              <a:t>способів</a:t>
+            </a:r>
+            <a:r>
+              <a:rPr lang="ru-RU" dirty="0"/>
+              <a:t> як </a:t>
+            </a:r>
+            <a:r>
+              <a:rPr lang="ru-RU" dirty="0" err="1"/>
+              <a:t>це</a:t>
+            </a:r>
+            <a:r>
+              <a:rPr lang="ru-RU" dirty="0"/>
+              <a:t> </a:t>
+            </a:r>
+            <a:r>
+              <a:rPr lang="ru-RU" dirty="0" err="1"/>
+              <a:t>виправити</a:t>
+            </a:r>
+            <a:r>
+              <a:rPr lang="ru-RU" dirty="0"/>
+              <a:t> - </a:t>
+            </a:r>
+            <a:r>
+              <a:rPr lang="ru-RU" dirty="0" err="1"/>
+              <a:t>це</a:t>
+            </a:r>
+            <a:r>
+              <a:rPr lang="ru-RU" dirty="0"/>
+              <a:t> </a:t>
+            </a:r>
+            <a:r>
+              <a:rPr lang="ru-RU" dirty="0" err="1"/>
+              <a:t>додати</a:t>
+            </a:r>
+            <a:r>
+              <a:rPr lang="ru-RU" dirty="0"/>
+              <a:t> </a:t>
+            </a:r>
+            <a:r>
+              <a:rPr lang="ru-RU" dirty="0" err="1"/>
+              <a:t>наступне</a:t>
+            </a:r>
+            <a:r>
+              <a:rPr lang="ru-RU" dirty="0"/>
+              <a:t> </a:t>
+            </a:r>
+            <a:r>
+              <a:rPr lang="ru-RU" dirty="0" err="1"/>
+              <a:t>властивість</a:t>
+            </a:r>
+            <a:r>
+              <a:rPr lang="ru-RU" dirty="0"/>
+              <a:t>:</a:t>
+            </a:r>
             <a:endParaRPr lang="uk-UA" dirty="0"/>
           </a:p>
         </p:txBody>
@@ -901,7 +1608,7 @@
           <a:p>
             <a:fld id="{22EF5D64-70F2-4A3C-9214-8664E4464032}" type="slidenum">
               <a:rPr lang="uk-UA" smtClean="0"/>
-              <a:t>27</a:t>
+              <a:t>23</a:t>
             </a:fld>
             <a:endParaRPr lang="uk-UA"/>
           </a:p>
@@ -910,7 +1617,7 @@
     </p:spTree>
     <p:extLst>
       <p:ext uri="{BB962C8B-B14F-4D97-AF65-F5344CB8AC3E}">
-        <p14:creationId xmlns:p14="http://schemas.microsoft.com/office/powerpoint/2010/main" val="2487950327"/>
+        <p14:creationId xmlns:p14="http://schemas.microsoft.com/office/powerpoint/2010/main" val="833648067"/>
       </p:ext>
     </p:extLst>
   </p:cSld>
@@ -964,6 +1671,330 @@
           <a:bodyPr/>
           <a:lstStyle/>
           <a:p>
+            <a:r>
+              <a:rPr lang="ru-RU" sz="1200" b="0" i="0" kern="1200" dirty="0" err="1">
+                <a:solidFill>
+                  <a:schemeClr val="tx1"/>
+                </a:solidFill>
+                <a:effectLst/>
+                <a:latin typeface="+mn-lt"/>
+                <a:ea typeface="+mn-ea"/>
+                <a:cs typeface="+mn-cs"/>
+              </a:rPr>
+              <a:t>Тепер</a:t>
+            </a:r>
+            <a:r>
+              <a:rPr lang="ru-RU" sz="1200" b="0" i="0" kern="1200" dirty="0">
+                <a:solidFill>
+                  <a:schemeClr val="tx1"/>
+                </a:solidFill>
+                <a:effectLst/>
+                <a:latin typeface="+mn-lt"/>
+                <a:ea typeface="+mn-ea"/>
+                <a:cs typeface="+mn-cs"/>
+              </a:rPr>
+              <a:t> у нас в </a:t>
+            </a:r>
+            <a:r>
+              <a:rPr lang="ru-RU" sz="1200" b="0" i="0" kern="1200" dirty="0" err="1">
+                <a:solidFill>
+                  <a:schemeClr val="tx1"/>
+                </a:solidFill>
+                <a:effectLst/>
+                <a:latin typeface="+mn-lt"/>
+                <a:ea typeface="+mn-ea"/>
+                <a:cs typeface="+mn-cs"/>
+              </a:rPr>
+              <a:t>макеті</a:t>
+            </a:r>
+            <a:r>
+              <a:rPr lang="ru-RU" sz="1200" b="0" i="0" kern="1200" dirty="0">
+                <a:solidFill>
+                  <a:schemeClr val="tx1"/>
+                </a:solidFill>
+                <a:effectLst/>
+                <a:latin typeface="+mn-lt"/>
+                <a:ea typeface="+mn-ea"/>
+                <a:cs typeface="+mn-cs"/>
+              </a:rPr>
+              <a:t> </a:t>
+            </a:r>
+            <a:r>
+              <a:rPr lang="ru-RU" sz="1200" b="0" i="0" kern="1200" dirty="0" err="1">
+                <a:solidFill>
+                  <a:schemeClr val="tx1"/>
+                </a:solidFill>
+                <a:effectLst/>
+                <a:latin typeface="+mn-lt"/>
+                <a:ea typeface="+mn-ea"/>
+                <a:cs typeface="+mn-cs"/>
+              </a:rPr>
+              <a:t>кілька</a:t>
+            </a:r>
+            <a:r>
+              <a:rPr lang="ru-RU" sz="1200" b="0" i="0" kern="1200" dirty="0">
+                <a:solidFill>
+                  <a:schemeClr val="tx1"/>
+                </a:solidFill>
+                <a:effectLst/>
+                <a:latin typeface="+mn-lt"/>
+                <a:ea typeface="+mn-ea"/>
+                <a:cs typeface="+mn-cs"/>
+              </a:rPr>
+              <a:t> </a:t>
+            </a:r>
+            <a:r>
+              <a:rPr lang="ru-RU" sz="1200" b="0" i="0" kern="1200" dirty="0" err="1">
+                <a:solidFill>
+                  <a:schemeClr val="tx1"/>
+                </a:solidFill>
+                <a:effectLst/>
+                <a:latin typeface="+mn-lt"/>
+                <a:ea typeface="+mn-ea"/>
+                <a:cs typeface="+mn-cs"/>
+              </a:rPr>
+              <a:t>рядів</a:t>
+            </a:r>
+            <a:r>
+              <a:rPr lang="ru-RU" sz="1200" b="0" i="0" kern="1200" dirty="0">
+                <a:solidFill>
+                  <a:schemeClr val="tx1"/>
+                </a:solidFill>
+                <a:effectLst/>
+                <a:latin typeface="+mn-lt"/>
+                <a:ea typeface="+mn-ea"/>
+                <a:cs typeface="+mn-cs"/>
+              </a:rPr>
+              <a:t> – </a:t>
+            </a:r>
+            <a:r>
+              <a:rPr lang="ru-RU" sz="1200" b="0" i="0" kern="1200" dirty="0" err="1">
+                <a:solidFill>
+                  <a:schemeClr val="tx1"/>
+                </a:solidFill>
+                <a:effectLst/>
+                <a:latin typeface="+mn-lt"/>
+                <a:ea typeface="+mn-ea"/>
+                <a:cs typeface="+mn-cs"/>
+              </a:rPr>
+              <a:t>всі</a:t>
+            </a:r>
+            <a:r>
+              <a:rPr lang="ru-RU" sz="1200" b="0" i="0" kern="1200" dirty="0">
+                <a:solidFill>
+                  <a:schemeClr val="tx1"/>
+                </a:solidFill>
+                <a:effectLst/>
+                <a:latin typeface="+mn-lt"/>
+                <a:ea typeface="+mn-ea"/>
+                <a:cs typeface="+mn-cs"/>
+              </a:rPr>
+              <a:t> </a:t>
+            </a:r>
+            <a:r>
+              <a:rPr lang="en-US" sz="1200" b="0" i="0" kern="1200" dirty="0">
+                <a:solidFill>
+                  <a:schemeClr val="tx1"/>
+                </a:solidFill>
+                <a:effectLst/>
+                <a:latin typeface="+mn-lt"/>
+                <a:ea typeface="+mn-ea"/>
+                <a:cs typeface="+mn-cs"/>
+              </a:rPr>
+              <a:t>flex-</a:t>
+            </a:r>
+            <a:r>
+              <a:rPr lang="uk-UA" sz="1200" b="0" i="0" kern="1200" dirty="0">
+                <a:solidFill>
+                  <a:schemeClr val="tx1"/>
+                </a:solidFill>
+                <a:effectLst/>
+                <a:latin typeface="+mn-lt"/>
+                <a:ea typeface="+mn-ea"/>
+                <a:cs typeface="+mn-cs"/>
+              </a:rPr>
+              <a:t>елементи</a:t>
+            </a:r>
+            <a:r>
+              <a:rPr lang="ru-RU" sz="1200" b="0" i="0" kern="1200" dirty="0">
+                <a:solidFill>
+                  <a:schemeClr val="tx1"/>
+                </a:solidFill>
+                <a:effectLst/>
+                <a:latin typeface="+mn-lt"/>
+                <a:ea typeface="+mn-ea"/>
+                <a:cs typeface="+mn-cs"/>
+              </a:rPr>
+              <a:t>, </a:t>
+            </a:r>
+            <a:r>
+              <a:rPr lang="ru-RU" sz="1200" b="0" i="0" kern="1200" dirty="0" err="1">
+                <a:solidFill>
+                  <a:schemeClr val="tx1"/>
+                </a:solidFill>
+                <a:effectLst/>
+                <a:latin typeface="+mn-lt"/>
+                <a:ea typeface="+mn-ea"/>
+                <a:cs typeface="+mn-cs"/>
+              </a:rPr>
+              <a:t>які</a:t>
+            </a:r>
+            <a:r>
+              <a:rPr lang="ru-RU" sz="1200" b="0" i="0" kern="1200" dirty="0">
+                <a:solidFill>
+                  <a:schemeClr val="tx1"/>
+                </a:solidFill>
+                <a:effectLst/>
+                <a:latin typeface="+mn-lt"/>
+                <a:ea typeface="+mn-ea"/>
+                <a:cs typeface="+mn-cs"/>
+              </a:rPr>
+              <a:t> не </a:t>
+            </a:r>
+            <a:r>
+              <a:rPr lang="ru-RU" sz="1200" b="0" i="0" kern="1200" dirty="0" err="1">
+                <a:solidFill>
+                  <a:schemeClr val="tx1"/>
+                </a:solidFill>
+                <a:effectLst/>
+                <a:latin typeface="+mn-lt"/>
+                <a:ea typeface="+mn-ea"/>
+                <a:cs typeface="+mn-cs"/>
+              </a:rPr>
+              <a:t>поміщаються</a:t>
+            </a:r>
+            <a:r>
+              <a:rPr lang="ru-RU" sz="1200" b="0" i="0" kern="1200" dirty="0">
+                <a:solidFill>
+                  <a:schemeClr val="tx1"/>
+                </a:solidFill>
+                <a:effectLst/>
+                <a:latin typeface="+mn-lt"/>
+                <a:ea typeface="+mn-ea"/>
+                <a:cs typeface="+mn-cs"/>
+              </a:rPr>
+              <a:t>, </a:t>
+            </a:r>
+            <a:r>
+              <a:rPr lang="ru-RU" sz="1200" b="0" i="0" kern="1200" dirty="0" err="1">
+                <a:solidFill>
+                  <a:schemeClr val="tx1"/>
+                </a:solidFill>
+                <a:effectLst/>
+                <a:latin typeface="+mn-lt"/>
+                <a:ea typeface="+mn-ea"/>
+                <a:cs typeface="+mn-cs"/>
+              </a:rPr>
+              <a:t>переносяться</a:t>
+            </a:r>
+            <a:r>
+              <a:rPr lang="ru-RU" sz="1200" b="0" i="0" kern="1200" dirty="0">
+                <a:solidFill>
+                  <a:schemeClr val="tx1"/>
+                </a:solidFill>
+                <a:effectLst/>
+                <a:latin typeface="+mn-lt"/>
+                <a:ea typeface="+mn-ea"/>
+                <a:cs typeface="+mn-cs"/>
+              </a:rPr>
+              <a:t> на </a:t>
+            </a:r>
+            <a:r>
+              <a:rPr lang="ru-RU" sz="1200" b="0" i="0" kern="1200" dirty="0" err="1">
+                <a:solidFill>
+                  <a:schemeClr val="tx1"/>
+                </a:solidFill>
+                <a:effectLst/>
+                <a:latin typeface="+mn-lt"/>
+                <a:ea typeface="+mn-ea"/>
+                <a:cs typeface="+mn-cs"/>
+              </a:rPr>
+              <a:t>наступний</a:t>
+            </a:r>
+            <a:r>
+              <a:rPr lang="ru-RU" sz="1200" b="0" i="0" kern="1200" dirty="0">
+                <a:solidFill>
+                  <a:schemeClr val="tx1"/>
+                </a:solidFill>
+                <a:effectLst/>
+                <a:latin typeface="+mn-lt"/>
+                <a:ea typeface="+mn-ea"/>
+                <a:cs typeface="+mn-cs"/>
+              </a:rPr>
+              <a:t> рядок, </a:t>
+            </a:r>
+            <a:r>
+              <a:rPr lang="ru-RU" sz="1200" b="0" i="0" kern="1200" dirty="0" err="1">
+                <a:solidFill>
+                  <a:schemeClr val="tx1"/>
+                </a:solidFill>
+                <a:effectLst/>
+                <a:latin typeface="+mn-lt"/>
+                <a:ea typeface="+mn-ea"/>
+                <a:cs typeface="+mn-cs"/>
+              </a:rPr>
+              <a:t>щоб</a:t>
+            </a:r>
+            <a:r>
+              <a:rPr lang="ru-RU" sz="1200" b="0" i="0" kern="1200" dirty="0">
+                <a:solidFill>
+                  <a:schemeClr val="tx1"/>
+                </a:solidFill>
+                <a:effectLst/>
+                <a:latin typeface="+mn-lt"/>
+                <a:ea typeface="+mn-ea"/>
+                <a:cs typeface="+mn-cs"/>
+              </a:rPr>
+              <a:t> не </a:t>
+            </a:r>
+            <a:r>
+              <a:rPr lang="ru-RU" sz="1200" b="0" i="0" kern="1200" dirty="0" err="1">
+                <a:solidFill>
+                  <a:schemeClr val="tx1"/>
+                </a:solidFill>
+                <a:effectLst/>
+                <a:latin typeface="+mn-lt"/>
+                <a:ea typeface="+mn-ea"/>
+                <a:cs typeface="+mn-cs"/>
+              </a:rPr>
+              <a:t>було</a:t>
+            </a:r>
+            <a:r>
+              <a:rPr lang="ru-RU" sz="1200" b="0" i="0" kern="1200" dirty="0">
+                <a:solidFill>
+                  <a:schemeClr val="tx1"/>
+                </a:solidFill>
+                <a:effectLst/>
+                <a:latin typeface="+mn-lt"/>
+                <a:ea typeface="+mn-ea"/>
+                <a:cs typeface="+mn-cs"/>
+              </a:rPr>
+              <a:t> </a:t>
+            </a:r>
+            <a:r>
+              <a:rPr lang="ru-RU" sz="1200" b="0" i="0" kern="1200" dirty="0" err="1">
+                <a:solidFill>
+                  <a:schemeClr val="tx1"/>
+                </a:solidFill>
+                <a:effectLst/>
+                <a:latin typeface="+mn-lt"/>
+                <a:ea typeface="+mn-ea"/>
+                <a:cs typeface="+mn-cs"/>
+              </a:rPr>
+              <a:t>переповнення</a:t>
+            </a:r>
+            <a:r>
+              <a:rPr lang="ru-RU" sz="1200" b="0" i="0" kern="1200" dirty="0">
+                <a:solidFill>
+                  <a:schemeClr val="tx1"/>
+                </a:solidFill>
+                <a:effectLst/>
+                <a:latin typeface="+mn-lt"/>
+                <a:ea typeface="+mn-ea"/>
+                <a:cs typeface="+mn-cs"/>
+              </a:rPr>
+              <a:t>.</a:t>
+            </a:r>
             <a:endParaRPr lang="uk-UA" dirty="0"/>
           </a:p>
         </p:txBody>
@@ -985,7 +2016,7 @@
           <a:p>
             <a:fld id="{22EF5D64-70F2-4A3C-9214-8664E4464032}" type="slidenum">
               <a:rPr lang="uk-UA" smtClean="0"/>
-              <a:t>30</a:t>
+              <a:t>24</a:t>
             </a:fld>
             <a:endParaRPr lang="uk-UA"/>
           </a:p>
@@ -994,7 +2025,7 @@
     </p:spTree>
     <p:extLst>
       <p:ext uri="{BB962C8B-B14F-4D97-AF65-F5344CB8AC3E}">
-        <p14:creationId xmlns:p14="http://schemas.microsoft.com/office/powerpoint/2010/main" val="2581949734"/>
+        <p14:creationId xmlns:p14="http://schemas.microsoft.com/office/powerpoint/2010/main" val="2033081418"/>
       </p:ext>
     </p:extLst>
   </p:cSld>
@@ -1048,6 +2079,714 @@
           <a:bodyPr/>
           <a:lstStyle/>
           <a:p>
+            <a:endParaRPr lang="uk-UA" dirty="0"/>
+          </a:p>
+        </p:txBody>
+      </p:sp>
+      <p:sp>
+        <p:nvSpPr>
+          <p:cNvPr id="4" name="Номер слайда 3"/>
+          <p:cNvSpPr>
+            <a:spLocks noGrp="1"/>
+          </p:cNvSpPr>
+          <p:nvPr>
+            <p:ph type="sldNum" sz="quarter" idx="5"/>
+          </p:nvPr>
+        </p:nvSpPr>
+        <p:spPr/>
+        <p:txBody>
+          <a:bodyPr/>
+          <a:lstStyle/>
+          <a:p>
+            <a:fld id="{22EF5D64-70F2-4A3C-9214-8664E4464032}" type="slidenum">
+              <a:rPr lang="uk-UA" smtClean="0"/>
+              <a:t>25</a:t>
+            </a:fld>
+            <a:endParaRPr lang="uk-UA"/>
+          </a:p>
+        </p:txBody>
+      </p:sp>
+    </p:spTree>
+    <p:extLst>
+      <p:ext uri="{BB962C8B-B14F-4D97-AF65-F5344CB8AC3E}">
+        <p14:creationId xmlns:p14="http://schemas.microsoft.com/office/powerpoint/2010/main" val="1953081034"/>
+      </p:ext>
+    </p:extLst>
+  </p:cSld>
+  <p:clrMapOvr>
+    <a:masterClrMapping/>
+  </p:clrMapOvr>
+</p:notes>
+</file>
+
+<file path=ppt/notesSlides/notesSlide15.xml><?xml version="1.0" encoding="utf-8"?>
+<p:notes xmlns:a="http://schemas.openxmlformats.org/drawingml/2006/main" xmlns:r="http://schemas.openxmlformats.org/officeDocument/2006/relationships" xmlns:p="http://schemas.openxmlformats.org/presentationml/2006/main">
+  <p:cSld>
+    <p:spTree>
+      <p:nvGrpSpPr>
+        <p:cNvPr id="1" name=""/>
+        <p:cNvGrpSpPr/>
+        <p:nvPr/>
+      </p:nvGrpSpPr>
+      <p:grpSpPr>
+        <a:xfrm>
+          <a:off x="0" y="0"/>
+          <a:ext cx="0" cy="0"/>
+          <a:chOff x="0" y="0"/>
+          <a:chExt cx="0" cy="0"/>
+        </a:xfrm>
+      </p:grpSpPr>
+      <p:sp>
+        <p:nvSpPr>
+          <p:cNvPr id="2" name="Образ слайда 1"/>
+          <p:cNvSpPr>
+            <a:spLocks noGrp="1" noRot="1" noChangeAspect="1"/>
+          </p:cNvSpPr>
+          <p:nvPr>
+            <p:ph type="sldImg"/>
+          </p:nvPr>
+        </p:nvSpPr>
+        <p:spPr/>
+      </p:sp>
+      <p:sp>
+        <p:nvSpPr>
+          <p:cNvPr id="3" name="Заметки 2"/>
+          <p:cNvSpPr>
+            <a:spLocks noGrp="1"/>
+          </p:cNvSpPr>
+          <p:nvPr>
+            <p:ph type="body" idx="1"/>
+          </p:nvPr>
+        </p:nvSpPr>
+        <p:spPr/>
+        <p:txBody>
+          <a:bodyPr/>
+          <a:lstStyle/>
+          <a:p>
+            <a:endParaRPr lang="uk-UA" dirty="0"/>
+          </a:p>
+        </p:txBody>
+      </p:sp>
+      <p:sp>
+        <p:nvSpPr>
+          <p:cNvPr id="4" name="Номер слайда 3"/>
+          <p:cNvSpPr>
+            <a:spLocks noGrp="1"/>
+          </p:cNvSpPr>
+          <p:nvPr>
+            <p:ph type="sldNum" sz="quarter" idx="5"/>
+          </p:nvPr>
+        </p:nvSpPr>
+        <p:spPr/>
+        <p:txBody>
+          <a:bodyPr/>
+          <a:lstStyle/>
+          <a:p>
+            <a:fld id="{22EF5D64-70F2-4A3C-9214-8664E4464032}" type="slidenum">
+              <a:rPr lang="uk-UA" smtClean="0"/>
+              <a:t>27</a:t>
+            </a:fld>
+            <a:endParaRPr lang="uk-UA"/>
+          </a:p>
+        </p:txBody>
+      </p:sp>
+    </p:spTree>
+    <p:extLst>
+      <p:ext uri="{BB962C8B-B14F-4D97-AF65-F5344CB8AC3E}">
+        <p14:creationId xmlns:p14="http://schemas.microsoft.com/office/powerpoint/2010/main" val="2487950327"/>
+      </p:ext>
+    </p:extLst>
+  </p:cSld>
+  <p:clrMapOvr>
+    <a:masterClrMapping/>
+  </p:clrMapOvr>
+</p:notes>
+</file>
+
+<file path=ppt/notesSlides/notesSlide16.xml><?xml version="1.0" encoding="utf-8"?>
+<p:notes xmlns:a="http://schemas.openxmlformats.org/drawingml/2006/main" xmlns:r="http://schemas.openxmlformats.org/officeDocument/2006/relationships" xmlns:p="http://schemas.openxmlformats.org/presentationml/2006/main">
+  <p:cSld>
+    <p:spTree>
+      <p:nvGrpSpPr>
+        <p:cNvPr id="1" name=""/>
+        <p:cNvGrpSpPr/>
+        <p:nvPr/>
+      </p:nvGrpSpPr>
+      <p:grpSpPr>
+        <a:xfrm>
+          <a:off x="0" y="0"/>
+          <a:ext cx="0" cy="0"/>
+          <a:chOff x="0" y="0"/>
+          <a:chExt cx="0" cy="0"/>
+        </a:xfrm>
+      </p:grpSpPr>
+      <p:sp>
+        <p:nvSpPr>
+          <p:cNvPr id="2" name="Образ слайда 1"/>
+          <p:cNvSpPr>
+            <a:spLocks noGrp="1" noRot="1" noChangeAspect="1"/>
+          </p:cNvSpPr>
+          <p:nvPr>
+            <p:ph type="sldImg"/>
+          </p:nvPr>
+        </p:nvSpPr>
+        <p:spPr/>
+      </p:sp>
+      <p:sp>
+        <p:nvSpPr>
+          <p:cNvPr id="3" name="Заметки 2"/>
+          <p:cNvSpPr>
+            <a:spLocks noGrp="1"/>
+          </p:cNvSpPr>
+          <p:nvPr>
+            <p:ph type="body" idx="1"/>
+          </p:nvPr>
+        </p:nvSpPr>
+        <p:spPr/>
+        <p:txBody>
+          <a:bodyPr/>
+          <a:lstStyle/>
+          <a:p>
+            <a:r>
+              <a:rPr lang="uk-UA" dirty="0"/>
+              <a:t>Властивість </a:t>
+            </a:r>
+            <a:r>
+              <a:rPr lang="en-US" dirty="0"/>
+              <a:t>CSS align-content </a:t>
+            </a:r>
+            <a:r>
+              <a:rPr lang="uk-UA" dirty="0"/>
+              <a:t>вирівнює лінії контейнера </a:t>
+            </a:r>
+            <a:r>
+              <a:rPr lang="en-US" dirty="0"/>
+              <a:t>flex </a:t>
+            </a:r>
+            <a:r>
+              <a:rPr lang="uk-UA" dirty="0"/>
+              <a:t>в контейнері </a:t>
+            </a:r>
+            <a:r>
+              <a:rPr lang="en-US" dirty="0"/>
+              <a:t>flex </a:t>
+            </a:r>
+            <a:r>
+              <a:rPr lang="uk-UA" dirty="0"/>
+              <a:t>при наявності додаткового простору на перехресної осі.</a:t>
+            </a:r>
+          </a:p>
+          <a:p>
+            <a:endParaRPr lang="uk-UA" dirty="0"/>
+          </a:p>
+          <a:p>
+            <a:r>
+              <a:rPr lang="uk-UA" dirty="0"/>
+              <a:t>Це властивість не має ніякого впливу, якщо у нас тільки один ряд або колонка</a:t>
+            </a:r>
+          </a:p>
+        </p:txBody>
+      </p:sp>
+      <p:sp>
+        <p:nvSpPr>
+          <p:cNvPr id="4" name="Номер слайда 3"/>
+          <p:cNvSpPr>
+            <a:spLocks noGrp="1"/>
+          </p:cNvSpPr>
+          <p:nvPr>
+            <p:ph type="sldNum" sz="quarter" idx="5"/>
+          </p:nvPr>
+        </p:nvSpPr>
+        <p:spPr/>
+        <p:txBody>
+          <a:bodyPr/>
+          <a:lstStyle/>
+          <a:p>
+            <a:fld id="{22EF5D64-70F2-4A3C-9214-8664E4464032}" type="slidenum">
+              <a:rPr lang="uk-UA" smtClean="0"/>
+              <a:t>29</a:t>
+            </a:fld>
+            <a:endParaRPr lang="uk-UA"/>
+          </a:p>
+        </p:txBody>
+      </p:sp>
+    </p:spTree>
+    <p:extLst>
+      <p:ext uri="{BB962C8B-B14F-4D97-AF65-F5344CB8AC3E}">
+        <p14:creationId xmlns:p14="http://schemas.microsoft.com/office/powerpoint/2010/main" val="2234633498"/>
+      </p:ext>
+    </p:extLst>
+  </p:cSld>
+  <p:clrMapOvr>
+    <a:masterClrMapping/>
+  </p:clrMapOvr>
+</p:notes>
+</file>
+
+<file path=ppt/notesSlides/notesSlide17.xml><?xml version="1.0" encoding="utf-8"?>
+<p:notes xmlns:a="http://schemas.openxmlformats.org/drawingml/2006/main" xmlns:r="http://schemas.openxmlformats.org/officeDocument/2006/relationships" xmlns:p="http://schemas.openxmlformats.org/presentationml/2006/main">
+  <p:cSld>
+    <p:spTree>
+      <p:nvGrpSpPr>
+        <p:cNvPr id="1" name=""/>
+        <p:cNvGrpSpPr/>
+        <p:nvPr/>
+      </p:nvGrpSpPr>
+      <p:grpSpPr>
+        <a:xfrm>
+          <a:off x="0" y="0"/>
+          <a:ext cx="0" cy="0"/>
+          <a:chOff x="0" y="0"/>
+          <a:chExt cx="0" cy="0"/>
+        </a:xfrm>
+      </p:grpSpPr>
+      <p:sp>
+        <p:nvSpPr>
+          <p:cNvPr id="2" name="Образ слайда 1"/>
+          <p:cNvSpPr>
+            <a:spLocks noGrp="1" noRot="1" noChangeAspect="1"/>
+          </p:cNvSpPr>
+          <p:nvPr>
+            <p:ph type="sldImg"/>
+          </p:nvPr>
+        </p:nvSpPr>
+        <p:spPr/>
+      </p:sp>
+      <p:sp>
+        <p:nvSpPr>
+          <p:cNvPr id="3" name="Заметки 2"/>
+          <p:cNvSpPr>
+            <a:spLocks noGrp="1"/>
+          </p:cNvSpPr>
+          <p:nvPr>
+            <p:ph type="body" idx="1"/>
+          </p:nvPr>
+        </p:nvSpPr>
+        <p:spPr/>
+        <p:txBody>
+          <a:bodyPr/>
+          <a:lstStyle/>
+          <a:p>
+            <a:endParaRPr lang="uk-UA" dirty="0"/>
+          </a:p>
+        </p:txBody>
+      </p:sp>
+      <p:sp>
+        <p:nvSpPr>
+          <p:cNvPr id="4" name="Номер слайда 3"/>
+          <p:cNvSpPr>
+            <a:spLocks noGrp="1"/>
+          </p:cNvSpPr>
+          <p:nvPr>
+            <p:ph type="sldNum" sz="quarter" idx="5"/>
+          </p:nvPr>
+        </p:nvSpPr>
+        <p:spPr/>
+        <p:txBody>
+          <a:bodyPr/>
+          <a:lstStyle/>
+          <a:p>
+            <a:fld id="{22EF5D64-70F2-4A3C-9214-8664E4464032}" type="slidenum">
+              <a:rPr lang="uk-UA" smtClean="0"/>
+              <a:t>30</a:t>
+            </a:fld>
+            <a:endParaRPr lang="uk-UA"/>
+          </a:p>
+        </p:txBody>
+      </p:sp>
+    </p:spTree>
+    <p:extLst>
+      <p:ext uri="{BB962C8B-B14F-4D97-AF65-F5344CB8AC3E}">
+        <p14:creationId xmlns:p14="http://schemas.microsoft.com/office/powerpoint/2010/main" val="2581949734"/>
+      </p:ext>
+    </p:extLst>
+  </p:cSld>
+  <p:clrMapOvr>
+    <a:masterClrMapping/>
+  </p:clrMapOvr>
+</p:notes>
+</file>
+
+<file path=ppt/notesSlides/notesSlide18.xml><?xml version="1.0" encoding="utf-8"?>
+<p:notes xmlns:a="http://schemas.openxmlformats.org/drawingml/2006/main" xmlns:r="http://schemas.openxmlformats.org/officeDocument/2006/relationships" xmlns:p="http://schemas.openxmlformats.org/presentationml/2006/main">
+  <p:cSld>
+    <p:spTree>
+      <p:nvGrpSpPr>
+        <p:cNvPr id="1" name=""/>
+        <p:cNvGrpSpPr/>
+        <p:nvPr/>
+      </p:nvGrpSpPr>
+      <p:grpSpPr>
+        <a:xfrm>
+          <a:off x="0" y="0"/>
+          <a:ext cx="0" cy="0"/>
+          <a:chOff x="0" y="0"/>
+          <a:chExt cx="0" cy="0"/>
+        </a:xfrm>
+      </p:grpSpPr>
+      <p:sp>
+        <p:nvSpPr>
+          <p:cNvPr id="2" name="Образ слайда 1"/>
+          <p:cNvSpPr>
+            <a:spLocks noGrp="1" noRot="1" noChangeAspect="1"/>
+          </p:cNvSpPr>
+          <p:nvPr>
+            <p:ph type="sldImg"/>
+          </p:nvPr>
+        </p:nvSpPr>
+        <p:spPr/>
+      </p:sp>
+      <p:sp>
+        <p:nvSpPr>
+          <p:cNvPr id="3" name="Заметки 2"/>
+          <p:cNvSpPr>
+            <a:spLocks noGrp="1"/>
+          </p:cNvSpPr>
+          <p:nvPr>
+            <p:ph type="body" idx="1"/>
+          </p:nvPr>
+        </p:nvSpPr>
+        <p:spPr/>
+        <p:txBody>
+          <a:bodyPr/>
+          <a:lstStyle/>
+          <a:p>
+            <a:pPr marL="0" marR="0" lvl="0" indent="0" algn="l" defTabSz="914400" rtl="0" eaLnBrk="1" fontAlgn="auto" latinLnBrk="0" hangingPunct="1">
+              <a:lnSpc>
+                <a:spcPct val="100000"/>
+              </a:lnSpc>
+              <a:spcBef>
+                <a:spcPts val="0"/>
+              </a:spcBef>
+              <a:spcAft>
+                <a:spcPts val="0"/>
+              </a:spcAft>
+              <a:buClrTx/>
+              <a:buSzTx/>
+              <a:buFontTx/>
+              <a:buNone/>
+              <a:tabLst/>
+              <a:defRPr/>
+            </a:pPr>
+            <a:r>
+              <a:rPr lang="ru-RU" sz="1200" b="0" i="0" kern="1200" dirty="0" err="1">
+                <a:solidFill>
+                  <a:schemeClr val="tx1"/>
+                </a:solidFill>
+                <a:effectLst/>
+                <a:latin typeface="+mn-lt"/>
+                <a:ea typeface="+mn-ea"/>
+                <a:cs typeface="+mn-cs"/>
+              </a:rPr>
+              <a:t>Значення</a:t>
+            </a:r>
+            <a:r>
+              <a:rPr lang="ru-RU" sz="1200" b="0" i="0" kern="1200" dirty="0">
+                <a:solidFill>
+                  <a:schemeClr val="tx1"/>
+                </a:solidFill>
+                <a:effectLst/>
+                <a:latin typeface="+mn-lt"/>
+                <a:ea typeface="+mn-ea"/>
+                <a:cs typeface="+mn-cs"/>
+              </a:rPr>
+              <a:t> </a:t>
+            </a:r>
+            <a:r>
+              <a:rPr lang="ru-RU" dirty="0" err="1"/>
+              <a:t>stretch</a:t>
+            </a:r>
+            <a:r>
+              <a:rPr lang="ru-RU" sz="1200" b="0" i="0" kern="1200" dirty="0">
+                <a:solidFill>
+                  <a:schemeClr val="tx1"/>
+                </a:solidFill>
+                <a:effectLst/>
+                <a:latin typeface="+mn-lt"/>
+                <a:ea typeface="+mn-ea"/>
+                <a:cs typeface="+mn-cs"/>
+              </a:rPr>
+              <a:t> </a:t>
+            </a:r>
+            <a:r>
+              <a:rPr lang="ru-RU" sz="1200" b="0" i="0" kern="1200" dirty="0" err="1">
+                <a:solidFill>
+                  <a:schemeClr val="tx1"/>
+                </a:solidFill>
+                <a:effectLst/>
+                <a:latin typeface="+mn-lt"/>
+                <a:ea typeface="+mn-ea"/>
+                <a:cs typeface="+mn-cs"/>
+              </a:rPr>
+              <a:t>працює</a:t>
+            </a:r>
+            <a:r>
+              <a:rPr lang="ru-RU" sz="1200" b="0" i="0" kern="1200" dirty="0">
+                <a:solidFill>
+                  <a:schemeClr val="tx1"/>
+                </a:solidFill>
+                <a:effectLst/>
+                <a:latin typeface="+mn-lt"/>
+                <a:ea typeface="+mn-ea"/>
+                <a:cs typeface="+mn-cs"/>
+              </a:rPr>
+              <a:t>, </a:t>
+            </a:r>
+            <a:r>
+              <a:rPr lang="ru-RU" sz="1200" b="0" i="0" kern="1200" dirty="0" err="1">
+                <a:solidFill>
+                  <a:schemeClr val="tx1"/>
+                </a:solidFill>
+                <a:effectLst/>
+                <a:latin typeface="+mn-lt"/>
+                <a:ea typeface="+mn-ea"/>
+                <a:cs typeface="+mn-cs"/>
+              </a:rPr>
+              <a:t>тільки</a:t>
+            </a:r>
+            <a:r>
+              <a:rPr lang="ru-RU" sz="1200" b="0" i="0" kern="1200" dirty="0">
+                <a:solidFill>
+                  <a:schemeClr val="tx1"/>
+                </a:solidFill>
+                <a:effectLst/>
+                <a:latin typeface="+mn-lt"/>
+                <a:ea typeface="+mn-ea"/>
+                <a:cs typeface="+mn-cs"/>
+              </a:rPr>
+              <a:t> </a:t>
+            </a:r>
+            <a:r>
+              <a:rPr lang="ru-RU" sz="1200" b="0" i="0" kern="1200" dirty="0" err="1">
+                <a:solidFill>
+                  <a:schemeClr val="tx1"/>
+                </a:solidFill>
+                <a:effectLst/>
+                <a:latin typeface="+mn-lt"/>
+                <a:ea typeface="+mn-ea"/>
+                <a:cs typeface="+mn-cs"/>
+              </a:rPr>
+              <a:t>тоді</a:t>
+            </a:r>
+            <a:r>
+              <a:rPr lang="ru-RU" sz="1200" b="0" i="0" kern="1200" dirty="0">
+                <a:solidFill>
+                  <a:schemeClr val="tx1"/>
+                </a:solidFill>
+                <a:effectLst/>
+                <a:latin typeface="+mn-lt"/>
+                <a:ea typeface="+mn-ea"/>
+                <a:cs typeface="+mn-cs"/>
+              </a:rPr>
+              <a:t>, коли не </a:t>
+            </a:r>
+            <a:r>
+              <a:rPr lang="ru-RU" sz="1200" b="0" i="0" kern="1200" dirty="0" err="1">
+                <a:solidFill>
+                  <a:schemeClr val="tx1"/>
+                </a:solidFill>
+                <a:effectLst/>
+                <a:latin typeface="+mn-lt"/>
+                <a:ea typeface="+mn-ea"/>
+                <a:cs typeface="+mn-cs"/>
+              </a:rPr>
+              <a:t>вказано</a:t>
+            </a:r>
+            <a:r>
+              <a:rPr lang="ru-RU" sz="1200" b="0" i="0" kern="1200" dirty="0">
+                <a:solidFill>
+                  <a:schemeClr val="tx1"/>
+                </a:solidFill>
+                <a:effectLst/>
+                <a:latin typeface="+mn-lt"/>
+                <a:ea typeface="+mn-ea"/>
+                <a:cs typeface="+mn-cs"/>
+              </a:rPr>
+              <a:t> </a:t>
+            </a:r>
+            <a:r>
+              <a:rPr lang="ru-RU" sz="1200" b="0" i="0" kern="1200" dirty="0" err="1">
+                <a:solidFill>
+                  <a:schemeClr val="tx1"/>
+                </a:solidFill>
+                <a:effectLst/>
+                <a:latin typeface="+mn-lt"/>
+                <a:ea typeface="+mn-ea"/>
+                <a:cs typeface="+mn-cs"/>
+              </a:rPr>
+              <a:t>висоту</a:t>
+            </a:r>
+            <a:r>
+              <a:rPr lang="ru-RU" sz="1200" b="0" i="0" kern="1200" dirty="0">
+                <a:solidFill>
+                  <a:schemeClr val="tx1"/>
+                </a:solidFill>
+                <a:effectLst/>
+                <a:latin typeface="+mn-lt"/>
+                <a:ea typeface="+mn-ea"/>
+                <a:cs typeface="+mn-cs"/>
+              </a:rPr>
+              <a:t> </a:t>
+            </a:r>
+            <a:r>
+              <a:rPr lang="ru-RU" sz="1200" b="0" i="0" kern="1200" dirty="0" err="1">
+                <a:solidFill>
+                  <a:schemeClr val="tx1"/>
+                </a:solidFill>
+                <a:effectLst/>
+                <a:latin typeface="+mn-lt"/>
+                <a:ea typeface="+mn-ea"/>
+                <a:cs typeface="+mn-cs"/>
+              </a:rPr>
+              <a:t>дочірнього</a:t>
+            </a:r>
+            <a:r>
+              <a:rPr lang="ru-RU" sz="1200" b="0" i="0" kern="1200" dirty="0">
+                <a:solidFill>
+                  <a:schemeClr val="tx1"/>
+                </a:solidFill>
+                <a:effectLst/>
+                <a:latin typeface="+mn-lt"/>
+                <a:ea typeface="+mn-ea"/>
+                <a:cs typeface="+mn-cs"/>
+              </a:rPr>
+              <a:t> </a:t>
+            </a:r>
+            <a:r>
+              <a:rPr lang="ru-RU" sz="1200" b="0" i="0" kern="1200" dirty="0" err="1">
+                <a:solidFill>
+                  <a:schemeClr val="tx1"/>
+                </a:solidFill>
+                <a:effectLst/>
+                <a:latin typeface="+mn-lt"/>
+                <a:ea typeface="+mn-ea"/>
+                <a:cs typeface="+mn-cs"/>
+              </a:rPr>
+              <a:t>елемента</a:t>
+            </a:r>
+            <a:r>
+              <a:rPr lang="ru-RU" sz="1200" b="0" i="0" kern="1200" dirty="0">
+                <a:solidFill>
+                  <a:schemeClr val="tx1"/>
+                </a:solidFill>
+                <a:effectLst/>
+                <a:latin typeface="+mn-lt"/>
+                <a:ea typeface="+mn-ea"/>
+                <a:cs typeface="+mn-cs"/>
+              </a:rPr>
+              <a:t>. </a:t>
+            </a:r>
+            <a:endParaRPr lang="uk-UA" dirty="0"/>
+          </a:p>
+          <a:p>
+            <a:endParaRPr lang="uk-UA" dirty="0"/>
+          </a:p>
+        </p:txBody>
+      </p:sp>
+      <p:sp>
+        <p:nvSpPr>
+          <p:cNvPr id="4" name="Номер слайда 3"/>
+          <p:cNvSpPr>
+            <a:spLocks noGrp="1"/>
+          </p:cNvSpPr>
+          <p:nvPr>
+            <p:ph type="sldNum" sz="quarter" idx="5"/>
+          </p:nvPr>
+        </p:nvSpPr>
+        <p:spPr/>
+        <p:txBody>
+          <a:bodyPr/>
+          <a:lstStyle/>
+          <a:p>
+            <a:fld id="{22EF5D64-70F2-4A3C-9214-8664E4464032}" type="slidenum">
+              <a:rPr lang="uk-UA" smtClean="0"/>
+              <a:t>32</a:t>
+            </a:fld>
+            <a:endParaRPr lang="uk-UA"/>
+          </a:p>
+        </p:txBody>
+      </p:sp>
+    </p:spTree>
+    <p:extLst>
+      <p:ext uri="{BB962C8B-B14F-4D97-AF65-F5344CB8AC3E}">
+        <p14:creationId xmlns:p14="http://schemas.microsoft.com/office/powerpoint/2010/main" val="3264475896"/>
+      </p:ext>
+    </p:extLst>
+  </p:cSld>
+  <p:clrMapOvr>
+    <a:masterClrMapping/>
+  </p:clrMapOvr>
+</p:notes>
+</file>
+
+<file path=ppt/notesSlides/notesSlide19.xml><?xml version="1.0" encoding="utf-8"?>
+<p:notes xmlns:a="http://schemas.openxmlformats.org/drawingml/2006/main" xmlns:r="http://schemas.openxmlformats.org/officeDocument/2006/relationships" xmlns:p="http://schemas.openxmlformats.org/presentationml/2006/main">
+  <p:cSld>
+    <p:spTree>
+      <p:nvGrpSpPr>
+        <p:cNvPr id="1" name=""/>
+        <p:cNvGrpSpPr/>
+        <p:nvPr/>
+      </p:nvGrpSpPr>
+      <p:grpSpPr>
+        <a:xfrm>
+          <a:off x="0" y="0"/>
+          <a:ext cx="0" cy="0"/>
+          <a:chOff x="0" y="0"/>
+          <a:chExt cx="0" cy="0"/>
+        </a:xfrm>
+      </p:grpSpPr>
+      <p:sp>
+        <p:nvSpPr>
+          <p:cNvPr id="2" name="Образ слайда 1"/>
+          <p:cNvSpPr>
+            <a:spLocks noGrp="1" noRot="1" noChangeAspect="1"/>
+          </p:cNvSpPr>
+          <p:nvPr>
+            <p:ph type="sldImg"/>
+          </p:nvPr>
+        </p:nvSpPr>
+        <p:spPr/>
+      </p:sp>
+      <p:sp>
+        <p:nvSpPr>
+          <p:cNvPr id="3" name="Заметки 2"/>
+          <p:cNvSpPr>
+            <a:spLocks noGrp="1"/>
+          </p:cNvSpPr>
+          <p:nvPr>
+            <p:ph type="body" idx="1"/>
+          </p:nvPr>
+        </p:nvSpPr>
+        <p:spPr/>
+        <p:txBody>
+          <a:bodyPr/>
+          <a:lstStyle/>
+          <a:p>
+            <a:r>
+              <a:rPr lang="uk-UA" dirty="0"/>
+              <a:t>У </a:t>
+            </a:r>
+            <a:r>
+              <a:rPr lang="en-US" dirty="0"/>
+              <a:t>Flexbox </a:t>
+            </a:r>
+            <a:r>
+              <a:rPr lang="uk-UA" dirty="0"/>
+              <a:t>також є можливість змінювати порядок розташування </a:t>
+            </a:r>
+            <a:r>
+              <a:rPr lang="en-US" dirty="0"/>
+              <a:t>flex </a:t>
+            </a:r>
+            <a:r>
+              <a:rPr lang="uk-UA" dirty="0"/>
+              <a:t>елементів, не впливаючи на вихідний порядок. Це ще одна річ, яку неможливо зробити традиційними методами </a:t>
+            </a:r>
+            <a:r>
+              <a:rPr lang="en-US" dirty="0"/>
+              <a:t>CSS.</a:t>
+            </a:r>
             <a:endParaRPr lang="uk-UA" dirty="0"/>
           </a:p>
         </p:txBody>
@@ -1133,6 +2872,18 @@
           <a:lstStyle/>
           <a:p>
             <a:r>
+              <a:rPr lang="uk-UA" sz="1200" b="0" i="0" kern="1200" dirty="0">
+                <a:solidFill>
+                  <a:schemeClr val="tx1"/>
+                </a:solidFill>
+                <a:effectLst/>
+                <a:latin typeface="+mn-lt"/>
+                <a:ea typeface="+mn-ea"/>
+                <a:cs typeface="+mn-cs"/>
+              </a:rPr>
+              <a:t>Довгий час єдиними надійними інструментами </a:t>
+            </a:r>
+            <a:r>
               <a:rPr lang="en-US" sz="1200" b="0" i="0" kern="1200" dirty="0">
                 <a:solidFill>
                   <a:schemeClr val="tx1"/>
@@ -1142,10 +2893,10 @@
                 <a:ea typeface="+mn-ea"/>
                 <a:cs typeface="+mn-cs"/>
               </a:rPr>
-              <a:t>For a long time, the only reliable cross browser-compatible tools available for creating CSS layouts were things like </a:t>
-            </a:r>
-            <a:r>
-              <a:rPr lang="en-US" sz="1200" b="0" i="0" u="none" strike="noStrike" kern="1200" dirty="0">
+              <a:t>CSS </a:t>
+            </a:r>
+            <a:r>
+              <a:rPr lang="uk-UA" sz="1200" b="0" i="0" kern="1200" dirty="0">
                 <a:solidFill>
                   <a:schemeClr val="tx1"/>
                 </a:solidFill>
@@ -1153,9 +2904,8 @@
                 <a:latin typeface="+mn-lt"/>
                 <a:ea typeface="+mn-ea"/>
                 <a:cs typeface="+mn-cs"/>
-                <a:hlinkClick r:id="rId3"/>
-              </a:rPr>
-              <a:t>floats</a:t>
+              </a:rPr>
+              <a:t>верстки були такі способи як </a:t>
             </a:r>
             <a:r>
               <a:rPr lang="en-US" sz="1200" b="0" i="0" kern="1200" dirty="0">
@@ -1167,10 +2917,10 @@
                 <a:ea typeface="+mn-ea"/>
                 <a:cs typeface="+mn-cs"/>
               </a:rPr>
-              <a:t> and </a:t>
-            </a:r>
-            <a:r>
-              <a:rPr lang="en-US" sz="1200" b="0" i="0" u="none" strike="noStrike" kern="1200" dirty="0">
+              <a:t>Float (</a:t>
+            </a:r>
+            <a:r>
+              <a:rPr lang="uk-UA" sz="1200" b="0" i="0" kern="1200" dirty="0">
                 <a:solidFill>
                   <a:schemeClr val="tx1"/>
                 </a:solidFill>
@@ -1178,9 +2928,100 @@
                 <a:latin typeface="+mn-lt"/>
                 <a:ea typeface="+mn-ea"/>
                 <a:cs typeface="+mn-cs"/>
-                <a:hlinkClick r:id="rId4"/>
-              </a:rPr>
-              <a:t>positioning</a:t>
+              </a:rPr>
+              <a:t>обтікання) і позиціонування.</a:t>
+            </a:r>
+          </a:p>
+          <a:p>
+            <a:endParaRPr lang="uk-UA" sz="1200" b="0" i="0" kern="1200" dirty="0">
+              <a:solidFill>
+                <a:schemeClr val="tx1"/>
+              </a:solidFill>
+              <a:effectLst/>
+              <a:latin typeface="+mn-lt"/>
+              <a:ea typeface="+mn-ea"/>
+              <a:cs typeface="+mn-cs"/>
+            </a:endParaRPr>
+          </a:p>
+          <a:p>
+            <a:r>
+              <a:rPr lang="uk-UA" sz="1200" b="0" i="0" kern="1200" dirty="0">
+                <a:solidFill>
+                  <a:schemeClr val="tx1"/>
+                </a:solidFill>
+                <a:effectLst/>
+                <a:latin typeface="+mn-lt"/>
+                <a:ea typeface="+mn-ea"/>
+                <a:cs typeface="+mn-cs"/>
+              </a:rPr>
+              <a:t>З їх допомогою складно або неможливо досягти наступних простих вимог до макету:</a:t>
+            </a:r>
+          </a:p>
+          <a:p>
+            <a:endParaRPr lang="uk-UA" sz="1200" b="0" i="0" kern="1200" dirty="0">
+              <a:solidFill>
+                <a:schemeClr val="tx1"/>
+              </a:solidFill>
+              <a:effectLst/>
+              <a:latin typeface="+mn-lt"/>
+              <a:ea typeface="+mn-ea"/>
+              <a:cs typeface="+mn-cs"/>
+            </a:endParaRPr>
+          </a:p>
+          <a:p>
+            <a:r>
+              <a:rPr lang="uk-UA" sz="1200" b="0" i="0" kern="1200" dirty="0">
+                <a:solidFill>
+                  <a:schemeClr val="tx1"/>
+                </a:solidFill>
+                <a:effectLst/>
+                <a:latin typeface="+mn-lt"/>
+                <a:ea typeface="+mn-ea"/>
+                <a:cs typeface="+mn-cs"/>
+              </a:rPr>
+              <a:t>Вертикального вирівнювання блоку всередині батька.</a:t>
+            </a:r>
+          </a:p>
+          <a:p>
+            <a:r>
+              <a:rPr lang="uk-UA" sz="1200" b="0" i="0" kern="1200" dirty="0">
+                <a:solidFill>
+                  <a:schemeClr val="tx1"/>
+                </a:solidFill>
+                <a:effectLst/>
+                <a:latin typeface="+mn-lt"/>
+                <a:ea typeface="+mn-ea"/>
+                <a:cs typeface="+mn-cs"/>
+              </a:rPr>
+              <a:t>Оформлення всіх дітей контейнера так, щоб вони розподілили між собою доступну ширину / висоту, незалежно від того, скільки ширини / висоти доступно.</a:t>
+            </a:r>
+          </a:p>
+          <a:p>
+            <a:r>
+              <a:rPr lang="uk-UA" sz="1200" b="0" i="0" kern="1200" dirty="0">
+                <a:solidFill>
+                  <a:schemeClr val="tx1"/>
+                </a:solidFill>
+                <a:effectLst/>
+                <a:latin typeface="+mn-lt"/>
+                <a:ea typeface="+mn-ea"/>
+                <a:cs typeface="+mn-cs"/>
+              </a:rPr>
+              <a:t>Зробити все колонки в макеті однакової висоти, навіть якщо наповнення в них по-різному.</a:t>
+            </a:r>
+          </a:p>
+          <a:p>
+            <a:r>
+              <a:rPr lang="uk-UA" sz="1200" b="0" i="0" kern="1200" dirty="0">
+                <a:solidFill>
+                  <a:schemeClr val="tx1"/>
+                </a:solidFill>
+                <a:effectLst/>
+                <a:latin typeface="+mn-lt"/>
+                <a:ea typeface="+mn-ea"/>
+                <a:cs typeface="+mn-cs"/>
+              </a:rPr>
+              <a:t>Як ви побачите в наступних розділах, </a:t>
             </a:r>
             <a:r>
               <a:rPr lang="en-US" sz="1200" b="0" i="0" kern="1200" dirty="0">
@@ -1192,12 +3033,10 @@
                 <a:ea typeface="+mn-ea"/>
                 <a:cs typeface="+mn-cs"/>
               </a:rPr>
-              <a:t>. These are fine and they work, but in some ways they are also rather limiting and frustrating.</a:t>
-            </a:r>
-          </a:p>
-          <a:p>
-            <a:r>
-              <a:rPr lang="en-US" sz="1200" b="0" i="0" kern="1200" dirty="0">
+              <a:t>flexbox </a:t>
+            </a:r>
+            <a:r>
+              <a:rPr lang="uk-UA" sz="1200" b="0" i="0" kern="1200" dirty="0">
                 <a:solidFill>
                   <a:schemeClr val="tx1"/>
                 </a:solidFill>
@@ -1206,66 +3045,8 @@
                 <a:ea typeface="+mn-ea"/>
                 <a:cs typeface="+mn-cs"/>
               </a:rPr>
-              <a:t>The following simple layout requirements are either difficult or impossible to achieve with such tools, in any kind of convenient, flexible way:</a:t>
-            </a:r>
-          </a:p>
-          <a:p>
-            <a:r>
-              <a:rPr lang="en-US" sz="1200" b="0" i="0" kern="1200" dirty="0">
-                <a:solidFill>
-                  <a:schemeClr val="tx1"/>
-                </a:solidFill>
-                <a:effectLst/>
-                <a:latin typeface="+mn-lt"/>
-                <a:ea typeface="+mn-ea"/>
-                <a:cs typeface="+mn-cs"/>
-              </a:rPr>
-              <a:t>Vertically centering a block of content inside its parent.</a:t>
-            </a:r>
-          </a:p>
-          <a:p>
-            <a:r>
-              <a:rPr lang="en-US" sz="1200" b="0" i="0" kern="1200" dirty="0">
-                <a:solidFill>
-                  <a:schemeClr val="tx1"/>
-                </a:solidFill>
-                <a:effectLst/>
-                <a:latin typeface="+mn-lt"/>
-                <a:ea typeface="+mn-ea"/>
-                <a:cs typeface="+mn-cs"/>
-              </a:rPr>
-              <a:t>Making all the children of a container take up an equal amount of the available width/height, regardless of how much width/height is available.</a:t>
-            </a:r>
-          </a:p>
-          <a:p>
-            <a:r>
-              <a:rPr lang="en-US" sz="1200" b="0" i="0" kern="1200" dirty="0">
-                <a:solidFill>
-                  <a:schemeClr val="tx1"/>
-                </a:solidFill>
-                <a:effectLst/>
-                <a:latin typeface="+mn-lt"/>
-                <a:ea typeface="+mn-ea"/>
-                <a:cs typeface="+mn-cs"/>
-              </a:rPr>
-              <a:t>Making all columns in a multiple column layout adopt the same height even if they contain a different amount of content.</a:t>
-            </a:r>
-          </a:p>
-          <a:p>
-            <a:r>
-              <a:rPr lang="en-US" sz="1200" b="0" i="0" kern="1200" dirty="0">
-                <a:solidFill>
-                  <a:schemeClr val="tx1"/>
-                </a:solidFill>
-                <a:effectLst/>
-                <a:latin typeface="+mn-lt"/>
-                <a:ea typeface="+mn-ea"/>
-                <a:cs typeface="+mn-cs"/>
-              </a:rPr>
-              <a:t>As you'll see, flexbox makes a lot of layout tasks much easier. Let's dig in!</a:t>
-            </a:r>
-          </a:p>
-          <a:p>
+              <a:t>значно полегшує роботу з макетами.</a:t>
+            </a:r>
             <a:endParaRPr lang="uk-UA" dirty="0"/>
           </a:p>
         </p:txBody>
@@ -1519,6 +3300,18 @@
           <a:lstStyle/>
           <a:p>
             <a:r>
+              <a:rPr lang="uk-UA" sz="1200" b="0" i="0" kern="1200" dirty="0">
+                <a:solidFill>
+                  <a:schemeClr val="tx1"/>
+                </a:solidFill>
+                <a:effectLst/>
+                <a:latin typeface="+mn-lt"/>
+                <a:ea typeface="+mn-ea"/>
+                <a:cs typeface="+mn-cs"/>
+              </a:rPr>
+              <a:t>Головна вісь (</a:t>
+            </a:r>
+            <a:r>
               <a:rPr lang="en-US" sz="1200" b="0" i="0" kern="1200" dirty="0">
                 <a:solidFill>
                   <a:schemeClr val="tx1"/>
@@ -1528,10 +3321,10 @@
                 <a:ea typeface="+mn-ea"/>
                 <a:cs typeface="+mn-cs"/>
               </a:rPr>
-              <a:t>The </a:t>
-            </a:r>
-            <a:r>
-              <a:rPr lang="en-US" sz="1200" b="1" i="0" kern="1200" dirty="0">
+              <a:t>main axis) </a:t>
+            </a:r>
+            <a:r>
+              <a:rPr lang="uk-UA" sz="1200" b="0" i="0" kern="1200" dirty="0">
                 <a:solidFill>
                   <a:schemeClr val="tx1"/>
                 </a:solidFill>
@@ -1540,7 +3333,7 @@
                 <a:ea typeface="+mn-ea"/>
                 <a:cs typeface="+mn-cs"/>
               </a:rPr>
-              <a:t>main axis</a:t>
+              <a:t>проходить в тому напрямку, уздовж якого розташовані </a:t>
             </a:r>
             <a:r>
               <a:rPr lang="en-US" sz="1200" b="0" i="0" kern="1200" dirty="0">
@@ -1552,10 +3345,10 @@
                 <a:ea typeface="+mn-ea"/>
                 <a:cs typeface="+mn-cs"/>
               </a:rPr>
-              <a:t> is the axis running in the direction the flex items are being laid out in (e.g. as rows across the page, or columns down the page.) The start and end of this axis are called the </a:t>
-            </a:r>
-            <a:r>
-              <a:rPr lang="en-US" sz="1200" b="1" i="0" kern="1200" dirty="0">
+              <a:t>Flex </a:t>
+            </a:r>
+            <a:r>
+              <a:rPr lang="uk-UA" sz="1200" b="0" i="0" kern="1200" dirty="0">
                 <a:solidFill>
                   <a:schemeClr val="tx1"/>
                 </a:solidFill>
@@ -1564,7 +3357,7 @@
                 <a:ea typeface="+mn-ea"/>
                 <a:cs typeface="+mn-cs"/>
               </a:rPr>
-              <a:t>main start</a:t>
+              <a:t>елементи (наприклад, в рядок зліва направо або уздовж колонок вниз.) Початок і кінець цієї осі називаються </a:t>
             </a:r>
             <a:r>
               <a:rPr lang="en-US" sz="1200" b="0" i="0" kern="1200" dirty="0">
@@ -1576,10 +3369,10 @@
                 <a:ea typeface="+mn-ea"/>
                 <a:cs typeface="+mn-cs"/>
               </a:rPr>
-              <a:t> and </a:t>
-            </a:r>
-            <a:r>
-              <a:rPr lang="en-US" sz="1200" b="1" i="0" kern="1200" dirty="0">
+              <a:t>main start </a:t>
+            </a:r>
+            <a:r>
+              <a:rPr lang="uk-UA" sz="1200" b="0" i="0" kern="1200" dirty="0">
                 <a:solidFill>
                   <a:schemeClr val="tx1"/>
                 </a:solidFill>
@@ -1588,7 +3381,7 @@
                 <a:ea typeface="+mn-ea"/>
                 <a:cs typeface="+mn-cs"/>
               </a:rPr>
-              <a:t>main end</a:t>
+              <a:t>і </a:t>
             </a:r>
             <a:r>
               <a:rPr lang="en-US" sz="1200" b="0" i="0" kern="1200" dirty="0">
@@ -1600,10 +3393,22 @@
                 <a:ea typeface="+mn-ea"/>
                 <a:cs typeface="+mn-cs"/>
               </a:rPr>
-              <a:t>.</a:t>
-            </a:r>
-          </a:p>
-          <a:p>
+              <a:t>main end.</a:t>
+            </a:r>
+          </a:p>
+          <a:p>
+            <a:r>
+              <a:rPr lang="uk-UA" sz="1200" b="0" i="0" kern="1200" dirty="0">
+                <a:solidFill>
+                  <a:schemeClr val="tx1"/>
+                </a:solidFill>
+                <a:effectLst/>
+                <a:latin typeface="+mn-lt"/>
+                <a:ea typeface="+mn-ea"/>
+                <a:cs typeface="+mn-cs"/>
+              </a:rPr>
+              <a:t>Поперечна вісь (С</a:t>
+            </a:r>
             <a:r>
               <a:rPr lang="en-US" sz="1200" b="0" i="0" kern="1200" dirty="0">
                 <a:solidFill>
@@ -1614,10 +3419,10 @@
                 <a:ea typeface="+mn-ea"/>
                 <a:cs typeface="+mn-cs"/>
               </a:rPr>
-              <a:t>The </a:t>
-            </a:r>
-            <a:r>
-              <a:rPr lang="en-US" sz="1200" b="1" i="0" kern="1200" dirty="0">
+              <a:t>ross axis) </a:t>
+            </a:r>
+            <a:r>
+              <a:rPr lang="uk-UA" sz="1200" b="0" i="0" kern="1200" dirty="0">
                 <a:solidFill>
                   <a:schemeClr val="tx1"/>
                 </a:solidFill>
@@ -1626,7 +3431,7 @@
                 <a:ea typeface="+mn-ea"/>
                 <a:cs typeface="+mn-cs"/>
               </a:rPr>
-              <a:t>cross axis</a:t>
+              <a:t>проходить перпендикулярно </a:t>
             </a:r>
             <a:r>
               <a:rPr lang="en-US" sz="1200" b="0" i="0" kern="1200" dirty="0">
@@ -1638,10 +3443,10 @@
                 <a:ea typeface="+mn-ea"/>
                 <a:cs typeface="+mn-cs"/>
               </a:rPr>
-              <a:t> is the axis running perpendicular to the direction the flex items are being laid out in. The start and end of this axis are called the </a:t>
-            </a:r>
-            <a:r>
-              <a:rPr lang="en-US" sz="1200" b="1" i="0" kern="1200" dirty="0">
+              <a:t>Flex </a:t>
+            </a:r>
+            <a:r>
+              <a:rPr lang="uk-UA" sz="1200" b="0" i="0" kern="1200" dirty="0">
                 <a:solidFill>
                   <a:schemeClr val="tx1"/>
                 </a:solidFill>
@@ -1650,7 +3455,7 @@
                 <a:ea typeface="+mn-ea"/>
                 <a:cs typeface="+mn-cs"/>
               </a:rPr>
-              <a:t>cross start</a:t>
+              <a:t>елементам. Початок і кінець цієї осі називаються </a:t>
             </a:r>
             <a:r>
               <a:rPr lang="en-US" sz="1200" b="0" i="0" kern="1200" dirty="0">
@@ -1662,34 +3467,8 @@
                 <a:ea typeface="+mn-ea"/>
                 <a:cs typeface="+mn-cs"/>
               </a:rPr>
-              <a:t> and </a:t>
-            </a:r>
-            <a:r>
-              <a:rPr lang="en-US" sz="1200" b="1" i="0" kern="1200" dirty="0">
-                <a:solidFill>
-                  <a:schemeClr val="tx1"/>
-                </a:solidFill>
-                <a:effectLst/>
-                <a:latin typeface="+mn-lt"/>
-                <a:ea typeface="+mn-ea"/>
-                <a:cs typeface="+mn-cs"/>
-              </a:rPr>
-              <a:t>cross end</a:t>
-            </a:r>
-            <a:r>
-              <a:rPr lang="en-US" sz="1200" b="0" i="0" kern="1200" dirty="0">
-                <a:solidFill>
-                  <a:schemeClr val="tx1"/>
-                </a:solidFill>
-                <a:effectLst/>
-                <a:latin typeface="+mn-lt"/>
-                <a:ea typeface="+mn-ea"/>
-                <a:cs typeface="+mn-cs"/>
-              </a:rPr>
-              <a:t>.</a:t>
-            </a:r>
-          </a:p>
-          <a:p>
+              <a:t>cross start and cross end.</a:t>
+            </a:r>
             <a:endParaRPr lang="uk-UA" dirty="0"/>
           </a:p>
         </p:txBody>
@@ -1775,6 +3554,18 @@
           <a:lstStyle/>
           <a:p>
             <a:r>
+              <a:rPr lang="uk-UA" sz="1200" b="0" i="0" kern="1200" dirty="0">
+                <a:solidFill>
+                  <a:schemeClr val="tx1"/>
+                </a:solidFill>
+                <a:effectLst/>
+                <a:latin typeface="+mn-lt"/>
+                <a:ea typeface="+mn-ea"/>
+                <a:cs typeface="+mn-cs"/>
+              </a:rPr>
+              <a:t>У </a:t>
+            </a:r>
+            <a:r>
               <a:rPr lang="en-US" sz="1200" b="0" i="0" kern="1200" dirty="0">
                 <a:solidFill>
                   <a:schemeClr val="tx1"/>
@@ -1784,10 +3575,10 @@
                 <a:ea typeface="+mn-ea"/>
                 <a:cs typeface="+mn-cs"/>
               </a:rPr>
-              <a:t>Flexbox provides a property called </a:t>
-            </a:r>
-            <a:r>
-              <a:rPr lang="en-US" sz="1200" b="0" i="0" u="none" strike="noStrike" kern="1200" dirty="0">
+              <a:t>Flexbox </a:t>
+            </a:r>
+            <a:r>
+              <a:rPr lang="uk-UA" sz="1200" b="0" i="0" kern="1200" dirty="0">
                 <a:solidFill>
                   <a:schemeClr val="tx1"/>
                 </a:solidFill>
@@ -1795,9 +3586,8 @@
                 <a:latin typeface="+mn-lt"/>
                 <a:ea typeface="+mn-ea"/>
                 <a:cs typeface="+mn-cs"/>
-                <a:hlinkClick r:id="rId3" tooltip="The flex-direction CSS property sets how flex items are placed in the flex container defining the main axis and the direction (normal or reversed)."/>
-              </a:rPr>
-              <a:t>flex-direction</a:t>
+              </a:rPr>
+              <a:t>є властивість під назвою </a:t>
             </a:r>
             <a:r>
               <a:rPr lang="en-US" sz="1200" b="0" i="0" kern="1200" dirty="0">
@@ -1809,11 +3599,19 @@
                 <a:ea typeface="+mn-ea"/>
                 <a:cs typeface="+mn-cs"/>
               </a:rPr>
-              <a:t> that specifies what direction the main axis runs in (what direction the flexbox children are laid out in) — by default this is set to </a:t>
-            </a:r>
-            <a:r>
-              <a:rPr lang="en-US" dirty="0"/>
-              <a:t>row</a:t>
+              <a:t>flex-direction, </a:t>
+            </a:r>
+            <a:r>
+              <a:rPr lang="uk-UA" sz="1200" b="0" i="0" kern="1200" dirty="0">
+                <a:solidFill>
+                  <a:schemeClr val="tx1"/>
+                </a:solidFill>
+                <a:effectLst/>
+                <a:latin typeface="+mn-lt"/>
+                <a:ea typeface="+mn-ea"/>
+                <a:cs typeface="+mn-cs"/>
+              </a:rPr>
+              <a:t>яке визначає напрямок головної осі (в якому напрямку розташовуються </a:t>
             </a:r>
             <a:r>
               <a:rPr lang="en-US" sz="1200" b="0" i="0" kern="1200" dirty="0">
@@ -1825,7 +3623,43 @@
                 <a:ea typeface="+mn-ea"/>
                 <a:cs typeface="+mn-cs"/>
               </a:rPr>
-              <a:t>, which causes them to be laid out in a row in the direction your browser's default language works in</a:t>
+              <a:t>flexbox </a:t>
+            </a:r>
+            <a:r>
+              <a:rPr lang="uk-UA" sz="1200" b="0" i="0" kern="1200" dirty="0">
+                <a:solidFill>
+                  <a:schemeClr val="tx1"/>
+                </a:solidFill>
+                <a:effectLst/>
+                <a:latin typeface="+mn-lt"/>
+                <a:ea typeface="+mn-ea"/>
+                <a:cs typeface="+mn-cs"/>
+              </a:rPr>
+              <a:t>діти) - за замовчуванням йому присвоюється значення </a:t>
+            </a:r>
+            <a:r>
+              <a:rPr lang="en-US" sz="1200" b="0" i="0" kern="1200" dirty="0">
+                <a:solidFill>
+                  <a:schemeClr val="tx1"/>
+                </a:solidFill>
+                <a:effectLst/>
+                <a:latin typeface="+mn-lt"/>
+                <a:ea typeface="+mn-ea"/>
+                <a:cs typeface="+mn-cs"/>
+              </a:rPr>
+              <a:t>row, </a:t>
+            </a:r>
+            <a:r>
+              <a:rPr lang="uk-UA" sz="1200" b="0" i="0" kern="1200" dirty="0">
+                <a:solidFill>
+                  <a:schemeClr val="tx1"/>
+                </a:solidFill>
+                <a:effectLst/>
+                <a:latin typeface="+mn-lt"/>
+                <a:ea typeface="+mn-ea"/>
+                <a:cs typeface="+mn-cs"/>
+              </a:rPr>
+              <a:t>тобто розташовувати дочірні елементи в ряд зліва направо (для більшості мов) або справа наліво (для арабських мов).</a:t>
             </a:r>
             <a:endParaRPr lang="uk-UA" dirty="0"/>
           </a:p>
@@ -1996,73 +3830,23 @@
           <a:lstStyle/>
           <a:p>
             <a:r>
-              <a:rPr lang="en-US" sz="1200" b="0" i="0" kern="1200" dirty="0">
-                <a:solidFill>
-                  <a:schemeClr val="tx1"/>
-                </a:solidFill>
-                <a:effectLst/>
-                <a:latin typeface="+mn-lt"/>
-                <a:ea typeface="+mn-ea"/>
-                <a:cs typeface="+mn-cs"/>
-              </a:rPr>
-              <a:t>Set both the </a:t>
-            </a:r>
-            <a:r>
               <a:rPr lang="en-US" dirty="0"/>
-              <a:t>justify-content</a:t>
-            </a:r>
-            <a:r>
-              <a:rPr lang="en-US" sz="1200" b="0" i="0" kern="1200" dirty="0">
-                <a:solidFill>
-                  <a:schemeClr val="tx1"/>
-                </a:solidFill>
-                <a:effectLst/>
-                <a:latin typeface="+mn-lt"/>
-                <a:ea typeface="+mn-ea"/>
-                <a:cs typeface="+mn-cs"/>
-              </a:rPr>
-              <a:t> and </a:t>
+              <a:t>align-items </a:t>
+            </a:r>
+            <a:r>
+              <a:rPr lang="uk-UA" dirty="0"/>
+              <a:t>контролює, де на поперечної осі знаходяться </a:t>
             </a:r>
             <a:r>
               <a:rPr lang="en-US" dirty="0"/>
-              <a:t>align-items</a:t>
-            </a:r>
-            <a:r>
-              <a:rPr lang="en-US" sz="1200" b="0" i="0" kern="1200" dirty="0">
-                <a:solidFill>
-                  <a:schemeClr val="tx1"/>
-                </a:solidFill>
-                <a:effectLst/>
-                <a:latin typeface="+mn-lt"/>
-                <a:ea typeface="+mn-ea"/>
-                <a:cs typeface="+mn-cs"/>
-              </a:rPr>
-              <a:t> properties to </a:t>
-            </a:r>
-            <a:r>
-              <a:rPr lang="en-US" sz="1200" b="0" i="1" kern="1200" dirty="0">
-                <a:solidFill>
-                  <a:schemeClr val="tx1"/>
-                </a:solidFill>
-                <a:effectLst/>
-                <a:latin typeface="+mn-lt"/>
-                <a:ea typeface="+mn-ea"/>
-                <a:cs typeface="+mn-cs"/>
-              </a:rPr>
-              <a:t>center,</a:t>
-            </a:r>
-            <a:r>
-              <a:rPr lang="en-US" sz="1200" b="0" i="0" kern="1200" dirty="0">
-                <a:solidFill>
-                  <a:schemeClr val="tx1"/>
-                </a:solidFill>
-                <a:effectLst/>
-                <a:latin typeface="+mn-lt"/>
-                <a:ea typeface="+mn-ea"/>
-                <a:cs typeface="+mn-cs"/>
-              </a:rPr>
-              <a:t> and the flex item will be perfectly centered</a:t>
-            </a:r>
+              <a:t>flex </a:t>
+            </a:r>
+            <a:r>
+              <a:rPr lang="uk-UA" dirty="0"/>
+              <a:t>елементи.</a:t>
+            </a:r>
+          </a:p>
+          <a:p>
             <a:endParaRPr lang="uk-UA" dirty="0"/>
           </a:p>
         </p:txBody>
@@ -2084,7 +3868,7 @@
           <a:p>
             <a:fld id="{22EF5D64-70F2-4A3C-9214-8664E4464032}" type="slidenum">
               <a:rPr lang="uk-UA" smtClean="0"/>
-              <a:t>22</a:t>
+              <a:t>18</a:t>
             </a:fld>
             <a:endParaRPr lang="uk-UA"/>
           </a:p>
@@ -2093,7 +3877,7 @@
     </p:spTree>
     <p:extLst>
       <p:ext uri="{BB962C8B-B14F-4D97-AF65-F5344CB8AC3E}">
-        <p14:creationId xmlns:p14="http://schemas.microsoft.com/office/powerpoint/2010/main" val="2999978564"/>
+        <p14:creationId xmlns:p14="http://schemas.microsoft.com/office/powerpoint/2010/main" val="651634386"/>
       </p:ext>
     </p:extLst>
   </p:cSld>
@@ -2147,18 +3931,128 @@
           <a:bodyPr/>
           <a:lstStyle/>
           <a:p>
-            <a:r>
-              <a:rPr lang="en-US" sz="1200" b="0" i="0" kern="1200" dirty="0">
-                <a:solidFill>
-                  <a:schemeClr val="tx1"/>
-                </a:solidFill>
-                <a:effectLst/>
-                <a:latin typeface="+mn-lt"/>
-                <a:ea typeface="+mn-ea"/>
-                <a:cs typeface="+mn-cs"/>
-              </a:rPr>
-              <a:t>One issue that arises when you have a fixed amount of width or height in your layout is that eventually your flexbox children will overflow their container, breaking the layout.</a:t>
-            </a:r>
+            <a:pPr marL="0" marR="0" lvl="0" indent="0" algn="l" defTabSz="914400" rtl="0" eaLnBrk="1" fontAlgn="auto" latinLnBrk="0" hangingPunct="1">
+              <a:lnSpc>
+                <a:spcPct val="100000"/>
+              </a:lnSpc>
+              <a:spcBef>
+                <a:spcPts val="0"/>
+              </a:spcBef>
+              <a:spcAft>
+                <a:spcPts val="0"/>
+              </a:spcAft>
+              <a:buClrTx/>
+              <a:buSzTx/>
+              <a:buFontTx/>
+              <a:buNone/>
+              <a:tabLst/>
+              <a:defRPr/>
+            </a:pPr>
+            <a:r>
+              <a:rPr lang="uk-UA" dirty="0"/>
+              <a:t>За замовчуванням стоїть значення </a:t>
+            </a:r>
+            <a:r>
+              <a:rPr lang="en-US" dirty="0"/>
+              <a:t>stretch, </a:t>
+            </a:r>
+            <a:r>
+              <a:rPr lang="uk-UA" dirty="0"/>
+              <a:t>яке розтягує всі </a:t>
+            </a:r>
+            <a:r>
+              <a:rPr lang="en-US" dirty="0"/>
+              <a:t>flex </a:t>
+            </a:r>
+            <a:r>
+              <a:rPr lang="uk-UA" dirty="0"/>
+              <a:t>елементи, щоб заповнити батька уздовж поперечної (</a:t>
+            </a:r>
+            <a:r>
+              <a:rPr lang="en-US" dirty="0"/>
+              <a:t>cross axis) </a:t>
+            </a:r>
+            <a:r>
+              <a:rPr lang="uk-UA" dirty="0"/>
+              <a:t>осі. Якщо у батьків немає фіксованої ширини уздовж поперечної осі, все </a:t>
+            </a:r>
+            <a:r>
+              <a:rPr lang="en-US" dirty="0"/>
+              <a:t>flex </a:t>
+            </a:r>
+            <a:r>
+              <a:rPr lang="uk-UA" dirty="0"/>
+              <a:t>елементи візьмуть довжину найдовшого </a:t>
+            </a:r>
+            <a:r>
+              <a:rPr lang="en-US" dirty="0"/>
+              <a:t>flex </a:t>
+            </a:r>
+            <a:r>
+              <a:rPr lang="uk-UA" dirty="0"/>
+              <a:t>елемента</a:t>
+            </a:r>
+          </a:p>
+          <a:p>
+            <a:pPr marL="0" marR="0" lvl="0" indent="0" algn="l" defTabSz="914400" rtl="0" eaLnBrk="1" fontAlgn="auto" latinLnBrk="0" hangingPunct="1">
+              <a:lnSpc>
+                <a:spcPct val="100000"/>
+              </a:lnSpc>
+              <a:spcBef>
+                <a:spcPts val="0"/>
+              </a:spcBef>
+              <a:spcAft>
+                <a:spcPts val="0"/>
+              </a:spcAft>
+              <a:buClrTx/>
+              <a:buSzTx/>
+              <a:buFontTx/>
+              <a:buNone/>
+              <a:tabLst/>
+              <a:defRPr/>
+            </a:pPr>
+            <a:r>
+              <a:rPr lang="uk-UA" dirty="0"/>
+              <a:t>Також є значення </a:t>
+            </a:r>
+            <a:r>
+              <a:rPr lang="en-US" dirty="0"/>
+              <a:t>flex-start </a:t>
+            </a:r>
+            <a:r>
+              <a:rPr lang="uk-UA" dirty="0"/>
+              <a:t>і </a:t>
+            </a:r>
+            <a:r>
+              <a:rPr lang="en-US" dirty="0"/>
+              <a:t>flex-end, </a:t>
+            </a:r>
+            <a:r>
+              <a:rPr lang="uk-UA" dirty="0"/>
+              <a:t>які вирівнюють всі елементи по початку і кінця поперечної осі відповідно.</a:t>
+            </a:r>
+          </a:p>
+          <a:p>
+            <a:pPr marL="0" marR="0" lvl="0" indent="0" algn="l" defTabSz="914400" rtl="0" eaLnBrk="1" fontAlgn="auto" latinLnBrk="0" hangingPunct="1">
+              <a:lnSpc>
+                <a:spcPct val="100000"/>
+              </a:lnSpc>
+              <a:spcBef>
+                <a:spcPts val="0"/>
+              </a:spcBef>
+              <a:spcAft>
+                <a:spcPts val="0"/>
+              </a:spcAft>
+              <a:buClrTx/>
+              <a:buSzTx/>
+              <a:buFontTx/>
+              <a:buNone/>
+              <a:tabLst/>
+              <a:defRPr/>
+            </a:pPr>
+            <a:endParaRPr lang="uk-UA" dirty="0"/>
+          </a:p>
+          <a:p>
             <a:endParaRPr lang="uk-UA" dirty="0"/>
           </a:p>
         </p:txBody>
@@ -2180,7 +4074,7 @@
           <a:p>
             <a:fld id="{22EF5D64-70F2-4A3C-9214-8664E4464032}" type="slidenum">
               <a:rPr lang="uk-UA" smtClean="0"/>
-              <a:t>23</a:t>
+              <a:t>19</a:t>
             </a:fld>
             <a:endParaRPr lang="uk-UA"/>
           </a:p>
@@ -2189,7 +4083,7 @@
     </p:spTree>
     <p:extLst>
       <p:ext uri="{BB962C8B-B14F-4D97-AF65-F5344CB8AC3E}">
-        <p14:creationId xmlns:p14="http://schemas.microsoft.com/office/powerpoint/2010/main" val="833648067"/>
+        <p14:creationId xmlns:p14="http://schemas.microsoft.com/office/powerpoint/2010/main" val="1416200058"/>
       </p:ext>
     </p:extLst>
   </p:cSld>
@@ -20241,7 +22135,7 @@
         </p:nvSpPr>
         <p:spPr>
           <a:xfrm>
-            <a:off x="10507204" y="1934787"/>
+            <a:off x="10507204" y="1929923"/>
             <a:ext cx="1088166" cy="1234246"/>
           </a:xfrm>
           <a:prstGeom prst="rect">
@@ -28226,6 +30120,23 @@
 </file>
 
 <file path=customXml/item1.xml><?xml version="1.0" encoding="utf-8"?>
+<?mso-contentType ?>
+<FormTemplates xmlns="http://schemas.microsoft.com/sharepoint/v3/contenttype/forms">
+  <Display>DocumentLibraryForm</Display>
+  <Edit>DocumentLibraryForm</Edit>
+  <New>DocumentLibraryForm</New>
+</FormTemplates>
+</file>
+
+<file path=customXml/item2.xml><?xml version="1.0" encoding="utf-8"?>
+<p:properties xmlns:p="http://schemas.microsoft.com/office/2006/metadata/properties" xmlns:xsi="http://www.w3.org/2001/XMLSchema-instance" xmlns:pc="http://schemas.microsoft.com/office/infopath/2007/PartnerControls">
+  <documentManagement>
+    <_x041a__x043e__x043c__x0435__x0442__x0430__x0440_ xmlns="835f28f2-30f1-4728-84d2-86d96e143488" xsi:nil="true"/>
+  </documentManagement>
+</p:properties>
+</file>
+
+<file path=customXml/item3.xml><?xml version="1.0" encoding="utf-8"?>
 <ct:contentTypeSchema xmlns:ct="http://schemas.microsoft.com/office/2006/metadata/contentType" xmlns:ma="http://schemas.microsoft.com/office/2006/metadata/properties/metaAttributes" ct:_="" ma:_="" ma:contentTypeName="Документ" ma:contentTypeID="0x0101004195FC54A15F344D83577B1CDDD67A5D" ma:contentTypeVersion="9" ma:contentTypeDescription="Создание документа." ma:contentTypeScope="" ma:versionID="961ec8db58076c7d3e9f84b9cd82fd45">
   <xsd:schema xmlns:xsd="http://www.w3.org/2001/XMLSchema" xmlns:xs="http://www.w3.org/2001/XMLSchema" xmlns:p="http://schemas.microsoft.com/office/2006/metadata/properties" xmlns:ns2="341e6018-ac0a-4dfb-8409-db9e0d25502e" xmlns:ns3="835f28f2-30f1-4728-84d2-86d96e143488" targetNamespace="http://schemas.microsoft.com/office/2006/metadata/properties" ma:root="true" ma:fieldsID="bd9f0c80ada20ee560e77d723f3ef44e" ns2:_="" ns3:_="">
     <xsd:import namespace="341e6018-ac0a-4dfb-8409-db9e0d25502e"/>
@@ -28424,24 +30335,32 @@
 </ct:contentTypeSchema>
 </file>
 
-<file path=customXml/item2.xml><?xml version="1.0" encoding="utf-8"?>
-<?mso-contentType ?>
-<FormTemplates xmlns="http://schemas.microsoft.com/sharepoint/v3/contenttype/forms">
-  <Display>DocumentLibraryForm</Display>
-  <Edit>DocumentLibraryForm</Edit>
-  <New>DocumentLibraryForm</New>
-</FormTemplates>
+<file path=customXml/itemProps1.xml><?xml version="1.0" encoding="utf-8"?>
+<ds:datastoreItem xmlns:ds="http://schemas.openxmlformats.org/officeDocument/2006/customXml" ds:itemID="{296B3B9E-03D8-4766-BF45-6129617CF026}">
+  <ds:schemaRefs>
+    <ds:schemaRef ds:uri="http://schemas.microsoft.com/sharepoint/v3/contenttype/forms"/>
+  </ds:schemaRefs>
+</ds:datastoreItem>
 </file>
 
-<file path=customXml/item3.xml><?xml version="1.0" encoding="utf-8"?>
-<p:properties xmlns:p="http://schemas.microsoft.com/office/2006/metadata/properties" xmlns:xsi="http://www.w3.org/2001/XMLSchema-instance" xmlns:pc="http://schemas.microsoft.com/office/infopath/2007/PartnerControls">
-  <documentManagement>
-    <_x041a__x043e__x043c__x0435__x0442__x0430__x0440_ xmlns="835f28f2-30f1-4728-84d2-86d96e143488" xsi:nil="true"/>
-  </documentManagement>
-</p:properties>
+<file path=customXml/itemProps2.xml><?xml version="1.0" encoding="utf-8"?>
+<ds:datastoreItem xmlns:ds="http://schemas.openxmlformats.org/officeDocument/2006/customXml" ds:itemID="{B3A1340B-3A1B-4156-ADE3-51DF6C2C795D}">
+  <ds:schemaRefs>
+    <ds:schemaRef ds:uri="http://schemas.microsoft.com/office/2006/documentManagement/types"/>
+    <ds:schemaRef ds:uri="http://purl.org/dc/terms/"/>
+    <ds:schemaRef ds:uri="http://schemas.openxmlformats.org/package/2006/metadata/core-properties"/>
+    <ds:schemaRef ds:uri="http://purl.org/dc/dcmitype/"/>
+    <ds:schemaRef ds:uri="http://www.w3.org/XML/1998/namespace"/>
+    <ds:schemaRef ds:uri="341e6018-ac0a-4dfb-8409-db9e0d25502e"/>
+    <ds:schemaRef ds:uri="http://purl.org/dc/elements/1.1/"/>
+    <ds:schemaRef ds:uri="835f28f2-30f1-4728-84d2-86d96e143488"/>
+    <ds:schemaRef ds:uri="http://schemas.microsoft.com/office/infopath/2007/PartnerControls"/>
+    <ds:schemaRef ds:uri="http://schemas.microsoft.com/office/2006/metadata/properties"/>
+  </ds:schemaRefs>
+</ds:datastoreItem>
 </file>
 
-<file path=customXml/itemProps1.xml><?xml version="1.0" encoding="utf-8"?>
+<file path=customXml/itemProps3.xml><?xml version="1.0" encoding="utf-8"?>
 <ds:datastoreItem xmlns:ds="http://schemas.openxmlformats.org/officeDocument/2006/customXml" ds:itemID="{CAFDAB34-20E1-438F-BCB2-ECDA5496F36D}">
   <ds:schemaRefs>
     <ds:schemaRef ds:uri="http://schemas.microsoft.com/office/2006/metadata/contentType"/>
@@ -28458,29 +30377,4 @@
     <ds:schemaRef ds:uri="http://schemas.microsoft.com/internal/obd"/>
   </ds:schemaRefs>
 </ds:datastoreItem>
-</file>
-
-<file path=customXml/itemProps2.xml><?xml version="1.0" encoding="utf-8"?>
-<ds:datastoreItem xmlns:ds="http://schemas.openxmlformats.org/officeDocument/2006/customXml" ds:itemID="{296B3B9E-03D8-4766-BF45-6129617CF026}">
-  <ds:schemaRefs>
-    <ds:schemaRef ds:uri="http://schemas.microsoft.com/sharepoint/v3/contenttype/forms"/>
-  </ds:schemaRefs>
-</ds:datastoreItem>
-</file>
-
-<file path=customXml/itemProps3.xml><?xml version="1.0" encoding="utf-8"?>
-<ds:datastoreItem xmlns:ds="http://schemas.openxmlformats.org/officeDocument/2006/customXml" ds:itemID="{B3A1340B-3A1B-4156-ADE3-51DF6C2C795D}">
-  <ds:schemaRefs>
-    <ds:schemaRef ds:uri="http://schemas.microsoft.com/office/2006/documentManagement/types"/>
-    <ds:schemaRef ds:uri="http://purl.org/dc/terms/"/>
-    <ds:schemaRef ds:uri="http://schemas.openxmlformats.org/package/2006/metadata/core-properties"/>
-    <ds:schemaRef ds:uri="http://purl.org/dc/dcmitype/"/>
-    <ds:schemaRef ds:uri="http://www.w3.org/XML/1998/namespace"/>
-    <ds:schemaRef ds:uri="341e6018-ac0a-4dfb-8409-db9e0d25502e"/>
-    <ds:schemaRef ds:uri="http://purl.org/dc/elements/1.1/"/>
-    <ds:schemaRef ds:uri="835f28f2-30f1-4728-84d2-86d96e143488"/>
-    <ds:schemaRef ds:uri="http://schemas.microsoft.com/office/infopath/2007/PartnerControls"/>
-    <ds:schemaRef ds:uri="http://schemas.microsoft.com/office/2006/metadata/properties"/>
-  </ds:schemaRefs>
-</ds:datastoreItem>
 </file>